--- a/Object-Oriented Programming/Consultation 2/Consultation2.pptx
+++ b/Object-Oriented Programming/Consultation 2/Consultation2.pptx
@@ -5,7 +5,7 @@
     <p:sldMasterId id="2147483648" r:id="rId1"/>
   </p:sldMasterIdLst>
   <p:notesMasterIdLst>
-    <p:notesMasterId r:id="rId60"/>
+    <p:notesMasterId r:id="rId107"/>
   </p:notesMasterIdLst>
   <p:sldIdLst>
     <p:sldId id="257" r:id="rId2"/>
@@ -62,10 +62,57 @@
     <p:sldId id="857" r:id="rId53"/>
     <p:sldId id="858" r:id="rId54"/>
     <p:sldId id="855" r:id="rId55"/>
-    <p:sldId id="859" r:id="rId56"/>
-    <p:sldId id="836" r:id="rId57"/>
-    <p:sldId id="806" r:id="rId58"/>
-    <p:sldId id="392" r:id="rId59"/>
+    <p:sldId id="861" r:id="rId56"/>
+    <p:sldId id="859" r:id="rId57"/>
+    <p:sldId id="863" r:id="rId58"/>
+    <p:sldId id="862" r:id="rId59"/>
+    <p:sldId id="864" r:id="rId60"/>
+    <p:sldId id="865" r:id="rId61"/>
+    <p:sldId id="866" r:id="rId62"/>
+    <p:sldId id="868" r:id="rId63"/>
+    <p:sldId id="867" r:id="rId64"/>
+    <p:sldId id="869" r:id="rId65"/>
+    <p:sldId id="870" r:id="rId66"/>
+    <p:sldId id="871" r:id="rId67"/>
+    <p:sldId id="872" r:id="rId68"/>
+    <p:sldId id="873" r:id="rId69"/>
+    <p:sldId id="874" r:id="rId70"/>
+    <p:sldId id="877" r:id="rId71"/>
+    <p:sldId id="875" r:id="rId72"/>
+    <p:sldId id="876" r:id="rId73"/>
+    <p:sldId id="878" r:id="rId74"/>
+    <p:sldId id="879" r:id="rId75"/>
+    <p:sldId id="880" r:id="rId76"/>
+    <p:sldId id="881" r:id="rId77"/>
+    <p:sldId id="883" r:id="rId78"/>
+    <p:sldId id="882" r:id="rId79"/>
+    <p:sldId id="884" r:id="rId80"/>
+    <p:sldId id="885" r:id="rId81"/>
+    <p:sldId id="886" r:id="rId82"/>
+    <p:sldId id="906" r:id="rId83"/>
+    <p:sldId id="860" r:id="rId84"/>
+    <p:sldId id="887" r:id="rId85"/>
+    <p:sldId id="888" r:id="rId86"/>
+    <p:sldId id="889" r:id="rId87"/>
+    <p:sldId id="890" r:id="rId88"/>
+    <p:sldId id="891" r:id="rId89"/>
+    <p:sldId id="893" r:id="rId90"/>
+    <p:sldId id="894" r:id="rId91"/>
+    <p:sldId id="896" r:id="rId92"/>
+    <p:sldId id="895" r:id="rId93"/>
+    <p:sldId id="897" r:id="rId94"/>
+    <p:sldId id="898" r:id="rId95"/>
+    <p:sldId id="899" r:id="rId96"/>
+    <p:sldId id="900" r:id="rId97"/>
+    <p:sldId id="901" r:id="rId98"/>
+    <p:sldId id="905" r:id="rId99"/>
+    <p:sldId id="836" r:id="rId100"/>
+    <p:sldId id="902" r:id="rId101"/>
+    <p:sldId id="903" r:id="rId102"/>
+    <p:sldId id="904" r:id="rId103"/>
+    <p:sldId id="907" r:id="rId104"/>
+    <p:sldId id="806" r:id="rId105"/>
+    <p:sldId id="392" r:id="rId106"/>
   </p:sldIdLst>
   <p:sldSz cx="12192000" cy="6858000"/>
   <p:notesSz cx="6858000" cy="9144000"/>
@@ -4012,6 +4059,744 @@
 </p:sld>
 </file>
 
+<file path=ppt/slides/slide100.xml><?xml version="1.0" encoding="utf-8"?>
+<p:sld xmlns:a="http://schemas.openxmlformats.org/drawingml/2006/main" xmlns:r="http://schemas.openxmlformats.org/officeDocument/2006/relationships" xmlns:p="http://schemas.openxmlformats.org/presentationml/2006/main">
+  <p:cSld>
+    <p:spTree>
+      <p:nvGrpSpPr>
+        <p:cNvPr id="1" name=""/>
+        <p:cNvGrpSpPr/>
+        <p:nvPr/>
+      </p:nvGrpSpPr>
+      <p:grpSpPr>
+        <a:xfrm>
+          <a:off x="0" y="0"/>
+          <a:ext cx="0" cy="0"/>
+          <a:chOff x="0" y="0"/>
+          <a:chExt cx="0" cy="0"/>
+        </a:xfrm>
+      </p:grpSpPr>
+      <p:sp>
+        <p:nvSpPr>
+          <p:cNvPr id="2" name="Заглавие 1">
+            <a:extLst>
+              <a:ext uri="{FF2B5EF4-FFF2-40B4-BE49-F238E27FC236}">
+                <a16:creationId xmlns:a16="http://schemas.microsoft.com/office/drawing/2014/main" id="{98CB4BDA-C23B-4474-9EC2-6FC37C8121F7}"/>
+              </a:ext>
+            </a:extLst>
+          </p:cNvPr>
+          <p:cNvSpPr>
+            <a:spLocks noGrp="1"/>
+          </p:cNvSpPr>
+          <p:nvPr>
+            <p:ph type="title"/>
+          </p:nvPr>
+        </p:nvSpPr>
+        <p:spPr/>
+        <p:txBody>
+          <a:bodyPr/>
+          <a:lstStyle/>
+          <a:p>
+            <a:endParaRPr lang="bg-BG"/>
+          </a:p>
+        </p:txBody>
+      </p:sp>
+      <p:pic>
+        <p:nvPicPr>
+          <p:cNvPr id="5" name="Контейнер за съдържание 4">
+            <a:extLst>
+              <a:ext uri="{FF2B5EF4-FFF2-40B4-BE49-F238E27FC236}">
+                <a16:creationId xmlns:a16="http://schemas.microsoft.com/office/drawing/2014/main" id="{3A57D8B7-B16A-40E3-BC31-0AD5D39272DD}"/>
+              </a:ext>
+            </a:extLst>
+          </p:cNvPr>
+          <p:cNvPicPr>
+            <a:picLocks noGrp="1" noChangeAspect="1"/>
+          </p:cNvPicPr>
+          <p:nvPr>
+            <p:ph idx="1"/>
+          </p:nvPr>
+        </p:nvPicPr>
+        <p:blipFill>
+          <a:blip r:embed="rId2">
+            <a:extLst>
+              <a:ext uri="{28A0092B-C50C-407E-A947-70E740481C1C}">
+                <a14:useLocalDpi xmlns:a14="http://schemas.microsoft.com/office/drawing/2010/main" val="0"/>
+              </a:ext>
+            </a:extLst>
+          </a:blip>
+          <a:stretch>
+            <a:fillRect/>
+          </a:stretch>
+        </p:blipFill>
+        <p:spPr>
+          <a:xfrm>
+            <a:off x="0" y="-1"/>
+            <a:ext cx="12192000" cy="6854653"/>
+          </a:xfrm>
+        </p:spPr>
+      </p:pic>
+    </p:spTree>
+    <p:extLst>
+      <p:ext uri="{BB962C8B-B14F-4D97-AF65-F5344CB8AC3E}">
+        <p14:creationId xmlns:p14="http://schemas.microsoft.com/office/powerpoint/2010/main" val="4139807250"/>
+      </p:ext>
+    </p:extLst>
+  </p:cSld>
+  <p:clrMapOvr>
+    <a:masterClrMapping/>
+  </p:clrMapOvr>
+</p:sld>
+</file>
+
+<file path=ppt/slides/slide101.xml><?xml version="1.0" encoding="utf-8"?>
+<p:sld xmlns:a="http://schemas.openxmlformats.org/drawingml/2006/main" xmlns:r="http://schemas.openxmlformats.org/officeDocument/2006/relationships" xmlns:p="http://schemas.openxmlformats.org/presentationml/2006/main">
+  <p:cSld>
+    <p:spTree>
+      <p:nvGrpSpPr>
+        <p:cNvPr id="1" name=""/>
+        <p:cNvGrpSpPr/>
+        <p:nvPr/>
+      </p:nvGrpSpPr>
+      <p:grpSpPr>
+        <a:xfrm>
+          <a:off x="0" y="0"/>
+          <a:ext cx="0" cy="0"/>
+          <a:chOff x="0" y="0"/>
+          <a:chExt cx="0" cy="0"/>
+        </a:xfrm>
+      </p:grpSpPr>
+      <p:sp>
+        <p:nvSpPr>
+          <p:cNvPr id="2" name="Заглавие 1">
+            <a:extLst>
+              <a:ext uri="{FF2B5EF4-FFF2-40B4-BE49-F238E27FC236}">
+                <a16:creationId xmlns:a16="http://schemas.microsoft.com/office/drawing/2014/main" id="{F0F9F3B5-B2B4-48F2-8F97-8E9FFFA18058}"/>
+              </a:ext>
+            </a:extLst>
+          </p:cNvPr>
+          <p:cNvSpPr>
+            <a:spLocks noGrp="1"/>
+          </p:cNvSpPr>
+          <p:nvPr>
+            <p:ph type="title"/>
+          </p:nvPr>
+        </p:nvSpPr>
+        <p:spPr/>
+        <p:txBody>
+          <a:bodyPr/>
+          <a:lstStyle/>
+          <a:p>
+            <a:r>
+              <a:rPr lang="bg-BG" dirty="0"/>
+              <a:t>Приятелски функции и </a:t>
+            </a:r>
+            <a:r>
+              <a:rPr lang="en-GB" dirty="0"/>
+              <a:t>templates</a:t>
+            </a:r>
+            <a:endParaRPr lang="bg-BG" dirty="0"/>
+          </a:p>
+        </p:txBody>
+      </p:sp>
+      <p:sp>
+        <p:nvSpPr>
+          <p:cNvPr id="3" name="Контейнер за съдържание 2">
+            <a:extLst>
+              <a:ext uri="{FF2B5EF4-FFF2-40B4-BE49-F238E27FC236}">
+                <a16:creationId xmlns:a16="http://schemas.microsoft.com/office/drawing/2014/main" id="{A494A05C-368E-4C68-AA99-F080E60BF4E3}"/>
+              </a:ext>
+            </a:extLst>
+          </p:cNvPr>
+          <p:cNvSpPr>
+            <a:spLocks noGrp="1"/>
+          </p:cNvSpPr>
+          <p:nvPr>
+            <p:ph idx="1"/>
+          </p:nvPr>
+        </p:nvSpPr>
+        <p:spPr/>
+        <p:txBody>
+          <a:bodyPr/>
+          <a:lstStyle/>
+          <a:p>
+            <a:r>
+              <a:rPr lang="bg-BG" dirty="0"/>
+              <a:t>Любима грешка на малки и големи </a:t>
+            </a:r>
+            <a:r>
+              <a:rPr lang="bg-BG" dirty="0">
+                <a:sym typeface="Wingdings" panose="05000000000000000000" pitchFamily="2" charset="2"/>
+              </a:rPr>
+              <a:t></a:t>
+            </a:r>
+          </a:p>
+          <a:p>
+            <a:endParaRPr lang="bg-BG" dirty="0">
+              <a:sym typeface="Wingdings" panose="05000000000000000000" pitchFamily="2" charset="2"/>
+            </a:endParaRPr>
+          </a:p>
+          <a:p>
+            <a:r>
+              <a:rPr lang="bg-BG" dirty="0">
+                <a:sym typeface="Wingdings" panose="05000000000000000000" pitchFamily="2" charset="2"/>
+              </a:rPr>
+              <a:t>Обяснението на този проблем не е никак тривиално</a:t>
+            </a:r>
+          </a:p>
+          <a:p>
+            <a:endParaRPr lang="bg-BG" dirty="0">
+              <a:sym typeface="Wingdings" panose="05000000000000000000" pitchFamily="2" charset="2"/>
+            </a:endParaRPr>
+          </a:p>
+          <a:p>
+            <a:r>
+              <a:rPr lang="bg-BG" dirty="0">
+                <a:sym typeface="Wingdings" panose="05000000000000000000" pitchFamily="2" charset="2"/>
+              </a:rPr>
+              <a:t>Накратко трябва да се уточни, че </a:t>
+            </a:r>
+            <a:r>
+              <a:rPr lang="en-GB" dirty="0">
+                <a:sym typeface="Wingdings" panose="05000000000000000000" pitchFamily="2" charset="2"/>
+              </a:rPr>
+              <a:t>friend </a:t>
+            </a:r>
+            <a:r>
+              <a:rPr lang="bg-BG" dirty="0">
+                <a:sym typeface="Wingdings" panose="05000000000000000000" pitchFamily="2" charset="2"/>
+              </a:rPr>
+              <a:t>функцията е шаблонна</a:t>
+            </a:r>
+            <a:endParaRPr lang="en-GB" dirty="0">
+              <a:sym typeface="Wingdings" panose="05000000000000000000" pitchFamily="2" charset="2"/>
+            </a:endParaRPr>
+          </a:p>
+          <a:p>
+            <a:endParaRPr lang="en-GB" dirty="0">
+              <a:sym typeface="Wingdings" panose="05000000000000000000" pitchFamily="2" charset="2"/>
+            </a:endParaRPr>
+          </a:p>
+          <a:p>
+            <a:r>
+              <a:rPr lang="bg-BG" dirty="0">
+                <a:sym typeface="Wingdings" panose="05000000000000000000" pitchFamily="2" charset="2"/>
+              </a:rPr>
+              <a:t>Приемете го на доверие и го използвайте така или вижте в материалите в края</a:t>
+            </a:r>
+            <a:endParaRPr lang="bg-BG" dirty="0"/>
+          </a:p>
+        </p:txBody>
+      </p:sp>
+    </p:spTree>
+    <p:extLst>
+      <p:ext uri="{BB962C8B-B14F-4D97-AF65-F5344CB8AC3E}">
+        <p14:creationId xmlns:p14="http://schemas.microsoft.com/office/powerpoint/2010/main" val="578840693"/>
+      </p:ext>
+    </p:extLst>
+  </p:cSld>
+  <p:clrMapOvr>
+    <a:masterClrMapping/>
+  </p:clrMapOvr>
+</p:sld>
+</file>
+
+<file path=ppt/slides/slide102.xml><?xml version="1.0" encoding="utf-8"?>
+<p:sld xmlns:a="http://schemas.openxmlformats.org/drawingml/2006/main" xmlns:r="http://schemas.openxmlformats.org/officeDocument/2006/relationships" xmlns:p="http://schemas.openxmlformats.org/presentationml/2006/main">
+  <p:cSld>
+    <p:spTree>
+      <p:nvGrpSpPr>
+        <p:cNvPr id="1" name=""/>
+        <p:cNvGrpSpPr/>
+        <p:nvPr/>
+      </p:nvGrpSpPr>
+      <p:grpSpPr>
+        <a:xfrm>
+          <a:off x="0" y="0"/>
+          <a:ext cx="0" cy="0"/>
+          <a:chOff x="0" y="0"/>
+          <a:chExt cx="0" cy="0"/>
+        </a:xfrm>
+      </p:grpSpPr>
+      <p:sp>
+        <p:nvSpPr>
+          <p:cNvPr id="2" name="Заглавие 1">
+            <a:extLst>
+              <a:ext uri="{FF2B5EF4-FFF2-40B4-BE49-F238E27FC236}">
+                <a16:creationId xmlns:a16="http://schemas.microsoft.com/office/drawing/2014/main" id="{A06850C5-80FF-4403-BE00-9D7599FEEDC9}"/>
+              </a:ext>
+            </a:extLst>
+          </p:cNvPr>
+          <p:cNvSpPr>
+            <a:spLocks noGrp="1"/>
+          </p:cNvSpPr>
+          <p:nvPr>
+            <p:ph type="title"/>
+          </p:nvPr>
+        </p:nvSpPr>
+        <p:spPr/>
+        <p:txBody>
+          <a:bodyPr/>
+          <a:lstStyle/>
+          <a:p>
+            <a:endParaRPr lang="bg-BG"/>
+          </a:p>
+        </p:txBody>
+      </p:sp>
+      <p:pic>
+        <p:nvPicPr>
+          <p:cNvPr id="5" name="Контейнер за съдържание 4">
+            <a:extLst>
+              <a:ext uri="{FF2B5EF4-FFF2-40B4-BE49-F238E27FC236}">
+                <a16:creationId xmlns:a16="http://schemas.microsoft.com/office/drawing/2014/main" id="{DC60D1F6-0683-4816-8C49-E4BBEC86ECB9}"/>
+              </a:ext>
+            </a:extLst>
+          </p:cNvPr>
+          <p:cNvPicPr>
+            <a:picLocks noGrp="1" noChangeAspect="1"/>
+          </p:cNvPicPr>
+          <p:nvPr>
+            <p:ph idx="1"/>
+          </p:nvPr>
+        </p:nvPicPr>
+        <p:blipFill>
+          <a:blip r:embed="rId2">
+            <a:extLst>
+              <a:ext uri="{28A0092B-C50C-407E-A947-70E740481C1C}">
+                <a14:useLocalDpi xmlns:a14="http://schemas.microsoft.com/office/drawing/2010/main" val="0"/>
+              </a:ext>
+            </a:extLst>
+          </a:blip>
+          <a:stretch>
+            <a:fillRect/>
+          </a:stretch>
+        </p:blipFill>
+        <p:spPr>
+          <a:xfrm>
+            <a:off x="0" y="-1"/>
+            <a:ext cx="12192000" cy="6854653"/>
+          </a:xfrm>
+        </p:spPr>
+      </p:pic>
+    </p:spTree>
+    <p:extLst>
+      <p:ext uri="{BB962C8B-B14F-4D97-AF65-F5344CB8AC3E}">
+        <p14:creationId xmlns:p14="http://schemas.microsoft.com/office/powerpoint/2010/main" val="4030734382"/>
+      </p:ext>
+    </p:extLst>
+  </p:cSld>
+  <p:clrMapOvr>
+    <a:masterClrMapping/>
+  </p:clrMapOvr>
+</p:sld>
+</file>
+
+<file path=ppt/slides/slide103.xml><?xml version="1.0" encoding="utf-8"?>
+<p:sld xmlns:a="http://schemas.openxmlformats.org/drawingml/2006/main" xmlns:r="http://schemas.openxmlformats.org/officeDocument/2006/relationships" xmlns:p="http://schemas.openxmlformats.org/presentationml/2006/main">
+  <p:cSld>
+    <p:spTree>
+      <p:nvGrpSpPr>
+        <p:cNvPr id="1" name=""/>
+        <p:cNvGrpSpPr/>
+        <p:nvPr/>
+      </p:nvGrpSpPr>
+      <p:grpSpPr>
+        <a:xfrm>
+          <a:off x="0" y="0"/>
+          <a:ext cx="0" cy="0"/>
+          <a:chOff x="0" y="0"/>
+          <a:chExt cx="0" cy="0"/>
+        </a:xfrm>
+      </p:grpSpPr>
+      <p:sp>
+        <p:nvSpPr>
+          <p:cNvPr id="2" name="Заглавие 1">
+            <a:extLst>
+              <a:ext uri="{FF2B5EF4-FFF2-40B4-BE49-F238E27FC236}">
+                <a16:creationId xmlns:a16="http://schemas.microsoft.com/office/drawing/2014/main" id="{4FAA85E0-0914-4F18-968C-755A42245CDC}"/>
+              </a:ext>
+            </a:extLst>
+          </p:cNvPr>
+          <p:cNvSpPr>
+            <a:spLocks noGrp="1"/>
+          </p:cNvSpPr>
+          <p:nvPr>
+            <p:ph type="title"/>
+          </p:nvPr>
+        </p:nvSpPr>
+        <p:spPr/>
+        <p:txBody>
+          <a:bodyPr/>
+          <a:lstStyle/>
+          <a:p>
+            <a:r>
+              <a:rPr lang="bg-BG" dirty="0"/>
+              <a:t>Допълнителни материали</a:t>
+            </a:r>
+          </a:p>
+        </p:txBody>
+      </p:sp>
+      <p:sp>
+        <p:nvSpPr>
+          <p:cNvPr id="3" name="Контейнер за съдържание 2">
+            <a:extLst>
+              <a:ext uri="{FF2B5EF4-FFF2-40B4-BE49-F238E27FC236}">
+                <a16:creationId xmlns:a16="http://schemas.microsoft.com/office/drawing/2014/main" id="{23D2B91E-50FF-4F41-BE5B-B85A965E1F11}"/>
+              </a:ext>
+            </a:extLst>
+          </p:cNvPr>
+          <p:cNvSpPr>
+            <a:spLocks noGrp="1"/>
+          </p:cNvSpPr>
+          <p:nvPr>
+            <p:ph idx="1"/>
+          </p:nvPr>
+        </p:nvSpPr>
+        <p:spPr/>
+        <p:txBody>
+          <a:bodyPr/>
+          <a:lstStyle/>
+          <a:p>
+            <a:r>
+              <a:rPr lang="bg-BG" dirty="0"/>
+              <a:t>Много подробна информация за </a:t>
+            </a:r>
+            <a:r>
+              <a:rPr lang="en-GB" dirty="0"/>
+              <a:t>templates </a:t>
+            </a:r>
+          </a:p>
+          <a:p>
+            <a:pPr marL="0" indent="0">
+              <a:buNone/>
+            </a:pPr>
+            <a:r>
+              <a:rPr lang="en-GB" dirty="0">
+                <a:hlinkClick r:id="rId2"/>
+              </a:rPr>
+              <a:t>https://isocpp.org/wiki/faq/templates#separate-template-class-defn-from-decl</a:t>
+            </a:r>
+            <a:endParaRPr lang="en-GB" dirty="0"/>
+          </a:p>
+          <a:p>
+            <a:pPr marL="0" indent="0">
+              <a:buNone/>
+            </a:pPr>
+            <a:endParaRPr lang="en-GB" dirty="0"/>
+          </a:p>
+          <a:p>
+            <a:r>
+              <a:rPr lang="bg-BG" dirty="0"/>
+              <a:t>Много детайлна книга, която може да ви предложи много</a:t>
+            </a:r>
+            <a:endParaRPr lang="en-GB" dirty="0"/>
+          </a:p>
+          <a:p>
+            <a:pPr marL="0" indent="0">
+              <a:buNone/>
+            </a:pPr>
+            <a:r>
+              <a:rPr lang="en-GB" dirty="0">
+                <a:hlinkClick r:id="rId3"/>
+              </a:rPr>
+              <a:t>https://doc.lagout.org/programmation/C/Addison.Wesley.Effective.CPP.3rd.Edition.May.2005.pdf</a:t>
+            </a:r>
+            <a:endParaRPr lang="bg-BG" dirty="0"/>
+          </a:p>
+          <a:p>
+            <a:pPr marL="0" indent="0">
+              <a:buNone/>
+            </a:pPr>
+            <a:endParaRPr lang="bg-BG" dirty="0"/>
+          </a:p>
+        </p:txBody>
+      </p:sp>
+    </p:spTree>
+    <p:extLst>
+      <p:ext uri="{BB962C8B-B14F-4D97-AF65-F5344CB8AC3E}">
+        <p14:creationId xmlns:p14="http://schemas.microsoft.com/office/powerpoint/2010/main" val="4018195701"/>
+      </p:ext>
+    </p:extLst>
+  </p:cSld>
+  <p:clrMapOvr>
+    <a:masterClrMapping/>
+  </p:clrMapOvr>
+</p:sld>
+</file>
+
+<file path=ppt/slides/slide104.xml><?xml version="1.0" encoding="utf-8"?>
+<p:sld xmlns:a="http://schemas.openxmlformats.org/drawingml/2006/main" xmlns:r="http://schemas.openxmlformats.org/officeDocument/2006/relationships" xmlns:p="http://schemas.openxmlformats.org/presentationml/2006/main">
+  <p:cSld>
+    <p:spTree>
+      <p:nvGrpSpPr>
+        <p:cNvPr id="1" name=""/>
+        <p:cNvGrpSpPr/>
+        <p:nvPr/>
+      </p:nvGrpSpPr>
+      <p:grpSpPr>
+        <a:xfrm>
+          <a:off x="0" y="0"/>
+          <a:ext cx="0" cy="0"/>
+          <a:chOff x="0" y="0"/>
+          <a:chExt cx="0" cy="0"/>
+        </a:xfrm>
+      </p:grpSpPr>
+      <p:sp>
+        <p:nvSpPr>
+          <p:cNvPr id="2" name="Заглавие 1">
+            <a:extLst>
+              <a:ext uri="{FF2B5EF4-FFF2-40B4-BE49-F238E27FC236}">
+                <a16:creationId xmlns:a16="http://schemas.microsoft.com/office/drawing/2014/main" id="{7049B54D-A551-4358-B449-4A513F065C9D}"/>
+              </a:ext>
+            </a:extLst>
+          </p:cNvPr>
+          <p:cNvSpPr>
+            <a:spLocks noGrp="1"/>
+          </p:cNvSpPr>
+          <p:nvPr>
+            <p:ph type="title"/>
+          </p:nvPr>
+        </p:nvSpPr>
+        <p:spPr/>
+        <p:txBody>
+          <a:bodyPr/>
+          <a:lstStyle/>
+          <a:p>
+            <a:r>
+              <a:rPr lang="bg-BG" dirty="0"/>
+              <a:t>Успех на контролното</a:t>
+            </a:r>
+          </a:p>
+        </p:txBody>
+      </p:sp>
+      <p:sp>
+        <p:nvSpPr>
+          <p:cNvPr id="3" name="Контейнер за съдържание 2">
+            <a:extLst>
+              <a:ext uri="{FF2B5EF4-FFF2-40B4-BE49-F238E27FC236}">
+                <a16:creationId xmlns:a16="http://schemas.microsoft.com/office/drawing/2014/main" id="{818CB51F-B5BD-4248-BDFB-F6E469AD413F}"/>
+              </a:ext>
+            </a:extLst>
+          </p:cNvPr>
+          <p:cNvSpPr>
+            <a:spLocks noGrp="1"/>
+          </p:cNvSpPr>
+          <p:nvPr>
+            <p:ph idx="1"/>
+          </p:nvPr>
+        </p:nvSpPr>
+        <p:spPr>
+          <a:xfrm>
+            <a:off x="838200" y="1825625"/>
+            <a:ext cx="10515600" cy="4351338"/>
+          </a:xfrm>
+        </p:spPr>
+        <p:txBody>
+          <a:bodyPr/>
+          <a:lstStyle/>
+          <a:p>
+            <a:r>
+              <a:rPr lang="bg-BG" dirty="0">
+                <a:solidFill>
+                  <a:srgbClr val="3ADE00"/>
+                </a:solidFill>
+              </a:rPr>
+              <a:t>Благодаря, че ме изтърпяхте, разбийте ги в неделя </a:t>
+            </a:r>
+            <a:r>
+              <a:rPr lang="bg-BG" dirty="0">
+                <a:solidFill>
+                  <a:srgbClr val="3ADE00"/>
+                </a:solidFill>
+                <a:sym typeface="Wingdings" panose="05000000000000000000" pitchFamily="2" charset="2"/>
+              </a:rPr>
+              <a:t></a:t>
+            </a:r>
+            <a:endParaRPr lang="bg-BG" dirty="0">
+              <a:solidFill>
+                <a:srgbClr val="00B0F0"/>
+              </a:solidFill>
+            </a:endParaRPr>
+          </a:p>
+        </p:txBody>
+      </p:sp>
+      <p:pic>
+        <p:nvPicPr>
+          <p:cNvPr id="1030" name="Picture 6" descr="https://encrypted-tbn0.gstatic.com/images?q=tbn:ANd9GcTP90oaYseOYWFv_zmdLxHkU7X7fsJ40JYmtTwpes1YAfHmpMuR">
+            <a:extLst>
+              <a:ext uri="{FF2B5EF4-FFF2-40B4-BE49-F238E27FC236}">
+                <a16:creationId xmlns:a16="http://schemas.microsoft.com/office/drawing/2014/main" id="{FC178670-319D-4DC3-BDDD-514BC66EAE8F}"/>
+              </a:ext>
+            </a:extLst>
+          </p:cNvPr>
+          <p:cNvPicPr>
+            <a:picLocks noChangeAspect="1" noChangeArrowheads="1"/>
+          </p:cNvPicPr>
+          <p:nvPr/>
+        </p:nvPicPr>
+        <p:blipFill>
+          <a:blip r:embed="rId2">
+            <a:extLst>
+              <a:ext uri="{28A0092B-C50C-407E-A947-70E740481C1C}">
+                <a14:useLocalDpi xmlns:a14="http://schemas.microsoft.com/office/drawing/2010/main" val="0"/>
+              </a:ext>
+            </a:extLst>
+          </a:blip>
+          <a:srcRect/>
+          <a:stretch>
+            <a:fillRect/>
+          </a:stretch>
+        </p:blipFill>
+        <p:spPr bwMode="auto">
+          <a:xfrm>
+            <a:off x="3156805" y="2505075"/>
+            <a:ext cx="5323919" cy="3987800"/>
+          </a:xfrm>
+          <a:prstGeom prst="rect">
+            <a:avLst/>
+          </a:prstGeom>
+          <a:noFill/>
+          <a:extLst>
+            <a:ext uri="{909E8E84-426E-40DD-AFC4-6F175D3DCCD1}">
+              <a14:hiddenFill xmlns:a14="http://schemas.microsoft.com/office/drawing/2010/main">
+                <a:solidFill>
+                  <a:srgbClr val="FFFFFF"/>
+                </a:solidFill>
+              </a14:hiddenFill>
+            </a:ext>
+          </a:extLst>
+        </p:spPr>
+      </p:pic>
+    </p:spTree>
+    <p:extLst>
+      <p:ext uri="{BB962C8B-B14F-4D97-AF65-F5344CB8AC3E}">
+        <p14:creationId xmlns:p14="http://schemas.microsoft.com/office/powerpoint/2010/main" val="3909627339"/>
+      </p:ext>
+    </p:extLst>
+  </p:cSld>
+  <p:clrMapOvr>
+    <a:masterClrMapping/>
+  </p:clrMapOvr>
+</p:sld>
+</file>
+
+<file path=ppt/slides/slide105.xml><?xml version="1.0" encoding="utf-8"?>
+<p:sld xmlns:a="http://schemas.openxmlformats.org/drawingml/2006/main" xmlns:r="http://schemas.openxmlformats.org/officeDocument/2006/relationships" xmlns:p="http://schemas.openxmlformats.org/presentationml/2006/main">
+  <p:cSld>
+    <p:spTree>
+      <p:nvGrpSpPr>
+        <p:cNvPr id="1" name=""/>
+        <p:cNvGrpSpPr/>
+        <p:nvPr/>
+      </p:nvGrpSpPr>
+      <p:grpSpPr>
+        <a:xfrm>
+          <a:off x="0" y="0"/>
+          <a:ext cx="0" cy="0"/>
+          <a:chOff x="0" y="0"/>
+          <a:chExt cx="0" cy="0"/>
+        </a:xfrm>
+      </p:grpSpPr>
+      <p:sp>
+        <p:nvSpPr>
+          <p:cNvPr id="2" name="Заглавие 1">
+            <a:extLst>
+              <a:ext uri="{FF2B5EF4-FFF2-40B4-BE49-F238E27FC236}">
+                <a16:creationId xmlns:a16="http://schemas.microsoft.com/office/drawing/2014/main" id="{301C5825-3318-4902-9287-D16E8A197CC5}"/>
+              </a:ext>
+            </a:extLst>
+          </p:cNvPr>
+          <p:cNvSpPr>
+            <a:spLocks noGrp="1"/>
+          </p:cNvSpPr>
+          <p:nvPr>
+            <p:ph type="title"/>
+          </p:nvPr>
+        </p:nvSpPr>
+        <p:spPr/>
+        <p:txBody>
+          <a:bodyPr/>
+          <a:lstStyle/>
+          <a:p>
+            <a:r>
+              <a:rPr lang="bg-BG" dirty="0"/>
+              <a:t>Източници</a:t>
+            </a:r>
+            <a:endParaRPr lang="en-GB" dirty="0"/>
+          </a:p>
+        </p:txBody>
+      </p:sp>
+      <p:sp>
+        <p:nvSpPr>
+          <p:cNvPr id="3" name="Контейнер за съдържание 2">
+            <a:extLst>
+              <a:ext uri="{FF2B5EF4-FFF2-40B4-BE49-F238E27FC236}">
+                <a16:creationId xmlns:a16="http://schemas.microsoft.com/office/drawing/2014/main" id="{BEB607A1-BD2B-46F1-A5E1-AF8B58FEA8FC}"/>
+              </a:ext>
+            </a:extLst>
+          </p:cNvPr>
+          <p:cNvSpPr>
+            <a:spLocks noGrp="1"/>
+          </p:cNvSpPr>
+          <p:nvPr>
+            <p:ph idx="1"/>
+          </p:nvPr>
+        </p:nvSpPr>
+        <p:spPr/>
+        <p:txBody>
+          <a:bodyPr/>
+          <a:lstStyle/>
+          <a:p>
+            <a:r>
+              <a:rPr lang="bg-BG" dirty="0"/>
+              <a:t>Голяма част от информацията е сверена с</a:t>
+            </a:r>
+            <a:r>
+              <a:rPr lang="en-GB" dirty="0"/>
+              <a:t> </a:t>
+            </a:r>
+            <a:r>
+              <a:rPr lang="en-GB" dirty="0">
+                <a:hlinkClick r:id="rId2"/>
+              </a:rPr>
+              <a:t>https://en.cppreference.com</a:t>
+            </a:r>
+            <a:endParaRPr lang="en-GB" dirty="0"/>
+          </a:p>
+          <a:p>
+            <a:r>
+              <a:rPr lang="bg-BG" dirty="0"/>
+              <a:t>Използвани са дефиниции и описания от материали на доц. Трифон Трифонов</a:t>
+            </a:r>
+          </a:p>
+          <a:p>
+            <a:r>
+              <a:rPr lang="bg-BG" dirty="0"/>
+              <a:t>Авторският код е проверяван на </a:t>
+            </a:r>
+            <a:r>
+              <a:rPr lang="en-GB" dirty="0">
+                <a:hlinkClick r:id="rId3"/>
+              </a:rPr>
+              <a:t>VisualStudio2017</a:t>
+            </a:r>
+            <a:endParaRPr lang="bg-BG" dirty="0"/>
+          </a:p>
+        </p:txBody>
+      </p:sp>
+    </p:spTree>
+    <p:extLst>
+      <p:ext uri="{BB962C8B-B14F-4D97-AF65-F5344CB8AC3E}">
+        <p14:creationId xmlns:p14="http://schemas.microsoft.com/office/powerpoint/2010/main" val="2971376904"/>
+      </p:ext>
+    </p:extLst>
+  </p:cSld>
+  <p:clrMapOvr>
+    <a:masterClrMapping/>
+  </p:clrMapOvr>
+</p:sld>
+</file>
+
 <file path=ppt/slides/slide11.xml><?xml version="1.0" encoding="utf-8"?>
 <p:sld xmlns:a="http://schemas.openxmlformats.org/drawingml/2006/main" xmlns:r="http://schemas.openxmlformats.org/officeDocument/2006/relationships" xmlns:p="http://schemas.openxmlformats.org/presentationml/2006/main">
   <p:cSld>
@@ -13321,7 +14106,7 @@
           <p:cNvPr id="2" name="Заглавие 1">
             <a:extLst>
               <a:ext uri="{FF2B5EF4-FFF2-40B4-BE49-F238E27FC236}">
-                <a16:creationId xmlns:a16="http://schemas.microsoft.com/office/drawing/2014/main" id="{98582087-64B2-46C4-B08A-DFE9FACCF73B}"/>
+                <a16:creationId xmlns:a16="http://schemas.microsoft.com/office/drawing/2014/main" id="{706A300F-384E-4F14-93BD-4AA406182DBD}"/>
               </a:ext>
             </a:extLst>
           </p:cNvPr>
@@ -13339,7 +14124,7 @@
           <a:p>
             <a:r>
               <a:rPr lang="bg-BG" dirty="0"/>
-              <a:t>Почивка 15 минути</a:t>
+              <a:t>Относно предефинираните оператори</a:t>
             </a:r>
           </a:p>
         </p:txBody>
@@ -13349,7 +14134,7 @@
           <p:cNvPr id="3" name="Контейнер за съдържание 2">
             <a:extLst>
               <a:ext uri="{FF2B5EF4-FFF2-40B4-BE49-F238E27FC236}">
-                <a16:creationId xmlns:a16="http://schemas.microsoft.com/office/drawing/2014/main" id="{A86BBA45-97D1-4E67-840D-37A0858E43AD}"/>
+                <a16:creationId xmlns:a16="http://schemas.microsoft.com/office/drawing/2014/main" id="{1DDF8F59-4D82-4CE1-BC70-EE6E06E289AA}"/>
               </a:ext>
             </a:extLst>
           </p:cNvPr>
@@ -13365,35 +14150,63 @@
           <a:bodyPr/>
           <a:lstStyle/>
           <a:p>
+            <a:r>
+              <a:rPr lang="bg-BG" dirty="0"/>
+              <a:t>Предефинираните оператори са като обикновени функции, но извикването им е по-бавно, понеже се налага разпознаване на оператора</a:t>
+            </a:r>
+          </a:p>
+          <a:p>
+            <a:endParaRPr lang="bg-BG" dirty="0"/>
+          </a:p>
+          <a:p>
+            <a:r>
+              <a:rPr lang="bg-BG" dirty="0"/>
+              <a:t>Не го правете за забавление, а само в случаите, когато наистина се налага ( когато се разбира смисъла на интуитивно ниво )</a:t>
+            </a:r>
+          </a:p>
+          <a:p>
+            <a:endParaRPr lang="bg-BG" dirty="0"/>
+          </a:p>
+          <a:p>
+            <a:r>
+              <a:rPr lang="en-GB" dirty="0">
+                <a:solidFill>
+                  <a:srgbClr val="FF0000"/>
+                </a:solidFill>
+              </a:rPr>
+              <a:t>(!human[4]() )^</a:t>
+            </a:r>
             <a:r>
               <a:rPr lang="bg-BG" dirty="0">
                 <a:solidFill>
-                  <a:srgbClr val="FF33CC"/>
+                  <a:srgbClr val="FF0000"/>
                 </a:solidFill>
               </a:rPr>
-              <a:t>Трудните ООП концепции тепърва предстоят </a:t>
+              <a:t> в този случай операторите не ни дават</a:t>
+            </a:r>
+            <a:r>
+              <a:rPr lang="en-GB" dirty="0">
+                <a:solidFill>
+                  <a:srgbClr val="FF0000"/>
+                </a:solidFill>
+              </a:rPr>
+              <a:t> </a:t>
             </a:r>
             <a:r>
               <a:rPr lang="bg-BG" dirty="0">
                 <a:solidFill>
-                  <a:srgbClr val="FF33CC"/>
+                  <a:srgbClr val="FF0000"/>
                 </a:solidFill>
-                <a:sym typeface="Wingdings" panose="05000000000000000000" pitchFamily="2" charset="2"/>
               </a:rPr>
-              <a:t></a:t>
-            </a:r>
-            <a:endParaRPr lang="bg-BG" dirty="0">
-              <a:solidFill>
-                <a:srgbClr val="FF33CC"/>
-              </a:solidFill>
-            </a:endParaRPr>
+              <a:t>никаква информация за кода на интуитивно ниво!</a:t>
+            </a:r>
           </a:p>
         </p:txBody>
       </p:sp>
     </p:spTree>
     <p:extLst>
       <p:ext uri="{BB962C8B-B14F-4D97-AF65-F5344CB8AC3E}">
-        <p14:creationId xmlns:p14="http://schemas.microsoft.com/office/powerpoint/2010/main" val="3301068275"/>
+        <p14:creationId xmlns:p14="http://schemas.microsoft.com/office/powerpoint/2010/main" val="3750403502"/>
       </p:ext>
     </p:extLst>
   </p:cSld>
@@ -13425,7 +14238,7 @@
           <p:cNvPr id="2" name="Заглавие 1">
             <a:extLst>
               <a:ext uri="{FF2B5EF4-FFF2-40B4-BE49-F238E27FC236}">
-                <a16:creationId xmlns:a16="http://schemas.microsoft.com/office/drawing/2014/main" id="{2E867804-89F6-4A09-9743-7ED7BD28C975}"/>
+                <a16:creationId xmlns:a16="http://schemas.microsoft.com/office/drawing/2014/main" id="{98582087-64B2-46C4-B08A-DFE9FACCF73B}"/>
               </a:ext>
             </a:extLst>
           </p:cNvPr>
@@ -13443,13 +14256,8 @@
           <a:p>
             <a:r>
               <a:rPr lang="bg-BG" dirty="0"/>
-              <a:t>Приятелски функции и </a:t>
-            </a:r>
-            <a:r>
-              <a:rPr lang="en-GB" dirty="0"/>
-              <a:t>templates</a:t>
-            </a:r>
-            <a:endParaRPr lang="bg-BG" dirty="0"/>
+              <a:t>Почивка 15 минути</a:t>
+            </a:r>
           </a:p>
         </p:txBody>
       </p:sp>
@@ -13458,7 +14266,7 @@
           <p:cNvPr id="3" name="Контейнер за съдържание 2">
             <a:extLst>
               <a:ext uri="{FF2B5EF4-FFF2-40B4-BE49-F238E27FC236}">
-                <a16:creationId xmlns:a16="http://schemas.microsoft.com/office/drawing/2014/main" id="{CB2CD94F-EC76-4796-9E90-1AB4EABCE61D}"/>
+                <a16:creationId xmlns:a16="http://schemas.microsoft.com/office/drawing/2014/main" id="{A86BBA45-97D1-4E67-840D-37A0858E43AD}"/>
               </a:ext>
             </a:extLst>
           </p:cNvPr>
@@ -13471,19 +14279,38 @@
         </p:nvSpPr>
         <p:spPr/>
         <p:txBody>
-          <a:bodyPr>
-            <a:normAutofit/>
-          </a:bodyPr>
-          <a:lstStyle/>
-          <a:p>
-            <a:endParaRPr lang="bg-BG" dirty="0"/>
+          <a:bodyPr/>
+          <a:lstStyle/>
+          <a:p>
+            <a:r>
+              <a:rPr lang="bg-BG" dirty="0">
+                <a:solidFill>
+                  <a:srgbClr val="FF33CC"/>
+                </a:solidFill>
+              </a:rPr>
+              <a:t>Трудните ООП концепции тепърва предстоят </a:t>
+            </a:r>
+            <a:r>
+              <a:rPr lang="bg-BG" dirty="0">
+                <a:solidFill>
+                  <a:srgbClr val="FF33CC"/>
+                </a:solidFill>
+                <a:sym typeface="Wingdings" panose="05000000000000000000" pitchFamily="2" charset="2"/>
+              </a:rPr>
+              <a:t></a:t>
+            </a:r>
+            <a:endParaRPr lang="bg-BG" dirty="0">
+              <a:solidFill>
+                <a:srgbClr val="FF33CC"/>
+              </a:solidFill>
+            </a:endParaRPr>
           </a:p>
         </p:txBody>
       </p:sp>
     </p:spTree>
     <p:extLst>
       <p:ext uri="{BB962C8B-B14F-4D97-AF65-F5344CB8AC3E}">
-        <p14:creationId xmlns:p14="http://schemas.microsoft.com/office/powerpoint/2010/main" val="1171215104"/>
+        <p14:creationId xmlns:p14="http://schemas.microsoft.com/office/powerpoint/2010/main" val="3301068275"/>
       </p:ext>
     </p:extLst>
   </p:cSld>
@@ -13515,7 +14342,7 @@
           <p:cNvPr id="2" name="Заглавие 1">
             <a:extLst>
               <a:ext uri="{FF2B5EF4-FFF2-40B4-BE49-F238E27FC236}">
-                <a16:creationId xmlns:a16="http://schemas.microsoft.com/office/drawing/2014/main" id="{7049B54D-A551-4358-B449-4A513F065C9D}"/>
+                <a16:creationId xmlns:a16="http://schemas.microsoft.com/office/drawing/2014/main" id="{B87D8C10-40C8-4755-BD86-A8D07D17831B}"/>
               </a:ext>
             </a:extLst>
           </p:cNvPr>
@@ -13533,8 +14360,13 @@
           <a:p>
             <a:r>
               <a:rPr lang="bg-BG" dirty="0"/>
-              <a:t>Успех на контролното</a:t>
-            </a:r>
+              <a:t>Собствен </a:t>
+            </a:r>
+            <a:r>
+              <a:rPr lang="en-GB" dirty="0" err="1"/>
+              <a:t>cout</a:t>
+            </a:r>
+            <a:endParaRPr lang="bg-BG" dirty="0"/>
           </a:p>
         </p:txBody>
       </p:sp>
@@ -13543,7 +14375,7 @@
           <p:cNvPr id="3" name="Контейнер за съдържание 2">
             <a:extLst>
               <a:ext uri="{FF2B5EF4-FFF2-40B4-BE49-F238E27FC236}">
-                <a16:creationId xmlns:a16="http://schemas.microsoft.com/office/drawing/2014/main" id="{818CB51F-B5BD-4248-BDFB-F6E469AD413F}"/>
+                <a16:creationId xmlns:a16="http://schemas.microsoft.com/office/drawing/2014/main" id="{0654349B-3CF5-4E8B-96A4-98F3CE63DA85}"/>
               </a:ext>
             </a:extLst>
           </p:cNvPr>
@@ -13554,92 +14386,121 @@
             <p:ph idx="1"/>
           </p:nvPr>
         </p:nvSpPr>
-        <p:spPr>
-          <a:xfrm>
-            <a:off x="838200" y="1825625"/>
-            <a:ext cx="10515600" cy="4351338"/>
-          </a:xfrm>
-        </p:spPr>
+        <p:spPr/>
         <p:txBody>
           <a:bodyPr/>
           <a:lstStyle/>
           <a:p>
             <a:r>
-              <a:rPr lang="bg-BG" dirty="0">
-                <a:solidFill>
-                  <a:srgbClr val="3ADE00"/>
-                </a:solidFill>
-              </a:rPr>
-              <a:t>Благодаря, че ме изтърпяхте, разбийте ги в неделя </a:t>
-            </a:r>
-            <a:r>
-              <a:rPr lang="bg-BG" dirty="0">
-                <a:solidFill>
-                  <a:srgbClr val="3ADE00"/>
-                </a:solidFill>
-                <a:sym typeface="Wingdings" panose="05000000000000000000" pitchFamily="2" charset="2"/>
-              </a:rPr>
-              <a:t></a:t>
-            </a:r>
-            <a:endParaRPr lang="bg-BG" dirty="0">
-              <a:solidFill>
-                <a:srgbClr val="00B0F0"/>
-              </a:solidFill>
-            </a:endParaRPr>
-          </a:p>
-        </p:txBody>
-      </p:sp>
-      <p:pic>
-        <p:nvPicPr>
-          <p:cNvPr id="1030" name="Picture 6" descr="https://encrypted-tbn0.gstatic.com/images?q=tbn:ANd9GcTP90oaYseOYWFv_zmdLxHkU7X7fsJ40JYmtTwpes1YAfHmpMuR">
-            <a:extLst>
-              <a:ext uri="{FF2B5EF4-FFF2-40B4-BE49-F238E27FC236}">
-                <a16:creationId xmlns:a16="http://schemas.microsoft.com/office/drawing/2014/main" id="{FC178670-319D-4DC3-BDDD-514BC66EAE8F}"/>
-              </a:ext>
-            </a:extLst>
-          </p:cNvPr>
-          <p:cNvPicPr>
-            <a:picLocks noChangeAspect="1" noChangeArrowheads="1"/>
-          </p:cNvPicPr>
-          <p:nvPr/>
-        </p:nvPicPr>
-        <p:blipFill>
-          <a:blip r:embed="rId2">
-            <a:extLst>
-              <a:ext uri="{28A0092B-C50C-407E-A947-70E740481C1C}">
-                <a14:useLocalDpi xmlns:a14="http://schemas.microsoft.com/office/drawing/2010/main" val="0"/>
-              </a:ext>
-            </a:extLst>
-          </a:blip>
-          <a:srcRect/>
-          <a:stretch>
-            <a:fillRect/>
-          </a:stretch>
-        </p:blipFill>
-        <p:spPr bwMode="auto">
-          <a:xfrm>
-            <a:off x="3156805" y="2505075"/>
-            <a:ext cx="5323919" cy="3987800"/>
-          </a:xfrm>
-          <a:prstGeom prst="rect">
-            <a:avLst/>
-          </a:prstGeom>
-          <a:noFill/>
-          <a:extLst>
-            <a:ext uri="{909E8E84-426E-40DD-AFC4-6F175D3DCCD1}">
-              <a14:hiddenFill xmlns:a14="http://schemas.microsoft.com/office/drawing/2010/main">
-                <a:solidFill>
-                  <a:srgbClr val="FFFFFF"/>
-                </a:solidFill>
-              </a14:hiddenFill>
-            </a:ext>
-          </a:extLst>
-        </p:spPr>
-      </p:pic>
+              <a:rPr lang="bg-BG" dirty="0"/>
+              <a:t>Искам функция, която приема два символа и ги принтира на конзолата, но ме мързи да използва </a:t>
+            </a:r>
+            <a:r>
+              <a:rPr lang="en-GB" dirty="0"/>
+              <a:t>std::</a:t>
+            </a:r>
+            <a:r>
+              <a:rPr lang="en-GB" dirty="0" err="1"/>
+              <a:t>cout</a:t>
+            </a:r>
+            <a:r>
+              <a:rPr lang="en-GB" dirty="0"/>
+              <a:t> </a:t>
+            </a:r>
+            <a:r>
+              <a:rPr lang="bg-BG" dirty="0"/>
+              <a:t>всеки път</a:t>
+            </a:r>
+            <a:endParaRPr lang="en-GB" dirty="0"/>
+          </a:p>
+          <a:p>
+            <a:endParaRPr lang="en-GB" dirty="0"/>
+          </a:p>
+          <a:p>
+            <a:r>
+              <a:rPr lang="bg-BG" dirty="0"/>
+              <a:t>Решение:</a:t>
+            </a:r>
+          </a:p>
+          <a:p>
+            <a:pPr marL="0" indent="0">
+              <a:buNone/>
+            </a:pPr>
+            <a:r>
+              <a:rPr lang="en-GB" dirty="0"/>
+              <a:t>void</a:t>
+            </a:r>
+            <a:r>
+              <a:rPr lang="bg-BG" dirty="0"/>
+              <a:t> </a:t>
+            </a:r>
+            <a:r>
+              <a:rPr lang="en-GB" dirty="0"/>
+              <a:t>Print ( </a:t>
+            </a:r>
+            <a:r>
+              <a:rPr lang="en-GB" dirty="0" err="1"/>
+              <a:t>const</a:t>
+            </a:r>
+            <a:r>
+              <a:rPr lang="en-GB" dirty="0"/>
+              <a:t> char a, </a:t>
+            </a:r>
+            <a:r>
+              <a:rPr lang="en-GB" dirty="0" err="1"/>
+              <a:t>const</a:t>
+            </a:r>
+            <a:r>
+              <a:rPr lang="en-GB" dirty="0"/>
+              <a:t> char b)</a:t>
+            </a:r>
+          </a:p>
+          <a:p>
+            <a:pPr marL="0" indent="0">
+              <a:buNone/>
+            </a:pPr>
+            <a:r>
+              <a:rPr lang="en-GB" dirty="0"/>
+              <a:t>{</a:t>
+            </a:r>
+          </a:p>
+          <a:p>
+            <a:pPr marL="0" indent="0">
+              <a:buNone/>
+            </a:pPr>
+            <a:r>
+              <a:rPr lang="bg-BG" dirty="0"/>
+              <a:t>	</a:t>
+            </a:r>
+            <a:r>
+              <a:rPr lang="en-GB" dirty="0"/>
+              <a:t>std::</a:t>
+            </a:r>
+            <a:r>
+              <a:rPr lang="en-GB" dirty="0" err="1"/>
+              <a:t>cout</a:t>
+            </a:r>
+            <a:r>
+              <a:rPr lang="en-GB" dirty="0"/>
+              <a:t>&lt;&lt;a&lt;&lt; ‘ ‘ &lt;&lt; b;</a:t>
+            </a:r>
+          </a:p>
+          <a:p>
+            <a:pPr marL="0" indent="0">
+              <a:buNone/>
+            </a:pPr>
+            <a:r>
+              <a:rPr lang="en-GB" dirty="0"/>
+              <a:t>}</a:t>
+            </a:r>
+            <a:endParaRPr lang="bg-BG" dirty="0"/>
+          </a:p>
+        </p:txBody>
+      </p:sp>
     </p:spTree>
     <p:extLst>
       <p:ext uri="{BB962C8B-B14F-4D97-AF65-F5344CB8AC3E}">
-        <p14:creationId xmlns:p14="http://schemas.microsoft.com/office/powerpoint/2010/main" val="3909627339"/>
+        <p14:creationId xmlns:p14="http://schemas.microsoft.com/office/powerpoint/2010/main" val="1290672141"/>
       </p:ext>
     </p:extLst>
   </p:cSld>
@@ -13671,7 +14532,7 @@
           <p:cNvPr id="2" name="Заглавие 1">
             <a:extLst>
               <a:ext uri="{FF2B5EF4-FFF2-40B4-BE49-F238E27FC236}">
-                <a16:creationId xmlns:a16="http://schemas.microsoft.com/office/drawing/2014/main" id="{301C5825-3318-4902-9287-D16E8A197CC5}"/>
+                <a16:creationId xmlns:a16="http://schemas.microsoft.com/office/drawing/2014/main" id="{B87D8C10-40C8-4755-BD86-A8D07D17831B}"/>
               </a:ext>
             </a:extLst>
           </p:cNvPr>
@@ -13689,9 +14550,13 @@
           <a:p>
             <a:r>
               <a:rPr lang="bg-BG" dirty="0"/>
-              <a:t>Източници</a:t>
-            </a:r>
-            <a:endParaRPr lang="en-GB" dirty="0"/>
+              <a:t>Собствен </a:t>
+            </a:r>
+            <a:r>
+              <a:rPr lang="en-GB" dirty="0" err="1"/>
+              <a:t>cout</a:t>
+            </a:r>
+            <a:endParaRPr lang="bg-BG" dirty="0"/>
           </a:p>
         </p:txBody>
       </p:sp>
@@ -13700,7 +14565,7 @@
           <p:cNvPr id="3" name="Контейнер за съдържание 2">
             <a:extLst>
               <a:ext uri="{FF2B5EF4-FFF2-40B4-BE49-F238E27FC236}">
-                <a16:creationId xmlns:a16="http://schemas.microsoft.com/office/drawing/2014/main" id="{BEB607A1-BD2B-46F1-A5E1-AF8B58FEA8FC}"/>
+                <a16:creationId xmlns:a16="http://schemas.microsoft.com/office/drawing/2014/main" id="{0654349B-3CF5-4E8B-96A4-98F3CE63DA85}"/>
               </a:ext>
             </a:extLst>
           </p:cNvPr>
@@ -13718,36 +14583,101 @@
           <a:p>
             <a:r>
               <a:rPr lang="bg-BG" dirty="0"/>
-              <a:t>Голяма част от информацията е сверена с</a:t>
+              <a:t>Искам</a:t>
             </a:r>
             <a:r>
               <a:rPr lang="en-GB" dirty="0"/>
               <a:t> </a:t>
             </a:r>
             <a:r>
-              <a:rPr lang="en-GB" dirty="0">
-                <a:hlinkClick r:id="rId2"/>
-              </a:rPr>
-              <a:t>https://en.cppreference.com</a:t>
-            </a:r>
-            <a:endParaRPr lang="en-GB" dirty="0"/>
-          </a:p>
-          <a:p>
-            <a:r>
-              <a:rPr lang="bg-BG" dirty="0"/>
-              <a:t>Използвани са дефиниции и описания от материали на доц. Трифон Трифонов</a:t>
-            </a:r>
-          </a:p>
-          <a:p>
-            <a:r>
-              <a:rPr lang="bg-BG" dirty="0"/>
-              <a:t>Авторският код е проверяван на </a:t>
-            </a:r>
-            <a:r>
-              <a:rPr lang="en-GB" dirty="0">
-                <a:hlinkClick r:id="rId3"/>
-              </a:rPr>
-              <a:t>VisualStudio2017</a:t>
+              <a:rPr lang="bg-BG" dirty="0"/>
+              <a:t>и такава функция, която приема две цели </a:t>
+            </a:r>
+            <a:r>
+              <a:rPr lang="bg-BG" dirty="0" err="1"/>
+              <a:t>числ</a:t>
+            </a:r>
+            <a:r>
+              <a:rPr lang="en-GB" dirty="0"/>
+              <a:t>a</a:t>
+            </a:r>
+          </a:p>
+          <a:p>
+            <a:r>
+              <a:rPr lang="bg-BG" dirty="0"/>
+              <a:t>Решение:</a:t>
+            </a:r>
+          </a:p>
+          <a:p>
+            <a:pPr marL="0" indent="0">
+              <a:buNone/>
+            </a:pPr>
+            <a:r>
+              <a:rPr lang="en-GB" dirty="0"/>
+              <a:t>void</a:t>
+            </a:r>
+            <a:r>
+              <a:rPr lang="bg-BG" dirty="0"/>
+              <a:t> </a:t>
+            </a:r>
+            <a:r>
+              <a:rPr lang="en-GB" dirty="0"/>
+              <a:t>Print ( </a:t>
+            </a:r>
+            <a:r>
+              <a:rPr lang="en-GB" dirty="0" err="1"/>
+              <a:t>const</a:t>
+            </a:r>
+            <a:r>
+              <a:rPr lang="en-GB" dirty="0"/>
+              <a:t> int a, </a:t>
+            </a:r>
+            <a:r>
+              <a:rPr lang="en-GB" dirty="0" err="1"/>
+              <a:t>const</a:t>
+            </a:r>
+            <a:r>
+              <a:rPr lang="en-GB" dirty="0"/>
+              <a:t> int b)</a:t>
+            </a:r>
+          </a:p>
+          <a:p>
+            <a:pPr marL="0" indent="0">
+              <a:buNone/>
+            </a:pPr>
+            <a:r>
+              <a:rPr lang="en-GB" dirty="0"/>
+              <a:t>{</a:t>
+            </a:r>
+          </a:p>
+          <a:p>
+            <a:pPr marL="0" indent="0">
+              <a:buNone/>
+            </a:pPr>
+            <a:r>
+              <a:rPr lang="bg-BG" dirty="0"/>
+              <a:t>	</a:t>
+            </a:r>
+            <a:r>
+              <a:rPr lang="en-GB" dirty="0"/>
+              <a:t>std::</a:t>
+            </a:r>
+            <a:r>
+              <a:rPr lang="en-GB" dirty="0" err="1"/>
+              <a:t>cout</a:t>
+            </a:r>
+            <a:r>
+              <a:rPr lang="en-GB" dirty="0"/>
+              <a:t>&lt;&lt;a&lt;&lt; ‘ ‘ &lt;&lt; b;</a:t>
+            </a:r>
+          </a:p>
+          <a:p>
+            <a:pPr marL="0" indent="0">
+              <a:buNone/>
+            </a:pPr>
+            <a:r>
+              <a:rPr lang="en-GB" dirty="0"/>
+              <a:t>}</a:t>
             </a:r>
             <a:endParaRPr lang="bg-BG" dirty="0"/>
           </a:p>
@@ -13756,7 +14686,193 @@
     </p:spTree>
     <p:extLst>
       <p:ext uri="{BB962C8B-B14F-4D97-AF65-F5344CB8AC3E}">
-        <p14:creationId xmlns:p14="http://schemas.microsoft.com/office/powerpoint/2010/main" val="2971376904"/>
+        <p14:creationId xmlns:p14="http://schemas.microsoft.com/office/powerpoint/2010/main" val="941388243"/>
+      </p:ext>
+    </p:extLst>
+  </p:cSld>
+  <p:clrMapOvr>
+    <a:masterClrMapping/>
+  </p:clrMapOvr>
+</p:sld>
+</file>
+
+<file path=ppt/slides/slide59.xml><?xml version="1.0" encoding="utf-8"?>
+<p:sld xmlns:a="http://schemas.openxmlformats.org/drawingml/2006/main" xmlns:r="http://schemas.openxmlformats.org/officeDocument/2006/relationships" xmlns:p="http://schemas.openxmlformats.org/presentationml/2006/main">
+  <p:cSld>
+    <p:spTree>
+      <p:nvGrpSpPr>
+        <p:cNvPr id="1" name=""/>
+        <p:cNvGrpSpPr/>
+        <p:nvPr/>
+      </p:nvGrpSpPr>
+      <p:grpSpPr>
+        <a:xfrm>
+          <a:off x="0" y="0"/>
+          <a:ext cx="0" cy="0"/>
+          <a:chOff x="0" y="0"/>
+          <a:chExt cx="0" cy="0"/>
+        </a:xfrm>
+      </p:grpSpPr>
+      <p:sp>
+        <p:nvSpPr>
+          <p:cNvPr id="2" name="Заглавие 1">
+            <a:extLst>
+              <a:ext uri="{FF2B5EF4-FFF2-40B4-BE49-F238E27FC236}">
+                <a16:creationId xmlns:a16="http://schemas.microsoft.com/office/drawing/2014/main" id="{B87D8C10-40C8-4755-BD86-A8D07D17831B}"/>
+              </a:ext>
+            </a:extLst>
+          </p:cNvPr>
+          <p:cNvSpPr>
+            <a:spLocks noGrp="1"/>
+          </p:cNvSpPr>
+          <p:nvPr>
+            <p:ph type="title"/>
+          </p:nvPr>
+        </p:nvSpPr>
+        <p:spPr/>
+        <p:txBody>
+          <a:bodyPr/>
+          <a:lstStyle/>
+          <a:p>
+            <a:r>
+              <a:rPr lang="bg-BG" dirty="0"/>
+              <a:t>Собствен </a:t>
+            </a:r>
+            <a:r>
+              <a:rPr lang="en-GB" dirty="0" err="1"/>
+              <a:t>cout</a:t>
+            </a:r>
+            <a:endParaRPr lang="bg-BG" dirty="0"/>
+          </a:p>
+        </p:txBody>
+      </p:sp>
+      <p:sp>
+        <p:nvSpPr>
+          <p:cNvPr id="3" name="Контейнер за съдържание 2">
+            <a:extLst>
+              <a:ext uri="{FF2B5EF4-FFF2-40B4-BE49-F238E27FC236}">
+                <a16:creationId xmlns:a16="http://schemas.microsoft.com/office/drawing/2014/main" id="{0654349B-3CF5-4E8B-96A4-98F3CE63DA85}"/>
+              </a:ext>
+            </a:extLst>
+          </p:cNvPr>
+          <p:cNvSpPr>
+            <a:spLocks noGrp="1"/>
+          </p:cNvSpPr>
+          <p:nvPr>
+            <p:ph idx="1"/>
+          </p:nvPr>
+        </p:nvSpPr>
+        <p:spPr/>
+        <p:txBody>
+          <a:bodyPr/>
+          <a:lstStyle/>
+          <a:p>
+            <a:r>
+              <a:rPr lang="bg-BG" dirty="0"/>
+              <a:t>Искам</a:t>
+            </a:r>
+            <a:r>
+              <a:rPr lang="en-GB" dirty="0"/>
+              <a:t> </a:t>
+            </a:r>
+            <a:r>
+              <a:rPr lang="bg-BG" dirty="0"/>
+              <a:t>и такава функция, която приема две реални </a:t>
+            </a:r>
+            <a:r>
+              <a:rPr lang="bg-BG" dirty="0" err="1"/>
+              <a:t>числ</a:t>
+            </a:r>
+            <a:r>
+              <a:rPr lang="en-GB" dirty="0"/>
+              <a:t>a</a:t>
+            </a:r>
+          </a:p>
+          <a:p>
+            <a:r>
+              <a:rPr lang="bg-BG" dirty="0"/>
+              <a:t>Решение:</a:t>
+            </a:r>
+          </a:p>
+          <a:p>
+            <a:pPr marL="0" indent="0">
+              <a:buNone/>
+            </a:pPr>
+            <a:r>
+              <a:rPr lang="en-GB" dirty="0"/>
+              <a:t>void</a:t>
+            </a:r>
+            <a:r>
+              <a:rPr lang="bg-BG" dirty="0"/>
+              <a:t> </a:t>
+            </a:r>
+            <a:r>
+              <a:rPr lang="en-GB" dirty="0"/>
+              <a:t>Print ( </a:t>
+            </a:r>
+            <a:r>
+              <a:rPr lang="en-GB" dirty="0" err="1"/>
+              <a:t>const</a:t>
+            </a:r>
+            <a:r>
+              <a:rPr lang="en-GB" dirty="0"/>
+              <a:t> double a, </a:t>
+            </a:r>
+            <a:r>
+              <a:rPr lang="en-GB" dirty="0" err="1"/>
+              <a:t>const</a:t>
+            </a:r>
+            <a:r>
+              <a:rPr lang="en-GB" dirty="0"/>
+              <a:t> double b)</a:t>
+            </a:r>
+          </a:p>
+          <a:p>
+            <a:pPr marL="0" indent="0">
+              <a:buNone/>
+            </a:pPr>
+            <a:r>
+              <a:rPr lang="en-GB" dirty="0"/>
+              <a:t>{</a:t>
+            </a:r>
+          </a:p>
+          <a:p>
+            <a:pPr marL="0" indent="0">
+              <a:buNone/>
+            </a:pPr>
+            <a:r>
+              <a:rPr lang="bg-BG" dirty="0"/>
+              <a:t>	</a:t>
+            </a:r>
+            <a:r>
+              <a:rPr lang="en-GB" dirty="0"/>
+              <a:t>std::</a:t>
+            </a:r>
+            <a:r>
+              <a:rPr lang="en-GB" dirty="0" err="1"/>
+              <a:t>cout</a:t>
+            </a:r>
+            <a:r>
+              <a:rPr lang="en-GB" dirty="0"/>
+              <a:t>&lt;&lt;a&lt;&lt; ‘ ‘ &lt;&lt; b;</a:t>
+            </a:r>
+          </a:p>
+          <a:p>
+            <a:pPr marL="0" indent="0">
+              <a:buNone/>
+            </a:pPr>
+            <a:r>
+              <a:rPr lang="en-GB" dirty="0"/>
+              <a:t>}</a:t>
+            </a:r>
+            <a:endParaRPr lang="bg-BG" dirty="0"/>
+          </a:p>
+        </p:txBody>
+      </p:sp>
+    </p:spTree>
+    <p:extLst>
+      <p:ext uri="{BB962C8B-B14F-4D97-AF65-F5344CB8AC3E}">
+        <p14:creationId xmlns:p14="http://schemas.microsoft.com/office/powerpoint/2010/main" val="597065898"/>
       </p:ext>
     </p:extLst>
   </p:cSld>
@@ -13937,6 +15053,1409 @@
 </p:sld>
 </file>
 
+<file path=ppt/slides/slide60.xml><?xml version="1.0" encoding="utf-8"?>
+<p:sld xmlns:a="http://schemas.openxmlformats.org/drawingml/2006/main" xmlns:r="http://schemas.openxmlformats.org/officeDocument/2006/relationships" xmlns:p="http://schemas.openxmlformats.org/presentationml/2006/main">
+  <p:cSld>
+    <p:spTree>
+      <p:nvGrpSpPr>
+        <p:cNvPr id="1" name=""/>
+        <p:cNvGrpSpPr/>
+        <p:nvPr/>
+      </p:nvGrpSpPr>
+      <p:grpSpPr>
+        <a:xfrm>
+          <a:off x="0" y="0"/>
+          <a:ext cx="0" cy="0"/>
+          <a:chOff x="0" y="0"/>
+          <a:chExt cx="0" cy="0"/>
+        </a:xfrm>
+      </p:grpSpPr>
+      <p:sp>
+        <p:nvSpPr>
+          <p:cNvPr id="2" name="Заглавие 1">
+            <a:extLst>
+              <a:ext uri="{FF2B5EF4-FFF2-40B4-BE49-F238E27FC236}">
+                <a16:creationId xmlns:a16="http://schemas.microsoft.com/office/drawing/2014/main" id="{B87D8C10-40C8-4755-BD86-A8D07D17831B}"/>
+              </a:ext>
+            </a:extLst>
+          </p:cNvPr>
+          <p:cNvSpPr>
+            <a:spLocks noGrp="1"/>
+          </p:cNvSpPr>
+          <p:nvPr>
+            <p:ph type="title"/>
+          </p:nvPr>
+        </p:nvSpPr>
+        <p:spPr/>
+        <p:txBody>
+          <a:bodyPr/>
+          <a:lstStyle/>
+          <a:p>
+            <a:r>
+              <a:rPr lang="bg-BG" dirty="0"/>
+              <a:t>Собствен </a:t>
+            </a:r>
+            <a:r>
+              <a:rPr lang="en-GB" dirty="0" err="1"/>
+              <a:t>cout</a:t>
+            </a:r>
+            <a:endParaRPr lang="bg-BG" dirty="0"/>
+          </a:p>
+        </p:txBody>
+      </p:sp>
+      <p:sp>
+        <p:nvSpPr>
+          <p:cNvPr id="3" name="Контейнер за съдържание 2">
+            <a:extLst>
+              <a:ext uri="{FF2B5EF4-FFF2-40B4-BE49-F238E27FC236}">
+                <a16:creationId xmlns:a16="http://schemas.microsoft.com/office/drawing/2014/main" id="{0654349B-3CF5-4E8B-96A4-98F3CE63DA85}"/>
+              </a:ext>
+            </a:extLst>
+          </p:cNvPr>
+          <p:cNvSpPr>
+            <a:spLocks noGrp="1"/>
+          </p:cNvSpPr>
+          <p:nvPr>
+            <p:ph idx="1"/>
+          </p:nvPr>
+        </p:nvSpPr>
+        <p:spPr/>
+        <p:txBody>
+          <a:bodyPr/>
+          <a:lstStyle/>
+          <a:p>
+            <a:r>
+              <a:rPr lang="bg-BG" dirty="0"/>
+              <a:t>Искам</a:t>
+            </a:r>
+            <a:r>
+              <a:rPr lang="en-GB" dirty="0"/>
+              <a:t> </a:t>
+            </a:r>
+            <a:r>
+              <a:rPr lang="bg-BG" dirty="0"/>
+              <a:t>и такава функция, която приема реално число</a:t>
+            </a:r>
+            <a:r>
+              <a:rPr lang="en-GB" dirty="0"/>
+              <a:t> </a:t>
+            </a:r>
+            <a:r>
+              <a:rPr lang="bg-BG" dirty="0"/>
+              <a:t>и символ</a:t>
+            </a:r>
+            <a:endParaRPr lang="en-GB" dirty="0"/>
+          </a:p>
+          <a:p>
+            <a:r>
+              <a:rPr lang="bg-BG" dirty="0"/>
+              <a:t>Решение:</a:t>
+            </a:r>
+          </a:p>
+          <a:p>
+            <a:pPr marL="0" indent="0">
+              <a:buNone/>
+            </a:pPr>
+            <a:r>
+              <a:rPr lang="en-GB" dirty="0"/>
+              <a:t>void</a:t>
+            </a:r>
+            <a:r>
+              <a:rPr lang="bg-BG" dirty="0"/>
+              <a:t> </a:t>
+            </a:r>
+            <a:r>
+              <a:rPr lang="en-GB" dirty="0"/>
+              <a:t>Print ( </a:t>
+            </a:r>
+            <a:r>
+              <a:rPr lang="en-GB" dirty="0" err="1"/>
+              <a:t>const</a:t>
+            </a:r>
+            <a:r>
+              <a:rPr lang="en-GB" dirty="0"/>
+              <a:t> char a, </a:t>
+            </a:r>
+            <a:r>
+              <a:rPr lang="en-GB" dirty="0" err="1"/>
+              <a:t>const</a:t>
+            </a:r>
+            <a:r>
+              <a:rPr lang="en-GB" dirty="0"/>
+              <a:t> double b)</a:t>
+            </a:r>
+          </a:p>
+          <a:p>
+            <a:pPr marL="0" indent="0">
+              <a:buNone/>
+            </a:pPr>
+            <a:r>
+              <a:rPr lang="en-GB" dirty="0"/>
+              <a:t>{</a:t>
+            </a:r>
+          </a:p>
+          <a:p>
+            <a:pPr marL="0" indent="0">
+              <a:buNone/>
+            </a:pPr>
+            <a:r>
+              <a:rPr lang="bg-BG" dirty="0"/>
+              <a:t>	</a:t>
+            </a:r>
+            <a:r>
+              <a:rPr lang="en-GB" dirty="0"/>
+              <a:t>std::</a:t>
+            </a:r>
+            <a:r>
+              <a:rPr lang="en-GB" dirty="0" err="1"/>
+              <a:t>cout</a:t>
+            </a:r>
+            <a:r>
+              <a:rPr lang="en-GB" dirty="0"/>
+              <a:t>&lt;&lt;a&lt;&lt; ‘ ‘ &lt;&lt; b;</a:t>
+            </a:r>
+          </a:p>
+          <a:p>
+            <a:pPr marL="0" indent="0">
+              <a:buNone/>
+            </a:pPr>
+            <a:r>
+              <a:rPr lang="en-GB" dirty="0"/>
+              <a:t>}</a:t>
+            </a:r>
+            <a:endParaRPr lang="bg-BG" dirty="0"/>
+          </a:p>
+        </p:txBody>
+      </p:sp>
+    </p:spTree>
+    <p:extLst>
+      <p:ext uri="{BB962C8B-B14F-4D97-AF65-F5344CB8AC3E}">
+        <p14:creationId xmlns:p14="http://schemas.microsoft.com/office/powerpoint/2010/main" val="4100893586"/>
+      </p:ext>
+    </p:extLst>
+  </p:cSld>
+  <p:clrMapOvr>
+    <a:masterClrMapping/>
+  </p:clrMapOvr>
+</p:sld>
+</file>
+
+<file path=ppt/slides/slide61.xml><?xml version="1.0" encoding="utf-8"?>
+<p:sld xmlns:a="http://schemas.openxmlformats.org/drawingml/2006/main" xmlns:r="http://schemas.openxmlformats.org/officeDocument/2006/relationships" xmlns:p="http://schemas.openxmlformats.org/presentationml/2006/main">
+  <p:cSld>
+    <p:spTree>
+      <p:nvGrpSpPr>
+        <p:cNvPr id="1" name=""/>
+        <p:cNvGrpSpPr/>
+        <p:nvPr/>
+      </p:nvGrpSpPr>
+      <p:grpSpPr>
+        <a:xfrm>
+          <a:off x="0" y="0"/>
+          <a:ext cx="0" cy="0"/>
+          <a:chOff x="0" y="0"/>
+          <a:chExt cx="0" cy="0"/>
+        </a:xfrm>
+      </p:grpSpPr>
+      <p:sp>
+        <p:nvSpPr>
+          <p:cNvPr id="2" name="Заглавие 1">
+            <a:extLst>
+              <a:ext uri="{FF2B5EF4-FFF2-40B4-BE49-F238E27FC236}">
+                <a16:creationId xmlns:a16="http://schemas.microsoft.com/office/drawing/2014/main" id="{B87D8C10-40C8-4755-BD86-A8D07D17831B}"/>
+              </a:ext>
+            </a:extLst>
+          </p:cNvPr>
+          <p:cNvSpPr>
+            <a:spLocks noGrp="1"/>
+          </p:cNvSpPr>
+          <p:nvPr>
+            <p:ph type="title"/>
+          </p:nvPr>
+        </p:nvSpPr>
+        <p:spPr/>
+        <p:txBody>
+          <a:bodyPr/>
+          <a:lstStyle/>
+          <a:p>
+            <a:r>
+              <a:rPr lang="bg-BG" dirty="0"/>
+              <a:t>Собствен </a:t>
+            </a:r>
+            <a:r>
+              <a:rPr lang="en-GB" dirty="0" err="1"/>
+              <a:t>cout</a:t>
+            </a:r>
+            <a:endParaRPr lang="bg-BG" dirty="0"/>
+          </a:p>
+        </p:txBody>
+      </p:sp>
+      <p:sp>
+        <p:nvSpPr>
+          <p:cNvPr id="3" name="Контейнер за съдържание 2">
+            <a:extLst>
+              <a:ext uri="{FF2B5EF4-FFF2-40B4-BE49-F238E27FC236}">
+                <a16:creationId xmlns:a16="http://schemas.microsoft.com/office/drawing/2014/main" id="{0654349B-3CF5-4E8B-96A4-98F3CE63DA85}"/>
+              </a:ext>
+            </a:extLst>
+          </p:cNvPr>
+          <p:cNvSpPr>
+            <a:spLocks noGrp="1"/>
+          </p:cNvSpPr>
+          <p:nvPr>
+            <p:ph idx="1"/>
+          </p:nvPr>
+        </p:nvSpPr>
+        <p:spPr/>
+        <p:txBody>
+          <a:bodyPr/>
+          <a:lstStyle/>
+          <a:p>
+            <a:r>
+              <a:rPr lang="bg-BG" dirty="0"/>
+              <a:t>Искам</a:t>
+            </a:r>
+            <a:r>
+              <a:rPr lang="en-GB" dirty="0"/>
+              <a:t> </a:t>
+            </a:r>
+            <a:r>
+              <a:rPr lang="bg-BG" dirty="0"/>
+              <a:t>и такава функция, която приема символ и реално число</a:t>
+            </a:r>
+            <a:endParaRPr lang="en-GB" dirty="0"/>
+          </a:p>
+          <a:p>
+            <a:r>
+              <a:rPr lang="bg-BG" dirty="0"/>
+              <a:t>Решение:</a:t>
+            </a:r>
+          </a:p>
+          <a:p>
+            <a:pPr marL="0" indent="0">
+              <a:buNone/>
+            </a:pPr>
+            <a:r>
+              <a:rPr lang="en-GB" dirty="0"/>
+              <a:t>void</a:t>
+            </a:r>
+            <a:r>
+              <a:rPr lang="bg-BG" dirty="0"/>
+              <a:t> </a:t>
+            </a:r>
+            <a:r>
+              <a:rPr lang="en-GB" dirty="0"/>
+              <a:t>Print ( </a:t>
+            </a:r>
+            <a:r>
+              <a:rPr lang="en-GB" dirty="0" err="1"/>
+              <a:t>const</a:t>
+            </a:r>
+            <a:r>
+              <a:rPr lang="en-GB" dirty="0"/>
+              <a:t> double a, </a:t>
+            </a:r>
+            <a:r>
+              <a:rPr lang="en-GB" dirty="0" err="1"/>
+              <a:t>const</a:t>
+            </a:r>
+            <a:r>
+              <a:rPr lang="en-GB" dirty="0"/>
+              <a:t> char b)</a:t>
+            </a:r>
+          </a:p>
+          <a:p>
+            <a:pPr marL="0" indent="0">
+              <a:buNone/>
+            </a:pPr>
+            <a:r>
+              <a:rPr lang="en-GB" dirty="0"/>
+              <a:t>{</a:t>
+            </a:r>
+          </a:p>
+          <a:p>
+            <a:pPr marL="0" indent="0">
+              <a:buNone/>
+            </a:pPr>
+            <a:r>
+              <a:rPr lang="bg-BG" dirty="0"/>
+              <a:t>	</a:t>
+            </a:r>
+            <a:r>
+              <a:rPr lang="en-GB" dirty="0"/>
+              <a:t>std::</a:t>
+            </a:r>
+            <a:r>
+              <a:rPr lang="en-GB" dirty="0" err="1"/>
+              <a:t>cout</a:t>
+            </a:r>
+            <a:r>
+              <a:rPr lang="en-GB" dirty="0"/>
+              <a:t>&lt;&lt;a&lt;&lt; ‘ ‘ &lt;&lt; b;</a:t>
+            </a:r>
+          </a:p>
+          <a:p>
+            <a:pPr marL="0" indent="0">
+              <a:buNone/>
+            </a:pPr>
+            <a:r>
+              <a:rPr lang="en-GB" dirty="0"/>
+              <a:t>}</a:t>
+            </a:r>
+            <a:endParaRPr lang="bg-BG" dirty="0"/>
+          </a:p>
+        </p:txBody>
+      </p:sp>
+    </p:spTree>
+    <p:extLst>
+      <p:ext uri="{BB962C8B-B14F-4D97-AF65-F5344CB8AC3E}">
+        <p14:creationId xmlns:p14="http://schemas.microsoft.com/office/powerpoint/2010/main" val="698112313"/>
+      </p:ext>
+    </p:extLst>
+  </p:cSld>
+  <p:clrMapOvr>
+    <a:masterClrMapping/>
+  </p:clrMapOvr>
+</p:sld>
+</file>
+
+<file path=ppt/slides/slide62.xml><?xml version="1.0" encoding="utf-8"?>
+<p:sld xmlns:a="http://schemas.openxmlformats.org/drawingml/2006/main" xmlns:r="http://schemas.openxmlformats.org/officeDocument/2006/relationships" xmlns:p="http://schemas.openxmlformats.org/presentationml/2006/main">
+  <p:cSld>
+    <p:spTree>
+      <p:nvGrpSpPr>
+        <p:cNvPr id="1" name=""/>
+        <p:cNvGrpSpPr/>
+        <p:nvPr/>
+      </p:nvGrpSpPr>
+      <p:grpSpPr>
+        <a:xfrm>
+          <a:off x="0" y="0"/>
+          <a:ext cx="0" cy="0"/>
+          <a:chOff x="0" y="0"/>
+          <a:chExt cx="0" cy="0"/>
+        </a:xfrm>
+      </p:grpSpPr>
+      <p:sp>
+        <p:nvSpPr>
+          <p:cNvPr id="2" name="Заглавие 1">
+            <a:extLst>
+              <a:ext uri="{FF2B5EF4-FFF2-40B4-BE49-F238E27FC236}">
+                <a16:creationId xmlns:a16="http://schemas.microsoft.com/office/drawing/2014/main" id="{B87D8C10-40C8-4755-BD86-A8D07D17831B}"/>
+              </a:ext>
+            </a:extLst>
+          </p:cNvPr>
+          <p:cNvSpPr>
+            <a:spLocks noGrp="1"/>
+          </p:cNvSpPr>
+          <p:nvPr>
+            <p:ph type="title"/>
+          </p:nvPr>
+        </p:nvSpPr>
+        <p:spPr/>
+        <p:txBody>
+          <a:bodyPr/>
+          <a:lstStyle/>
+          <a:p>
+            <a:r>
+              <a:rPr lang="bg-BG" dirty="0"/>
+              <a:t>Собствен </a:t>
+            </a:r>
+            <a:r>
+              <a:rPr lang="en-GB" dirty="0" err="1"/>
+              <a:t>cout</a:t>
+            </a:r>
+            <a:endParaRPr lang="bg-BG" dirty="0"/>
+          </a:p>
+        </p:txBody>
+      </p:sp>
+      <p:sp>
+        <p:nvSpPr>
+          <p:cNvPr id="3" name="Контейнер за съдържание 2">
+            <a:extLst>
+              <a:ext uri="{FF2B5EF4-FFF2-40B4-BE49-F238E27FC236}">
+                <a16:creationId xmlns:a16="http://schemas.microsoft.com/office/drawing/2014/main" id="{0654349B-3CF5-4E8B-96A4-98F3CE63DA85}"/>
+              </a:ext>
+            </a:extLst>
+          </p:cNvPr>
+          <p:cNvSpPr>
+            <a:spLocks noGrp="1"/>
+          </p:cNvSpPr>
+          <p:nvPr>
+            <p:ph idx="1"/>
+          </p:nvPr>
+        </p:nvSpPr>
+        <p:spPr/>
+        <p:txBody>
+          <a:bodyPr/>
+          <a:lstStyle/>
+          <a:p>
+            <a:r>
+              <a:rPr lang="bg-BG" dirty="0"/>
+              <a:t>Това може да продължи до края на света, или дори повече</a:t>
+            </a:r>
+            <a:r>
+              <a:rPr lang="en-GB" dirty="0"/>
+              <a:t> </a:t>
+            </a:r>
+            <a:endParaRPr lang="bg-BG" dirty="0"/>
+          </a:p>
+        </p:txBody>
+      </p:sp>
+    </p:spTree>
+    <p:extLst>
+      <p:ext uri="{BB962C8B-B14F-4D97-AF65-F5344CB8AC3E}">
+        <p14:creationId xmlns:p14="http://schemas.microsoft.com/office/powerpoint/2010/main" val="2687700091"/>
+      </p:ext>
+    </p:extLst>
+  </p:cSld>
+  <p:clrMapOvr>
+    <a:masterClrMapping/>
+  </p:clrMapOvr>
+</p:sld>
+</file>
+
+<file path=ppt/slides/slide63.xml><?xml version="1.0" encoding="utf-8"?>
+<p:sld xmlns:a="http://schemas.openxmlformats.org/drawingml/2006/main" xmlns:r="http://schemas.openxmlformats.org/officeDocument/2006/relationships" xmlns:p="http://schemas.openxmlformats.org/presentationml/2006/main">
+  <p:cSld>
+    <p:spTree>
+      <p:nvGrpSpPr>
+        <p:cNvPr id="1" name=""/>
+        <p:cNvGrpSpPr/>
+        <p:nvPr/>
+      </p:nvGrpSpPr>
+      <p:grpSpPr>
+        <a:xfrm>
+          <a:off x="0" y="0"/>
+          <a:ext cx="0" cy="0"/>
+          <a:chOff x="0" y="0"/>
+          <a:chExt cx="0" cy="0"/>
+        </a:xfrm>
+      </p:grpSpPr>
+      <p:sp>
+        <p:nvSpPr>
+          <p:cNvPr id="2" name="Заглавие 1">
+            <a:extLst>
+              <a:ext uri="{FF2B5EF4-FFF2-40B4-BE49-F238E27FC236}">
+                <a16:creationId xmlns:a16="http://schemas.microsoft.com/office/drawing/2014/main" id="{97C5AE59-F65D-4A63-B11D-14567C9050D3}"/>
+              </a:ext>
+            </a:extLst>
+          </p:cNvPr>
+          <p:cNvSpPr>
+            <a:spLocks noGrp="1"/>
+          </p:cNvSpPr>
+          <p:nvPr>
+            <p:ph type="title"/>
+          </p:nvPr>
+        </p:nvSpPr>
+        <p:spPr/>
+        <p:txBody>
+          <a:bodyPr/>
+          <a:lstStyle/>
+          <a:p>
+            <a:r>
+              <a:rPr lang="bg-BG" dirty="0"/>
+              <a:t>Шаблони</a:t>
+            </a:r>
+          </a:p>
+        </p:txBody>
+      </p:sp>
+      <p:sp>
+        <p:nvSpPr>
+          <p:cNvPr id="3" name="Контейнер за съдържание 2">
+            <a:extLst>
+              <a:ext uri="{FF2B5EF4-FFF2-40B4-BE49-F238E27FC236}">
+                <a16:creationId xmlns:a16="http://schemas.microsoft.com/office/drawing/2014/main" id="{66308CA2-7144-4AAF-BE75-5A07B9539A93}"/>
+              </a:ext>
+            </a:extLst>
+          </p:cNvPr>
+          <p:cNvSpPr>
+            <a:spLocks noGrp="1"/>
+          </p:cNvSpPr>
+          <p:nvPr>
+            <p:ph idx="1"/>
+          </p:nvPr>
+        </p:nvSpPr>
+        <p:spPr/>
+        <p:txBody>
+          <a:bodyPr>
+            <a:normAutofit lnSpcReduction="10000"/>
+          </a:bodyPr>
+          <a:lstStyle/>
+          <a:p>
+            <a:r>
+              <a:rPr lang="bg-BG" dirty="0"/>
+              <a:t>Както видяхме, задачата беше проста - да създадем функция, която приема два аргумента и ги принтира на екрана</a:t>
+            </a:r>
+          </a:p>
+          <a:p>
+            <a:endParaRPr lang="bg-BG" dirty="0"/>
+          </a:p>
+          <a:p>
+            <a:r>
+              <a:rPr lang="bg-BG" dirty="0"/>
+              <a:t>Решението обаче не беше толкова тривиално и трябваше да създадем много функции по този шаблон</a:t>
+            </a:r>
+          </a:p>
+          <a:p>
+            <a:endParaRPr lang="bg-BG" dirty="0"/>
+          </a:p>
+          <a:p>
+            <a:r>
+              <a:rPr lang="bg-BG" dirty="0"/>
+              <a:t>Още по-голям проблем е какво ще правим, ако решим да ги разделяме не с интервал, а с </a:t>
+            </a:r>
+            <a:r>
+              <a:rPr lang="en-GB" dirty="0"/>
+              <a:t>‘:’</a:t>
+            </a:r>
+          </a:p>
+          <a:p>
+            <a:endParaRPr lang="en-GB" dirty="0"/>
+          </a:p>
+          <a:p>
+            <a:r>
+              <a:rPr lang="bg-BG" dirty="0"/>
+              <a:t>Пренаписване на всяка по отделно в 21ви век???</a:t>
+            </a:r>
+          </a:p>
+        </p:txBody>
+      </p:sp>
+    </p:spTree>
+    <p:extLst>
+      <p:ext uri="{BB962C8B-B14F-4D97-AF65-F5344CB8AC3E}">
+        <p14:creationId xmlns:p14="http://schemas.microsoft.com/office/powerpoint/2010/main" val="1701722517"/>
+      </p:ext>
+    </p:extLst>
+  </p:cSld>
+  <p:clrMapOvr>
+    <a:masterClrMapping/>
+  </p:clrMapOvr>
+</p:sld>
+</file>
+
+<file path=ppt/slides/slide64.xml><?xml version="1.0" encoding="utf-8"?>
+<p:sld xmlns:a="http://schemas.openxmlformats.org/drawingml/2006/main" xmlns:r="http://schemas.openxmlformats.org/officeDocument/2006/relationships" xmlns:p="http://schemas.openxmlformats.org/presentationml/2006/main">
+  <p:cSld>
+    <p:spTree>
+      <p:nvGrpSpPr>
+        <p:cNvPr id="1" name=""/>
+        <p:cNvGrpSpPr/>
+        <p:nvPr/>
+      </p:nvGrpSpPr>
+      <p:grpSpPr>
+        <a:xfrm>
+          <a:off x="0" y="0"/>
+          <a:ext cx="0" cy="0"/>
+          <a:chOff x="0" y="0"/>
+          <a:chExt cx="0" cy="0"/>
+        </a:xfrm>
+      </p:grpSpPr>
+      <p:sp>
+        <p:nvSpPr>
+          <p:cNvPr id="2" name="Заглавие 1">
+            <a:extLst>
+              <a:ext uri="{FF2B5EF4-FFF2-40B4-BE49-F238E27FC236}">
+                <a16:creationId xmlns:a16="http://schemas.microsoft.com/office/drawing/2014/main" id="{38007009-2B74-49F6-A4B6-2C7E30779C63}"/>
+              </a:ext>
+            </a:extLst>
+          </p:cNvPr>
+          <p:cNvSpPr>
+            <a:spLocks noGrp="1"/>
+          </p:cNvSpPr>
+          <p:nvPr>
+            <p:ph type="title"/>
+          </p:nvPr>
+        </p:nvSpPr>
+        <p:spPr/>
+        <p:txBody>
+          <a:bodyPr/>
+          <a:lstStyle/>
+          <a:p>
+            <a:r>
+              <a:rPr lang="bg-BG" dirty="0"/>
+              <a:t>Шаблони</a:t>
+            </a:r>
+          </a:p>
+        </p:txBody>
+      </p:sp>
+      <p:sp>
+        <p:nvSpPr>
+          <p:cNvPr id="3" name="Контейнер за съдържание 2">
+            <a:extLst>
+              <a:ext uri="{FF2B5EF4-FFF2-40B4-BE49-F238E27FC236}">
+                <a16:creationId xmlns:a16="http://schemas.microsoft.com/office/drawing/2014/main" id="{1D8A098A-CB1C-47A8-B77F-81E3CBAAE230}"/>
+              </a:ext>
+            </a:extLst>
+          </p:cNvPr>
+          <p:cNvSpPr>
+            <a:spLocks noGrp="1"/>
+          </p:cNvSpPr>
+          <p:nvPr>
+            <p:ph idx="1"/>
+          </p:nvPr>
+        </p:nvSpPr>
+        <p:spPr/>
+        <p:txBody>
+          <a:bodyPr/>
+          <a:lstStyle/>
+          <a:p>
+            <a:r>
+              <a:rPr lang="bg-BG" dirty="0"/>
+              <a:t>Както вече сте се досетили, С++ разполага с инструмент точно за такива ситуации</a:t>
+            </a:r>
+          </a:p>
+          <a:p>
+            <a:endParaRPr lang="bg-BG" dirty="0"/>
+          </a:p>
+          <a:p>
+            <a:r>
+              <a:rPr lang="bg-BG" dirty="0"/>
+              <a:t>Нарича се шаблони (</a:t>
+            </a:r>
+            <a:r>
+              <a:rPr lang="en-GB" dirty="0"/>
+              <a:t>templates) </a:t>
+            </a:r>
+            <a:r>
+              <a:rPr lang="bg-BG" dirty="0"/>
+              <a:t>и работи точно така както ние работихме до преди малко, с малки изключения</a:t>
+            </a:r>
+          </a:p>
+          <a:p>
+            <a:endParaRPr lang="bg-BG" dirty="0"/>
+          </a:p>
+          <a:p>
+            <a:r>
+              <a:rPr lang="bg-BG" dirty="0"/>
+              <a:t>Реално ние създаваме някакъв шаблон и всеки път, когато той се извика, той създава съответната функция (края на програмата, без да променя кода)</a:t>
+            </a:r>
+          </a:p>
+        </p:txBody>
+      </p:sp>
+    </p:spTree>
+    <p:extLst>
+      <p:ext uri="{BB962C8B-B14F-4D97-AF65-F5344CB8AC3E}">
+        <p14:creationId xmlns:p14="http://schemas.microsoft.com/office/powerpoint/2010/main" val="394570314"/>
+      </p:ext>
+    </p:extLst>
+  </p:cSld>
+  <p:clrMapOvr>
+    <a:masterClrMapping/>
+  </p:clrMapOvr>
+</p:sld>
+</file>
+
+<file path=ppt/slides/slide65.xml><?xml version="1.0" encoding="utf-8"?>
+<p:sld xmlns:a="http://schemas.openxmlformats.org/drawingml/2006/main" xmlns:r="http://schemas.openxmlformats.org/officeDocument/2006/relationships" xmlns:p="http://schemas.openxmlformats.org/presentationml/2006/main">
+  <p:cSld>
+    <p:spTree>
+      <p:nvGrpSpPr>
+        <p:cNvPr id="1" name=""/>
+        <p:cNvGrpSpPr/>
+        <p:nvPr/>
+      </p:nvGrpSpPr>
+      <p:grpSpPr>
+        <a:xfrm>
+          <a:off x="0" y="0"/>
+          <a:ext cx="0" cy="0"/>
+          <a:chOff x="0" y="0"/>
+          <a:chExt cx="0" cy="0"/>
+        </a:xfrm>
+      </p:grpSpPr>
+      <p:sp>
+        <p:nvSpPr>
+          <p:cNvPr id="2" name="Заглавие 1">
+            <a:extLst>
+              <a:ext uri="{FF2B5EF4-FFF2-40B4-BE49-F238E27FC236}">
+                <a16:creationId xmlns:a16="http://schemas.microsoft.com/office/drawing/2014/main" id="{F2708D69-155C-4918-9045-3831B428B068}"/>
+              </a:ext>
+            </a:extLst>
+          </p:cNvPr>
+          <p:cNvSpPr>
+            <a:spLocks noGrp="1"/>
+          </p:cNvSpPr>
+          <p:nvPr>
+            <p:ph type="title"/>
+          </p:nvPr>
+        </p:nvSpPr>
+        <p:spPr/>
+        <p:txBody>
+          <a:bodyPr/>
+          <a:lstStyle/>
+          <a:p>
+            <a:r>
+              <a:rPr lang="bg-BG" dirty="0"/>
+              <a:t>Шаблони</a:t>
+            </a:r>
+          </a:p>
+        </p:txBody>
+      </p:sp>
+      <p:sp>
+        <p:nvSpPr>
+          <p:cNvPr id="3" name="Контейнер за съдържание 2">
+            <a:extLst>
+              <a:ext uri="{FF2B5EF4-FFF2-40B4-BE49-F238E27FC236}">
+                <a16:creationId xmlns:a16="http://schemas.microsoft.com/office/drawing/2014/main" id="{1BA99AEF-0968-4557-8823-90BD16466C84}"/>
+              </a:ext>
+            </a:extLst>
+          </p:cNvPr>
+          <p:cNvSpPr>
+            <a:spLocks noGrp="1"/>
+          </p:cNvSpPr>
+          <p:nvPr>
+            <p:ph idx="1"/>
+          </p:nvPr>
+        </p:nvSpPr>
+        <p:spPr/>
+        <p:txBody>
+          <a:bodyPr>
+            <a:normAutofit lnSpcReduction="10000"/>
+          </a:bodyPr>
+          <a:lstStyle/>
+          <a:p>
+            <a:r>
+              <a:rPr lang="bg-BG" dirty="0"/>
+              <a:t>Шаблоните не се компилират</a:t>
+            </a:r>
+          </a:p>
+          <a:p>
+            <a:endParaRPr lang="bg-BG" dirty="0"/>
+          </a:p>
+          <a:p>
+            <a:r>
+              <a:rPr lang="bg-BG" dirty="0"/>
+              <a:t>При извикване на функция, компилаторът търси нейната декларация</a:t>
+            </a:r>
+          </a:p>
+          <a:p>
+            <a:endParaRPr lang="bg-BG" dirty="0"/>
+          </a:p>
+          <a:p>
+            <a:r>
+              <a:rPr lang="bg-BG" dirty="0"/>
+              <a:t>Ако не я намери, проверява дали има шаблон, който може да е генерира</a:t>
+            </a:r>
+          </a:p>
+          <a:p>
+            <a:endParaRPr lang="bg-BG" dirty="0"/>
+          </a:p>
+          <a:p>
+            <a:r>
+              <a:rPr lang="bg-BG" dirty="0"/>
+              <a:t>Ако намери такъв, то тогава компилира само въпросната версия на шаблона</a:t>
+            </a:r>
+          </a:p>
+        </p:txBody>
+      </p:sp>
+    </p:spTree>
+    <p:extLst>
+      <p:ext uri="{BB962C8B-B14F-4D97-AF65-F5344CB8AC3E}">
+        <p14:creationId xmlns:p14="http://schemas.microsoft.com/office/powerpoint/2010/main" val="246270183"/>
+      </p:ext>
+    </p:extLst>
+  </p:cSld>
+  <p:clrMapOvr>
+    <a:masterClrMapping/>
+  </p:clrMapOvr>
+</p:sld>
+</file>
+
+<file path=ppt/slides/slide66.xml><?xml version="1.0" encoding="utf-8"?>
+<p:sld xmlns:a="http://schemas.openxmlformats.org/drawingml/2006/main" xmlns:r="http://schemas.openxmlformats.org/officeDocument/2006/relationships" xmlns:p="http://schemas.openxmlformats.org/presentationml/2006/main">
+  <p:cSld>
+    <p:spTree>
+      <p:nvGrpSpPr>
+        <p:cNvPr id="1" name=""/>
+        <p:cNvGrpSpPr/>
+        <p:nvPr/>
+      </p:nvGrpSpPr>
+      <p:grpSpPr>
+        <a:xfrm>
+          <a:off x="0" y="0"/>
+          <a:ext cx="0" cy="0"/>
+          <a:chOff x="0" y="0"/>
+          <a:chExt cx="0" cy="0"/>
+        </a:xfrm>
+      </p:grpSpPr>
+      <p:sp>
+        <p:nvSpPr>
+          <p:cNvPr id="2" name="Заглавие 1">
+            <a:extLst>
+              <a:ext uri="{FF2B5EF4-FFF2-40B4-BE49-F238E27FC236}">
+                <a16:creationId xmlns:a16="http://schemas.microsoft.com/office/drawing/2014/main" id="{3BE699F2-C534-4D27-9414-B3199DF6D827}"/>
+              </a:ext>
+            </a:extLst>
+          </p:cNvPr>
+          <p:cNvSpPr>
+            <a:spLocks noGrp="1"/>
+          </p:cNvSpPr>
+          <p:nvPr>
+            <p:ph type="title"/>
+          </p:nvPr>
+        </p:nvSpPr>
+        <p:spPr/>
+        <p:txBody>
+          <a:bodyPr/>
+          <a:lstStyle/>
+          <a:p>
+            <a:r>
+              <a:rPr lang="bg-BG" dirty="0"/>
+              <a:t>Шаблони</a:t>
+            </a:r>
+          </a:p>
+        </p:txBody>
+      </p:sp>
+      <p:sp>
+        <p:nvSpPr>
+          <p:cNvPr id="3" name="Контейнер за съдържание 2">
+            <a:extLst>
+              <a:ext uri="{FF2B5EF4-FFF2-40B4-BE49-F238E27FC236}">
+                <a16:creationId xmlns:a16="http://schemas.microsoft.com/office/drawing/2014/main" id="{5DA8A2E8-B210-408E-9D31-E7EAEF597F31}"/>
+              </a:ext>
+            </a:extLst>
+          </p:cNvPr>
+          <p:cNvSpPr>
+            <a:spLocks noGrp="1"/>
+          </p:cNvSpPr>
+          <p:nvPr>
+            <p:ph idx="1"/>
+          </p:nvPr>
+        </p:nvSpPr>
+        <p:spPr/>
+        <p:txBody>
+          <a:bodyPr/>
+          <a:lstStyle/>
+          <a:p>
+            <a:r>
+              <a:rPr lang="bg-BG" dirty="0"/>
+              <a:t>Много начинаещи програмисти пренебрегват липсата на компилация и смело си пишат шаблона</a:t>
+            </a:r>
+          </a:p>
+          <a:p>
+            <a:endParaRPr lang="bg-BG" dirty="0"/>
+          </a:p>
+          <a:p>
+            <a:r>
+              <a:rPr lang="bg-BG" dirty="0"/>
+              <a:t>Обикновено, когато решат да го тестват, получават множество съобщения за грешки от нищото</a:t>
+            </a:r>
+          </a:p>
+          <a:p>
+            <a:endParaRPr lang="bg-BG" dirty="0"/>
+          </a:p>
+          <a:p>
+            <a:r>
+              <a:rPr lang="en-GB" dirty="0"/>
+              <a:t>Visual Studio </a:t>
+            </a:r>
+            <a:r>
+              <a:rPr lang="bg-BG" dirty="0"/>
+              <a:t>вече притежава </a:t>
+            </a:r>
+            <a:r>
+              <a:rPr lang="en-GB" dirty="0"/>
+              <a:t>feature, </a:t>
+            </a:r>
+            <a:r>
+              <a:rPr lang="bg-BG" dirty="0"/>
+              <a:t>който позволява да се реши този проблем </a:t>
+            </a:r>
+          </a:p>
+        </p:txBody>
+      </p:sp>
+    </p:spTree>
+    <p:extLst>
+      <p:ext uri="{BB962C8B-B14F-4D97-AF65-F5344CB8AC3E}">
+        <p14:creationId xmlns:p14="http://schemas.microsoft.com/office/powerpoint/2010/main" val="1789102043"/>
+      </p:ext>
+    </p:extLst>
+  </p:cSld>
+  <p:clrMapOvr>
+    <a:masterClrMapping/>
+  </p:clrMapOvr>
+</p:sld>
+</file>
+
+<file path=ppt/slides/slide67.xml><?xml version="1.0" encoding="utf-8"?>
+<p:sld xmlns:a="http://schemas.openxmlformats.org/drawingml/2006/main" xmlns:r="http://schemas.openxmlformats.org/officeDocument/2006/relationships" xmlns:p="http://schemas.openxmlformats.org/presentationml/2006/main">
+  <p:cSld>
+    <p:spTree>
+      <p:nvGrpSpPr>
+        <p:cNvPr id="1" name=""/>
+        <p:cNvGrpSpPr/>
+        <p:nvPr/>
+      </p:nvGrpSpPr>
+      <p:grpSpPr>
+        <a:xfrm>
+          <a:off x="0" y="0"/>
+          <a:ext cx="0" cy="0"/>
+          <a:chOff x="0" y="0"/>
+          <a:chExt cx="0" cy="0"/>
+        </a:xfrm>
+      </p:grpSpPr>
+      <p:sp>
+        <p:nvSpPr>
+          <p:cNvPr id="2" name="Заглавие 1">
+            <a:extLst>
+              <a:ext uri="{FF2B5EF4-FFF2-40B4-BE49-F238E27FC236}">
+                <a16:creationId xmlns:a16="http://schemas.microsoft.com/office/drawing/2014/main" id="{316CDE0A-F272-44E1-9DA0-7A46BC35505A}"/>
+              </a:ext>
+            </a:extLst>
+          </p:cNvPr>
+          <p:cNvSpPr>
+            <a:spLocks noGrp="1"/>
+          </p:cNvSpPr>
+          <p:nvPr>
+            <p:ph type="title"/>
+          </p:nvPr>
+        </p:nvSpPr>
+        <p:spPr/>
+        <p:txBody>
+          <a:bodyPr/>
+          <a:lstStyle/>
+          <a:p>
+            <a:r>
+              <a:rPr lang="bg-BG" dirty="0"/>
+              <a:t>Шаблони</a:t>
+            </a:r>
+          </a:p>
+        </p:txBody>
+      </p:sp>
+      <p:sp>
+        <p:nvSpPr>
+          <p:cNvPr id="3" name="Контейнер за съдържание 2">
+            <a:extLst>
+              <a:ext uri="{FF2B5EF4-FFF2-40B4-BE49-F238E27FC236}">
+                <a16:creationId xmlns:a16="http://schemas.microsoft.com/office/drawing/2014/main" id="{39CE8F53-2C77-4D5C-867F-7AB7B1EA3147}"/>
+              </a:ext>
+            </a:extLst>
+          </p:cNvPr>
+          <p:cNvSpPr>
+            <a:spLocks noGrp="1"/>
+          </p:cNvSpPr>
+          <p:nvPr>
+            <p:ph idx="1"/>
+          </p:nvPr>
+        </p:nvSpPr>
+        <p:spPr/>
+        <p:txBody>
+          <a:bodyPr/>
+          <a:lstStyle/>
+          <a:p>
+            <a:r>
+              <a:rPr lang="bg-BG" dirty="0"/>
+              <a:t>Синтаксис:</a:t>
+            </a:r>
+          </a:p>
+          <a:p>
+            <a:pPr marL="0" indent="0">
+              <a:buNone/>
+            </a:pPr>
+            <a:r>
+              <a:rPr lang="en-GB" dirty="0"/>
+              <a:t>template &lt;class </a:t>
+            </a:r>
+            <a:r>
+              <a:rPr lang="en-GB" i="1" dirty="0">
+                <a:solidFill>
+                  <a:srgbClr val="0070C0"/>
+                </a:solidFill>
+              </a:rPr>
+              <a:t>name1</a:t>
+            </a:r>
+            <a:r>
+              <a:rPr lang="en-GB" i="1" dirty="0"/>
+              <a:t> </a:t>
+            </a:r>
+            <a:r>
+              <a:rPr lang="en-GB" i="1" dirty="0">
+                <a:solidFill>
+                  <a:srgbClr val="0070C0"/>
+                </a:solidFill>
+              </a:rPr>
+              <a:t>[, name2…] </a:t>
+            </a:r>
+            <a:r>
+              <a:rPr lang="en-GB" dirty="0"/>
+              <a:t>&gt;</a:t>
+            </a:r>
+          </a:p>
+          <a:p>
+            <a:pPr marL="0" indent="0">
+              <a:buNone/>
+            </a:pPr>
+            <a:r>
+              <a:rPr lang="en-GB" dirty="0"/>
+              <a:t>…….</a:t>
+            </a:r>
+          </a:p>
+          <a:p>
+            <a:pPr marL="0" indent="0">
+              <a:buNone/>
+            </a:pPr>
+            <a:endParaRPr lang="en-GB" dirty="0"/>
+          </a:p>
+          <a:p>
+            <a:r>
+              <a:rPr lang="bg-BG" dirty="0"/>
+              <a:t>Често за </a:t>
+            </a:r>
+            <a:r>
+              <a:rPr lang="en-GB" dirty="0"/>
+              <a:t>name </a:t>
+            </a:r>
+            <a:r>
+              <a:rPr lang="bg-BG" dirty="0"/>
+              <a:t>се използва буквата </a:t>
+            </a:r>
+            <a:r>
+              <a:rPr lang="en-GB" dirty="0"/>
+              <a:t>T</a:t>
+            </a:r>
+            <a:endParaRPr lang="bg-BG" dirty="0"/>
+          </a:p>
+        </p:txBody>
+      </p:sp>
+    </p:spTree>
+    <p:extLst>
+      <p:ext uri="{BB962C8B-B14F-4D97-AF65-F5344CB8AC3E}">
+        <p14:creationId xmlns:p14="http://schemas.microsoft.com/office/powerpoint/2010/main" val="3029320267"/>
+      </p:ext>
+    </p:extLst>
+  </p:cSld>
+  <p:clrMapOvr>
+    <a:masterClrMapping/>
+  </p:clrMapOvr>
+</p:sld>
+</file>
+
+<file path=ppt/slides/slide68.xml><?xml version="1.0" encoding="utf-8"?>
+<p:sld xmlns:a="http://schemas.openxmlformats.org/drawingml/2006/main" xmlns:r="http://schemas.openxmlformats.org/officeDocument/2006/relationships" xmlns:p="http://schemas.openxmlformats.org/presentationml/2006/main">
+  <p:cSld>
+    <p:spTree>
+      <p:nvGrpSpPr>
+        <p:cNvPr id="1" name=""/>
+        <p:cNvGrpSpPr/>
+        <p:nvPr/>
+      </p:nvGrpSpPr>
+      <p:grpSpPr>
+        <a:xfrm>
+          <a:off x="0" y="0"/>
+          <a:ext cx="0" cy="0"/>
+          <a:chOff x="0" y="0"/>
+          <a:chExt cx="0" cy="0"/>
+        </a:xfrm>
+      </p:grpSpPr>
+      <p:sp>
+        <p:nvSpPr>
+          <p:cNvPr id="2" name="Заглавие 1">
+            <a:extLst>
+              <a:ext uri="{FF2B5EF4-FFF2-40B4-BE49-F238E27FC236}">
+                <a16:creationId xmlns:a16="http://schemas.microsoft.com/office/drawing/2014/main" id="{ED684105-FAA9-491B-B091-397D2E875FF3}"/>
+              </a:ext>
+            </a:extLst>
+          </p:cNvPr>
+          <p:cNvSpPr>
+            <a:spLocks noGrp="1"/>
+          </p:cNvSpPr>
+          <p:nvPr>
+            <p:ph type="title"/>
+          </p:nvPr>
+        </p:nvSpPr>
+        <p:spPr/>
+        <p:txBody>
+          <a:bodyPr/>
+          <a:lstStyle/>
+          <a:p>
+            <a:r>
+              <a:rPr lang="bg-BG" dirty="0"/>
+              <a:t>Пример</a:t>
+            </a:r>
+          </a:p>
+        </p:txBody>
+      </p:sp>
+      <p:sp>
+        <p:nvSpPr>
+          <p:cNvPr id="3" name="Контейнер за съдържание 2">
+            <a:extLst>
+              <a:ext uri="{FF2B5EF4-FFF2-40B4-BE49-F238E27FC236}">
+                <a16:creationId xmlns:a16="http://schemas.microsoft.com/office/drawing/2014/main" id="{BB9A4715-E3F9-4795-BCFB-A15BD2134B51}"/>
+              </a:ext>
+            </a:extLst>
+          </p:cNvPr>
+          <p:cNvSpPr>
+            <a:spLocks noGrp="1"/>
+          </p:cNvSpPr>
+          <p:nvPr>
+            <p:ph idx="1"/>
+          </p:nvPr>
+        </p:nvSpPr>
+        <p:spPr>
+          <a:xfrm>
+            <a:off x="838199" y="1825625"/>
+            <a:ext cx="11020865" cy="4884664"/>
+          </a:xfrm>
+        </p:spPr>
+        <p:txBody>
+          <a:bodyPr>
+            <a:normAutofit fontScale="77500" lnSpcReduction="20000"/>
+          </a:bodyPr>
+          <a:lstStyle/>
+          <a:p>
+            <a:pPr marL="0" indent="0">
+              <a:buNone/>
+            </a:pPr>
+            <a:r>
+              <a:rPr lang="en-GB" dirty="0"/>
+              <a:t>template &lt;class T&gt;</a:t>
+            </a:r>
+          </a:p>
+          <a:p>
+            <a:pPr marL="0" indent="0">
+              <a:buNone/>
+            </a:pPr>
+            <a:r>
+              <a:rPr lang="fr-FR" dirty="0"/>
+              <a:t>void Print(const T a, const int b)</a:t>
+            </a:r>
+          </a:p>
+          <a:p>
+            <a:pPr marL="0" indent="0">
+              <a:buNone/>
+            </a:pPr>
+            <a:r>
+              <a:rPr lang="bg-BG" dirty="0"/>
+              <a:t>{</a:t>
+            </a:r>
+          </a:p>
+          <a:p>
+            <a:pPr marL="0" indent="0">
+              <a:buNone/>
+            </a:pPr>
+            <a:r>
+              <a:rPr lang="bg-BG" dirty="0"/>
+              <a:t>	</a:t>
+            </a:r>
+            <a:r>
+              <a:rPr lang="en-GB" dirty="0"/>
+              <a:t>std::</a:t>
+            </a:r>
+            <a:r>
+              <a:rPr lang="en-GB" dirty="0" err="1"/>
+              <a:t>cout</a:t>
+            </a:r>
+            <a:r>
+              <a:rPr lang="en-GB" dirty="0"/>
+              <a:t> &lt;&lt; a &lt;&lt; ' ' &lt;&lt; b &lt;&lt; '\n';</a:t>
+            </a:r>
+          </a:p>
+          <a:p>
+            <a:pPr marL="0" indent="0">
+              <a:buNone/>
+            </a:pPr>
+            <a:r>
+              <a:rPr lang="bg-BG" dirty="0"/>
+              <a:t>}</a:t>
+            </a:r>
+          </a:p>
+          <a:p>
+            <a:pPr marL="0" indent="0">
+              <a:buNone/>
+            </a:pPr>
+            <a:r>
+              <a:rPr lang="en-GB" dirty="0"/>
+              <a:t>int main()</a:t>
+            </a:r>
+          </a:p>
+          <a:p>
+            <a:pPr marL="0" indent="0">
+              <a:buNone/>
+            </a:pPr>
+            <a:r>
+              <a:rPr lang="bg-BG" dirty="0"/>
+              <a:t>{</a:t>
+            </a:r>
+          </a:p>
+          <a:p>
+            <a:pPr marL="0" indent="0">
+              <a:buNone/>
+            </a:pPr>
+            <a:r>
+              <a:rPr lang="bg-BG" dirty="0"/>
+              <a:t>	</a:t>
+            </a:r>
+            <a:r>
+              <a:rPr lang="en-GB" dirty="0"/>
+              <a:t>Print(4, 5);</a:t>
+            </a:r>
+          </a:p>
+          <a:p>
+            <a:pPr marL="0" indent="0">
+              <a:buNone/>
+            </a:pPr>
+            <a:r>
+              <a:rPr lang="bg-BG" dirty="0"/>
+              <a:t>	</a:t>
+            </a:r>
+            <a:r>
+              <a:rPr lang="en-GB" dirty="0"/>
+              <a:t>Print('b', 6);</a:t>
+            </a:r>
+          </a:p>
+          <a:p>
+            <a:pPr marL="0" indent="0">
+              <a:buNone/>
+            </a:pPr>
+            <a:r>
+              <a:rPr lang="bg-BG" dirty="0"/>
+              <a:t>	</a:t>
+            </a:r>
+            <a:r>
+              <a:rPr lang="en-GB" dirty="0"/>
+              <a:t>Print(false, 1);</a:t>
+            </a:r>
+          </a:p>
+          <a:p>
+            <a:pPr marL="0" indent="0">
+              <a:buNone/>
+            </a:pPr>
+            <a:r>
+              <a:rPr lang="bg-BG" dirty="0"/>
+              <a:t>	</a:t>
+            </a:r>
+            <a:r>
+              <a:rPr lang="en-GB" dirty="0"/>
+              <a:t>Print("so cool", 9);</a:t>
+            </a:r>
+          </a:p>
+          <a:p>
+            <a:pPr marL="0" indent="0">
+              <a:buNone/>
+            </a:pPr>
+            <a:r>
+              <a:rPr lang="bg-BG" dirty="0"/>
+              <a:t>	</a:t>
+            </a:r>
+            <a:r>
+              <a:rPr lang="en-GB" dirty="0"/>
+              <a:t>return 0;</a:t>
+            </a:r>
+          </a:p>
+          <a:p>
+            <a:pPr marL="0" indent="0">
+              <a:buNone/>
+            </a:pPr>
+            <a:r>
+              <a:rPr lang="bg-BG" dirty="0"/>
+              <a:t>}</a:t>
+            </a:r>
+          </a:p>
+        </p:txBody>
+      </p:sp>
+    </p:spTree>
+    <p:extLst>
+      <p:ext uri="{BB962C8B-B14F-4D97-AF65-F5344CB8AC3E}">
+        <p14:creationId xmlns:p14="http://schemas.microsoft.com/office/powerpoint/2010/main" val="894585970"/>
+      </p:ext>
+    </p:extLst>
+  </p:cSld>
+  <p:clrMapOvr>
+    <a:masterClrMapping/>
+  </p:clrMapOvr>
+</p:sld>
+</file>
+
+<file path=ppt/slides/slide69.xml><?xml version="1.0" encoding="utf-8"?>
+<p:sld xmlns:a="http://schemas.openxmlformats.org/drawingml/2006/main" xmlns:r="http://schemas.openxmlformats.org/officeDocument/2006/relationships" xmlns:p="http://schemas.openxmlformats.org/presentationml/2006/main">
+  <p:cSld>
+    <p:spTree>
+      <p:nvGrpSpPr>
+        <p:cNvPr id="1" name=""/>
+        <p:cNvGrpSpPr/>
+        <p:nvPr/>
+      </p:nvGrpSpPr>
+      <p:grpSpPr>
+        <a:xfrm>
+          <a:off x="0" y="0"/>
+          <a:ext cx="0" cy="0"/>
+          <a:chOff x="0" y="0"/>
+          <a:chExt cx="0" cy="0"/>
+        </a:xfrm>
+      </p:grpSpPr>
+      <p:sp>
+        <p:nvSpPr>
+          <p:cNvPr id="2" name="Заглавие 1">
+            <a:extLst>
+              <a:ext uri="{FF2B5EF4-FFF2-40B4-BE49-F238E27FC236}">
+                <a16:creationId xmlns:a16="http://schemas.microsoft.com/office/drawing/2014/main" id="{A843EFAE-E3F8-446D-B97C-D5CBC5DE6ED4}"/>
+              </a:ext>
+            </a:extLst>
+          </p:cNvPr>
+          <p:cNvSpPr>
+            <a:spLocks noGrp="1"/>
+          </p:cNvSpPr>
+          <p:nvPr>
+            <p:ph type="title"/>
+          </p:nvPr>
+        </p:nvSpPr>
+        <p:spPr/>
+        <p:txBody>
+          <a:bodyPr/>
+          <a:lstStyle/>
+          <a:p>
+            <a:endParaRPr lang="bg-BG"/>
+          </a:p>
+        </p:txBody>
+      </p:sp>
+      <p:pic>
+        <p:nvPicPr>
+          <p:cNvPr id="5" name="Контейнер за съдържание 4">
+            <a:extLst>
+              <a:ext uri="{FF2B5EF4-FFF2-40B4-BE49-F238E27FC236}">
+                <a16:creationId xmlns:a16="http://schemas.microsoft.com/office/drawing/2014/main" id="{EB129C4B-6F73-4ED8-B5B5-B4D1FC70749C}"/>
+              </a:ext>
+            </a:extLst>
+          </p:cNvPr>
+          <p:cNvPicPr>
+            <a:picLocks noGrp="1" noChangeAspect="1"/>
+          </p:cNvPicPr>
+          <p:nvPr>
+            <p:ph idx="1"/>
+          </p:nvPr>
+        </p:nvPicPr>
+        <p:blipFill>
+          <a:blip r:embed="rId2">
+            <a:extLst>
+              <a:ext uri="{28A0092B-C50C-407E-A947-70E740481C1C}">
+                <a14:useLocalDpi xmlns:a14="http://schemas.microsoft.com/office/drawing/2010/main" val="0"/>
+              </a:ext>
+            </a:extLst>
+          </a:blip>
+          <a:stretch>
+            <a:fillRect/>
+          </a:stretch>
+        </p:blipFill>
+        <p:spPr>
+          <a:xfrm>
+            <a:off x="0" y="-1"/>
+            <a:ext cx="12192000" cy="6854653"/>
+          </a:xfrm>
+        </p:spPr>
+      </p:pic>
+    </p:spTree>
+    <p:extLst>
+      <p:ext uri="{BB962C8B-B14F-4D97-AF65-F5344CB8AC3E}">
+        <p14:creationId xmlns:p14="http://schemas.microsoft.com/office/powerpoint/2010/main" val="1202714402"/>
+      </p:ext>
+    </p:extLst>
+  </p:cSld>
+  <p:clrMapOvr>
+    <a:masterClrMapping/>
+  </p:clrMapOvr>
+</p:sld>
+</file>
+
 <file path=ppt/slides/slide7.xml><?xml version="1.0" encoding="utf-8"?>
 <p:sld xmlns:a="http://schemas.openxmlformats.org/drawingml/2006/main" xmlns:r="http://schemas.openxmlformats.org/officeDocument/2006/relationships" xmlns:p="http://schemas.openxmlformats.org/presentationml/2006/main">
   <p:cSld>
@@ -14110,6 +16629,1252 @@
     <p:extLst>
       <p:ext uri="{BB962C8B-B14F-4D97-AF65-F5344CB8AC3E}">
         <p14:creationId xmlns:p14="http://schemas.microsoft.com/office/powerpoint/2010/main" val="99647741"/>
+      </p:ext>
+    </p:extLst>
+  </p:cSld>
+  <p:clrMapOvr>
+    <a:masterClrMapping/>
+  </p:clrMapOvr>
+</p:sld>
+</file>
+
+<file path=ppt/slides/slide70.xml><?xml version="1.0" encoding="utf-8"?>
+<p:sld xmlns:a="http://schemas.openxmlformats.org/drawingml/2006/main" xmlns:r="http://schemas.openxmlformats.org/officeDocument/2006/relationships" xmlns:p="http://schemas.openxmlformats.org/presentationml/2006/main">
+  <p:cSld>
+    <p:spTree>
+      <p:nvGrpSpPr>
+        <p:cNvPr id="1" name=""/>
+        <p:cNvGrpSpPr/>
+        <p:nvPr/>
+      </p:nvGrpSpPr>
+      <p:grpSpPr>
+        <a:xfrm>
+          <a:off x="0" y="0"/>
+          <a:ext cx="0" cy="0"/>
+          <a:chOff x="0" y="0"/>
+          <a:chExt cx="0" cy="0"/>
+        </a:xfrm>
+      </p:grpSpPr>
+      <p:sp>
+        <p:nvSpPr>
+          <p:cNvPr id="2" name="Заглавие 1">
+            <a:extLst>
+              <a:ext uri="{FF2B5EF4-FFF2-40B4-BE49-F238E27FC236}">
+                <a16:creationId xmlns:a16="http://schemas.microsoft.com/office/drawing/2014/main" id="{0E5161F9-31F6-45CB-AAF7-A3745FB1B0E9}"/>
+              </a:ext>
+            </a:extLst>
+          </p:cNvPr>
+          <p:cNvSpPr>
+            <a:spLocks noGrp="1"/>
+          </p:cNvSpPr>
+          <p:nvPr>
+            <p:ph type="title"/>
+          </p:nvPr>
+        </p:nvSpPr>
+        <p:spPr/>
+        <p:txBody>
+          <a:bodyPr/>
+          <a:lstStyle/>
+          <a:p>
+            <a:r>
+              <a:rPr lang="bg-BG" dirty="0"/>
+              <a:t>Шаблони</a:t>
+            </a:r>
+          </a:p>
+        </p:txBody>
+      </p:sp>
+      <p:sp>
+        <p:nvSpPr>
+          <p:cNvPr id="3" name="Контейнер за съдържание 2">
+            <a:extLst>
+              <a:ext uri="{FF2B5EF4-FFF2-40B4-BE49-F238E27FC236}">
+                <a16:creationId xmlns:a16="http://schemas.microsoft.com/office/drawing/2014/main" id="{C4809AF9-6640-47A7-9C04-1F42CE45743D}"/>
+              </a:ext>
+            </a:extLst>
+          </p:cNvPr>
+          <p:cNvSpPr>
+            <a:spLocks noGrp="1"/>
+          </p:cNvSpPr>
+          <p:nvPr>
+            <p:ph idx="1"/>
+          </p:nvPr>
+        </p:nvSpPr>
+        <p:spPr/>
+        <p:txBody>
+          <a:bodyPr/>
+          <a:lstStyle/>
+          <a:p>
+            <a:r>
+              <a:rPr lang="bg-BG" dirty="0"/>
+              <a:t>Както споменах, наскоро С++ добави нов </a:t>
+            </a:r>
+            <a:r>
+              <a:rPr lang="en-GB" dirty="0"/>
+              <a:t>feature, </a:t>
+            </a:r>
+            <a:r>
+              <a:rPr lang="bg-BG" dirty="0"/>
+              <a:t>спомагащ много при писането на шаблони</a:t>
+            </a:r>
+          </a:p>
+          <a:p>
+            <a:endParaRPr lang="bg-BG" dirty="0"/>
+          </a:p>
+          <a:p>
+            <a:r>
+              <a:rPr lang="bg-BG" dirty="0"/>
+              <a:t>Той позволява да се тества кода с параметър по наш избор и може значително да улесни работата на много хора</a:t>
+            </a:r>
+          </a:p>
+          <a:p>
+            <a:endParaRPr lang="bg-BG" dirty="0"/>
+          </a:p>
+          <a:p>
+            <a:r>
+              <a:rPr lang="bg-BG" dirty="0"/>
+              <a:t>Ако го нямате, вземете последната версия на </a:t>
+            </a:r>
+            <a:r>
+              <a:rPr lang="en-GB" dirty="0"/>
+              <a:t>visual studio</a:t>
+            </a:r>
+            <a:endParaRPr lang="bg-BG" dirty="0"/>
+          </a:p>
+        </p:txBody>
+      </p:sp>
+    </p:spTree>
+    <p:extLst>
+      <p:ext uri="{BB962C8B-B14F-4D97-AF65-F5344CB8AC3E}">
+        <p14:creationId xmlns:p14="http://schemas.microsoft.com/office/powerpoint/2010/main" val="109580855"/>
+      </p:ext>
+    </p:extLst>
+  </p:cSld>
+  <p:clrMapOvr>
+    <a:masterClrMapping/>
+  </p:clrMapOvr>
+</p:sld>
+</file>
+
+<file path=ppt/slides/slide71.xml><?xml version="1.0" encoding="utf-8"?>
+<p:sld xmlns:a="http://schemas.openxmlformats.org/drawingml/2006/main" xmlns:r="http://schemas.openxmlformats.org/officeDocument/2006/relationships" xmlns:p="http://schemas.openxmlformats.org/presentationml/2006/main">
+  <p:cSld>
+    <p:spTree>
+      <p:nvGrpSpPr>
+        <p:cNvPr id="1" name=""/>
+        <p:cNvGrpSpPr/>
+        <p:nvPr/>
+      </p:nvGrpSpPr>
+      <p:grpSpPr>
+        <a:xfrm>
+          <a:off x="0" y="0"/>
+          <a:ext cx="0" cy="0"/>
+          <a:chOff x="0" y="0"/>
+          <a:chExt cx="0" cy="0"/>
+        </a:xfrm>
+      </p:grpSpPr>
+      <p:sp>
+        <p:nvSpPr>
+          <p:cNvPr id="2" name="Заглавие 1">
+            <a:extLst>
+              <a:ext uri="{FF2B5EF4-FFF2-40B4-BE49-F238E27FC236}">
+                <a16:creationId xmlns:a16="http://schemas.microsoft.com/office/drawing/2014/main" id="{B332ABC9-CC53-40BB-B8B4-FB8F830F3ACC}"/>
+              </a:ext>
+            </a:extLst>
+          </p:cNvPr>
+          <p:cNvSpPr>
+            <a:spLocks noGrp="1"/>
+          </p:cNvSpPr>
+          <p:nvPr>
+            <p:ph type="title"/>
+          </p:nvPr>
+        </p:nvSpPr>
+        <p:spPr/>
+        <p:txBody>
+          <a:bodyPr/>
+          <a:lstStyle/>
+          <a:p>
+            <a:r>
+              <a:rPr lang="bg-BG" dirty="0"/>
+              <a:t>Важно</a:t>
+            </a:r>
+          </a:p>
+        </p:txBody>
+      </p:sp>
+      <p:sp>
+        <p:nvSpPr>
+          <p:cNvPr id="3" name="Контейнер за съдържание 2">
+            <a:extLst>
+              <a:ext uri="{FF2B5EF4-FFF2-40B4-BE49-F238E27FC236}">
+                <a16:creationId xmlns:a16="http://schemas.microsoft.com/office/drawing/2014/main" id="{95420556-7533-4B68-9412-12A26AE9AC9A}"/>
+              </a:ext>
+            </a:extLst>
+          </p:cNvPr>
+          <p:cNvSpPr>
+            <a:spLocks noGrp="1"/>
+          </p:cNvSpPr>
+          <p:nvPr>
+            <p:ph idx="1"/>
+          </p:nvPr>
+        </p:nvSpPr>
+        <p:spPr/>
+        <p:txBody>
+          <a:bodyPr/>
+          <a:lstStyle/>
+          <a:p>
+            <a:r>
+              <a:rPr lang="bg-BG" dirty="0">
+                <a:solidFill>
+                  <a:srgbClr val="FF0000"/>
+                </a:solidFill>
+              </a:rPr>
+              <a:t>Шаблоните не се компилират докато не се извикат!</a:t>
+            </a:r>
+          </a:p>
+          <a:p>
+            <a:endParaRPr lang="bg-BG" dirty="0">
+              <a:solidFill>
+                <a:srgbClr val="FF0000"/>
+              </a:solidFill>
+            </a:endParaRPr>
+          </a:p>
+          <a:p>
+            <a:endParaRPr lang="bg-BG" dirty="0"/>
+          </a:p>
+        </p:txBody>
+      </p:sp>
+    </p:spTree>
+    <p:extLst>
+      <p:ext uri="{BB962C8B-B14F-4D97-AF65-F5344CB8AC3E}">
+        <p14:creationId xmlns:p14="http://schemas.microsoft.com/office/powerpoint/2010/main" val="11824899"/>
+      </p:ext>
+    </p:extLst>
+  </p:cSld>
+  <p:clrMapOvr>
+    <a:masterClrMapping/>
+  </p:clrMapOvr>
+</p:sld>
+</file>
+
+<file path=ppt/slides/slide72.xml><?xml version="1.0" encoding="utf-8"?>
+<p:sld xmlns:a="http://schemas.openxmlformats.org/drawingml/2006/main" xmlns:r="http://schemas.openxmlformats.org/officeDocument/2006/relationships" xmlns:p="http://schemas.openxmlformats.org/presentationml/2006/main">
+  <p:cSld>
+    <p:spTree>
+      <p:nvGrpSpPr>
+        <p:cNvPr id="1" name=""/>
+        <p:cNvGrpSpPr/>
+        <p:nvPr/>
+      </p:nvGrpSpPr>
+      <p:grpSpPr>
+        <a:xfrm>
+          <a:off x="0" y="0"/>
+          <a:ext cx="0" cy="0"/>
+          <a:chOff x="0" y="0"/>
+          <a:chExt cx="0" cy="0"/>
+        </a:xfrm>
+      </p:grpSpPr>
+      <p:sp>
+        <p:nvSpPr>
+          <p:cNvPr id="2" name="Заглавие 1">
+            <a:extLst>
+              <a:ext uri="{FF2B5EF4-FFF2-40B4-BE49-F238E27FC236}">
+                <a16:creationId xmlns:a16="http://schemas.microsoft.com/office/drawing/2014/main" id="{7994E52A-5627-4030-829E-C14E272BE009}"/>
+              </a:ext>
+            </a:extLst>
+          </p:cNvPr>
+          <p:cNvSpPr>
+            <a:spLocks noGrp="1"/>
+          </p:cNvSpPr>
+          <p:nvPr>
+            <p:ph type="title"/>
+          </p:nvPr>
+        </p:nvSpPr>
+        <p:spPr/>
+        <p:txBody>
+          <a:bodyPr/>
+          <a:lstStyle/>
+          <a:p>
+            <a:endParaRPr lang="bg-BG"/>
+          </a:p>
+        </p:txBody>
+      </p:sp>
+      <p:sp>
+        <p:nvSpPr>
+          <p:cNvPr id="3" name="Контейнер за съдържание 2">
+            <a:extLst>
+              <a:ext uri="{FF2B5EF4-FFF2-40B4-BE49-F238E27FC236}">
+                <a16:creationId xmlns:a16="http://schemas.microsoft.com/office/drawing/2014/main" id="{142FDBC8-66A2-45A6-B94A-8135CC735F25}"/>
+              </a:ext>
+            </a:extLst>
+          </p:cNvPr>
+          <p:cNvSpPr>
+            <a:spLocks noGrp="1"/>
+          </p:cNvSpPr>
+          <p:nvPr>
+            <p:ph idx="1"/>
+          </p:nvPr>
+        </p:nvSpPr>
+        <p:spPr/>
+        <p:txBody>
+          <a:bodyPr/>
+          <a:lstStyle/>
+          <a:p>
+            <a:endParaRPr lang="bg-BG" dirty="0"/>
+          </a:p>
+        </p:txBody>
+      </p:sp>
+      <p:pic>
+        <p:nvPicPr>
+          <p:cNvPr id="4" name="Картина 3">
+            <a:extLst>
+              <a:ext uri="{FF2B5EF4-FFF2-40B4-BE49-F238E27FC236}">
+                <a16:creationId xmlns:a16="http://schemas.microsoft.com/office/drawing/2014/main" id="{535757F0-3F7E-4B4C-87FF-3F7470107C5A}"/>
+              </a:ext>
+            </a:extLst>
+          </p:cNvPr>
+          <p:cNvPicPr>
+            <a:picLocks noChangeAspect="1"/>
+          </p:cNvPicPr>
+          <p:nvPr/>
+        </p:nvPicPr>
+        <p:blipFill>
+          <a:blip r:embed="rId2">
+            <a:extLst>
+              <a:ext uri="{28A0092B-C50C-407E-A947-70E740481C1C}">
+                <a14:useLocalDpi xmlns:a14="http://schemas.microsoft.com/office/drawing/2010/main" val="0"/>
+              </a:ext>
+            </a:extLst>
+          </a:blip>
+          <a:stretch>
+            <a:fillRect/>
+          </a:stretch>
+        </p:blipFill>
+        <p:spPr>
+          <a:xfrm>
+            <a:off x="0" y="1673"/>
+            <a:ext cx="12192000" cy="6854653"/>
+          </a:xfrm>
+          <a:prstGeom prst="rect">
+            <a:avLst/>
+          </a:prstGeom>
+        </p:spPr>
+      </p:pic>
+    </p:spTree>
+    <p:extLst>
+      <p:ext uri="{BB962C8B-B14F-4D97-AF65-F5344CB8AC3E}">
+        <p14:creationId xmlns:p14="http://schemas.microsoft.com/office/powerpoint/2010/main" val="2139224517"/>
+      </p:ext>
+    </p:extLst>
+  </p:cSld>
+  <p:clrMapOvr>
+    <a:masterClrMapping/>
+  </p:clrMapOvr>
+</p:sld>
+</file>
+
+<file path=ppt/slides/slide73.xml><?xml version="1.0" encoding="utf-8"?>
+<p:sld xmlns:a="http://schemas.openxmlformats.org/drawingml/2006/main" xmlns:r="http://schemas.openxmlformats.org/officeDocument/2006/relationships" xmlns:p="http://schemas.openxmlformats.org/presentationml/2006/main">
+  <p:cSld>
+    <p:spTree>
+      <p:nvGrpSpPr>
+        <p:cNvPr id="1" name=""/>
+        <p:cNvGrpSpPr/>
+        <p:nvPr/>
+      </p:nvGrpSpPr>
+      <p:grpSpPr>
+        <a:xfrm>
+          <a:off x="0" y="0"/>
+          <a:ext cx="0" cy="0"/>
+          <a:chOff x="0" y="0"/>
+          <a:chExt cx="0" cy="0"/>
+        </a:xfrm>
+      </p:grpSpPr>
+      <p:sp>
+        <p:nvSpPr>
+          <p:cNvPr id="2" name="Заглавие 1">
+            <a:extLst>
+              <a:ext uri="{FF2B5EF4-FFF2-40B4-BE49-F238E27FC236}">
+                <a16:creationId xmlns:a16="http://schemas.microsoft.com/office/drawing/2014/main" id="{28879AF4-91B9-49AB-A224-63F8BC809B05}"/>
+              </a:ext>
+            </a:extLst>
+          </p:cNvPr>
+          <p:cNvSpPr>
+            <a:spLocks noGrp="1"/>
+          </p:cNvSpPr>
+          <p:nvPr>
+            <p:ph type="title"/>
+          </p:nvPr>
+        </p:nvSpPr>
+        <p:spPr/>
+        <p:txBody>
+          <a:bodyPr/>
+          <a:lstStyle/>
+          <a:p>
+            <a:endParaRPr lang="bg-BG"/>
+          </a:p>
+        </p:txBody>
+      </p:sp>
+      <p:pic>
+        <p:nvPicPr>
+          <p:cNvPr id="5" name="Контейнер за съдържание 4">
+            <a:extLst>
+              <a:ext uri="{FF2B5EF4-FFF2-40B4-BE49-F238E27FC236}">
+                <a16:creationId xmlns:a16="http://schemas.microsoft.com/office/drawing/2014/main" id="{EC791601-41E9-4D6C-8961-79A027292588}"/>
+              </a:ext>
+            </a:extLst>
+          </p:cNvPr>
+          <p:cNvPicPr>
+            <a:picLocks noGrp="1" noChangeAspect="1"/>
+          </p:cNvPicPr>
+          <p:nvPr>
+            <p:ph idx="1"/>
+          </p:nvPr>
+        </p:nvPicPr>
+        <p:blipFill>
+          <a:blip r:embed="rId2">
+            <a:extLst>
+              <a:ext uri="{28A0092B-C50C-407E-A947-70E740481C1C}">
+                <a14:useLocalDpi xmlns:a14="http://schemas.microsoft.com/office/drawing/2010/main" val="0"/>
+              </a:ext>
+            </a:extLst>
+          </a:blip>
+          <a:stretch>
+            <a:fillRect/>
+          </a:stretch>
+        </p:blipFill>
+        <p:spPr>
+          <a:xfrm>
+            <a:off x="0" y="-1"/>
+            <a:ext cx="12192000" cy="6854653"/>
+          </a:xfrm>
+        </p:spPr>
+      </p:pic>
+    </p:spTree>
+    <p:extLst>
+      <p:ext uri="{BB962C8B-B14F-4D97-AF65-F5344CB8AC3E}">
+        <p14:creationId xmlns:p14="http://schemas.microsoft.com/office/powerpoint/2010/main" val="1875781255"/>
+      </p:ext>
+    </p:extLst>
+  </p:cSld>
+  <p:clrMapOvr>
+    <a:masterClrMapping/>
+  </p:clrMapOvr>
+</p:sld>
+</file>
+
+<file path=ppt/slides/slide74.xml><?xml version="1.0" encoding="utf-8"?>
+<p:sld xmlns:a="http://schemas.openxmlformats.org/drawingml/2006/main" xmlns:r="http://schemas.openxmlformats.org/officeDocument/2006/relationships" xmlns:p="http://schemas.openxmlformats.org/presentationml/2006/main">
+  <p:cSld>
+    <p:spTree>
+      <p:nvGrpSpPr>
+        <p:cNvPr id="1" name=""/>
+        <p:cNvGrpSpPr/>
+        <p:nvPr/>
+      </p:nvGrpSpPr>
+      <p:grpSpPr>
+        <a:xfrm>
+          <a:off x="0" y="0"/>
+          <a:ext cx="0" cy="0"/>
+          <a:chOff x="0" y="0"/>
+          <a:chExt cx="0" cy="0"/>
+        </a:xfrm>
+      </p:grpSpPr>
+      <p:sp>
+        <p:nvSpPr>
+          <p:cNvPr id="2" name="Заглавие 1">
+            <a:extLst>
+              <a:ext uri="{FF2B5EF4-FFF2-40B4-BE49-F238E27FC236}">
+                <a16:creationId xmlns:a16="http://schemas.microsoft.com/office/drawing/2014/main" id="{8DB8B8F7-B267-45EC-9CB1-8FF9B655D0CC}"/>
+              </a:ext>
+            </a:extLst>
+          </p:cNvPr>
+          <p:cNvSpPr>
+            <a:spLocks noGrp="1"/>
+          </p:cNvSpPr>
+          <p:nvPr>
+            <p:ph type="title"/>
+          </p:nvPr>
+        </p:nvSpPr>
+        <p:spPr/>
+        <p:txBody>
+          <a:bodyPr/>
+          <a:lstStyle/>
+          <a:p>
+            <a:endParaRPr lang="bg-BG"/>
+          </a:p>
+        </p:txBody>
+      </p:sp>
+      <p:pic>
+        <p:nvPicPr>
+          <p:cNvPr id="5" name="Контейнер за съдържание 4">
+            <a:extLst>
+              <a:ext uri="{FF2B5EF4-FFF2-40B4-BE49-F238E27FC236}">
+                <a16:creationId xmlns:a16="http://schemas.microsoft.com/office/drawing/2014/main" id="{3C74F40C-C3FF-4B6D-BE8C-2AD0F8DC5CD6}"/>
+              </a:ext>
+            </a:extLst>
+          </p:cNvPr>
+          <p:cNvPicPr>
+            <a:picLocks noGrp="1" noChangeAspect="1"/>
+          </p:cNvPicPr>
+          <p:nvPr>
+            <p:ph idx="1"/>
+          </p:nvPr>
+        </p:nvPicPr>
+        <p:blipFill>
+          <a:blip r:embed="rId2">
+            <a:extLst>
+              <a:ext uri="{28A0092B-C50C-407E-A947-70E740481C1C}">
+                <a14:useLocalDpi xmlns:a14="http://schemas.microsoft.com/office/drawing/2010/main" val="0"/>
+              </a:ext>
+            </a:extLst>
+          </a:blip>
+          <a:stretch>
+            <a:fillRect/>
+          </a:stretch>
+        </p:blipFill>
+        <p:spPr>
+          <a:xfrm>
+            <a:off x="-112296" y="0"/>
+            <a:ext cx="12304295" cy="6854653"/>
+          </a:xfrm>
+        </p:spPr>
+      </p:pic>
+    </p:spTree>
+    <p:extLst>
+      <p:ext uri="{BB962C8B-B14F-4D97-AF65-F5344CB8AC3E}">
+        <p14:creationId xmlns:p14="http://schemas.microsoft.com/office/powerpoint/2010/main" val="4231416832"/>
+      </p:ext>
+    </p:extLst>
+  </p:cSld>
+  <p:clrMapOvr>
+    <a:masterClrMapping/>
+  </p:clrMapOvr>
+</p:sld>
+</file>
+
+<file path=ppt/slides/slide75.xml><?xml version="1.0" encoding="utf-8"?>
+<p:sld xmlns:a="http://schemas.openxmlformats.org/drawingml/2006/main" xmlns:r="http://schemas.openxmlformats.org/officeDocument/2006/relationships" xmlns:p="http://schemas.openxmlformats.org/presentationml/2006/main">
+  <p:cSld>
+    <p:spTree>
+      <p:nvGrpSpPr>
+        <p:cNvPr id="1" name=""/>
+        <p:cNvGrpSpPr/>
+        <p:nvPr/>
+      </p:nvGrpSpPr>
+      <p:grpSpPr>
+        <a:xfrm>
+          <a:off x="0" y="0"/>
+          <a:ext cx="0" cy="0"/>
+          <a:chOff x="0" y="0"/>
+          <a:chExt cx="0" cy="0"/>
+        </a:xfrm>
+      </p:grpSpPr>
+      <p:sp>
+        <p:nvSpPr>
+          <p:cNvPr id="2" name="Заглавие 1">
+            <a:extLst>
+              <a:ext uri="{FF2B5EF4-FFF2-40B4-BE49-F238E27FC236}">
+                <a16:creationId xmlns:a16="http://schemas.microsoft.com/office/drawing/2014/main" id="{D572E791-5570-4AE1-90FC-C1FC928E1B83}"/>
+              </a:ext>
+            </a:extLst>
+          </p:cNvPr>
+          <p:cNvSpPr>
+            <a:spLocks noGrp="1"/>
+          </p:cNvSpPr>
+          <p:nvPr>
+            <p:ph type="title"/>
+          </p:nvPr>
+        </p:nvSpPr>
+        <p:spPr/>
+        <p:txBody>
+          <a:bodyPr/>
+          <a:lstStyle/>
+          <a:p>
+            <a:endParaRPr lang="bg-BG"/>
+          </a:p>
+        </p:txBody>
+      </p:sp>
+      <p:pic>
+        <p:nvPicPr>
+          <p:cNvPr id="5" name="Контейнер за съдържание 4">
+            <a:extLst>
+              <a:ext uri="{FF2B5EF4-FFF2-40B4-BE49-F238E27FC236}">
+                <a16:creationId xmlns:a16="http://schemas.microsoft.com/office/drawing/2014/main" id="{F36DBD83-A4CA-40E9-8862-2E373788BFFE}"/>
+              </a:ext>
+            </a:extLst>
+          </p:cNvPr>
+          <p:cNvPicPr>
+            <a:picLocks noGrp="1" noChangeAspect="1"/>
+          </p:cNvPicPr>
+          <p:nvPr>
+            <p:ph idx="1"/>
+          </p:nvPr>
+        </p:nvPicPr>
+        <p:blipFill>
+          <a:blip r:embed="rId2">
+            <a:extLst>
+              <a:ext uri="{28A0092B-C50C-407E-A947-70E740481C1C}">
+                <a14:useLocalDpi xmlns:a14="http://schemas.microsoft.com/office/drawing/2010/main" val="0"/>
+              </a:ext>
+            </a:extLst>
+          </a:blip>
+          <a:stretch>
+            <a:fillRect/>
+          </a:stretch>
+        </p:blipFill>
+        <p:spPr>
+          <a:xfrm>
+            <a:off x="0" y="-1"/>
+            <a:ext cx="12192000" cy="6854653"/>
+          </a:xfrm>
+        </p:spPr>
+      </p:pic>
+    </p:spTree>
+    <p:extLst>
+      <p:ext uri="{BB962C8B-B14F-4D97-AF65-F5344CB8AC3E}">
+        <p14:creationId xmlns:p14="http://schemas.microsoft.com/office/powerpoint/2010/main" val="3338371043"/>
+      </p:ext>
+    </p:extLst>
+  </p:cSld>
+  <p:clrMapOvr>
+    <a:masterClrMapping/>
+  </p:clrMapOvr>
+</p:sld>
+</file>
+
+<file path=ppt/slides/slide76.xml><?xml version="1.0" encoding="utf-8"?>
+<p:sld xmlns:a="http://schemas.openxmlformats.org/drawingml/2006/main" xmlns:r="http://schemas.openxmlformats.org/officeDocument/2006/relationships" xmlns:p="http://schemas.openxmlformats.org/presentationml/2006/main">
+  <p:cSld>
+    <p:spTree>
+      <p:nvGrpSpPr>
+        <p:cNvPr id="1" name=""/>
+        <p:cNvGrpSpPr/>
+        <p:nvPr/>
+      </p:nvGrpSpPr>
+      <p:grpSpPr>
+        <a:xfrm>
+          <a:off x="0" y="0"/>
+          <a:ext cx="0" cy="0"/>
+          <a:chOff x="0" y="0"/>
+          <a:chExt cx="0" cy="0"/>
+        </a:xfrm>
+      </p:grpSpPr>
+      <p:sp>
+        <p:nvSpPr>
+          <p:cNvPr id="2" name="Заглавие 1">
+            <a:extLst>
+              <a:ext uri="{FF2B5EF4-FFF2-40B4-BE49-F238E27FC236}">
+                <a16:creationId xmlns:a16="http://schemas.microsoft.com/office/drawing/2014/main" id="{24206EC2-4A82-4202-8ADF-8152DCDCC9DB}"/>
+              </a:ext>
+            </a:extLst>
+          </p:cNvPr>
+          <p:cNvSpPr>
+            <a:spLocks noGrp="1"/>
+          </p:cNvSpPr>
+          <p:nvPr>
+            <p:ph type="title"/>
+          </p:nvPr>
+        </p:nvSpPr>
+        <p:spPr/>
+        <p:txBody>
+          <a:bodyPr/>
+          <a:lstStyle/>
+          <a:p>
+            <a:r>
+              <a:rPr lang="bg-BG" dirty="0"/>
+              <a:t>Обратно към задачата</a:t>
+            </a:r>
+          </a:p>
+        </p:txBody>
+      </p:sp>
+      <p:sp>
+        <p:nvSpPr>
+          <p:cNvPr id="3" name="Контейнер за съдържание 2">
+            <a:extLst>
+              <a:ext uri="{FF2B5EF4-FFF2-40B4-BE49-F238E27FC236}">
+                <a16:creationId xmlns:a16="http://schemas.microsoft.com/office/drawing/2014/main" id="{9EF5D99F-3241-4DF1-8DED-BF1BDD218537}"/>
+              </a:ext>
+            </a:extLst>
+          </p:cNvPr>
+          <p:cNvSpPr>
+            <a:spLocks noGrp="1"/>
+          </p:cNvSpPr>
+          <p:nvPr>
+            <p:ph idx="1"/>
+          </p:nvPr>
+        </p:nvSpPr>
+        <p:spPr/>
+        <p:txBody>
+          <a:bodyPr>
+            <a:normAutofit fontScale="92500" lnSpcReduction="20000"/>
+          </a:bodyPr>
+          <a:lstStyle/>
+          <a:p>
+            <a:r>
+              <a:rPr lang="bg-BG" dirty="0"/>
+              <a:t>Дотук видяхме как се работи, когато единият параметър е променлив, а в задачата и двата трябваше да са</a:t>
+            </a:r>
+          </a:p>
+          <a:p>
+            <a:endParaRPr lang="bg-BG" dirty="0"/>
+          </a:p>
+          <a:p>
+            <a:r>
+              <a:rPr lang="bg-BG" dirty="0"/>
+              <a:t>Решението е също толкова просто, колкото и с един променлив параметър</a:t>
+            </a:r>
+          </a:p>
+          <a:p>
+            <a:endParaRPr lang="en-GB" dirty="0"/>
+          </a:p>
+          <a:p>
+            <a:pPr marL="0" indent="0">
+              <a:buNone/>
+            </a:pPr>
+            <a:r>
+              <a:rPr lang="en-GB" dirty="0"/>
+              <a:t>template &lt;class T, class J&gt;</a:t>
+            </a:r>
+          </a:p>
+          <a:p>
+            <a:pPr marL="0" indent="0">
+              <a:buNone/>
+            </a:pPr>
+            <a:r>
+              <a:rPr lang="fr-FR" dirty="0"/>
+              <a:t>void Print(const T a, const J b)</a:t>
+            </a:r>
+          </a:p>
+          <a:p>
+            <a:pPr marL="0" indent="0">
+              <a:buNone/>
+            </a:pPr>
+            <a:r>
+              <a:rPr lang="bg-BG" dirty="0"/>
+              <a:t>{</a:t>
+            </a:r>
+          </a:p>
+          <a:p>
+            <a:pPr marL="0" indent="0">
+              <a:buNone/>
+            </a:pPr>
+            <a:r>
+              <a:rPr lang="en-GB" dirty="0"/>
+              <a:t>	std::</a:t>
+            </a:r>
+            <a:r>
+              <a:rPr lang="en-GB" dirty="0" err="1"/>
+              <a:t>cout</a:t>
+            </a:r>
+            <a:r>
+              <a:rPr lang="en-GB" dirty="0"/>
+              <a:t> &lt;&lt; a &lt;&lt; </a:t>
+            </a:r>
+            <a:r>
+              <a:rPr lang="en-GB" dirty="0">
+                <a:solidFill>
+                  <a:schemeClr val="accent2"/>
+                </a:solidFill>
+              </a:rPr>
+              <a:t>' '</a:t>
+            </a:r>
+            <a:r>
+              <a:rPr lang="en-GB" dirty="0"/>
+              <a:t> &lt;&lt; b &lt;&lt; </a:t>
+            </a:r>
+            <a:r>
+              <a:rPr lang="en-GB" dirty="0">
+                <a:solidFill>
+                  <a:schemeClr val="accent2"/>
+                </a:solidFill>
+              </a:rPr>
+              <a:t>'\n'</a:t>
+            </a:r>
+            <a:r>
+              <a:rPr lang="en-GB" dirty="0"/>
+              <a:t>;</a:t>
+            </a:r>
+          </a:p>
+          <a:p>
+            <a:pPr marL="0" indent="0">
+              <a:buNone/>
+            </a:pPr>
+            <a:r>
+              <a:rPr lang="bg-BG" dirty="0"/>
+              <a:t>}</a:t>
+            </a:r>
+          </a:p>
+          <a:p>
+            <a:endParaRPr lang="bg-BG" dirty="0"/>
+          </a:p>
+        </p:txBody>
+      </p:sp>
+    </p:spTree>
+    <p:extLst>
+      <p:ext uri="{BB962C8B-B14F-4D97-AF65-F5344CB8AC3E}">
+        <p14:creationId xmlns:p14="http://schemas.microsoft.com/office/powerpoint/2010/main" val="4269755231"/>
+      </p:ext>
+    </p:extLst>
+  </p:cSld>
+  <p:clrMapOvr>
+    <a:masterClrMapping/>
+  </p:clrMapOvr>
+</p:sld>
+</file>
+
+<file path=ppt/slides/slide77.xml><?xml version="1.0" encoding="utf-8"?>
+<p:sld xmlns:a="http://schemas.openxmlformats.org/drawingml/2006/main" xmlns:r="http://schemas.openxmlformats.org/officeDocument/2006/relationships" xmlns:p="http://schemas.openxmlformats.org/presentationml/2006/main">
+  <p:cSld>
+    <p:spTree>
+      <p:nvGrpSpPr>
+        <p:cNvPr id="1" name=""/>
+        <p:cNvGrpSpPr/>
+        <p:nvPr/>
+      </p:nvGrpSpPr>
+      <p:grpSpPr>
+        <a:xfrm>
+          <a:off x="0" y="0"/>
+          <a:ext cx="0" cy="0"/>
+          <a:chOff x="0" y="0"/>
+          <a:chExt cx="0" cy="0"/>
+        </a:xfrm>
+      </p:grpSpPr>
+      <p:sp>
+        <p:nvSpPr>
+          <p:cNvPr id="2" name="Заглавие 1">
+            <a:extLst>
+              <a:ext uri="{FF2B5EF4-FFF2-40B4-BE49-F238E27FC236}">
+                <a16:creationId xmlns:a16="http://schemas.microsoft.com/office/drawing/2014/main" id="{588EF039-16A5-4882-B8D5-9B17F241133E}"/>
+              </a:ext>
+            </a:extLst>
+          </p:cNvPr>
+          <p:cNvSpPr>
+            <a:spLocks noGrp="1"/>
+          </p:cNvSpPr>
+          <p:nvPr>
+            <p:ph type="title"/>
+          </p:nvPr>
+        </p:nvSpPr>
+        <p:spPr/>
+        <p:txBody>
+          <a:bodyPr/>
+          <a:lstStyle/>
+          <a:p>
+            <a:r>
+              <a:rPr lang="bg-BG" dirty="0"/>
+              <a:t>Обратно към задачата</a:t>
+            </a:r>
+          </a:p>
+        </p:txBody>
+      </p:sp>
+      <p:sp>
+        <p:nvSpPr>
+          <p:cNvPr id="3" name="Контейнер за съдържание 2">
+            <a:extLst>
+              <a:ext uri="{FF2B5EF4-FFF2-40B4-BE49-F238E27FC236}">
+                <a16:creationId xmlns:a16="http://schemas.microsoft.com/office/drawing/2014/main" id="{B72C51CE-B4E9-4D6D-891B-DBF26137FBEB}"/>
+              </a:ext>
+            </a:extLst>
+          </p:cNvPr>
+          <p:cNvSpPr>
+            <a:spLocks noGrp="1"/>
+          </p:cNvSpPr>
+          <p:nvPr>
+            <p:ph idx="1"/>
+          </p:nvPr>
+        </p:nvSpPr>
+        <p:spPr/>
+        <p:txBody>
+          <a:bodyPr>
+            <a:normAutofit fontScale="85000" lnSpcReduction="20000"/>
+          </a:bodyPr>
+          <a:lstStyle/>
+          <a:p>
+            <a:pPr marL="0" indent="0">
+              <a:buNone/>
+            </a:pPr>
+            <a:r>
+              <a:rPr lang="en-GB" dirty="0"/>
+              <a:t>template &lt;class T, class J&gt;</a:t>
+            </a:r>
+          </a:p>
+          <a:p>
+            <a:pPr marL="0" indent="0">
+              <a:buNone/>
+            </a:pPr>
+            <a:r>
+              <a:rPr lang="fr-FR" dirty="0"/>
+              <a:t>void Print(const T a, const J b)</a:t>
+            </a:r>
+            <a:r>
+              <a:rPr lang="bg-BG" dirty="0"/>
+              <a:t>{</a:t>
+            </a:r>
+          </a:p>
+          <a:p>
+            <a:pPr marL="0" indent="0">
+              <a:buNone/>
+            </a:pPr>
+            <a:r>
+              <a:rPr lang="en-GB" dirty="0"/>
+              <a:t>	std::</a:t>
+            </a:r>
+            <a:r>
+              <a:rPr lang="en-GB" dirty="0" err="1"/>
+              <a:t>cout</a:t>
+            </a:r>
+            <a:r>
+              <a:rPr lang="en-GB" dirty="0"/>
+              <a:t> &lt;&lt; a &lt;&lt; </a:t>
+            </a:r>
+            <a:r>
+              <a:rPr lang="en-GB" dirty="0">
+                <a:solidFill>
+                  <a:schemeClr val="accent2"/>
+                </a:solidFill>
+              </a:rPr>
+              <a:t>' '</a:t>
+            </a:r>
+            <a:r>
+              <a:rPr lang="en-GB" dirty="0"/>
+              <a:t> &lt;&lt; b &lt;&lt; </a:t>
+            </a:r>
+            <a:r>
+              <a:rPr lang="en-GB" dirty="0">
+                <a:solidFill>
+                  <a:schemeClr val="accent2"/>
+                </a:solidFill>
+              </a:rPr>
+              <a:t>'\n'</a:t>
+            </a:r>
+            <a:r>
+              <a:rPr lang="en-GB" dirty="0"/>
+              <a:t>;</a:t>
+            </a:r>
+          </a:p>
+          <a:p>
+            <a:pPr marL="0" indent="0">
+              <a:buNone/>
+            </a:pPr>
+            <a:r>
+              <a:rPr lang="bg-BG" dirty="0"/>
+              <a:t>}</a:t>
+            </a:r>
+          </a:p>
+          <a:p>
+            <a:pPr marL="0" indent="0">
+              <a:buNone/>
+            </a:pPr>
+            <a:r>
+              <a:rPr lang="en-GB" dirty="0"/>
+              <a:t>int main()</a:t>
+            </a:r>
+            <a:r>
+              <a:rPr lang="bg-BG" dirty="0"/>
+              <a:t>{</a:t>
+            </a:r>
+          </a:p>
+          <a:p>
+            <a:pPr marL="0" indent="0">
+              <a:buNone/>
+            </a:pPr>
+            <a:r>
+              <a:rPr lang="en-GB" dirty="0"/>
+              <a:t>	Print(4, </a:t>
+            </a:r>
+            <a:r>
+              <a:rPr lang="en-GB" dirty="0">
+                <a:solidFill>
+                  <a:schemeClr val="accent2"/>
+                </a:solidFill>
+              </a:rPr>
+              <a:t>‘*’</a:t>
+            </a:r>
+            <a:r>
+              <a:rPr lang="en-GB" dirty="0"/>
+              <a:t> );</a:t>
+            </a:r>
+          </a:p>
+          <a:p>
+            <a:pPr marL="0" indent="0">
+              <a:buNone/>
+            </a:pPr>
+            <a:r>
+              <a:rPr lang="en-GB" dirty="0"/>
+              <a:t>	Print( </a:t>
+            </a:r>
+            <a:r>
+              <a:rPr lang="en-GB" dirty="0">
+                <a:solidFill>
+                  <a:schemeClr val="accent2"/>
+                </a:solidFill>
+              </a:rPr>
+              <a:t>‘b’</a:t>
+            </a:r>
+            <a:r>
+              <a:rPr lang="en-GB" dirty="0"/>
+              <a:t> , 6 );</a:t>
+            </a:r>
+          </a:p>
+          <a:p>
+            <a:pPr marL="0" indent="0">
+              <a:buNone/>
+            </a:pPr>
+            <a:r>
+              <a:rPr lang="en-GB" dirty="0"/>
+              <a:t>	Print(false, 22.0/7 );</a:t>
+            </a:r>
+          </a:p>
+          <a:p>
+            <a:pPr marL="0" indent="0">
+              <a:buNone/>
+            </a:pPr>
+            <a:r>
+              <a:rPr lang="en-GB" dirty="0"/>
+              <a:t>	Print( </a:t>
+            </a:r>
+            <a:r>
+              <a:rPr lang="en-GB" dirty="0">
+                <a:solidFill>
+                  <a:schemeClr val="accent2"/>
+                </a:solidFill>
+              </a:rPr>
+              <a:t>"so cool“ </a:t>
+            </a:r>
+            <a:r>
+              <a:rPr lang="en-GB" dirty="0"/>
+              <a:t>, </a:t>
+            </a:r>
+            <a:r>
+              <a:rPr lang="en-GB" dirty="0">
+                <a:solidFill>
+                  <a:schemeClr val="accent2"/>
+                </a:solidFill>
+              </a:rPr>
+              <a:t>", are you impressed?“ </a:t>
+            </a:r>
+            <a:r>
+              <a:rPr lang="en-GB" dirty="0"/>
+              <a:t>);</a:t>
+            </a:r>
+          </a:p>
+          <a:p>
+            <a:pPr marL="0" indent="0">
+              <a:buNone/>
+            </a:pPr>
+            <a:r>
+              <a:rPr lang="en-GB" dirty="0"/>
+              <a:t>	return 0;</a:t>
+            </a:r>
+          </a:p>
+          <a:p>
+            <a:pPr marL="0" indent="0">
+              <a:buNone/>
+            </a:pPr>
+            <a:r>
+              <a:rPr lang="bg-BG" dirty="0"/>
+              <a:t>}</a:t>
+            </a:r>
+          </a:p>
+        </p:txBody>
+      </p:sp>
+    </p:spTree>
+    <p:extLst>
+      <p:ext uri="{BB962C8B-B14F-4D97-AF65-F5344CB8AC3E}">
+        <p14:creationId xmlns:p14="http://schemas.microsoft.com/office/powerpoint/2010/main" val="2463762160"/>
+      </p:ext>
+    </p:extLst>
+  </p:cSld>
+  <p:clrMapOvr>
+    <a:masterClrMapping/>
+  </p:clrMapOvr>
+</p:sld>
+</file>
+
+<file path=ppt/slides/slide78.xml><?xml version="1.0" encoding="utf-8"?>
+<p:sld xmlns:a="http://schemas.openxmlformats.org/drawingml/2006/main" xmlns:r="http://schemas.openxmlformats.org/officeDocument/2006/relationships" xmlns:p="http://schemas.openxmlformats.org/presentationml/2006/main">
+  <p:cSld>
+    <p:spTree>
+      <p:nvGrpSpPr>
+        <p:cNvPr id="1" name=""/>
+        <p:cNvGrpSpPr/>
+        <p:nvPr/>
+      </p:nvGrpSpPr>
+      <p:grpSpPr>
+        <a:xfrm>
+          <a:off x="0" y="0"/>
+          <a:ext cx="0" cy="0"/>
+          <a:chOff x="0" y="0"/>
+          <a:chExt cx="0" cy="0"/>
+        </a:xfrm>
+      </p:grpSpPr>
+      <p:sp>
+        <p:nvSpPr>
+          <p:cNvPr id="2" name="Заглавие 1">
+            <a:extLst>
+              <a:ext uri="{FF2B5EF4-FFF2-40B4-BE49-F238E27FC236}">
+                <a16:creationId xmlns:a16="http://schemas.microsoft.com/office/drawing/2014/main" id="{1418ED3E-7B4A-4CFC-A837-3CFB639C14CB}"/>
+              </a:ext>
+            </a:extLst>
+          </p:cNvPr>
+          <p:cNvSpPr>
+            <a:spLocks noGrp="1"/>
+          </p:cNvSpPr>
+          <p:nvPr>
+            <p:ph type="title"/>
+          </p:nvPr>
+        </p:nvSpPr>
+        <p:spPr/>
+        <p:txBody>
+          <a:bodyPr/>
+          <a:lstStyle/>
+          <a:p>
+            <a:endParaRPr lang="bg-BG"/>
+          </a:p>
+        </p:txBody>
+      </p:sp>
+      <p:pic>
+        <p:nvPicPr>
+          <p:cNvPr id="9" name="Контейнер за съдържание 8">
+            <a:extLst>
+              <a:ext uri="{FF2B5EF4-FFF2-40B4-BE49-F238E27FC236}">
+                <a16:creationId xmlns:a16="http://schemas.microsoft.com/office/drawing/2014/main" id="{8C15A201-C59A-486A-8BD3-FC1F491B8378}"/>
+              </a:ext>
+            </a:extLst>
+          </p:cNvPr>
+          <p:cNvPicPr>
+            <a:picLocks noGrp="1" noChangeAspect="1"/>
+          </p:cNvPicPr>
+          <p:nvPr>
+            <p:ph idx="1"/>
+          </p:nvPr>
+        </p:nvPicPr>
+        <p:blipFill>
+          <a:blip r:embed="rId2">
+            <a:extLst>
+              <a:ext uri="{28A0092B-C50C-407E-A947-70E740481C1C}">
+                <a14:useLocalDpi xmlns:a14="http://schemas.microsoft.com/office/drawing/2010/main" val="0"/>
+              </a:ext>
+            </a:extLst>
+          </a:blip>
+          <a:stretch>
+            <a:fillRect/>
+          </a:stretch>
+        </p:blipFill>
+        <p:spPr>
+          <a:xfrm>
+            <a:off x="0" y="-1"/>
+            <a:ext cx="12192000" cy="6854653"/>
+          </a:xfrm>
+        </p:spPr>
+      </p:pic>
+    </p:spTree>
+    <p:extLst>
+      <p:ext uri="{BB962C8B-B14F-4D97-AF65-F5344CB8AC3E}">
+        <p14:creationId xmlns:p14="http://schemas.microsoft.com/office/powerpoint/2010/main" val="3759549769"/>
+      </p:ext>
+    </p:extLst>
+  </p:cSld>
+  <p:clrMapOvr>
+    <a:masterClrMapping/>
+  </p:clrMapOvr>
+</p:sld>
+</file>
+
+<file path=ppt/slides/slide79.xml><?xml version="1.0" encoding="utf-8"?>
+<p:sld xmlns:a="http://schemas.openxmlformats.org/drawingml/2006/main" xmlns:r="http://schemas.openxmlformats.org/officeDocument/2006/relationships" xmlns:p="http://schemas.openxmlformats.org/presentationml/2006/main">
+  <p:cSld>
+    <p:spTree>
+      <p:nvGrpSpPr>
+        <p:cNvPr id="1" name=""/>
+        <p:cNvGrpSpPr/>
+        <p:nvPr/>
+      </p:nvGrpSpPr>
+      <p:grpSpPr>
+        <a:xfrm>
+          <a:off x="0" y="0"/>
+          <a:ext cx="0" cy="0"/>
+          <a:chOff x="0" y="0"/>
+          <a:chExt cx="0" cy="0"/>
+        </a:xfrm>
+      </p:grpSpPr>
+      <p:sp>
+        <p:nvSpPr>
+          <p:cNvPr id="2" name="Заглавие 1">
+            <a:extLst>
+              <a:ext uri="{FF2B5EF4-FFF2-40B4-BE49-F238E27FC236}">
+                <a16:creationId xmlns:a16="http://schemas.microsoft.com/office/drawing/2014/main" id="{D82EFE72-C8EF-436D-B76F-6F15715FFB2E}"/>
+              </a:ext>
+            </a:extLst>
+          </p:cNvPr>
+          <p:cNvSpPr>
+            <a:spLocks noGrp="1"/>
+          </p:cNvSpPr>
+          <p:nvPr>
+            <p:ph type="title"/>
+          </p:nvPr>
+        </p:nvSpPr>
+        <p:spPr/>
+        <p:txBody>
+          <a:bodyPr/>
+          <a:lstStyle/>
+          <a:p>
+            <a:r>
+              <a:rPr lang="bg-BG" dirty="0"/>
+              <a:t>Контрол над шаблоните</a:t>
+            </a:r>
+          </a:p>
+        </p:txBody>
+      </p:sp>
+      <p:sp>
+        <p:nvSpPr>
+          <p:cNvPr id="3" name="Контейнер за съдържание 2">
+            <a:extLst>
+              <a:ext uri="{FF2B5EF4-FFF2-40B4-BE49-F238E27FC236}">
+                <a16:creationId xmlns:a16="http://schemas.microsoft.com/office/drawing/2014/main" id="{6349323C-BD7D-4100-990B-FBA7D02846D5}"/>
+              </a:ext>
+            </a:extLst>
+          </p:cNvPr>
+          <p:cNvSpPr>
+            <a:spLocks noGrp="1"/>
+          </p:cNvSpPr>
+          <p:nvPr>
+            <p:ph idx="1"/>
+          </p:nvPr>
+        </p:nvSpPr>
+        <p:spPr/>
+        <p:txBody>
+          <a:bodyPr/>
+          <a:lstStyle/>
+          <a:p>
+            <a:r>
+              <a:rPr lang="bg-BG" dirty="0"/>
+              <a:t>Дотук оставихме компилатора да се занимава с шаблоните и той да определя типа на данните, които му подаваме</a:t>
+            </a:r>
+          </a:p>
+          <a:p>
+            <a:endParaRPr lang="bg-BG" dirty="0"/>
+          </a:p>
+          <a:p>
+            <a:r>
+              <a:rPr lang="bg-BG" dirty="0"/>
+              <a:t>Ако се върнем на предния пример ще видим, че 22/7 бива конвертирано до числото пи</a:t>
+            </a:r>
+          </a:p>
+          <a:p>
+            <a:endParaRPr lang="bg-BG" dirty="0"/>
+          </a:p>
+          <a:p>
+            <a:r>
+              <a:rPr lang="bg-BG" dirty="0"/>
+              <a:t>Ами ако искаме да работим само с цели числа?</a:t>
+            </a:r>
+          </a:p>
+        </p:txBody>
+      </p:sp>
+    </p:spTree>
+    <p:extLst>
+      <p:ext uri="{BB962C8B-B14F-4D97-AF65-F5344CB8AC3E}">
+        <p14:creationId xmlns:p14="http://schemas.microsoft.com/office/powerpoint/2010/main" val="128293477"/>
       </p:ext>
     </p:extLst>
   </p:cSld>
@@ -14267,6 +18032,1142 @@
     <p:extLst>
       <p:ext uri="{BB962C8B-B14F-4D97-AF65-F5344CB8AC3E}">
         <p14:creationId xmlns:p14="http://schemas.microsoft.com/office/powerpoint/2010/main" val="1429543739"/>
+      </p:ext>
+    </p:extLst>
+  </p:cSld>
+  <p:clrMapOvr>
+    <a:masterClrMapping/>
+  </p:clrMapOvr>
+</p:sld>
+</file>
+
+<file path=ppt/slides/slide80.xml><?xml version="1.0" encoding="utf-8"?>
+<p:sld xmlns:a="http://schemas.openxmlformats.org/drawingml/2006/main" xmlns:r="http://schemas.openxmlformats.org/officeDocument/2006/relationships" xmlns:p="http://schemas.openxmlformats.org/presentationml/2006/main">
+  <p:cSld>
+    <p:spTree>
+      <p:nvGrpSpPr>
+        <p:cNvPr id="1" name=""/>
+        <p:cNvGrpSpPr/>
+        <p:nvPr/>
+      </p:nvGrpSpPr>
+      <p:grpSpPr>
+        <a:xfrm>
+          <a:off x="0" y="0"/>
+          <a:ext cx="0" cy="0"/>
+          <a:chOff x="0" y="0"/>
+          <a:chExt cx="0" cy="0"/>
+        </a:xfrm>
+      </p:grpSpPr>
+      <p:sp>
+        <p:nvSpPr>
+          <p:cNvPr id="2" name="Заглавие 1">
+            <a:extLst>
+              <a:ext uri="{FF2B5EF4-FFF2-40B4-BE49-F238E27FC236}">
+                <a16:creationId xmlns:a16="http://schemas.microsoft.com/office/drawing/2014/main" id="{697AFFD2-6695-4DE3-A244-9689370D442C}"/>
+              </a:ext>
+            </a:extLst>
+          </p:cNvPr>
+          <p:cNvSpPr>
+            <a:spLocks noGrp="1"/>
+          </p:cNvSpPr>
+          <p:nvPr>
+            <p:ph type="title"/>
+          </p:nvPr>
+        </p:nvSpPr>
+        <p:spPr/>
+        <p:txBody>
+          <a:bodyPr/>
+          <a:lstStyle/>
+          <a:p>
+            <a:r>
+              <a:rPr lang="bg-BG" dirty="0"/>
+              <a:t>Контрол над шаблоните</a:t>
+            </a:r>
+          </a:p>
+        </p:txBody>
+      </p:sp>
+      <p:sp>
+        <p:nvSpPr>
+          <p:cNvPr id="3" name="Контейнер за съдържание 2">
+            <a:extLst>
+              <a:ext uri="{FF2B5EF4-FFF2-40B4-BE49-F238E27FC236}">
+                <a16:creationId xmlns:a16="http://schemas.microsoft.com/office/drawing/2014/main" id="{14F774FA-90CC-4AFD-8276-26B3FA2D309F}"/>
+              </a:ext>
+            </a:extLst>
+          </p:cNvPr>
+          <p:cNvSpPr>
+            <a:spLocks noGrp="1"/>
+          </p:cNvSpPr>
+          <p:nvPr>
+            <p:ph idx="1"/>
+          </p:nvPr>
+        </p:nvSpPr>
+        <p:spPr/>
+        <p:txBody>
+          <a:bodyPr/>
+          <a:lstStyle/>
+          <a:p>
+            <a:r>
+              <a:rPr lang="bg-BG" dirty="0"/>
+              <a:t>С++ позволява да се уточни коя точни версия на даден шаблон да бъде извикана</a:t>
+            </a:r>
+          </a:p>
+          <a:p>
+            <a:endParaRPr lang="bg-BG" dirty="0"/>
+          </a:p>
+          <a:p>
+            <a:r>
+              <a:rPr lang="bg-BG" dirty="0"/>
+              <a:t>Това става като след името с оператор &lt; &gt; уточним какви типове да се използват</a:t>
+            </a:r>
+            <a:endParaRPr lang="en-GB" dirty="0"/>
+          </a:p>
+          <a:p>
+            <a:endParaRPr lang="en-GB" dirty="0"/>
+          </a:p>
+          <a:p>
+            <a:pPr marL="0" indent="0">
+              <a:buNone/>
+            </a:pPr>
+            <a:r>
+              <a:rPr lang="en-GB" dirty="0"/>
+              <a:t>Print&lt;bool, int&gt;(false, 22.0/7);</a:t>
+            </a:r>
+          </a:p>
+          <a:p>
+            <a:pPr marL="0" indent="0">
+              <a:buNone/>
+            </a:pPr>
+            <a:r>
+              <a:rPr lang="bg-BG" dirty="0"/>
+              <a:t> </a:t>
+            </a:r>
+            <a:r>
+              <a:rPr lang="fr-FR" dirty="0"/>
+              <a:t>Print&lt;int, char&gt;('b', 66);</a:t>
+            </a:r>
+          </a:p>
+          <a:p>
+            <a:pPr marL="0" indent="0">
+              <a:buNone/>
+            </a:pPr>
+            <a:endParaRPr lang="bg-BG" dirty="0"/>
+          </a:p>
+        </p:txBody>
+      </p:sp>
+    </p:spTree>
+    <p:extLst>
+      <p:ext uri="{BB962C8B-B14F-4D97-AF65-F5344CB8AC3E}">
+        <p14:creationId xmlns:p14="http://schemas.microsoft.com/office/powerpoint/2010/main" val="2875143744"/>
+      </p:ext>
+    </p:extLst>
+  </p:cSld>
+  <p:clrMapOvr>
+    <a:masterClrMapping/>
+  </p:clrMapOvr>
+</p:sld>
+</file>
+
+<file path=ppt/slides/slide81.xml><?xml version="1.0" encoding="utf-8"?>
+<p:sld xmlns:a="http://schemas.openxmlformats.org/drawingml/2006/main" xmlns:r="http://schemas.openxmlformats.org/officeDocument/2006/relationships" xmlns:p="http://schemas.openxmlformats.org/presentationml/2006/main">
+  <p:cSld>
+    <p:spTree>
+      <p:nvGrpSpPr>
+        <p:cNvPr id="1" name=""/>
+        <p:cNvGrpSpPr/>
+        <p:nvPr/>
+      </p:nvGrpSpPr>
+      <p:grpSpPr>
+        <a:xfrm>
+          <a:off x="0" y="0"/>
+          <a:ext cx="0" cy="0"/>
+          <a:chOff x="0" y="0"/>
+          <a:chExt cx="0" cy="0"/>
+        </a:xfrm>
+      </p:grpSpPr>
+      <p:sp>
+        <p:nvSpPr>
+          <p:cNvPr id="2" name="Заглавие 1">
+            <a:extLst>
+              <a:ext uri="{FF2B5EF4-FFF2-40B4-BE49-F238E27FC236}">
+                <a16:creationId xmlns:a16="http://schemas.microsoft.com/office/drawing/2014/main" id="{8A042F2A-1A8F-4530-9B36-53357EE688A8}"/>
+              </a:ext>
+            </a:extLst>
+          </p:cNvPr>
+          <p:cNvSpPr>
+            <a:spLocks noGrp="1"/>
+          </p:cNvSpPr>
+          <p:nvPr>
+            <p:ph type="title"/>
+          </p:nvPr>
+        </p:nvSpPr>
+        <p:spPr/>
+        <p:txBody>
+          <a:bodyPr/>
+          <a:lstStyle/>
+          <a:p>
+            <a:endParaRPr lang="bg-BG"/>
+          </a:p>
+        </p:txBody>
+      </p:sp>
+      <p:pic>
+        <p:nvPicPr>
+          <p:cNvPr id="5" name="Контейнер за съдържание 4">
+            <a:extLst>
+              <a:ext uri="{FF2B5EF4-FFF2-40B4-BE49-F238E27FC236}">
+                <a16:creationId xmlns:a16="http://schemas.microsoft.com/office/drawing/2014/main" id="{9255C617-8E7A-4191-9E24-5D8819CB0B41}"/>
+              </a:ext>
+            </a:extLst>
+          </p:cNvPr>
+          <p:cNvPicPr>
+            <a:picLocks noGrp="1" noChangeAspect="1"/>
+          </p:cNvPicPr>
+          <p:nvPr>
+            <p:ph idx="1"/>
+          </p:nvPr>
+        </p:nvPicPr>
+        <p:blipFill>
+          <a:blip r:embed="rId2">
+            <a:extLst>
+              <a:ext uri="{28A0092B-C50C-407E-A947-70E740481C1C}">
+                <a14:useLocalDpi xmlns:a14="http://schemas.microsoft.com/office/drawing/2010/main" val="0"/>
+              </a:ext>
+            </a:extLst>
+          </a:blip>
+          <a:stretch>
+            <a:fillRect/>
+          </a:stretch>
+        </p:blipFill>
+        <p:spPr>
+          <a:xfrm>
+            <a:off x="0" y="-1"/>
+            <a:ext cx="12192000" cy="6854653"/>
+          </a:xfrm>
+        </p:spPr>
+      </p:pic>
+    </p:spTree>
+    <p:extLst>
+      <p:ext uri="{BB962C8B-B14F-4D97-AF65-F5344CB8AC3E}">
+        <p14:creationId xmlns:p14="http://schemas.microsoft.com/office/powerpoint/2010/main" val="2718398531"/>
+      </p:ext>
+    </p:extLst>
+  </p:cSld>
+  <p:clrMapOvr>
+    <a:masterClrMapping/>
+  </p:clrMapOvr>
+</p:sld>
+</file>
+
+<file path=ppt/slides/slide82.xml><?xml version="1.0" encoding="utf-8"?>
+<p:sld xmlns:a="http://schemas.openxmlformats.org/drawingml/2006/main" xmlns:r="http://schemas.openxmlformats.org/officeDocument/2006/relationships" xmlns:p="http://schemas.openxmlformats.org/presentationml/2006/main">
+  <p:cSld>
+    <p:spTree>
+      <p:nvGrpSpPr>
+        <p:cNvPr id="1" name=""/>
+        <p:cNvGrpSpPr/>
+        <p:nvPr/>
+      </p:nvGrpSpPr>
+      <p:grpSpPr>
+        <a:xfrm>
+          <a:off x="0" y="0"/>
+          <a:ext cx="0" cy="0"/>
+          <a:chOff x="0" y="0"/>
+          <a:chExt cx="0" cy="0"/>
+        </a:xfrm>
+      </p:grpSpPr>
+      <p:sp>
+        <p:nvSpPr>
+          <p:cNvPr id="2" name="Заглавие 1">
+            <a:extLst>
+              <a:ext uri="{FF2B5EF4-FFF2-40B4-BE49-F238E27FC236}">
+                <a16:creationId xmlns:a16="http://schemas.microsoft.com/office/drawing/2014/main" id="{74A5FC7D-0701-4AFE-9138-1BB2F01B2245}"/>
+              </a:ext>
+            </a:extLst>
+          </p:cNvPr>
+          <p:cNvSpPr>
+            <a:spLocks noGrp="1"/>
+          </p:cNvSpPr>
+          <p:nvPr>
+            <p:ph type="title"/>
+          </p:nvPr>
+        </p:nvSpPr>
+        <p:spPr/>
+        <p:txBody>
+          <a:bodyPr/>
+          <a:lstStyle/>
+          <a:p>
+            <a:r>
+              <a:rPr lang="bg-BG" dirty="0"/>
+              <a:t>Вградени функции</a:t>
+            </a:r>
+          </a:p>
+        </p:txBody>
+      </p:sp>
+      <p:sp>
+        <p:nvSpPr>
+          <p:cNvPr id="3" name="Контейнер за съдържание 2">
+            <a:extLst>
+              <a:ext uri="{FF2B5EF4-FFF2-40B4-BE49-F238E27FC236}">
+                <a16:creationId xmlns:a16="http://schemas.microsoft.com/office/drawing/2014/main" id="{1D4E7289-F05E-442C-BA94-3EBFDDD600FF}"/>
+              </a:ext>
+            </a:extLst>
+          </p:cNvPr>
+          <p:cNvSpPr>
+            <a:spLocks noGrp="1"/>
+          </p:cNvSpPr>
+          <p:nvPr>
+            <p:ph idx="1"/>
+          </p:nvPr>
+        </p:nvSpPr>
+        <p:spPr/>
+        <p:txBody>
+          <a:bodyPr/>
+          <a:lstStyle/>
+          <a:p>
+            <a:r>
+              <a:rPr lang="bg-BG" dirty="0"/>
+              <a:t>Поради известни причини е прието шаблонните функции да се обособяват като </a:t>
+            </a:r>
+            <a:r>
+              <a:rPr lang="en-GB" dirty="0"/>
+              <a:t>inline</a:t>
+            </a:r>
+          </a:p>
+          <a:p>
+            <a:endParaRPr lang="en-GB" dirty="0"/>
+          </a:p>
+          <a:p>
+            <a:r>
+              <a:rPr lang="en-GB" dirty="0"/>
+              <a:t>inline </a:t>
+            </a:r>
+            <a:r>
+              <a:rPr lang="bg-BG" dirty="0"/>
+              <a:t>е само препоръка към компилатора, но е по-добре от нищо</a:t>
+            </a:r>
+          </a:p>
+          <a:p>
+            <a:endParaRPr lang="bg-BG" dirty="0"/>
+          </a:p>
+          <a:p>
+            <a:r>
+              <a:rPr lang="bg-BG" dirty="0"/>
+              <a:t>За любознателните има линк в края на презентацията</a:t>
+            </a:r>
+          </a:p>
+        </p:txBody>
+      </p:sp>
+    </p:spTree>
+    <p:extLst>
+      <p:ext uri="{BB962C8B-B14F-4D97-AF65-F5344CB8AC3E}">
+        <p14:creationId xmlns:p14="http://schemas.microsoft.com/office/powerpoint/2010/main" val="3432183963"/>
+      </p:ext>
+    </p:extLst>
+  </p:cSld>
+  <p:clrMapOvr>
+    <a:masterClrMapping/>
+  </p:clrMapOvr>
+</p:sld>
+</file>
+
+<file path=ppt/slides/slide83.xml><?xml version="1.0" encoding="utf-8"?>
+<p:sld xmlns:a="http://schemas.openxmlformats.org/drawingml/2006/main" xmlns:r="http://schemas.openxmlformats.org/officeDocument/2006/relationships" xmlns:p="http://schemas.openxmlformats.org/presentationml/2006/main">
+  <p:cSld>
+    <p:spTree>
+      <p:nvGrpSpPr>
+        <p:cNvPr id="1" name=""/>
+        <p:cNvGrpSpPr/>
+        <p:nvPr/>
+      </p:nvGrpSpPr>
+      <p:grpSpPr>
+        <a:xfrm>
+          <a:off x="0" y="0"/>
+          <a:ext cx="0" cy="0"/>
+          <a:chOff x="0" y="0"/>
+          <a:chExt cx="0" cy="0"/>
+        </a:xfrm>
+      </p:grpSpPr>
+      <p:sp>
+        <p:nvSpPr>
+          <p:cNvPr id="2" name="Заглавие 1">
+            <a:extLst>
+              <a:ext uri="{FF2B5EF4-FFF2-40B4-BE49-F238E27FC236}">
+                <a16:creationId xmlns:a16="http://schemas.microsoft.com/office/drawing/2014/main" id="{EFC7392D-3B08-40F0-880A-467222A1B7FC}"/>
+              </a:ext>
+            </a:extLst>
+          </p:cNvPr>
+          <p:cNvSpPr>
+            <a:spLocks noGrp="1"/>
+          </p:cNvSpPr>
+          <p:nvPr>
+            <p:ph type="title"/>
+          </p:nvPr>
+        </p:nvSpPr>
+        <p:spPr/>
+        <p:txBody>
+          <a:bodyPr/>
+          <a:lstStyle/>
+          <a:p>
+            <a:r>
+              <a:rPr lang="bg-BG" dirty="0"/>
+              <a:t>Стек</a:t>
+            </a:r>
+          </a:p>
+        </p:txBody>
+      </p:sp>
+      <p:sp>
+        <p:nvSpPr>
+          <p:cNvPr id="3" name="Контейнер за съдържание 2">
+            <a:extLst>
+              <a:ext uri="{FF2B5EF4-FFF2-40B4-BE49-F238E27FC236}">
+                <a16:creationId xmlns:a16="http://schemas.microsoft.com/office/drawing/2014/main" id="{24EBF460-B4C6-462E-9473-DDEDEFCD9E25}"/>
+              </a:ext>
+            </a:extLst>
+          </p:cNvPr>
+          <p:cNvSpPr>
+            <a:spLocks noGrp="1"/>
+          </p:cNvSpPr>
+          <p:nvPr>
+            <p:ph idx="1"/>
+          </p:nvPr>
+        </p:nvSpPr>
+        <p:spPr/>
+        <p:txBody>
+          <a:bodyPr>
+            <a:normAutofit fontScale="92500" lnSpcReduction="10000"/>
+          </a:bodyPr>
+          <a:lstStyle/>
+          <a:p>
+            <a:r>
+              <a:rPr lang="bg-BG" dirty="0"/>
+              <a:t>Чували ли сте за стек </a:t>
+            </a:r>
+            <a:r>
+              <a:rPr lang="en-GB" dirty="0">
+                <a:sym typeface="Wingdings" panose="05000000000000000000" pitchFamily="2" charset="2"/>
+              </a:rPr>
+              <a:t></a:t>
+            </a:r>
+            <a:endParaRPr lang="bg-BG" dirty="0">
+              <a:sym typeface="Wingdings" panose="05000000000000000000" pitchFamily="2" charset="2"/>
+            </a:endParaRPr>
+          </a:p>
+          <a:p>
+            <a:pPr marL="457200" lvl="1" indent="0">
+              <a:buNone/>
+            </a:pPr>
+            <a:r>
+              <a:rPr lang="bg-BG" dirty="0">
+                <a:sym typeface="Wingdings" panose="05000000000000000000" pitchFamily="2" charset="2"/>
+              </a:rPr>
+              <a:t>(знам, че сте го имали за домашно)</a:t>
+            </a:r>
+          </a:p>
+          <a:p>
+            <a:pPr marL="457200" lvl="1" indent="0">
+              <a:buNone/>
+            </a:pPr>
+            <a:endParaRPr lang="bg-BG" dirty="0">
+              <a:sym typeface="Wingdings" panose="05000000000000000000" pitchFamily="2" charset="2"/>
+            </a:endParaRPr>
+          </a:p>
+          <a:p>
+            <a:r>
+              <a:rPr lang="bg-BG" dirty="0">
+                <a:sym typeface="Wingdings" panose="05000000000000000000" pitchFamily="2" charset="2"/>
+              </a:rPr>
+              <a:t>Дефиницията ви сигурно е била</a:t>
+            </a:r>
+            <a:r>
+              <a:rPr lang="en-GB" dirty="0">
+                <a:sym typeface="Wingdings" panose="05000000000000000000" pitchFamily="2" charset="2"/>
+              </a:rPr>
+              <a:t> </a:t>
+            </a:r>
+            <a:r>
+              <a:rPr lang="bg-BG" dirty="0">
+                <a:sym typeface="Wingdings" panose="05000000000000000000" pitchFamily="2" charset="2"/>
+              </a:rPr>
+              <a:t>нещо от сорта:</a:t>
+            </a:r>
+          </a:p>
+          <a:p>
+            <a:pPr marL="0" indent="0">
+              <a:buNone/>
+            </a:pPr>
+            <a:endParaRPr lang="bg-BG" dirty="0">
+              <a:sym typeface="Wingdings" panose="05000000000000000000" pitchFamily="2" charset="2"/>
+            </a:endParaRPr>
+          </a:p>
+          <a:p>
+            <a:pPr marL="0" indent="0">
+              <a:buNone/>
+            </a:pPr>
+            <a:r>
+              <a:rPr lang="en-GB" dirty="0">
+                <a:sym typeface="Wingdings" panose="05000000000000000000" pitchFamily="2" charset="2"/>
+              </a:rPr>
+              <a:t>class Stack</a:t>
+            </a:r>
+          </a:p>
+          <a:p>
+            <a:pPr marL="0" indent="0">
+              <a:buNone/>
+            </a:pPr>
+            <a:r>
+              <a:rPr lang="en-GB" dirty="0">
+                <a:sym typeface="Wingdings" panose="05000000000000000000" pitchFamily="2" charset="2"/>
+              </a:rPr>
+              <a:t>{</a:t>
+            </a:r>
+          </a:p>
+          <a:p>
+            <a:pPr marL="0" indent="0">
+              <a:buNone/>
+            </a:pPr>
+            <a:r>
+              <a:rPr lang="en-GB" dirty="0">
+                <a:sym typeface="Wingdings" panose="05000000000000000000" pitchFamily="2" charset="2"/>
+              </a:rPr>
+              <a:t>	unsigned size;</a:t>
+            </a:r>
+          </a:p>
+          <a:p>
+            <a:pPr marL="0" indent="0">
+              <a:buNone/>
+            </a:pPr>
+            <a:r>
+              <a:rPr lang="en-GB" dirty="0">
+                <a:sym typeface="Wingdings" panose="05000000000000000000" pitchFamily="2" charset="2"/>
+              </a:rPr>
+              <a:t>	int * data;</a:t>
+            </a:r>
+          </a:p>
+          <a:p>
+            <a:pPr marL="0" indent="0">
+              <a:buNone/>
+            </a:pPr>
+            <a:r>
+              <a:rPr lang="en-GB" dirty="0">
+                <a:sym typeface="Wingdings" panose="05000000000000000000" pitchFamily="2" charset="2"/>
+              </a:rPr>
+              <a:t>}</a:t>
+            </a:r>
+            <a:endParaRPr lang="bg-BG" dirty="0"/>
+          </a:p>
+        </p:txBody>
+      </p:sp>
+    </p:spTree>
+    <p:extLst>
+      <p:ext uri="{BB962C8B-B14F-4D97-AF65-F5344CB8AC3E}">
+        <p14:creationId xmlns:p14="http://schemas.microsoft.com/office/powerpoint/2010/main" val="482199951"/>
+      </p:ext>
+    </p:extLst>
+  </p:cSld>
+  <p:clrMapOvr>
+    <a:masterClrMapping/>
+  </p:clrMapOvr>
+</p:sld>
+</file>
+
+<file path=ppt/slides/slide84.xml><?xml version="1.0" encoding="utf-8"?>
+<p:sld xmlns:a="http://schemas.openxmlformats.org/drawingml/2006/main" xmlns:r="http://schemas.openxmlformats.org/officeDocument/2006/relationships" xmlns:p="http://schemas.openxmlformats.org/presentationml/2006/main">
+  <p:cSld>
+    <p:spTree>
+      <p:nvGrpSpPr>
+        <p:cNvPr id="1" name=""/>
+        <p:cNvGrpSpPr/>
+        <p:nvPr/>
+      </p:nvGrpSpPr>
+      <p:grpSpPr>
+        <a:xfrm>
+          <a:off x="0" y="0"/>
+          <a:ext cx="0" cy="0"/>
+          <a:chOff x="0" y="0"/>
+          <a:chExt cx="0" cy="0"/>
+        </a:xfrm>
+      </p:grpSpPr>
+      <p:sp>
+        <p:nvSpPr>
+          <p:cNvPr id="2" name="Заглавие 1">
+            <a:extLst>
+              <a:ext uri="{FF2B5EF4-FFF2-40B4-BE49-F238E27FC236}">
+                <a16:creationId xmlns:a16="http://schemas.microsoft.com/office/drawing/2014/main" id="{124092FF-FAA7-4374-9595-B74802207FD4}"/>
+              </a:ext>
+            </a:extLst>
+          </p:cNvPr>
+          <p:cNvSpPr>
+            <a:spLocks noGrp="1"/>
+          </p:cNvSpPr>
+          <p:nvPr>
+            <p:ph type="title"/>
+          </p:nvPr>
+        </p:nvSpPr>
+        <p:spPr/>
+        <p:txBody>
+          <a:bodyPr/>
+          <a:lstStyle/>
+          <a:p>
+            <a:r>
+              <a:rPr lang="bg-BG" dirty="0"/>
+              <a:t>Стек</a:t>
+            </a:r>
+          </a:p>
+        </p:txBody>
+      </p:sp>
+      <p:sp>
+        <p:nvSpPr>
+          <p:cNvPr id="3" name="Контейнер за съдържание 2">
+            <a:extLst>
+              <a:ext uri="{FF2B5EF4-FFF2-40B4-BE49-F238E27FC236}">
+                <a16:creationId xmlns:a16="http://schemas.microsoft.com/office/drawing/2014/main" id="{1B0445DE-863E-4702-A941-EC0F2C49B97E}"/>
+              </a:ext>
+            </a:extLst>
+          </p:cNvPr>
+          <p:cNvSpPr>
+            <a:spLocks noGrp="1"/>
+          </p:cNvSpPr>
+          <p:nvPr>
+            <p:ph idx="1"/>
+          </p:nvPr>
+        </p:nvSpPr>
+        <p:spPr/>
+        <p:txBody>
+          <a:bodyPr/>
+          <a:lstStyle/>
+          <a:p>
+            <a:r>
+              <a:rPr lang="bg-BG" dirty="0"/>
+              <a:t>Аналогично като предишната задача, може да ни се наложи да използваме стек за различни типове данни</a:t>
+            </a:r>
+          </a:p>
+          <a:p>
+            <a:endParaRPr lang="bg-BG" dirty="0"/>
+          </a:p>
+          <a:p>
+            <a:r>
+              <a:rPr lang="bg-BG" dirty="0"/>
+              <a:t>Решението на този проблем е шаблон на целия клас стек</a:t>
+            </a:r>
+          </a:p>
+          <a:p>
+            <a:endParaRPr lang="bg-BG" dirty="0"/>
+          </a:p>
+          <a:p>
+            <a:r>
+              <a:rPr lang="bg-BG" dirty="0"/>
+              <a:t>Ако сте използвали </a:t>
+            </a:r>
+            <a:r>
+              <a:rPr lang="en-GB" dirty="0"/>
+              <a:t>STL, </a:t>
+            </a:r>
+            <a:r>
+              <a:rPr lang="bg-BG" dirty="0"/>
+              <a:t>то знаете, че стекът наистина е шаблонен </a:t>
+            </a:r>
+          </a:p>
+        </p:txBody>
+      </p:sp>
+    </p:spTree>
+    <p:extLst>
+      <p:ext uri="{BB962C8B-B14F-4D97-AF65-F5344CB8AC3E}">
+        <p14:creationId xmlns:p14="http://schemas.microsoft.com/office/powerpoint/2010/main" val="2074602446"/>
+      </p:ext>
+    </p:extLst>
+  </p:cSld>
+  <p:clrMapOvr>
+    <a:masterClrMapping/>
+  </p:clrMapOvr>
+</p:sld>
+</file>
+
+<file path=ppt/slides/slide85.xml><?xml version="1.0" encoding="utf-8"?>
+<p:sld xmlns:a="http://schemas.openxmlformats.org/drawingml/2006/main" xmlns:r="http://schemas.openxmlformats.org/officeDocument/2006/relationships" xmlns:p="http://schemas.openxmlformats.org/presentationml/2006/main">
+  <p:cSld>
+    <p:spTree>
+      <p:nvGrpSpPr>
+        <p:cNvPr id="1" name=""/>
+        <p:cNvGrpSpPr/>
+        <p:nvPr/>
+      </p:nvGrpSpPr>
+      <p:grpSpPr>
+        <a:xfrm>
+          <a:off x="0" y="0"/>
+          <a:ext cx="0" cy="0"/>
+          <a:chOff x="0" y="0"/>
+          <a:chExt cx="0" cy="0"/>
+        </a:xfrm>
+      </p:grpSpPr>
+      <p:sp>
+        <p:nvSpPr>
+          <p:cNvPr id="2" name="Заглавие 1">
+            <a:extLst>
+              <a:ext uri="{FF2B5EF4-FFF2-40B4-BE49-F238E27FC236}">
+                <a16:creationId xmlns:a16="http://schemas.microsoft.com/office/drawing/2014/main" id="{E1E66C3B-65DC-42F4-A22E-EA7A3B7FCBCB}"/>
+              </a:ext>
+            </a:extLst>
+          </p:cNvPr>
+          <p:cNvSpPr>
+            <a:spLocks noGrp="1"/>
+          </p:cNvSpPr>
+          <p:nvPr>
+            <p:ph type="title"/>
+          </p:nvPr>
+        </p:nvSpPr>
+        <p:spPr/>
+        <p:txBody>
+          <a:bodyPr/>
+          <a:lstStyle/>
+          <a:p>
+            <a:r>
+              <a:rPr lang="bg-BG" dirty="0"/>
+              <a:t>Шаблонен клас</a:t>
+            </a:r>
+          </a:p>
+        </p:txBody>
+      </p:sp>
+      <p:sp>
+        <p:nvSpPr>
+          <p:cNvPr id="3" name="Контейнер за съдържание 2">
+            <a:extLst>
+              <a:ext uri="{FF2B5EF4-FFF2-40B4-BE49-F238E27FC236}">
+                <a16:creationId xmlns:a16="http://schemas.microsoft.com/office/drawing/2014/main" id="{FF84D10A-BE4B-45BE-AB8F-92B0BE012BDE}"/>
+              </a:ext>
+            </a:extLst>
+          </p:cNvPr>
+          <p:cNvSpPr>
+            <a:spLocks noGrp="1"/>
+          </p:cNvSpPr>
+          <p:nvPr>
+            <p:ph idx="1"/>
+          </p:nvPr>
+        </p:nvSpPr>
+        <p:spPr/>
+        <p:txBody>
+          <a:bodyPr/>
+          <a:lstStyle/>
+          <a:p>
+            <a:r>
+              <a:rPr lang="bg-BG" dirty="0"/>
+              <a:t>Идеята е същата като досега</a:t>
+            </a:r>
+          </a:p>
+          <a:p>
+            <a:endParaRPr lang="bg-BG" dirty="0"/>
+          </a:p>
+          <a:p>
+            <a:r>
+              <a:rPr lang="bg-BG" dirty="0"/>
+              <a:t>Имплементацията също</a:t>
+            </a:r>
+          </a:p>
+          <a:p>
+            <a:endParaRPr lang="bg-BG" dirty="0"/>
+          </a:p>
+          <a:p>
+            <a:r>
+              <a:rPr lang="bg-BG" dirty="0"/>
+              <a:t>Единствената разлика е, че компилаторът трябва да знае как да интерпретира въпросния обект</a:t>
+            </a:r>
+          </a:p>
+          <a:p>
+            <a:endParaRPr lang="bg-BG" dirty="0"/>
+          </a:p>
+          <a:p>
+            <a:r>
+              <a:rPr lang="bg-BG" dirty="0"/>
+              <a:t>Затова трябва изрично да се определи какъв ще е типът на класа</a:t>
+            </a:r>
+          </a:p>
+          <a:p>
+            <a:endParaRPr lang="bg-BG" dirty="0"/>
+          </a:p>
+        </p:txBody>
+      </p:sp>
+    </p:spTree>
+    <p:extLst>
+      <p:ext uri="{BB962C8B-B14F-4D97-AF65-F5344CB8AC3E}">
+        <p14:creationId xmlns:p14="http://schemas.microsoft.com/office/powerpoint/2010/main" val="2084229306"/>
+      </p:ext>
+    </p:extLst>
+  </p:cSld>
+  <p:clrMapOvr>
+    <a:masterClrMapping/>
+  </p:clrMapOvr>
+</p:sld>
+</file>
+
+<file path=ppt/slides/slide86.xml><?xml version="1.0" encoding="utf-8"?>
+<p:sld xmlns:a="http://schemas.openxmlformats.org/drawingml/2006/main" xmlns:r="http://schemas.openxmlformats.org/officeDocument/2006/relationships" xmlns:p="http://schemas.openxmlformats.org/presentationml/2006/main">
+  <p:cSld>
+    <p:spTree>
+      <p:nvGrpSpPr>
+        <p:cNvPr id="1" name=""/>
+        <p:cNvGrpSpPr/>
+        <p:nvPr/>
+      </p:nvGrpSpPr>
+      <p:grpSpPr>
+        <a:xfrm>
+          <a:off x="0" y="0"/>
+          <a:ext cx="0" cy="0"/>
+          <a:chOff x="0" y="0"/>
+          <a:chExt cx="0" cy="0"/>
+        </a:xfrm>
+      </p:grpSpPr>
+      <p:sp>
+        <p:nvSpPr>
+          <p:cNvPr id="2" name="Заглавие 1">
+            <a:extLst>
+              <a:ext uri="{FF2B5EF4-FFF2-40B4-BE49-F238E27FC236}">
+                <a16:creationId xmlns:a16="http://schemas.microsoft.com/office/drawing/2014/main" id="{D17AD01C-31D2-46BA-A308-806B4C5DF78B}"/>
+              </a:ext>
+            </a:extLst>
+          </p:cNvPr>
+          <p:cNvSpPr>
+            <a:spLocks noGrp="1"/>
+          </p:cNvSpPr>
+          <p:nvPr>
+            <p:ph type="title"/>
+          </p:nvPr>
+        </p:nvSpPr>
+        <p:spPr/>
+        <p:txBody>
+          <a:bodyPr/>
+          <a:lstStyle/>
+          <a:p>
+            <a:endParaRPr lang="bg-BG"/>
+          </a:p>
+        </p:txBody>
+      </p:sp>
+      <p:pic>
+        <p:nvPicPr>
+          <p:cNvPr id="5" name="Контейнер за съдържание 4">
+            <a:extLst>
+              <a:ext uri="{FF2B5EF4-FFF2-40B4-BE49-F238E27FC236}">
+                <a16:creationId xmlns:a16="http://schemas.microsoft.com/office/drawing/2014/main" id="{53497E8A-8B60-4E8D-8971-77BE31A3E44F}"/>
+              </a:ext>
+            </a:extLst>
+          </p:cNvPr>
+          <p:cNvPicPr>
+            <a:picLocks noGrp="1" noChangeAspect="1"/>
+          </p:cNvPicPr>
+          <p:nvPr>
+            <p:ph idx="1"/>
+          </p:nvPr>
+        </p:nvPicPr>
+        <p:blipFill>
+          <a:blip r:embed="rId2">
+            <a:extLst>
+              <a:ext uri="{28A0092B-C50C-407E-A947-70E740481C1C}">
+                <a14:useLocalDpi xmlns:a14="http://schemas.microsoft.com/office/drawing/2010/main" val="0"/>
+              </a:ext>
+            </a:extLst>
+          </a:blip>
+          <a:stretch>
+            <a:fillRect/>
+          </a:stretch>
+        </p:blipFill>
+        <p:spPr>
+          <a:xfrm>
+            <a:off x="0" y="-1"/>
+            <a:ext cx="12192000" cy="6854653"/>
+          </a:xfrm>
+        </p:spPr>
+      </p:pic>
+    </p:spTree>
+    <p:extLst>
+      <p:ext uri="{BB962C8B-B14F-4D97-AF65-F5344CB8AC3E}">
+        <p14:creationId xmlns:p14="http://schemas.microsoft.com/office/powerpoint/2010/main" val="3002894593"/>
+      </p:ext>
+    </p:extLst>
+  </p:cSld>
+  <p:clrMapOvr>
+    <a:masterClrMapping/>
+  </p:clrMapOvr>
+</p:sld>
+</file>
+
+<file path=ppt/slides/slide87.xml><?xml version="1.0" encoding="utf-8"?>
+<p:sld xmlns:a="http://schemas.openxmlformats.org/drawingml/2006/main" xmlns:r="http://schemas.openxmlformats.org/officeDocument/2006/relationships" xmlns:p="http://schemas.openxmlformats.org/presentationml/2006/main">
+  <p:cSld>
+    <p:spTree>
+      <p:nvGrpSpPr>
+        <p:cNvPr id="1" name=""/>
+        <p:cNvGrpSpPr/>
+        <p:nvPr/>
+      </p:nvGrpSpPr>
+      <p:grpSpPr>
+        <a:xfrm>
+          <a:off x="0" y="0"/>
+          <a:ext cx="0" cy="0"/>
+          <a:chOff x="0" y="0"/>
+          <a:chExt cx="0" cy="0"/>
+        </a:xfrm>
+      </p:grpSpPr>
+      <p:sp>
+        <p:nvSpPr>
+          <p:cNvPr id="2" name="Заглавие 1">
+            <a:extLst>
+              <a:ext uri="{FF2B5EF4-FFF2-40B4-BE49-F238E27FC236}">
+                <a16:creationId xmlns:a16="http://schemas.microsoft.com/office/drawing/2014/main" id="{6B62993D-642F-4B53-9C1C-A0D27581F273}"/>
+              </a:ext>
+            </a:extLst>
+          </p:cNvPr>
+          <p:cNvSpPr>
+            <a:spLocks noGrp="1"/>
+          </p:cNvSpPr>
+          <p:nvPr>
+            <p:ph type="title"/>
+          </p:nvPr>
+        </p:nvSpPr>
+        <p:spPr/>
+        <p:txBody>
+          <a:bodyPr/>
+          <a:lstStyle/>
+          <a:p>
+            <a:endParaRPr lang="bg-BG"/>
+          </a:p>
+        </p:txBody>
+      </p:sp>
+      <p:pic>
+        <p:nvPicPr>
+          <p:cNvPr id="5" name="Контейнер за съдържание 4">
+            <a:extLst>
+              <a:ext uri="{FF2B5EF4-FFF2-40B4-BE49-F238E27FC236}">
+                <a16:creationId xmlns:a16="http://schemas.microsoft.com/office/drawing/2014/main" id="{F2450DBC-5E2F-4743-9338-7953723C457D}"/>
+              </a:ext>
+            </a:extLst>
+          </p:cNvPr>
+          <p:cNvPicPr>
+            <a:picLocks noGrp="1" noChangeAspect="1"/>
+          </p:cNvPicPr>
+          <p:nvPr>
+            <p:ph idx="1"/>
+          </p:nvPr>
+        </p:nvPicPr>
+        <p:blipFill>
+          <a:blip r:embed="rId2">
+            <a:extLst>
+              <a:ext uri="{28A0092B-C50C-407E-A947-70E740481C1C}">
+                <a14:useLocalDpi xmlns:a14="http://schemas.microsoft.com/office/drawing/2010/main" val="0"/>
+              </a:ext>
+            </a:extLst>
+          </a:blip>
+          <a:stretch>
+            <a:fillRect/>
+          </a:stretch>
+        </p:blipFill>
+        <p:spPr>
+          <a:xfrm>
+            <a:off x="0" y="-1"/>
+            <a:ext cx="12192000" cy="6854653"/>
+          </a:xfrm>
+        </p:spPr>
+      </p:pic>
+    </p:spTree>
+    <p:extLst>
+      <p:ext uri="{BB962C8B-B14F-4D97-AF65-F5344CB8AC3E}">
+        <p14:creationId xmlns:p14="http://schemas.microsoft.com/office/powerpoint/2010/main" val="2485220439"/>
+      </p:ext>
+    </p:extLst>
+  </p:cSld>
+  <p:clrMapOvr>
+    <a:masterClrMapping/>
+  </p:clrMapOvr>
+</p:sld>
+</file>
+
+<file path=ppt/slides/slide88.xml><?xml version="1.0" encoding="utf-8"?>
+<p:sld xmlns:a="http://schemas.openxmlformats.org/drawingml/2006/main" xmlns:r="http://schemas.openxmlformats.org/officeDocument/2006/relationships" xmlns:p="http://schemas.openxmlformats.org/presentationml/2006/main">
+  <p:cSld>
+    <p:spTree>
+      <p:nvGrpSpPr>
+        <p:cNvPr id="1" name=""/>
+        <p:cNvGrpSpPr/>
+        <p:nvPr/>
+      </p:nvGrpSpPr>
+      <p:grpSpPr>
+        <a:xfrm>
+          <a:off x="0" y="0"/>
+          <a:ext cx="0" cy="0"/>
+          <a:chOff x="0" y="0"/>
+          <a:chExt cx="0" cy="0"/>
+        </a:xfrm>
+      </p:grpSpPr>
+      <p:sp>
+        <p:nvSpPr>
+          <p:cNvPr id="2" name="Заглавие 1">
+            <a:extLst>
+              <a:ext uri="{FF2B5EF4-FFF2-40B4-BE49-F238E27FC236}">
+                <a16:creationId xmlns:a16="http://schemas.microsoft.com/office/drawing/2014/main" id="{1ED70108-5B5C-4355-A819-15C6BF3EE28C}"/>
+              </a:ext>
+            </a:extLst>
+          </p:cNvPr>
+          <p:cNvSpPr>
+            <a:spLocks noGrp="1"/>
+          </p:cNvSpPr>
+          <p:nvPr>
+            <p:ph type="title"/>
+          </p:nvPr>
+        </p:nvSpPr>
+        <p:spPr/>
+        <p:txBody>
+          <a:bodyPr/>
+          <a:lstStyle/>
+          <a:p>
+            <a:r>
+              <a:rPr lang="bg-BG" dirty="0"/>
+              <a:t>Шаблонен клас</a:t>
+            </a:r>
+          </a:p>
+        </p:txBody>
+      </p:sp>
+      <p:sp>
+        <p:nvSpPr>
+          <p:cNvPr id="3" name="Контейнер за съдържание 2">
+            <a:extLst>
+              <a:ext uri="{FF2B5EF4-FFF2-40B4-BE49-F238E27FC236}">
+                <a16:creationId xmlns:a16="http://schemas.microsoft.com/office/drawing/2014/main" id="{36796F55-D13A-4BA5-8742-258CBDAE81FA}"/>
+              </a:ext>
+            </a:extLst>
+          </p:cNvPr>
+          <p:cNvSpPr>
+            <a:spLocks noGrp="1"/>
+          </p:cNvSpPr>
+          <p:nvPr>
+            <p:ph idx="1"/>
+          </p:nvPr>
+        </p:nvSpPr>
+        <p:spPr/>
+        <p:txBody>
+          <a:bodyPr/>
+          <a:lstStyle/>
+          <a:p>
+            <a:r>
+              <a:rPr lang="bg-BG" dirty="0"/>
+              <a:t>Също така, ако някъде ще използваме въпросния шаблонен клас като тип, то винаги трябва да уточняваме коя негова версия ще използваме</a:t>
+            </a:r>
+          </a:p>
+          <a:p>
+            <a:endParaRPr lang="bg-BG" dirty="0"/>
+          </a:p>
+          <a:p>
+            <a:r>
+              <a:rPr lang="bg-BG" dirty="0"/>
+              <a:t>Например, ако искаме функция, която приема стек и намира най-големия му елемент, то не можем просто да напишем </a:t>
+            </a:r>
+            <a:endParaRPr lang="en-GB" dirty="0"/>
+          </a:p>
+          <a:p>
+            <a:endParaRPr lang="en-GB" dirty="0"/>
+          </a:p>
+          <a:p>
+            <a:pPr marL="0" indent="0">
+              <a:buNone/>
+            </a:pPr>
+            <a:r>
+              <a:rPr lang="en-GB" dirty="0"/>
+              <a:t>void foo (Stack);</a:t>
+            </a:r>
+            <a:endParaRPr lang="bg-BG" dirty="0"/>
+          </a:p>
+        </p:txBody>
+      </p:sp>
+    </p:spTree>
+    <p:extLst>
+      <p:ext uri="{BB962C8B-B14F-4D97-AF65-F5344CB8AC3E}">
+        <p14:creationId xmlns:p14="http://schemas.microsoft.com/office/powerpoint/2010/main" val="3131047335"/>
+      </p:ext>
+    </p:extLst>
+  </p:cSld>
+  <p:clrMapOvr>
+    <a:masterClrMapping/>
+  </p:clrMapOvr>
+</p:sld>
+</file>
+
+<file path=ppt/slides/slide89.xml><?xml version="1.0" encoding="utf-8"?>
+<p:sld xmlns:a="http://schemas.openxmlformats.org/drawingml/2006/main" xmlns:r="http://schemas.openxmlformats.org/officeDocument/2006/relationships" xmlns:p="http://schemas.openxmlformats.org/presentationml/2006/main">
+  <p:cSld>
+    <p:spTree>
+      <p:nvGrpSpPr>
+        <p:cNvPr id="1" name=""/>
+        <p:cNvGrpSpPr/>
+        <p:nvPr/>
+      </p:nvGrpSpPr>
+      <p:grpSpPr>
+        <a:xfrm>
+          <a:off x="0" y="0"/>
+          <a:ext cx="0" cy="0"/>
+          <a:chOff x="0" y="0"/>
+          <a:chExt cx="0" cy="0"/>
+        </a:xfrm>
+      </p:grpSpPr>
+      <p:sp>
+        <p:nvSpPr>
+          <p:cNvPr id="2" name="Заглавие 1">
+            <a:extLst>
+              <a:ext uri="{FF2B5EF4-FFF2-40B4-BE49-F238E27FC236}">
+                <a16:creationId xmlns:a16="http://schemas.microsoft.com/office/drawing/2014/main" id="{2007C578-5370-461A-812B-6EDC5A815918}"/>
+              </a:ext>
+            </a:extLst>
+          </p:cNvPr>
+          <p:cNvSpPr>
+            <a:spLocks noGrp="1"/>
+          </p:cNvSpPr>
+          <p:nvPr>
+            <p:ph type="title"/>
+          </p:nvPr>
+        </p:nvSpPr>
+        <p:spPr/>
+        <p:txBody>
+          <a:bodyPr/>
+          <a:lstStyle/>
+          <a:p>
+            <a:endParaRPr lang="bg-BG"/>
+          </a:p>
+        </p:txBody>
+      </p:sp>
+      <p:pic>
+        <p:nvPicPr>
+          <p:cNvPr id="9" name="Контейнер за съдържание 8">
+            <a:extLst>
+              <a:ext uri="{FF2B5EF4-FFF2-40B4-BE49-F238E27FC236}">
+                <a16:creationId xmlns:a16="http://schemas.microsoft.com/office/drawing/2014/main" id="{74C4B84E-593E-42AE-B4BB-4DBFEAE5BE85}"/>
+              </a:ext>
+            </a:extLst>
+          </p:cNvPr>
+          <p:cNvPicPr>
+            <a:picLocks noGrp="1" noChangeAspect="1"/>
+          </p:cNvPicPr>
+          <p:nvPr>
+            <p:ph idx="1"/>
+          </p:nvPr>
+        </p:nvPicPr>
+        <p:blipFill>
+          <a:blip r:embed="rId2">
+            <a:extLst>
+              <a:ext uri="{28A0092B-C50C-407E-A947-70E740481C1C}">
+                <a14:useLocalDpi xmlns:a14="http://schemas.microsoft.com/office/drawing/2010/main" val="0"/>
+              </a:ext>
+            </a:extLst>
+          </a:blip>
+          <a:stretch>
+            <a:fillRect/>
+          </a:stretch>
+        </p:blipFill>
+        <p:spPr>
+          <a:xfrm>
+            <a:off x="0" y="-1"/>
+            <a:ext cx="12192000" cy="6854653"/>
+          </a:xfrm>
+        </p:spPr>
+      </p:pic>
+    </p:spTree>
+    <p:extLst>
+      <p:ext uri="{BB962C8B-B14F-4D97-AF65-F5344CB8AC3E}">
+        <p14:creationId xmlns:p14="http://schemas.microsoft.com/office/powerpoint/2010/main" val="468074392"/>
       </p:ext>
     </p:extLst>
   </p:cSld>
@@ -14394,6 +19295,1110 @@
     <p:extLst>
       <p:ext uri="{BB962C8B-B14F-4D97-AF65-F5344CB8AC3E}">
         <p14:creationId xmlns:p14="http://schemas.microsoft.com/office/powerpoint/2010/main" val="3222414727"/>
+      </p:ext>
+    </p:extLst>
+  </p:cSld>
+  <p:clrMapOvr>
+    <a:masterClrMapping/>
+  </p:clrMapOvr>
+</p:sld>
+</file>
+
+<file path=ppt/slides/slide90.xml><?xml version="1.0" encoding="utf-8"?>
+<p:sld xmlns:a="http://schemas.openxmlformats.org/drawingml/2006/main" xmlns:r="http://schemas.openxmlformats.org/officeDocument/2006/relationships" xmlns:p="http://schemas.openxmlformats.org/presentationml/2006/main">
+  <p:cSld>
+    <p:spTree>
+      <p:nvGrpSpPr>
+        <p:cNvPr id="1" name=""/>
+        <p:cNvGrpSpPr/>
+        <p:nvPr/>
+      </p:nvGrpSpPr>
+      <p:grpSpPr>
+        <a:xfrm>
+          <a:off x="0" y="0"/>
+          <a:ext cx="0" cy="0"/>
+          <a:chOff x="0" y="0"/>
+          <a:chExt cx="0" cy="0"/>
+        </a:xfrm>
+      </p:grpSpPr>
+      <p:sp>
+        <p:nvSpPr>
+          <p:cNvPr id="2" name="Заглавие 1">
+            <a:extLst>
+              <a:ext uri="{FF2B5EF4-FFF2-40B4-BE49-F238E27FC236}">
+                <a16:creationId xmlns:a16="http://schemas.microsoft.com/office/drawing/2014/main" id="{96CE1A72-8348-418A-818F-5EB110B3359D}"/>
+              </a:ext>
+            </a:extLst>
+          </p:cNvPr>
+          <p:cNvSpPr>
+            <a:spLocks noGrp="1"/>
+          </p:cNvSpPr>
+          <p:nvPr>
+            <p:ph type="title"/>
+          </p:nvPr>
+        </p:nvSpPr>
+        <p:spPr/>
+        <p:txBody>
+          <a:bodyPr/>
+          <a:lstStyle/>
+          <a:p>
+            <a:r>
+              <a:rPr lang="bg-BG" dirty="0"/>
+              <a:t>Решение</a:t>
+            </a:r>
+          </a:p>
+        </p:txBody>
+      </p:sp>
+      <p:sp>
+        <p:nvSpPr>
+          <p:cNvPr id="3" name="Контейнер за съдържание 2">
+            <a:extLst>
+              <a:ext uri="{FF2B5EF4-FFF2-40B4-BE49-F238E27FC236}">
+                <a16:creationId xmlns:a16="http://schemas.microsoft.com/office/drawing/2014/main" id="{F7F8253C-F5E8-434D-94C5-E4F2B9D6F1BC}"/>
+              </a:ext>
+            </a:extLst>
+          </p:cNvPr>
+          <p:cNvSpPr>
+            <a:spLocks noGrp="1"/>
+          </p:cNvSpPr>
+          <p:nvPr>
+            <p:ph idx="1"/>
+          </p:nvPr>
+        </p:nvSpPr>
+        <p:spPr/>
+        <p:txBody>
+          <a:bodyPr/>
+          <a:lstStyle/>
+          <a:p>
+            <a:r>
+              <a:rPr lang="bg-BG" dirty="0"/>
+              <a:t>Трябва изрично да кажем какъв тип стек ще подадем</a:t>
+            </a:r>
+          </a:p>
+          <a:p>
+            <a:endParaRPr lang="bg-BG" dirty="0"/>
+          </a:p>
+          <a:p>
+            <a:r>
+              <a:rPr lang="bg-BG" dirty="0"/>
+              <a:t>Можем да напишем такова за всеки тип данни, който познаваме</a:t>
+            </a:r>
+          </a:p>
+          <a:p>
+            <a:endParaRPr lang="bg-BG" dirty="0"/>
+          </a:p>
+        </p:txBody>
+      </p:sp>
+    </p:spTree>
+    <p:extLst>
+      <p:ext uri="{BB962C8B-B14F-4D97-AF65-F5344CB8AC3E}">
+        <p14:creationId xmlns:p14="http://schemas.microsoft.com/office/powerpoint/2010/main" val="3088745887"/>
+      </p:ext>
+    </p:extLst>
+  </p:cSld>
+  <p:clrMapOvr>
+    <a:masterClrMapping/>
+  </p:clrMapOvr>
+</p:sld>
+</file>
+
+<file path=ppt/slides/slide91.xml><?xml version="1.0" encoding="utf-8"?>
+<p:sld xmlns:a="http://schemas.openxmlformats.org/drawingml/2006/main" xmlns:r="http://schemas.openxmlformats.org/officeDocument/2006/relationships" xmlns:p="http://schemas.openxmlformats.org/presentationml/2006/main">
+  <p:cSld>
+    <p:spTree>
+      <p:nvGrpSpPr>
+        <p:cNvPr id="1" name=""/>
+        <p:cNvGrpSpPr/>
+        <p:nvPr/>
+      </p:nvGrpSpPr>
+      <p:grpSpPr>
+        <a:xfrm>
+          <a:off x="0" y="0"/>
+          <a:ext cx="0" cy="0"/>
+          <a:chOff x="0" y="0"/>
+          <a:chExt cx="0" cy="0"/>
+        </a:xfrm>
+      </p:grpSpPr>
+      <p:sp>
+        <p:nvSpPr>
+          <p:cNvPr id="2" name="Заглавие 1">
+            <a:extLst>
+              <a:ext uri="{FF2B5EF4-FFF2-40B4-BE49-F238E27FC236}">
+                <a16:creationId xmlns:a16="http://schemas.microsoft.com/office/drawing/2014/main" id="{1A5ED044-870D-42B0-902D-C917EE4967BF}"/>
+              </a:ext>
+            </a:extLst>
+          </p:cNvPr>
+          <p:cNvSpPr>
+            <a:spLocks noGrp="1"/>
+          </p:cNvSpPr>
+          <p:nvPr>
+            <p:ph type="title"/>
+          </p:nvPr>
+        </p:nvSpPr>
+        <p:spPr/>
+        <p:txBody>
+          <a:bodyPr/>
+          <a:lstStyle/>
+          <a:p>
+            <a:endParaRPr lang="bg-BG"/>
+          </a:p>
+        </p:txBody>
+      </p:sp>
+      <p:pic>
+        <p:nvPicPr>
+          <p:cNvPr id="5" name="Контейнер за съдържание 4">
+            <a:extLst>
+              <a:ext uri="{FF2B5EF4-FFF2-40B4-BE49-F238E27FC236}">
+                <a16:creationId xmlns:a16="http://schemas.microsoft.com/office/drawing/2014/main" id="{6FA36EE0-AC7B-47EC-B0CE-E6CA92BAE6D2}"/>
+              </a:ext>
+            </a:extLst>
+          </p:cNvPr>
+          <p:cNvPicPr>
+            <a:picLocks noGrp="1" noChangeAspect="1"/>
+          </p:cNvPicPr>
+          <p:nvPr>
+            <p:ph idx="1"/>
+          </p:nvPr>
+        </p:nvPicPr>
+        <p:blipFill>
+          <a:blip r:embed="rId2">
+            <a:extLst>
+              <a:ext uri="{28A0092B-C50C-407E-A947-70E740481C1C}">
+                <a14:useLocalDpi xmlns:a14="http://schemas.microsoft.com/office/drawing/2010/main" val="0"/>
+              </a:ext>
+            </a:extLst>
+          </a:blip>
+          <a:stretch>
+            <a:fillRect/>
+          </a:stretch>
+        </p:blipFill>
+        <p:spPr>
+          <a:xfrm>
+            <a:off x="0" y="-1"/>
+            <a:ext cx="12192000" cy="6854653"/>
+          </a:xfrm>
+        </p:spPr>
+      </p:pic>
+    </p:spTree>
+    <p:extLst>
+      <p:ext uri="{BB962C8B-B14F-4D97-AF65-F5344CB8AC3E}">
+        <p14:creationId xmlns:p14="http://schemas.microsoft.com/office/powerpoint/2010/main" val="3867721280"/>
+      </p:ext>
+    </p:extLst>
+  </p:cSld>
+  <p:clrMapOvr>
+    <a:masterClrMapping/>
+  </p:clrMapOvr>
+</p:sld>
+</file>
+
+<file path=ppt/slides/slide92.xml><?xml version="1.0" encoding="utf-8"?>
+<p:sld xmlns:a="http://schemas.openxmlformats.org/drawingml/2006/main" xmlns:r="http://schemas.openxmlformats.org/officeDocument/2006/relationships" xmlns:p="http://schemas.openxmlformats.org/presentationml/2006/main">
+  <p:cSld>
+    <p:spTree>
+      <p:nvGrpSpPr>
+        <p:cNvPr id="1" name=""/>
+        <p:cNvGrpSpPr/>
+        <p:nvPr/>
+      </p:nvGrpSpPr>
+      <p:grpSpPr>
+        <a:xfrm>
+          <a:off x="0" y="0"/>
+          <a:ext cx="0" cy="0"/>
+          <a:chOff x="0" y="0"/>
+          <a:chExt cx="0" cy="0"/>
+        </a:xfrm>
+      </p:grpSpPr>
+      <p:sp>
+        <p:nvSpPr>
+          <p:cNvPr id="2" name="Заглавие 1">
+            <a:extLst>
+              <a:ext uri="{FF2B5EF4-FFF2-40B4-BE49-F238E27FC236}">
+                <a16:creationId xmlns:a16="http://schemas.microsoft.com/office/drawing/2014/main" id="{96CE1A72-8348-418A-818F-5EB110B3359D}"/>
+              </a:ext>
+            </a:extLst>
+          </p:cNvPr>
+          <p:cNvSpPr>
+            <a:spLocks noGrp="1"/>
+          </p:cNvSpPr>
+          <p:nvPr>
+            <p:ph type="title"/>
+          </p:nvPr>
+        </p:nvSpPr>
+        <p:spPr/>
+        <p:txBody>
+          <a:bodyPr/>
+          <a:lstStyle/>
+          <a:p>
+            <a:r>
+              <a:rPr lang="bg-BG" dirty="0"/>
+              <a:t>Решение</a:t>
+            </a:r>
+          </a:p>
+        </p:txBody>
+      </p:sp>
+      <p:sp>
+        <p:nvSpPr>
+          <p:cNvPr id="3" name="Контейнер за съдържание 2">
+            <a:extLst>
+              <a:ext uri="{FF2B5EF4-FFF2-40B4-BE49-F238E27FC236}">
+                <a16:creationId xmlns:a16="http://schemas.microsoft.com/office/drawing/2014/main" id="{F7F8253C-F5E8-434D-94C5-E4F2B9D6F1BC}"/>
+              </a:ext>
+            </a:extLst>
+          </p:cNvPr>
+          <p:cNvSpPr>
+            <a:spLocks noGrp="1"/>
+          </p:cNvSpPr>
+          <p:nvPr>
+            <p:ph idx="1"/>
+          </p:nvPr>
+        </p:nvSpPr>
+        <p:spPr/>
+        <p:txBody>
+          <a:bodyPr/>
+          <a:lstStyle/>
+          <a:p>
+            <a:r>
+              <a:rPr lang="bg-BG" dirty="0"/>
+              <a:t>Трябва изрично да кажем какъв тип стек ще подадем</a:t>
+            </a:r>
+          </a:p>
+          <a:p>
+            <a:endParaRPr lang="bg-BG" dirty="0"/>
+          </a:p>
+          <a:p>
+            <a:r>
+              <a:rPr lang="bg-BG" dirty="0"/>
+              <a:t>Можем да напишем такова за всеки тип данни, които познаваме</a:t>
+            </a:r>
+          </a:p>
+          <a:p>
+            <a:endParaRPr lang="bg-BG" dirty="0"/>
+          </a:p>
+          <a:p>
+            <a:r>
+              <a:rPr lang="bg-BG" dirty="0"/>
+              <a:t>Можем да използваме шаблон</a:t>
+            </a:r>
+          </a:p>
+          <a:p>
+            <a:endParaRPr lang="bg-BG" dirty="0"/>
+          </a:p>
+        </p:txBody>
+      </p:sp>
+    </p:spTree>
+    <p:extLst>
+      <p:ext uri="{BB962C8B-B14F-4D97-AF65-F5344CB8AC3E}">
+        <p14:creationId xmlns:p14="http://schemas.microsoft.com/office/powerpoint/2010/main" val="3818434769"/>
+      </p:ext>
+    </p:extLst>
+  </p:cSld>
+  <p:clrMapOvr>
+    <a:masterClrMapping/>
+  </p:clrMapOvr>
+</p:sld>
+</file>
+
+<file path=ppt/slides/slide93.xml><?xml version="1.0" encoding="utf-8"?>
+<p:sld xmlns:a="http://schemas.openxmlformats.org/drawingml/2006/main" xmlns:r="http://schemas.openxmlformats.org/officeDocument/2006/relationships" xmlns:p="http://schemas.openxmlformats.org/presentationml/2006/main">
+  <p:cSld>
+    <p:spTree>
+      <p:nvGrpSpPr>
+        <p:cNvPr id="1" name=""/>
+        <p:cNvGrpSpPr/>
+        <p:nvPr/>
+      </p:nvGrpSpPr>
+      <p:grpSpPr>
+        <a:xfrm>
+          <a:off x="0" y="0"/>
+          <a:ext cx="0" cy="0"/>
+          <a:chOff x="0" y="0"/>
+          <a:chExt cx="0" cy="0"/>
+        </a:xfrm>
+      </p:grpSpPr>
+      <p:sp>
+        <p:nvSpPr>
+          <p:cNvPr id="2" name="Заглавие 1">
+            <a:extLst>
+              <a:ext uri="{FF2B5EF4-FFF2-40B4-BE49-F238E27FC236}">
+                <a16:creationId xmlns:a16="http://schemas.microsoft.com/office/drawing/2014/main" id="{AADF16BE-AA2A-4522-80A6-CE00F3B33A51}"/>
+              </a:ext>
+            </a:extLst>
+          </p:cNvPr>
+          <p:cNvSpPr>
+            <a:spLocks noGrp="1"/>
+          </p:cNvSpPr>
+          <p:nvPr>
+            <p:ph type="title"/>
+          </p:nvPr>
+        </p:nvSpPr>
+        <p:spPr/>
+        <p:txBody>
+          <a:bodyPr/>
+          <a:lstStyle/>
+          <a:p>
+            <a:endParaRPr lang="bg-BG"/>
+          </a:p>
+        </p:txBody>
+      </p:sp>
+      <p:pic>
+        <p:nvPicPr>
+          <p:cNvPr id="5" name="Контейнер за съдържание 4">
+            <a:extLst>
+              <a:ext uri="{FF2B5EF4-FFF2-40B4-BE49-F238E27FC236}">
+                <a16:creationId xmlns:a16="http://schemas.microsoft.com/office/drawing/2014/main" id="{C757EB88-ED2D-40B0-9C22-4F46DE0A97F9}"/>
+              </a:ext>
+            </a:extLst>
+          </p:cNvPr>
+          <p:cNvPicPr>
+            <a:picLocks noGrp="1" noChangeAspect="1"/>
+          </p:cNvPicPr>
+          <p:nvPr>
+            <p:ph idx="1"/>
+          </p:nvPr>
+        </p:nvPicPr>
+        <p:blipFill>
+          <a:blip r:embed="rId2">
+            <a:extLst>
+              <a:ext uri="{28A0092B-C50C-407E-A947-70E740481C1C}">
+                <a14:useLocalDpi xmlns:a14="http://schemas.microsoft.com/office/drawing/2010/main" val="0"/>
+              </a:ext>
+            </a:extLst>
+          </a:blip>
+          <a:stretch>
+            <a:fillRect/>
+          </a:stretch>
+        </p:blipFill>
+        <p:spPr>
+          <a:xfrm>
+            <a:off x="0" y="-1"/>
+            <a:ext cx="12192000" cy="6854653"/>
+          </a:xfrm>
+        </p:spPr>
+      </p:pic>
+    </p:spTree>
+    <p:extLst>
+      <p:ext uri="{BB962C8B-B14F-4D97-AF65-F5344CB8AC3E}">
+        <p14:creationId xmlns:p14="http://schemas.microsoft.com/office/powerpoint/2010/main" val="713886022"/>
+      </p:ext>
+    </p:extLst>
+  </p:cSld>
+  <p:clrMapOvr>
+    <a:masterClrMapping/>
+  </p:clrMapOvr>
+</p:sld>
+</file>
+
+<file path=ppt/slides/slide94.xml><?xml version="1.0" encoding="utf-8"?>
+<p:sld xmlns:a="http://schemas.openxmlformats.org/drawingml/2006/main" xmlns:r="http://schemas.openxmlformats.org/officeDocument/2006/relationships" xmlns:p="http://schemas.openxmlformats.org/presentationml/2006/main">
+  <p:cSld>
+    <p:spTree>
+      <p:nvGrpSpPr>
+        <p:cNvPr id="1" name=""/>
+        <p:cNvGrpSpPr/>
+        <p:nvPr/>
+      </p:nvGrpSpPr>
+      <p:grpSpPr>
+        <a:xfrm>
+          <a:off x="0" y="0"/>
+          <a:ext cx="0" cy="0"/>
+          <a:chOff x="0" y="0"/>
+          <a:chExt cx="0" cy="0"/>
+        </a:xfrm>
+      </p:grpSpPr>
+      <p:sp>
+        <p:nvSpPr>
+          <p:cNvPr id="2" name="Заглавие 1">
+            <a:extLst>
+              <a:ext uri="{FF2B5EF4-FFF2-40B4-BE49-F238E27FC236}">
+                <a16:creationId xmlns:a16="http://schemas.microsoft.com/office/drawing/2014/main" id="{A77FAD4F-EF06-436E-87F1-1A7BF1F686DC}"/>
+              </a:ext>
+            </a:extLst>
+          </p:cNvPr>
+          <p:cNvSpPr>
+            <a:spLocks noGrp="1"/>
+          </p:cNvSpPr>
+          <p:nvPr>
+            <p:ph type="title"/>
+          </p:nvPr>
+        </p:nvSpPr>
+        <p:spPr/>
+        <p:txBody>
+          <a:bodyPr/>
+          <a:lstStyle/>
+          <a:p>
+            <a:r>
+              <a:rPr lang="bg-BG" dirty="0"/>
+              <a:t>Шаблонен клас</a:t>
+            </a:r>
+          </a:p>
+        </p:txBody>
+      </p:sp>
+      <p:sp>
+        <p:nvSpPr>
+          <p:cNvPr id="3" name="Контейнер за съдържание 2">
+            <a:extLst>
+              <a:ext uri="{FF2B5EF4-FFF2-40B4-BE49-F238E27FC236}">
+                <a16:creationId xmlns:a16="http://schemas.microsoft.com/office/drawing/2014/main" id="{915AB0D9-DF0B-482B-858D-5A808E9796DC}"/>
+              </a:ext>
+            </a:extLst>
+          </p:cNvPr>
+          <p:cNvSpPr>
+            <a:spLocks noGrp="1"/>
+          </p:cNvSpPr>
+          <p:nvPr>
+            <p:ph idx="1"/>
+          </p:nvPr>
+        </p:nvSpPr>
+        <p:spPr/>
+        <p:txBody>
+          <a:bodyPr/>
+          <a:lstStyle/>
+          <a:p>
+            <a:r>
+              <a:rPr lang="bg-BG" dirty="0"/>
+              <a:t>Шаблонният клас не е толкова глупав, затова може да се досети ако типът не е уточнен в дефиницията му, че става дума за същия тип като неговия</a:t>
+            </a:r>
+          </a:p>
+          <a:p>
+            <a:endParaRPr lang="bg-BG" dirty="0"/>
+          </a:p>
+          <a:p>
+            <a:r>
+              <a:rPr lang="bg-BG" dirty="0"/>
+              <a:t>Така оператор = на снимката е автоматично сведен до това, до което най-вероятно имаме предвид </a:t>
+            </a:r>
+          </a:p>
+          <a:p>
+            <a:endParaRPr lang="bg-BG" dirty="0"/>
+          </a:p>
+          <a:p>
+            <a:r>
+              <a:rPr lang="bg-BG" dirty="0">
+                <a:solidFill>
+                  <a:schemeClr val="accent2"/>
+                </a:solidFill>
+              </a:rPr>
+              <a:t>Забележка, използвам вградената опция на </a:t>
+            </a:r>
+            <a:r>
+              <a:rPr lang="en-GB" dirty="0">
+                <a:solidFill>
+                  <a:schemeClr val="accent2"/>
+                </a:solidFill>
+              </a:rPr>
+              <a:t>VS </a:t>
+            </a:r>
+            <a:r>
+              <a:rPr lang="bg-BG" dirty="0">
+                <a:solidFill>
+                  <a:schemeClr val="accent2"/>
+                </a:solidFill>
+              </a:rPr>
+              <a:t>с аргумент </a:t>
+            </a:r>
+            <a:r>
+              <a:rPr lang="en-GB" dirty="0">
+                <a:solidFill>
+                  <a:schemeClr val="accent2"/>
+                </a:solidFill>
+              </a:rPr>
+              <a:t>int</a:t>
+            </a:r>
+            <a:endParaRPr lang="bg-BG" dirty="0">
+              <a:solidFill>
+                <a:schemeClr val="accent2"/>
+              </a:solidFill>
+            </a:endParaRPr>
+          </a:p>
+        </p:txBody>
+      </p:sp>
+    </p:spTree>
+    <p:extLst>
+      <p:ext uri="{BB962C8B-B14F-4D97-AF65-F5344CB8AC3E}">
+        <p14:creationId xmlns:p14="http://schemas.microsoft.com/office/powerpoint/2010/main" val="2423091635"/>
+      </p:ext>
+    </p:extLst>
+  </p:cSld>
+  <p:clrMapOvr>
+    <a:masterClrMapping/>
+  </p:clrMapOvr>
+</p:sld>
+</file>
+
+<file path=ppt/slides/slide95.xml><?xml version="1.0" encoding="utf-8"?>
+<p:sld xmlns:a="http://schemas.openxmlformats.org/drawingml/2006/main" xmlns:r="http://schemas.openxmlformats.org/officeDocument/2006/relationships" xmlns:p="http://schemas.openxmlformats.org/presentationml/2006/main">
+  <p:cSld>
+    <p:spTree>
+      <p:nvGrpSpPr>
+        <p:cNvPr id="1" name=""/>
+        <p:cNvGrpSpPr/>
+        <p:nvPr/>
+      </p:nvGrpSpPr>
+      <p:grpSpPr>
+        <a:xfrm>
+          <a:off x="0" y="0"/>
+          <a:ext cx="0" cy="0"/>
+          <a:chOff x="0" y="0"/>
+          <a:chExt cx="0" cy="0"/>
+        </a:xfrm>
+      </p:grpSpPr>
+      <p:sp>
+        <p:nvSpPr>
+          <p:cNvPr id="2" name="Заглавие 1">
+            <a:extLst>
+              <a:ext uri="{FF2B5EF4-FFF2-40B4-BE49-F238E27FC236}">
+                <a16:creationId xmlns:a16="http://schemas.microsoft.com/office/drawing/2014/main" id="{4D4DC736-726A-4286-9121-B4B040762E84}"/>
+              </a:ext>
+            </a:extLst>
+          </p:cNvPr>
+          <p:cNvSpPr>
+            <a:spLocks noGrp="1"/>
+          </p:cNvSpPr>
+          <p:nvPr>
+            <p:ph type="title"/>
+          </p:nvPr>
+        </p:nvSpPr>
+        <p:spPr/>
+        <p:txBody>
+          <a:bodyPr/>
+          <a:lstStyle/>
+          <a:p>
+            <a:endParaRPr lang="bg-BG"/>
+          </a:p>
+        </p:txBody>
+      </p:sp>
+      <p:pic>
+        <p:nvPicPr>
+          <p:cNvPr id="5" name="Контейнер за съдържание 4">
+            <a:extLst>
+              <a:ext uri="{FF2B5EF4-FFF2-40B4-BE49-F238E27FC236}">
+                <a16:creationId xmlns:a16="http://schemas.microsoft.com/office/drawing/2014/main" id="{37C11A2B-D575-480E-BC71-C1BA1C03DE03}"/>
+              </a:ext>
+            </a:extLst>
+          </p:cNvPr>
+          <p:cNvPicPr>
+            <a:picLocks noGrp="1" noChangeAspect="1"/>
+          </p:cNvPicPr>
+          <p:nvPr>
+            <p:ph idx="1"/>
+          </p:nvPr>
+        </p:nvPicPr>
+        <p:blipFill>
+          <a:blip r:embed="rId2">
+            <a:extLst>
+              <a:ext uri="{28A0092B-C50C-407E-A947-70E740481C1C}">
+                <a14:useLocalDpi xmlns:a14="http://schemas.microsoft.com/office/drawing/2010/main" val="0"/>
+              </a:ext>
+            </a:extLst>
+          </a:blip>
+          <a:stretch>
+            <a:fillRect/>
+          </a:stretch>
+        </p:blipFill>
+        <p:spPr>
+          <a:xfrm>
+            <a:off x="0" y="-1"/>
+            <a:ext cx="12192000" cy="6854653"/>
+          </a:xfrm>
+        </p:spPr>
+      </p:pic>
+    </p:spTree>
+    <p:extLst>
+      <p:ext uri="{BB962C8B-B14F-4D97-AF65-F5344CB8AC3E}">
+        <p14:creationId xmlns:p14="http://schemas.microsoft.com/office/powerpoint/2010/main" val="298128189"/>
+      </p:ext>
+    </p:extLst>
+  </p:cSld>
+  <p:clrMapOvr>
+    <a:masterClrMapping/>
+  </p:clrMapOvr>
+</p:sld>
+</file>
+
+<file path=ppt/slides/slide96.xml><?xml version="1.0" encoding="utf-8"?>
+<p:sld xmlns:a="http://schemas.openxmlformats.org/drawingml/2006/main" xmlns:r="http://schemas.openxmlformats.org/officeDocument/2006/relationships" xmlns:p="http://schemas.openxmlformats.org/presentationml/2006/main">
+  <p:cSld>
+    <p:spTree>
+      <p:nvGrpSpPr>
+        <p:cNvPr id="1" name=""/>
+        <p:cNvGrpSpPr/>
+        <p:nvPr/>
+      </p:nvGrpSpPr>
+      <p:grpSpPr>
+        <a:xfrm>
+          <a:off x="0" y="0"/>
+          <a:ext cx="0" cy="0"/>
+          <a:chOff x="0" y="0"/>
+          <a:chExt cx="0" cy="0"/>
+        </a:xfrm>
+      </p:grpSpPr>
+      <p:sp>
+        <p:nvSpPr>
+          <p:cNvPr id="2" name="Заглавие 1">
+            <a:extLst>
+              <a:ext uri="{FF2B5EF4-FFF2-40B4-BE49-F238E27FC236}">
+                <a16:creationId xmlns:a16="http://schemas.microsoft.com/office/drawing/2014/main" id="{E1D519EB-FA42-4064-96CC-7C24EA7E0DEA}"/>
+              </a:ext>
+            </a:extLst>
+          </p:cNvPr>
+          <p:cNvSpPr>
+            <a:spLocks noGrp="1"/>
+          </p:cNvSpPr>
+          <p:nvPr>
+            <p:ph type="title"/>
+          </p:nvPr>
+        </p:nvSpPr>
+        <p:spPr/>
+        <p:txBody>
+          <a:bodyPr/>
+          <a:lstStyle/>
+          <a:p>
+            <a:r>
+              <a:rPr lang="bg-BG" dirty="0"/>
+              <a:t>Шаблонен клас</a:t>
+            </a:r>
+          </a:p>
+        </p:txBody>
+      </p:sp>
+      <p:sp>
+        <p:nvSpPr>
+          <p:cNvPr id="3" name="Контейнер за съдържание 2">
+            <a:extLst>
+              <a:ext uri="{FF2B5EF4-FFF2-40B4-BE49-F238E27FC236}">
+                <a16:creationId xmlns:a16="http://schemas.microsoft.com/office/drawing/2014/main" id="{81B510DE-D869-4A41-9B83-38FCB9EB2781}"/>
+              </a:ext>
+            </a:extLst>
+          </p:cNvPr>
+          <p:cNvSpPr>
+            <a:spLocks noGrp="1"/>
+          </p:cNvSpPr>
+          <p:nvPr>
+            <p:ph idx="1"/>
+          </p:nvPr>
+        </p:nvSpPr>
+        <p:spPr/>
+        <p:txBody>
+          <a:bodyPr/>
+          <a:lstStyle/>
+          <a:p>
+            <a:r>
+              <a:rPr lang="bg-BG" dirty="0"/>
+              <a:t>Това, че езикът ни го позволява е чудесно и може да ни спести грешки при писане на код</a:t>
+            </a:r>
+          </a:p>
+          <a:p>
+            <a:endParaRPr lang="bg-BG" dirty="0"/>
+          </a:p>
+          <a:p>
+            <a:r>
+              <a:rPr lang="bg-BG" dirty="0"/>
+              <a:t>За някои хора обаче, това е по-трудно четим код, затова е препоръчително да се уточнява, че става дума за </a:t>
+            </a:r>
+            <a:r>
+              <a:rPr lang="en-GB" dirty="0"/>
+              <a:t>Stack&lt;T&gt;</a:t>
+            </a:r>
+          </a:p>
+          <a:p>
+            <a:endParaRPr lang="en-GB" dirty="0"/>
+          </a:p>
+          <a:p>
+            <a:endParaRPr lang="bg-BG" dirty="0"/>
+          </a:p>
+        </p:txBody>
+      </p:sp>
+    </p:spTree>
+    <p:extLst>
+      <p:ext uri="{BB962C8B-B14F-4D97-AF65-F5344CB8AC3E}">
+        <p14:creationId xmlns:p14="http://schemas.microsoft.com/office/powerpoint/2010/main" val="1133978186"/>
+      </p:ext>
+    </p:extLst>
+  </p:cSld>
+  <p:clrMapOvr>
+    <a:masterClrMapping/>
+  </p:clrMapOvr>
+</p:sld>
+</file>
+
+<file path=ppt/slides/slide97.xml><?xml version="1.0" encoding="utf-8"?>
+<p:sld xmlns:a="http://schemas.openxmlformats.org/drawingml/2006/main" xmlns:r="http://schemas.openxmlformats.org/officeDocument/2006/relationships" xmlns:p="http://schemas.openxmlformats.org/presentationml/2006/main">
+  <p:cSld>
+    <p:spTree>
+      <p:nvGrpSpPr>
+        <p:cNvPr id="1" name=""/>
+        <p:cNvGrpSpPr/>
+        <p:nvPr/>
+      </p:nvGrpSpPr>
+      <p:grpSpPr>
+        <a:xfrm>
+          <a:off x="0" y="0"/>
+          <a:ext cx="0" cy="0"/>
+          <a:chOff x="0" y="0"/>
+          <a:chExt cx="0" cy="0"/>
+        </a:xfrm>
+      </p:grpSpPr>
+      <p:sp>
+        <p:nvSpPr>
+          <p:cNvPr id="2" name="Заглавие 1">
+            <a:extLst>
+              <a:ext uri="{FF2B5EF4-FFF2-40B4-BE49-F238E27FC236}">
+                <a16:creationId xmlns:a16="http://schemas.microsoft.com/office/drawing/2014/main" id="{79AD57D1-ED47-4002-B7ED-D349C4C66759}"/>
+              </a:ext>
+            </a:extLst>
+          </p:cNvPr>
+          <p:cNvSpPr>
+            <a:spLocks noGrp="1"/>
+          </p:cNvSpPr>
+          <p:nvPr>
+            <p:ph type="title"/>
+          </p:nvPr>
+        </p:nvSpPr>
+        <p:spPr/>
+        <p:txBody>
+          <a:bodyPr/>
+          <a:lstStyle/>
+          <a:p>
+            <a:endParaRPr lang="bg-BG"/>
+          </a:p>
+        </p:txBody>
+      </p:sp>
+      <p:pic>
+        <p:nvPicPr>
+          <p:cNvPr id="5" name="Контейнер за съдържание 4">
+            <a:extLst>
+              <a:ext uri="{FF2B5EF4-FFF2-40B4-BE49-F238E27FC236}">
+                <a16:creationId xmlns:a16="http://schemas.microsoft.com/office/drawing/2014/main" id="{C9B141B2-0A63-4D37-A3DF-7E3E08B423F7}"/>
+              </a:ext>
+            </a:extLst>
+          </p:cNvPr>
+          <p:cNvPicPr>
+            <a:picLocks noGrp="1" noChangeAspect="1"/>
+          </p:cNvPicPr>
+          <p:nvPr>
+            <p:ph idx="1"/>
+          </p:nvPr>
+        </p:nvPicPr>
+        <p:blipFill>
+          <a:blip r:embed="rId2">
+            <a:extLst>
+              <a:ext uri="{28A0092B-C50C-407E-A947-70E740481C1C}">
+                <a14:useLocalDpi xmlns:a14="http://schemas.microsoft.com/office/drawing/2010/main" val="0"/>
+              </a:ext>
+            </a:extLst>
+          </a:blip>
+          <a:stretch>
+            <a:fillRect/>
+          </a:stretch>
+        </p:blipFill>
+        <p:spPr>
+          <a:xfrm>
+            <a:off x="0" y="14067"/>
+            <a:ext cx="12192000" cy="6854653"/>
+          </a:xfrm>
+        </p:spPr>
+      </p:pic>
+    </p:spTree>
+    <p:extLst>
+      <p:ext uri="{BB962C8B-B14F-4D97-AF65-F5344CB8AC3E}">
+        <p14:creationId xmlns:p14="http://schemas.microsoft.com/office/powerpoint/2010/main" val="536167642"/>
+      </p:ext>
+    </p:extLst>
+  </p:cSld>
+  <p:clrMapOvr>
+    <a:masterClrMapping/>
+  </p:clrMapOvr>
+</p:sld>
+</file>
+
+<file path=ppt/slides/slide98.xml><?xml version="1.0" encoding="utf-8"?>
+<p:sld xmlns:a="http://schemas.openxmlformats.org/drawingml/2006/main" xmlns:r="http://schemas.openxmlformats.org/officeDocument/2006/relationships" xmlns:p="http://schemas.openxmlformats.org/presentationml/2006/main">
+  <p:cSld>
+    <p:spTree>
+      <p:nvGrpSpPr>
+        <p:cNvPr id="1" name=""/>
+        <p:cNvGrpSpPr/>
+        <p:nvPr/>
+      </p:nvGrpSpPr>
+      <p:grpSpPr>
+        <a:xfrm>
+          <a:off x="0" y="0"/>
+          <a:ext cx="0" cy="0"/>
+          <a:chOff x="0" y="0"/>
+          <a:chExt cx="0" cy="0"/>
+        </a:xfrm>
+      </p:grpSpPr>
+      <p:sp>
+        <p:nvSpPr>
+          <p:cNvPr id="2" name="Заглавие 1">
+            <a:extLst>
+              <a:ext uri="{FF2B5EF4-FFF2-40B4-BE49-F238E27FC236}">
+                <a16:creationId xmlns:a16="http://schemas.microsoft.com/office/drawing/2014/main" id="{263AEED1-1260-4262-A702-76808CED06B0}"/>
+              </a:ext>
+            </a:extLst>
+          </p:cNvPr>
+          <p:cNvSpPr>
+            <a:spLocks noGrp="1"/>
+          </p:cNvSpPr>
+          <p:nvPr>
+            <p:ph type="title"/>
+          </p:nvPr>
+        </p:nvSpPr>
+        <p:spPr/>
+        <p:txBody>
+          <a:bodyPr/>
+          <a:lstStyle/>
+          <a:p>
+            <a:r>
+              <a:rPr lang="bg-BG" dirty="0"/>
+              <a:t>Шаблонен клас</a:t>
+            </a:r>
+          </a:p>
+        </p:txBody>
+      </p:sp>
+      <p:sp>
+        <p:nvSpPr>
+          <p:cNvPr id="3" name="Контейнер за съдържание 2">
+            <a:extLst>
+              <a:ext uri="{FF2B5EF4-FFF2-40B4-BE49-F238E27FC236}">
+                <a16:creationId xmlns:a16="http://schemas.microsoft.com/office/drawing/2014/main" id="{9407CF07-45D6-483C-8E68-DD67FAEF893B}"/>
+              </a:ext>
+            </a:extLst>
+          </p:cNvPr>
+          <p:cNvSpPr>
+            <a:spLocks noGrp="1"/>
+          </p:cNvSpPr>
+          <p:nvPr>
+            <p:ph idx="1"/>
+          </p:nvPr>
+        </p:nvSpPr>
+        <p:spPr/>
+        <p:txBody>
+          <a:bodyPr/>
+          <a:lstStyle/>
+          <a:p>
+            <a:r>
+              <a:rPr lang="bg-BG" dirty="0"/>
+              <a:t>За член-функциите на шаблонните класове важат същите правила като обикновените шаблонни функции</a:t>
+            </a:r>
+          </a:p>
+          <a:p>
+            <a:endParaRPr lang="bg-BG" dirty="0"/>
+          </a:p>
+          <a:p>
+            <a:r>
+              <a:rPr lang="bg-BG" dirty="0"/>
+              <a:t>Макар компилаторът сам да решава кога да прави дадена функция </a:t>
+            </a:r>
+            <a:r>
+              <a:rPr lang="en-GB" dirty="0"/>
+              <a:t>inline, </a:t>
+            </a:r>
+            <a:r>
+              <a:rPr lang="bg-BG" dirty="0"/>
+              <a:t>то винаги е добре да се отбелязва нашето желание</a:t>
+            </a:r>
+            <a:endParaRPr lang="en-GB" dirty="0"/>
+          </a:p>
+          <a:p>
+            <a:endParaRPr lang="en-GB" dirty="0"/>
+          </a:p>
+          <a:p>
+            <a:r>
+              <a:rPr lang="bg-BG" dirty="0"/>
+              <a:t>В такъв случай, дефинициите се пишат в </a:t>
+            </a:r>
+            <a:r>
+              <a:rPr lang="en-GB" dirty="0"/>
+              <a:t>.h </a:t>
+            </a:r>
+            <a:r>
+              <a:rPr lang="bg-BG" dirty="0"/>
+              <a:t>файл, а не в </a:t>
+            </a:r>
+            <a:r>
+              <a:rPr lang="en-GB" dirty="0"/>
+              <a:t>.</a:t>
+            </a:r>
+            <a:r>
+              <a:rPr lang="en-GB" dirty="0" err="1"/>
+              <a:t>cpp</a:t>
+            </a:r>
+            <a:endParaRPr lang="bg-BG" dirty="0"/>
+          </a:p>
+        </p:txBody>
+      </p:sp>
+    </p:spTree>
+    <p:extLst>
+      <p:ext uri="{BB962C8B-B14F-4D97-AF65-F5344CB8AC3E}">
+        <p14:creationId xmlns:p14="http://schemas.microsoft.com/office/powerpoint/2010/main" val="2462348885"/>
+      </p:ext>
+    </p:extLst>
+  </p:cSld>
+  <p:clrMapOvr>
+    <a:masterClrMapping/>
+  </p:clrMapOvr>
+</p:sld>
+</file>
+
+<file path=ppt/slides/slide99.xml><?xml version="1.0" encoding="utf-8"?>
+<p:sld xmlns:a="http://schemas.openxmlformats.org/drawingml/2006/main" xmlns:r="http://schemas.openxmlformats.org/officeDocument/2006/relationships" xmlns:p="http://schemas.openxmlformats.org/presentationml/2006/main">
+  <p:cSld>
+    <p:spTree>
+      <p:nvGrpSpPr>
+        <p:cNvPr id="1" name=""/>
+        <p:cNvGrpSpPr/>
+        <p:nvPr/>
+      </p:nvGrpSpPr>
+      <p:grpSpPr>
+        <a:xfrm>
+          <a:off x="0" y="0"/>
+          <a:ext cx="0" cy="0"/>
+          <a:chOff x="0" y="0"/>
+          <a:chExt cx="0" cy="0"/>
+        </a:xfrm>
+      </p:grpSpPr>
+      <p:sp>
+        <p:nvSpPr>
+          <p:cNvPr id="2" name="Заглавие 1">
+            <a:extLst>
+              <a:ext uri="{FF2B5EF4-FFF2-40B4-BE49-F238E27FC236}">
+                <a16:creationId xmlns:a16="http://schemas.microsoft.com/office/drawing/2014/main" id="{2E867804-89F6-4A09-9743-7ED7BD28C975}"/>
+              </a:ext>
+            </a:extLst>
+          </p:cNvPr>
+          <p:cNvSpPr>
+            <a:spLocks noGrp="1"/>
+          </p:cNvSpPr>
+          <p:nvPr>
+            <p:ph type="title"/>
+          </p:nvPr>
+        </p:nvSpPr>
+        <p:spPr/>
+        <p:txBody>
+          <a:bodyPr/>
+          <a:lstStyle/>
+          <a:p>
+            <a:r>
+              <a:rPr lang="bg-BG" dirty="0"/>
+              <a:t>Приятелски функции и </a:t>
+            </a:r>
+            <a:r>
+              <a:rPr lang="en-GB" dirty="0"/>
+              <a:t>templates</a:t>
+            </a:r>
+            <a:endParaRPr lang="bg-BG" dirty="0"/>
+          </a:p>
+        </p:txBody>
+      </p:sp>
+      <p:sp>
+        <p:nvSpPr>
+          <p:cNvPr id="3" name="Контейнер за съдържание 2">
+            <a:extLst>
+              <a:ext uri="{FF2B5EF4-FFF2-40B4-BE49-F238E27FC236}">
+                <a16:creationId xmlns:a16="http://schemas.microsoft.com/office/drawing/2014/main" id="{CB2CD94F-EC76-4796-9E90-1AB4EABCE61D}"/>
+              </a:ext>
+            </a:extLst>
+          </p:cNvPr>
+          <p:cNvSpPr>
+            <a:spLocks noGrp="1"/>
+          </p:cNvSpPr>
+          <p:nvPr>
+            <p:ph idx="1"/>
+          </p:nvPr>
+        </p:nvSpPr>
+        <p:spPr/>
+        <p:txBody>
+          <a:bodyPr>
+            <a:normAutofit/>
+          </a:bodyPr>
+          <a:lstStyle/>
+          <a:p>
+            <a:r>
+              <a:rPr lang="bg-BG" dirty="0"/>
+              <a:t>Последното, което ще разгледаме е преплитането на шаблонни функции и класове</a:t>
+            </a:r>
+          </a:p>
+          <a:p>
+            <a:endParaRPr lang="bg-BG" dirty="0"/>
+          </a:p>
+          <a:p>
+            <a:r>
+              <a:rPr lang="bg-BG" dirty="0"/>
+              <a:t>Това се получава при използването на </a:t>
+            </a:r>
+            <a:r>
+              <a:rPr lang="en-GB" dirty="0"/>
+              <a:t>template friend </a:t>
+            </a:r>
+            <a:r>
+              <a:rPr lang="bg-BG" dirty="0"/>
+              <a:t>функции в </a:t>
+            </a:r>
+            <a:r>
+              <a:rPr lang="en-GB" dirty="0"/>
+              <a:t>template class</a:t>
+            </a:r>
+          </a:p>
+          <a:p>
+            <a:endParaRPr lang="en-GB" dirty="0"/>
+          </a:p>
+          <a:p>
+            <a:endParaRPr lang="bg-BG" dirty="0"/>
+          </a:p>
+        </p:txBody>
+      </p:sp>
+      <p:pic>
+        <p:nvPicPr>
+          <p:cNvPr id="1028" name="Picture 4" descr="Ð ÐµÐ·ÑÐ»ÑÐ°Ñ Ñ Ð¸Ð·Ð¾Ð±ÑÐ°Ð¶ÐµÐ½Ð¸Ðµ Ð·Ð° confusion">
+            <a:extLst>
+              <a:ext uri="{FF2B5EF4-FFF2-40B4-BE49-F238E27FC236}">
+                <a16:creationId xmlns:a16="http://schemas.microsoft.com/office/drawing/2014/main" id="{6304585A-91C4-4580-983E-60BE104902F5}"/>
+              </a:ext>
+            </a:extLst>
+          </p:cNvPr>
+          <p:cNvPicPr>
+            <a:picLocks noChangeAspect="1" noChangeArrowheads="1"/>
+          </p:cNvPicPr>
+          <p:nvPr/>
+        </p:nvPicPr>
+        <p:blipFill>
+          <a:blip r:embed="rId2">
+            <a:extLst>
+              <a:ext uri="{28A0092B-C50C-407E-A947-70E740481C1C}">
+                <a14:useLocalDpi xmlns:a14="http://schemas.microsoft.com/office/drawing/2010/main" val="0"/>
+              </a:ext>
+            </a:extLst>
+          </a:blip>
+          <a:srcRect/>
+          <a:stretch>
+            <a:fillRect/>
+          </a:stretch>
+        </p:blipFill>
+        <p:spPr bwMode="auto">
+          <a:xfrm>
+            <a:off x="4099512" y="3696837"/>
+            <a:ext cx="4723647" cy="3161163"/>
+          </a:xfrm>
+          <a:prstGeom prst="rect">
+            <a:avLst/>
+          </a:prstGeom>
+          <a:noFill/>
+          <a:extLst>
+            <a:ext uri="{909E8E84-426E-40DD-AFC4-6F175D3DCCD1}">
+              <a14:hiddenFill xmlns:a14="http://schemas.microsoft.com/office/drawing/2010/main">
+                <a:solidFill>
+                  <a:srgbClr val="FFFFFF"/>
+                </a:solidFill>
+              </a14:hiddenFill>
+            </a:ext>
+          </a:extLst>
+        </p:spPr>
+      </p:pic>
+    </p:spTree>
+    <p:extLst>
+      <p:ext uri="{BB962C8B-B14F-4D97-AF65-F5344CB8AC3E}">
+        <p14:creationId xmlns:p14="http://schemas.microsoft.com/office/powerpoint/2010/main" val="1171215104"/>
       </p:ext>
     </p:extLst>
   </p:cSld>

--- a/Object-Oriented Programming/Consultation 2/Consultation2.pptx
+++ b/Object-Oriented Programming/Consultation 2/Consultation2.pptx
@@ -5,7 +5,7 @@
     <p:sldMasterId id="2147483648" r:id="rId1"/>
   </p:sldMasterIdLst>
   <p:notesMasterIdLst>
-    <p:notesMasterId r:id="rId107"/>
+    <p:notesMasterId r:id="rId106"/>
   </p:notesMasterIdLst>
   <p:sldIdLst>
     <p:sldId id="257" r:id="rId2"/>
@@ -52,67 +52,66 @@
     <p:sldId id="846" r:id="rId43"/>
     <p:sldId id="833" r:id="rId44"/>
     <p:sldId id="847" r:id="rId45"/>
-    <p:sldId id="848" r:id="rId46"/>
-    <p:sldId id="849" r:id="rId47"/>
-    <p:sldId id="850" r:id="rId48"/>
-    <p:sldId id="851" r:id="rId49"/>
-    <p:sldId id="852" r:id="rId50"/>
-    <p:sldId id="853" r:id="rId51"/>
-    <p:sldId id="854" r:id="rId52"/>
-    <p:sldId id="857" r:id="rId53"/>
-    <p:sldId id="858" r:id="rId54"/>
-    <p:sldId id="855" r:id="rId55"/>
-    <p:sldId id="861" r:id="rId56"/>
-    <p:sldId id="859" r:id="rId57"/>
-    <p:sldId id="863" r:id="rId58"/>
-    <p:sldId id="862" r:id="rId59"/>
-    <p:sldId id="864" r:id="rId60"/>
-    <p:sldId id="865" r:id="rId61"/>
-    <p:sldId id="866" r:id="rId62"/>
-    <p:sldId id="868" r:id="rId63"/>
-    <p:sldId id="867" r:id="rId64"/>
-    <p:sldId id="869" r:id="rId65"/>
-    <p:sldId id="870" r:id="rId66"/>
-    <p:sldId id="871" r:id="rId67"/>
-    <p:sldId id="872" r:id="rId68"/>
-    <p:sldId id="873" r:id="rId69"/>
-    <p:sldId id="874" r:id="rId70"/>
-    <p:sldId id="877" r:id="rId71"/>
-    <p:sldId id="875" r:id="rId72"/>
-    <p:sldId id="876" r:id="rId73"/>
-    <p:sldId id="878" r:id="rId74"/>
-    <p:sldId id="879" r:id="rId75"/>
-    <p:sldId id="880" r:id="rId76"/>
-    <p:sldId id="881" r:id="rId77"/>
-    <p:sldId id="883" r:id="rId78"/>
-    <p:sldId id="882" r:id="rId79"/>
-    <p:sldId id="884" r:id="rId80"/>
-    <p:sldId id="885" r:id="rId81"/>
-    <p:sldId id="886" r:id="rId82"/>
-    <p:sldId id="906" r:id="rId83"/>
-    <p:sldId id="860" r:id="rId84"/>
-    <p:sldId id="887" r:id="rId85"/>
-    <p:sldId id="888" r:id="rId86"/>
-    <p:sldId id="889" r:id="rId87"/>
-    <p:sldId id="890" r:id="rId88"/>
-    <p:sldId id="891" r:id="rId89"/>
-    <p:sldId id="893" r:id="rId90"/>
-    <p:sldId id="894" r:id="rId91"/>
-    <p:sldId id="896" r:id="rId92"/>
-    <p:sldId id="895" r:id="rId93"/>
-    <p:sldId id="897" r:id="rId94"/>
-    <p:sldId id="898" r:id="rId95"/>
-    <p:sldId id="899" r:id="rId96"/>
-    <p:sldId id="900" r:id="rId97"/>
-    <p:sldId id="901" r:id="rId98"/>
-    <p:sldId id="905" r:id="rId99"/>
-    <p:sldId id="836" r:id="rId100"/>
-    <p:sldId id="902" r:id="rId101"/>
-    <p:sldId id="903" r:id="rId102"/>
-    <p:sldId id="904" r:id="rId103"/>
-    <p:sldId id="907" r:id="rId104"/>
-    <p:sldId id="806" r:id="rId105"/>
-    <p:sldId id="392" r:id="rId106"/>
+    <p:sldId id="849" r:id="rId46"/>
+    <p:sldId id="850" r:id="rId47"/>
+    <p:sldId id="851" r:id="rId48"/>
+    <p:sldId id="852" r:id="rId49"/>
+    <p:sldId id="853" r:id="rId50"/>
+    <p:sldId id="854" r:id="rId51"/>
+    <p:sldId id="857" r:id="rId52"/>
+    <p:sldId id="858" r:id="rId53"/>
+    <p:sldId id="855" r:id="rId54"/>
+    <p:sldId id="861" r:id="rId55"/>
+    <p:sldId id="859" r:id="rId56"/>
+    <p:sldId id="863" r:id="rId57"/>
+    <p:sldId id="862" r:id="rId58"/>
+    <p:sldId id="864" r:id="rId59"/>
+    <p:sldId id="865" r:id="rId60"/>
+    <p:sldId id="866" r:id="rId61"/>
+    <p:sldId id="868" r:id="rId62"/>
+    <p:sldId id="867" r:id="rId63"/>
+    <p:sldId id="869" r:id="rId64"/>
+    <p:sldId id="870" r:id="rId65"/>
+    <p:sldId id="871" r:id="rId66"/>
+    <p:sldId id="872" r:id="rId67"/>
+    <p:sldId id="873" r:id="rId68"/>
+    <p:sldId id="874" r:id="rId69"/>
+    <p:sldId id="877" r:id="rId70"/>
+    <p:sldId id="875" r:id="rId71"/>
+    <p:sldId id="876" r:id="rId72"/>
+    <p:sldId id="878" r:id="rId73"/>
+    <p:sldId id="879" r:id="rId74"/>
+    <p:sldId id="880" r:id="rId75"/>
+    <p:sldId id="881" r:id="rId76"/>
+    <p:sldId id="883" r:id="rId77"/>
+    <p:sldId id="882" r:id="rId78"/>
+    <p:sldId id="884" r:id="rId79"/>
+    <p:sldId id="885" r:id="rId80"/>
+    <p:sldId id="886" r:id="rId81"/>
+    <p:sldId id="906" r:id="rId82"/>
+    <p:sldId id="860" r:id="rId83"/>
+    <p:sldId id="887" r:id="rId84"/>
+    <p:sldId id="888" r:id="rId85"/>
+    <p:sldId id="889" r:id="rId86"/>
+    <p:sldId id="890" r:id="rId87"/>
+    <p:sldId id="891" r:id="rId88"/>
+    <p:sldId id="893" r:id="rId89"/>
+    <p:sldId id="894" r:id="rId90"/>
+    <p:sldId id="896" r:id="rId91"/>
+    <p:sldId id="895" r:id="rId92"/>
+    <p:sldId id="897" r:id="rId93"/>
+    <p:sldId id="898" r:id="rId94"/>
+    <p:sldId id="899" r:id="rId95"/>
+    <p:sldId id="900" r:id="rId96"/>
+    <p:sldId id="901" r:id="rId97"/>
+    <p:sldId id="905" r:id="rId98"/>
+    <p:sldId id="836" r:id="rId99"/>
+    <p:sldId id="902" r:id="rId100"/>
+    <p:sldId id="903" r:id="rId101"/>
+    <p:sldId id="904" r:id="rId102"/>
+    <p:sldId id="907" r:id="rId103"/>
+    <p:sldId id="806" r:id="rId104"/>
+    <p:sldId id="392" r:id="rId105"/>
   </p:sldIdLst>
   <p:sldSz cx="12192000" cy="6858000"/>
   <p:notesSz cx="6858000" cy="9144000"/>
@@ -301,7 +300,7 @@
           <a:p>
             <a:fld id="{69EA1B5C-C6C4-48C7-B31A-45A6BFCD8930}" type="datetimeFigureOut">
               <a:rPr lang="en-US" smtClean="0"/>
-              <a:t>4/3/2019</a:t>
+              <a:t>4/4/2019</a:t>
             </a:fld>
             <a:endParaRPr lang="en-US"/>
           </a:p>
@@ -718,7 +717,7 @@
           <a:p>
             <a:fld id="{A668673D-F46B-4D54-BC46-393ACD5BD4A2}" type="datetimeFigureOut">
               <a:rPr lang="en-GB" smtClean="0"/>
-              <a:t>03/04/2019</a:t>
+              <a:t>04/04/2019</a:t>
             </a:fld>
             <a:endParaRPr lang="en-GB"/>
           </a:p>
@@ -918,7 +917,7 @@
           <a:p>
             <a:fld id="{A668673D-F46B-4D54-BC46-393ACD5BD4A2}" type="datetimeFigureOut">
               <a:rPr lang="en-GB" smtClean="0"/>
-              <a:t>03/04/2019</a:t>
+              <a:t>04/04/2019</a:t>
             </a:fld>
             <a:endParaRPr lang="en-GB"/>
           </a:p>
@@ -1128,7 +1127,7 @@
           <a:p>
             <a:fld id="{A668673D-F46B-4D54-BC46-393ACD5BD4A2}" type="datetimeFigureOut">
               <a:rPr lang="en-GB" smtClean="0"/>
-              <a:t>03/04/2019</a:t>
+              <a:t>04/04/2019</a:t>
             </a:fld>
             <a:endParaRPr lang="en-GB"/>
           </a:p>
@@ -1328,7 +1327,7 @@
           <a:p>
             <a:fld id="{A668673D-F46B-4D54-BC46-393ACD5BD4A2}" type="datetimeFigureOut">
               <a:rPr lang="en-GB" smtClean="0"/>
-              <a:t>03/04/2019</a:t>
+              <a:t>04/04/2019</a:t>
             </a:fld>
             <a:endParaRPr lang="en-GB"/>
           </a:p>
@@ -1604,7 +1603,7 @@
           <a:p>
             <a:fld id="{A668673D-F46B-4D54-BC46-393ACD5BD4A2}" type="datetimeFigureOut">
               <a:rPr lang="en-GB" smtClean="0"/>
-              <a:t>03/04/2019</a:t>
+              <a:t>04/04/2019</a:t>
             </a:fld>
             <a:endParaRPr lang="en-GB"/>
           </a:p>
@@ -1872,7 +1871,7 @@
           <a:p>
             <a:fld id="{A668673D-F46B-4D54-BC46-393ACD5BD4A2}" type="datetimeFigureOut">
               <a:rPr lang="en-GB" smtClean="0"/>
-              <a:t>03/04/2019</a:t>
+              <a:t>04/04/2019</a:t>
             </a:fld>
             <a:endParaRPr lang="en-GB"/>
           </a:p>
@@ -2287,7 +2286,7 @@
           <a:p>
             <a:fld id="{A668673D-F46B-4D54-BC46-393ACD5BD4A2}" type="datetimeFigureOut">
               <a:rPr lang="en-GB" smtClean="0"/>
-              <a:t>03/04/2019</a:t>
+              <a:t>04/04/2019</a:t>
             </a:fld>
             <a:endParaRPr lang="en-GB"/>
           </a:p>
@@ -2429,7 +2428,7 @@
           <a:p>
             <a:fld id="{A668673D-F46B-4D54-BC46-393ACD5BD4A2}" type="datetimeFigureOut">
               <a:rPr lang="en-GB" smtClean="0"/>
-              <a:t>03/04/2019</a:t>
+              <a:t>04/04/2019</a:t>
             </a:fld>
             <a:endParaRPr lang="en-GB"/>
           </a:p>
@@ -2542,7 +2541,7 @@
           <a:p>
             <a:fld id="{A668673D-F46B-4D54-BC46-393ACD5BD4A2}" type="datetimeFigureOut">
               <a:rPr lang="en-GB" smtClean="0"/>
-              <a:t>03/04/2019</a:t>
+              <a:t>04/04/2019</a:t>
             </a:fld>
             <a:endParaRPr lang="en-GB"/>
           </a:p>
@@ -2855,7 +2854,7 @@
           <a:p>
             <a:fld id="{A668673D-F46B-4D54-BC46-393ACD5BD4A2}" type="datetimeFigureOut">
               <a:rPr lang="en-GB" smtClean="0"/>
-              <a:t>03/04/2019</a:t>
+              <a:t>04/04/2019</a:t>
             </a:fld>
             <a:endParaRPr lang="en-GB"/>
           </a:p>
@@ -3144,7 +3143,7 @@
           <a:p>
             <a:fld id="{A668673D-F46B-4D54-BC46-393ACD5BD4A2}" type="datetimeFigureOut">
               <a:rPr lang="en-GB" smtClean="0"/>
-              <a:t>03/04/2019</a:t>
+              <a:t>04/04/2019</a:t>
             </a:fld>
             <a:endParaRPr lang="en-GB"/>
           </a:p>
@@ -3387,7 +3386,7 @@
           <a:p>
             <a:fld id="{A668673D-F46B-4D54-BC46-393ACD5BD4A2}" type="datetimeFigureOut">
               <a:rPr lang="en-GB" smtClean="0"/>
-              <a:t>03/04/2019</a:t>
+              <a:t>04/04/2019</a:t>
             </a:fld>
             <a:endParaRPr lang="en-GB"/>
           </a:p>
@@ -4081,7 +4080,7 @@
           <p:cNvPr id="2" name="Заглавие 1">
             <a:extLst>
               <a:ext uri="{FF2B5EF4-FFF2-40B4-BE49-F238E27FC236}">
-                <a16:creationId xmlns:a16="http://schemas.microsoft.com/office/drawing/2014/main" id="{98CB4BDA-C23B-4474-9EC2-6FC37C8121F7}"/>
+                <a16:creationId xmlns:a16="http://schemas.microsoft.com/office/drawing/2014/main" id="{F0F9F3B5-B2B4-48F2-8F97-8E9FFFA18058}"/>
               </a:ext>
             </a:extLst>
           </p:cNvPr>
@@ -4097,49 +4096,111 @@
           <a:bodyPr/>
           <a:lstStyle/>
           <a:p>
-            <a:endParaRPr lang="bg-BG"/>
-          </a:p>
-        </p:txBody>
-      </p:sp>
-      <p:pic>
-        <p:nvPicPr>
-          <p:cNvPr id="5" name="Контейнер за съдържание 4">
-            <a:extLst>
-              <a:ext uri="{FF2B5EF4-FFF2-40B4-BE49-F238E27FC236}">
-                <a16:creationId xmlns:a16="http://schemas.microsoft.com/office/drawing/2014/main" id="{3A57D8B7-B16A-40E3-BC31-0AD5D39272DD}"/>
-              </a:ext>
-            </a:extLst>
-          </p:cNvPr>
-          <p:cNvPicPr>
-            <a:picLocks noGrp="1" noChangeAspect="1"/>
-          </p:cNvPicPr>
+            <a:r>
+              <a:rPr lang="bg-BG" dirty="0"/>
+              <a:t>Приятелски функции и </a:t>
+            </a:r>
+            <a:r>
+              <a:rPr lang="en-GB" dirty="0"/>
+              <a:t>templates</a:t>
+            </a:r>
+            <a:endParaRPr lang="bg-BG" dirty="0"/>
+          </a:p>
+        </p:txBody>
+      </p:sp>
+      <p:sp>
+        <p:nvSpPr>
+          <p:cNvPr id="3" name="Контейнер за съдържание 2">
+            <a:extLst>
+              <a:ext uri="{FF2B5EF4-FFF2-40B4-BE49-F238E27FC236}">
+                <a16:creationId xmlns:a16="http://schemas.microsoft.com/office/drawing/2014/main" id="{A494A05C-368E-4C68-AA99-F080E60BF4E3}"/>
+              </a:ext>
+            </a:extLst>
+          </p:cNvPr>
+          <p:cNvSpPr>
+            <a:spLocks noGrp="1"/>
+          </p:cNvSpPr>
           <p:nvPr>
             <p:ph idx="1"/>
           </p:nvPr>
-        </p:nvPicPr>
-        <p:blipFill>
-          <a:blip r:embed="rId2">
-            <a:extLst>
-              <a:ext uri="{28A0092B-C50C-407E-A947-70E740481C1C}">
-                <a14:useLocalDpi xmlns:a14="http://schemas.microsoft.com/office/drawing/2010/main" val="0"/>
-              </a:ext>
-            </a:extLst>
-          </a:blip>
-          <a:stretch>
-            <a:fillRect/>
-          </a:stretch>
-        </p:blipFill>
-        <p:spPr>
-          <a:xfrm>
-            <a:off x="0" y="-1"/>
-            <a:ext cx="12192000" cy="6854653"/>
-          </a:xfrm>
-        </p:spPr>
-      </p:pic>
+        </p:nvSpPr>
+        <p:spPr/>
+        <p:txBody>
+          <a:bodyPr/>
+          <a:lstStyle/>
+          <a:p>
+            <a:r>
+              <a:rPr lang="bg-BG" dirty="0"/>
+              <a:t>Любима грешка на малки и големи </a:t>
+            </a:r>
+            <a:r>
+              <a:rPr lang="bg-BG" dirty="0">
+                <a:sym typeface="Wingdings" panose="05000000000000000000" pitchFamily="2" charset="2"/>
+              </a:rPr>
+              <a:t></a:t>
+            </a:r>
+          </a:p>
+          <a:p>
+            <a:endParaRPr lang="bg-BG" dirty="0">
+              <a:sym typeface="Wingdings" panose="05000000000000000000" pitchFamily="2" charset="2"/>
+            </a:endParaRPr>
+          </a:p>
+          <a:p>
+            <a:r>
+              <a:rPr lang="bg-BG" dirty="0">
+                <a:sym typeface="Wingdings" panose="05000000000000000000" pitchFamily="2" charset="2"/>
+              </a:rPr>
+              <a:t>Обяснението на този проблем не е никак тривиално</a:t>
+            </a:r>
+          </a:p>
+          <a:p>
+            <a:endParaRPr lang="bg-BG" dirty="0">
+              <a:sym typeface="Wingdings" panose="05000000000000000000" pitchFamily="2" charset="2"/>
+            </a:endParaRPr>
+          </a:p>
+          <a:p>
+            <a:r>
+              <a:rPr lang="bg-BG" dirty="0">
+                <a:sym typeface="Wingdings" panose="05000000000000000000" pitchFamily="2" charset="2"/>
+              </a:rPr>
+              <a:t>Накратко трябва да се уточни, че </a:t>
+            </a:r>
+            <a:r>
+              <a:rPr lang="en-GB" dirty="0">
+                <a:sym typeface="Wingdings" panose="05000000000000000000" pitchFamily="2" charset="2"/>
+              </a:rPr>
+              <a:t>friend </a:t>
+            </a:r>
+            <a:r>
+              <a:rPr lang="bg-BG" dirty="0">
+                <a:sym typeface="Wingdings" panose="05000000000000000000" pitchFamily="2" charset="2"/>
+              </a:rPr>
+              <a:t>функцията е шаблонна</a:t>
+            </a:r>
+            <a:endParaRPr lang="en-GB" dirty="0">
+              <a:sym typeface="Wingdings" panose="05000000000000000000" pitchFamily="2" charset="2"/>
+            </a:endParaRPr>
+          </a:p>
+          <a:p>
+            <a:endParaRPr lang="en-GB" dirty="0">
+              <a:sym typeface="Wingdings" panose="05000000000000000000" pitchFamily="2" charset="2"/>
+            </a:endParaRPr>
+          </a:p>
+          <a:p>
+            <a:r>
+              <a:rPr lang="bg-BG" dirty="0">
+                <a:sym typeface="Wingdings" panose="05000000000000000000" pitchFamily="2" charset="2"/>
+              </a:rPr>
+              <a:t>Приемете го на доверие и го използвайте така или вижте в материалите в края</a:t>
+            </a:r>
+            <a:endParaRPr lang="bg-BG" dirty="0"/>
+          </a:p>
+        </p:txBody>
+      </p:sp>
     </p:spTree>
     <p:extLst>
       <p:ext uri="{BB962C8B-B14F-4D97-AF65-F5344CB8AC3E}">
-        <p14:creationId xmlns:p14="http://schemas.microsoft.com/office/powerpoint/2010/main" val="4139807250"/>
+        <p14:creationId xmlns:p14="http://schemas.microsoft.com/office/powerpoint/2010/main" val="578840693"/>
       </p:ext>
     </p:extLst>
   </p:cSld>
@@ -4171,7 +4232,7 @@
           <p:cNvPr id="2" name="Заглавие 1">
             <a:extLst>
               <a:ext uri="{FF2B5EF4-FFF2-40B4-BE49-F238E27FC236}">
-                <a16:creationId xmlns:a16="http://schemas.microsoft.com/office/drawing/2014/main" id="{F0F9F3B5-B2B4-48F2-8F97-8E9FFFA18058}"/>
+                <a16:creationId xmlns:a16="http://schemas.microsoft.com/office/drawing/2014/main" id="{A06850C5-80FF-4403-BE00-9D7599FEEDC9}"/>
               </a:ext>
             </a:extLst>
           </p:cNvPr>
@@ -4187,111 +4248,49 @@
           <a:bodyPr/>
           <a:lstStyle/>
           <a:p>
-            <a:r>
-              <a:rPr lang="bg-BG" dirty="0"/>
-              <a:t>Приятелски функции и </a:t>
-            </a:r>
-            <a:r>
-              <a:rPr lang="en-GB" dirty="0"/>
-              <a:t>templates</a:t>
-            </a:r>
-            <a:endParaRPr lang="bg-BG" dirty="0"/>
-          </a:p>
-        </p:txBody>
-      </p:sp>
-      <p:sp>
-        <p:nvSpPr>
-          <p:cNvPr id="3" name="Контейнер за съдържание 2">
-            <a:extLst>
-              <a:ext uri="{FF2B5EF4-FFF2-40B4-BE49-F238E27FC236}">
-                <a16:creationId xmlns:a16="http://schemas.microsoft.com/office/drawing/2014/main" id="{A494A05C-368E-4C68-AA99-F080E60BF4E3}"/>
-              </a:ext>
-            </a:extLst>
-          </p:cNvPr>
-          <p:cNvSpPr>
-            <a:spLocks noGrp="1"/>
-          </p:cNvSpPr>
+            <a:endParaRPr lang="bg-BG"/>
+          </a:p>
+        </p:txBody>
+      </p:sp>
+      <p:pic>
+        <p:nvPicPr>
+          <p:cNvPr id="5" name="Контейнер за съдържание 4">
+            <a:extLst>
+              <a:ext uri="{FF2B5EF4-FFF2-40B4-BE49-F238E27FC236}">
+                <a16:creationId xmlns:a16="http://schemas.microsoft.com/office/drawing/2014/main" id="{DC60D1F6-0683-4816-8C49-E4BBEC86ECB9}"/>
+              </a:ext>
+            </a:extLst>
+          </p:cNvPr>
+          <p:cNvPicPr>
+            <a:picLocks noGrp="1" noChangeAspect="1"/>
+          </p:cNvPicPr>
           <p:nvPr>
             <p:ph idx="1"/>
           </p:nvPr>
-        </p:nvSpPr>
-        <p:spPr/>
-        <p:txBody>
-          <a:bodyPr/>
-          <a:lstStyle/>
-          <a:p>
-            <a:r>
-              <a:rPr lang="bg-BG" dirty="0"/>
-              <a:t>Любима грешка на малки и големи </a:t>
-            </a:r>
-            <a:r>
-              <a:rPr lang="bg-BG" dirty="0">
-                <a:sym typeface="Wingdings" panose="05000000000000000000" pitchFamily="2" charset="2"/>
-              </a:rPr>
-              <a:t></a:t>
-            </a:r>
-          </a:p>
-          <a:p>
-            <a:endParaRPr lang="bg-BG" dirty="0">
-              <a:sym typeface="Wingdings" panose="05000000000000000000" pitchFamily="2" charset="2"/>
-            </a:endParaRPr>
-          </a:p>
-          <a:p>
-            <a:r>
-              <a:rPr lang="bg-BG" dirty="0">
-                <a:sym typeface="Wingdings" panose="05000000000000000000" pitchFamily="2" charset="2"/>
-              </a:rPr>
-              <a:t>Обяснението на този проблем не е никак тривиално</a:t>
-            </a:r>
-          </a:p>
-          <a:p>
-            <a:endParaRPr lang="bg-BG" dirty="0">
-              <a:sym typeface="Wingdings" panose="05000000000000000000" pitchFamily="2" charset="2"/>
-            </a:endParaRPr>
-          </a:p>
-          <a:p>
-            <a:r>
-              <a:rPr lang="bg-BG" dirty="0">
-                <a:sym typeface="Wingdings" panose="05000000000000000000" pitchFamily="2" charset="2"/>
-              </a:rPr>
-              <a:t>Накратко трябва да се уточни, че </a:t>
-            </a:r>
-            <a:r>
-              <a:rPr lang="en-GB" dirty="0">
-                <a:sym typeface="Wingdings" panose="05000000000000000000" pitchFamily="2" charset="2"/>
-              </a:rPr>
-              <a:t>friend </a:t>
-            </a:r>
-            <a:r>
-              <a:rPr lang="bg-BG" dirty="0">
-                <a:sym typeface="Wingdings" panose="05000000000000000000" pitchFamily="2" charset="2"/>
-              </a:rPr>
-              <a:t>функцията е шаблонна</a:t>
-            </a:r>
-            <a:endParaRPr lang="en-GB" dirty="0">
-              <a:sym typeface="Wingdings" panose="05000000000000000000" pitchFamily="2" charset="2"/>
-            </a:endParaRPr>
-          </a:p>
-          <a:p>
-            <a:endParaRPr lang="en-GB" dirty="0">
-              <a:sym typeface="Wingdings" panose="05000000000000000000" pitchFamily="2" charset="2"/>
-            </a:endParaRPr>
-          </a:p>
-          <a:p>
-            <a:r>
-              <a:rPr lang="bg-BG" dirty="0">
-                <a:sym typeface="Wingdings" panose="05000000000000000000" pitchFamily="2" charset="2"/>
-              </a:rPr>
-              <a:t>Приемете го на доверие и го използвайте така или вижте в материалите в края</a:t>
-            </a:r>
-            <a:endParaRPr lang="bg-BG" dirty="0"/>
-          </a:p>
-        </p:txBody>
-      </p:sp>
+        </p:nvPicPr>
+        <p:blipFill>
+          <a:blip r:embed="rId2">
+            <a:extLst>
+              <a:ext uri="{28A0092B-C50C-407E-A947-70E740481C1C}">
+                <a14:useLocalDpi xmlns:a14="http://schemas.microsoft.com/office/drawing/2010/main" val="0"/>
+              </a:ext>
+            </a:extLst>
+          </a:blip>
+          <a:stretch>
+            <a:fillRect/>
+          </a:stretch>
+        </p:blipFill>
+        <p:spPr>
+          <a:xfrm>
+            <a:off x="0" y="-1"/>
+            <a:ext cx="12192000" cy="6854653"/>
+          </a:xfrm>
+        </p:spPr>
+      </p:pic>
     </p:spTree>
     <p:extLst>
       <p:ext uri="{BB962C8B-B14F-4D97-AF65-F5344CB8AC3E}">
-        <p14:creationId xmlns:p14="http://schemas.microsoft.com/office/powerpoint/2010/main" val="578840693"/>
+        <p14:creationId xmlns:p14="http://schemas.microsoft.com/office/powerpoint/2010/main" val="4030734382"/>
       </p:ext>
     </p:extLst>
   </p:cSld>
@@ -4323,96 +4322,6 @@
           <p:cNvPr id="2" name="Заглавие 1">
             <a:extLst>
               <a:ext uri="{FF2B5EF4-FFF2-40B4-BE49-F238E27FC236}">
-                <a16:creationId xmlns:a16="http://schemas.microsoft.com/office/drawing/2014/main" id="{A06850C5-80FF-4403-BE00-9D7599FEEDC9}"/>
-              </a:ext>
-            </a:extLst>
-          </p:cNvPr>
-          <p:cNvSpPr>
-            <a:spLocks noGrp="1"/>
-          </p:cNvSpPr>
-          <p:nvPr>
-            <p:ph type="title"/>
-          </p:nvPr>
-        </p:nvSpPr>
-        <p:spPr/>
-        <p:txBody>
-          <a:bodyPr/>
-          <a:lstStyle/>
-          <a:p>
-            <a:endParaRPr lang="bg-BG"/>
-          </a:p>
-        </p:txBody>
-      </p:sp>
-      <p:pic>
-        <p:nvPicPr>
-          <p:cNvPr id="5" name="Контейнер за съдържание 4">
-            <a:extLst>
-              <a:ext uri="{FF2B5EF4-FFF2-40B4-BE49-F238E27FC236}">
-                <a16:creationId xmlns:a16="http://schemas.microsoft.com/office/drawing/2014/main" id="{DC60D1F6-0683-4816-8C49-E4BBEC86ECB9}"/>
-              </a:ext>
-            </a:extLst>
-          </p:cNvPr>
-          <p:cNvPicPr>
-            <a:picLocks noGrp="1" noChangeAspect="1"/>
-          </p:cNvPicPr>
-          <p:nvPr>
-            <p:ph idx="1"/>
-          </p:nvPr>
-        </p:nvPicPr>
-        <p:blipFill>
-          <a:blip r:embed="rId2">
-            <a:extLst>
-              <a:ext uri="{28A0092B-C50C-407E-A947-70E740481C1C}">
-                <a14:useLocalDpi xmlns:a14="http://schemas.microsoft.com/office/drawing/2010/main" val="0"/>
-              </a:ext>
-            </a:extLst>
-          </a:blip>
-          <a:stretch>
-            <a:fillRect/>
-          </a:stretch>
-        </p:blipFill>
-        <p:spPr>
-          <a:xfrm>
-            <a:off x="0" y="-1"/>
-            <a:ext cx="12192000" cy="6854653"/>
-          </a:xfrm>
-        </p:spPr>
-      </p:pic>
-    </p:spTree>
-    <p:extLst>
-      <p:ext uri="{BB962C8B-B14F-4D97-AF65-F5344CB8AC3E}">
-        <p14:creationId xmlns:p14="http://schemas.microsoft.com/office/powerpoint/2010/main" val="4030734382"/>
-      </p:ext>
-    </p:extLst>
-  </p:cSld>
-  <p:clrMapOvr>
-    <a:masterClrMapping/>
-  </p:clrMapOvr>
-</p:sld>
-</file>
-
-<file path=ppt/slides/slide103.xml><?xml version="1.0" encoding="utf-8"?>
-<p:sld xmlns:a="http://schemas.openxmlformats.org/drawingml/2006/main" xmlns:r="http://schemas.openxmlformats.org/officeDocument/2006/relationships" xmlns:p="http://schemas.openxmlformats.org/presentationml/2006/main">
-  <p:cSld>
-    <p:spTree>
-      <p:nvGrpSpPr>
-        <p:cNvPr id="1" name=""/>
-        <p:cNvGrpSpPr/>
-        <p:nvPr/>
-      </p:nvGrpSpPr>
-      <p:grpSpPr>
-        <a:xfrm>
-          <a:off x="0" y="0"/>
-          <a:ext cx="0" cy="0"/>
-          <a:chOff x="0" y="0"/>
-          <a:chExt cx="0" cy="0"/>
-        </a:xfrm>
-      </p:grpSpPr>
-      <p:sp>
-        <p:nvSpPr>
-          <p:cNvPr id="2" name="Заглавие 1">
-            <a:extLst>
-              <a:ext uri="{FF2B5EF4-FFF2-40B4-BE49-F238E27FC236}">
                 <a16:creationId xmlns:a16="http://schemas.microsoft.com/office/drawing/2014/main" id="{4FAA85E0-0914-4F18-968C-755A42245CDC}"/>
               </a:ext>
             </a:extLst>
@@ -4524,7 +4433,7 @@
 </p:sld>
 </file>
 
-<file path=ppt/slides/slide104.xml><?xml version="1.0" encoding="utf-8"?>
+<file path=ppt/slides/slide103.xml><?xml version="1.0" encoding="utf-8"?>
 <p:sld xmlns:a="http://schemas.openxmlformats.org/drawingml/2006/main" xmlns:r="http://schemas.openxmlformats.org/officeDocument/2006/relationships" xmlns:p="http://schemas.openxmlformats.org/presentationml/2006/main">
   <p:cSld>
     <p:spTree>
@@ -4680,7 +4589,7 @@
 </p:sld>
 </file>
 
-<file path=ppt/slides/slide105.xml><?xml version="1.0" encoding="utf-8"?>
+<file path=ppt/slides/slide104.xml><?xml version="1.0" encoding="utf-8"?>
 <p:sld xmlns:a="http://schemas.openxmlformats.org/drawingml/2006/main" xmlns:r="http://schemas.openxmlformats.org/officeDocument/2006/relationships" xmlns:p="http://schemas.openxmlformats.org/presentationml/2006/main">
   <p:cSld>
     <p:spTree>
@@ -6269,7 +6178,19 @@
             </a:r>
             <a:r>
               <a:rPr lang="ru-RU" dirty="0"/>
-              <a:t> един от и </a:t>
+              <a:t> един от </a:t>
+            </a:r>
+            <a:r>
+              <a:rPr lang="bg-BG" dirty="0"/>
+              <a:t>аргумент</a:t>
+            </a:r>
+            <a:r>
+              <a:rPr lang="ru-RU" dirty="0" err="1"/>
+              <a:t>ите</a:t>
+            </a:r>
+            <a:r>
+              <a:rPr lang="ru-RU" dirty="0"/>
+              <a:t> </a:t>
             </a:r>
             <a:r>
               <a:rPr lang="ru-RU" dirty="0" err="1"/>
@@ -7561,7 +7482,7 @@
           <a:p>
             <a:r>
               <a:rPr lang="bg-BG" dirty="0"/>
-              <a:t>Валидно ли е следното?</a:t>
+              <a:t>Безопасен ли е този код?</a:t>
             </a:r>
             <a:endParaRPr lang="en-US" dirty="0"/>
           </a:p>
@@ -8163,7 +8084,7 @@
             <a:pPr lvl="1"/>
             <a:r>
               <a:rPr lang="bg-BG" dirty="0"/>
-              <a:t>При някои оператори (като бинарните) е невъзможно да се имплементира член-функция, защото те изискват специфичен първи параметър </a:t>
+              <a:t>При някои бинарни оператори е невъзможно да се имплементира член-функция, защото те изискват специфичен първи параметър </a:t>
             </a:r>
             <a:r>
               <a:rPr lang="bg-BG" dirty="0">
@@ -8262,7 +8183,15 @@
           <a:p>
             <a:r>
               <a:rPr lang="bg-BG" dirty="0"/>
-              <a:t>Както видяхме в задачата от преди малко, когато използваме външни функции, има опасност те да изискват достъп до </a:t>
+              <a:t>Както видяхме в задачата от преди малко, когато използваме външни функции</a:t>
+            </a:r>
+            <a:r>
+              <a:rPr lang="en-GB" dirty="0"/>
+              <a:t> </a:t>
+            </a:r>
+            <a:r>
+              <a:rPr lang="bg-BG" dirty="0"/>
+              <a:t>може да ни се наложи да използваме </a:t>
             </a:r>
             <a:r>
               <a:rPr lang="en-GB" dirty="0"/>
@@ -8270,7 +8199,7 @@
             </a:r>
             <a:r>
               <a:rPr lang="bg-BG" dirty="0"/>
-              <a:t>данни, до които нямат достъп</a:t>
+              <a:t>данни, до които в нормални условия нямаме достъп</a:t>
             </a:r>
           </a:p>
           <a:p>
@@ -8849,6 +8778,14 @@
               <a:t>, </a:t>
             </a:r>
             <a:r>
+              <a:rPr lang="ru-RU" dirty="0" err="1"/>
+              <a:t>който</a:t>
+            </a:r>
+            <a:r>
+              <a:rPr lang="ru-RU" dirty="0"/>
+              <a:t> </a:t>
+            </a:r>
+            <a:r>
               <a:rPr lang="bg-BG" dirty="0"/>
               <a:t>има </a:t>
             </a:r>
@@ -8965,6 +8902,10 @@
             <a:pPr marL="0" indent="0">
               <a:buNone/>
             </a:pPr>
+            <a:r>
+              <a:rPr lang="bg-BG" dirty="0"/>
+              <a:t>	</a:t>
+            </a:r>
             <a:r>
               <a:rPr lang="en-GB" dirty="0"/>
               <a:t>friend class Assassin;</a:t>
@@ -9215,7 +9156,7 @@
         </p:spPr>
         <p:txBody>
           <a:bodyPr>
-            <a:normAutofit/>
+            <a:normAutofit fontScale="92500" lnSpcReduction="20000"/>
           </a:bodyPr>
           <a:lstStyle/>
           <a:p>
@@ -9229,32 +9170,48 @@
               <a:buNone/>
             </a:pPr>
             <a:r>
-              <a:rPr lang="en-GB" sz="2200" dirty="0"/>
-              <a:t>struct Assassin {</a:t>
-            </a:r>
-          </a:p>
-          <a:p>
-            <a:pPr marL="0" indent="0">
-              <a:buNone/>
-            </a:pPr>
-            <a:r>
-              <a:rPr lang="bg-BG" sz="2200" dirty="0"/>
+              <a:rPr lang="en-GB" sz="2000" dirty="0"/>
+              <a:t>struct Assassin</a:t>
+            </a:r>
+            <a:endParaRPr lang="bg-BG" sz="2000" dirty="0"/>
+          </a:p>
+          <a:p>
+            <a:pPr marL="0" indent="0">
+              <a:buNone/>
+            </a:pPr>
+            <a:r>
+              <a:rPr lang="en-GB" sz="2000" dirty="0"/>
+              <a:t> {</a:t>
+            </a:r>
+          </a:p>
+          <a:p>
+            <a:pPr marL="0" indent="0">
+              <a:buNone/>
+            </a:pPr>
+            <a:r>
+              <a:rPr lang="bg-BG" sz="2000" dirty="0"/>
               <a:t>	</a:t>
             </a:r>
             <a:r>
-              <a:rPr lang="en-GB" sz="2200" dirty="0"/>
+              <a:rPr lang="en-GB" sz="2000" dirty="0"/>
               <a:t>void Massacre(House &amp;)</a:t>
             </a:r>
             <a:r>
-              <a:rPr lang="en-GB" sz="2200" dirty="0" err="1"/>
+              <a:rPr lang="en-GB" sz="2000" dirty="0" err="1"/>
               <a:t>const</a:t>
             </a:r>
             <a:r>
-              <a:rPr lang="en-GB" sz="2200" dirty="0"/>
+              <a:rPr lang="en-GB" sz="2000" dirty="0"/>
               <a:t>;</a:t>
             </a:r>
-            <a:r>
-              <a:rPr lang="bg-BG" sz="2200" dirty="0"/>
+            <a:endParaRPr lang="bg-BG" sz="2000" dirty="0"/>
+          </a:p>
+          <a:p>
+            <a:pPr marL="0" indent="0">
+              <a:buNone/>
+            </a:pPr>
+            <a:r>
+              <a:rPr lang="bg-BG" sz="2000" dirty="0"/>
               <a:t>};</a:t>
             </a:r>
           </a:p>
@@ -9263,11 +9220,20 @@
               <a:buNone/>
             </a:pPr>
             <a:r>
-              <a:rPr lang="en-GB" sz="2200" dirty="0"/>
+              <a:rPr lang="en-GB" sz="2000" dirty="0"/>
               <a:t>class House</a:t>
             </a:r>
             <a:r>
-              <a:rPr lang="bg-BG" sz="2200" dirty="0"/>
+              <a:rPr lang="bg-BG" sz="2000" dirty="0"/>
+              <a:t> </a:t>
+            </a:r>
+          </a:p>
+          <a:p>
+            <a:pPr marL="0" indent="0">
+              <a:buNone/>
+            </a:pPr>
+            <a:r>
+              <a:rPr lang="bg-BG" sz="2000" dirty="0"/>
               <a:t>{</a:t>
             </a:r>
           </a:p>
@@ -9276,11 +9242,11 @@
               <a:buNone/>
             </a:pPr>
             <a:r>
-              <a:rPr lang="bg-BG" sz="2200" dirty="0"/>
+              <a:rPr lang="bg-BG" sz="2000" dirty="0"/>
               <a:t>	</a:t>
             </a:r>
             <a:r>
-              <a:rPr lang="en-GB" sz="2200" dirty="0"/>
+              <a:rPr lang="en-GB" sz="2000" dirty="0"/>
               <a:t>int army = 1000;</a:t>
             </a:r>
           </a:p>
@@ -9289,11 +9255,11 @@
               <a:buNone/>
             </a:pPr>
             <a:r>
-              <a:rPr lang="bg-BG" sz="2200" dirty="0"/>
+              <a:rPr lang="bg-BG" sz="2000" dirty="0"/>
               <a:t>	</a:t>
             </a:r>
             <a:r>
-              <a:rPr lang="en-GB" sz="2200" dirty="0"/>
+              <a:rPr lang="en-GB" sz="2000" dirty="0"/>
               <a:t>friend struct Assassin;</a:t>
             </a:r>
           </a:p>
@@ -9302,7 +9268,7 @@
               <a:buNone/>
             </a:pPr>
             <a:r>
-              <a:rPr lang="bg-BG" sz="2200" dirty="0"/>
+              <a:rPr lang="bg-BG" sz="2000" dirty="0"/>
               <a:t>};</a:t>
             </a:r>
           </a:p>
@@ -9311,32 +9277,39 @@
               <a:buNone/>
             </a:pPr>
             <a:r>
-              <a:rPr lang="en-GB" sz="2200" dirty="0"/>
+              <a:rPr lang="en-GB" sz="2000" dirty="0"/>
               <a:t>void Assassin::Massacre(House &amp; house) </a:t>
             </a:r>
             <a:r>
-              <a:rPr lang="en-GB" sz="2200" dirty="0" err="1"/>
+              <a:rPr lang="en-GB" sz="2000" dirty="0" err="1"/>
               <a:t>const</a:t>
             </a:r>
-            <a:r>
-              <a:rPr lang="bg-BG" sz="2200" dirty="0"/>
-              <a:t> {</a:t>
-            </a:r>
-          </a:p>
-          <a:p>
-            <a:pPr marL="0" indent="0">
-              <a:buNone/>
-            </a:pPr>
-            <a:r>
-              <a:rPr lang="bg-BG" sz="2200" dirty="0"/>
+            <a:endParaRPr lang="bg-BG" sz="2000" dirty="0"/>
+          </a:p>
+          <a:p>
+            <a:pPr marL="0" indent="0">
+              <a:buNone/>
+            </a:pPr>
+            <a:r>
+              <a:rPr lang="bg-BG" sz="2000"/>
+              <a:t>{</a:t>
+            </a:r>
+            <a:endParaRPr lang="bg-BG" sz="2000" dirty="0"/>
+          </a:p>
+          <a:p>
+            <a:pPr marL="0" indent="0">
+              <a:buNone/>
+            </a:pPr>
+            <a:r>
+              <a:rPr lang="bg-BG" sz="2000" dirty="0"/>
               <a:t>	</a:t>
             </a:r>
             <a:r>
-              <a:rPr lang="en-GB" sz="2200" dirty="0" err="1"/>
+              <a:rPr lang="en-GB" sz="2000" dirty="0" err="1"/>
               <a:t>house.army</a:t>
             </a:r>
             <a:r>
-              <a:rPr lang="en-GB" sz="2200" dirty="0"/>
+              <a:rPr lang="en-GB" sz="2000" dirty="0"/>
               <a:t> = 0;</a:t>
             </a:r>
           </a:p>
@@ -9345,7 +9318,7 @@
               <a:buNone/>
             </a:pPr>
             <a:r>
-              <a:rPr lang="bg-BG" sz="2200" dirty="0"/>
+              <a:rPr lang="bg-BG" sz="2000" dirty="0"/>
               <a:t>}</a:t>
             </a:r>
           </a:p>
@@ -9354,7 +9327,7 @@
               <a:buNone/>
             </a:pPr>
             <a:r>
-              <a:rPr lang="en-GB" sz="2200" dirty="0"/>
+              <a:rPr lang="en-GB" sz="2000" dirty="0"/>
               <a:t>int main() {</a:t>
             </a:r>
           </a:p>
@@ -9363,11 +9336,11 @@
               <a:buNone/>
             </a:pPr>
             <a:r>
-              <a:rPr lang="bg-BG" sz="2200" dirty="0"/>
+              <a:rPr lang="bg-BG" sz="2000" dirty="0"/>
               <a:t>	</a:t>
             </a:r>
             <a:r>
-              <a:rPr lang="en-GB" sz="2200" dirty="0"/>
+              <a:rPr lang="en-GB" sz="2000" dirty="0"/>
               <a:t>Assassin Arya;</a:t>
             </a:r>
           </a:p>
@@ -9376,11 +9349,11 @@
               <a:buNone/>
             </a:pPr>
             <a:r>
-              <a:rPr lang="bg-BG" sz="2200" dirty="0"/>
+              <a:rPr lang="bg-BG" sz="2000" dirty="0"/>
               <a:t>	</a:t>
             </a:r>
             <a:r>
-              <a:rPr lang="en-GB" sz="2200" dirty="0"/>
+              <a:rPr lang="en-GB" sz="2000" dirty="0"/>
               <a:t>House Frey;</a:t>
             </a:r>
           </a:p>
@@ -9389,29 +9362,29 @@
               <a:buNone/>
             </a:pPr>
             <a:r>
-              <a:rPr lang="bg-BG" sz="2200" dirty="0"/>
+              <a:rPr lang="bg-BG" sz="2000" dirty="0"/>
               <a:t>	</a:t>
             </a:r>
             <a:r>
-              <a:rPr lang="en-GB" sz="2200" dirty="0" err="1"/>
+              <a:rPr lang="en-GB" sz="2000" dirty="0" err="1"/>
               <a:t>Arya.Massacre</a:t>
             </a:r>
             <a:r>
-              <a:rPr lang="en-GB" sz="2200" dirty="0"/>
+              <a:rPr lang="en-GB" sz="2000" dirty="0"/>
               <a:t>(Frey);</a:t>
             </a:r>
-            <a:endParaRPr lang="bg-BG" sz="2200" dirty="0"/>
-          </a:p>
-          <a:p>
-            <a:pPr marL="0" indent="0">
-              <a:buNone/>
-            </a:pPr>
-            <a:r>
-              <a:rPr lang="bg-BG" sz="2200" dirty="0"/>
+            <a:endParaRPr lang="bg-BG" sz="2000" dirty="0"/>
+          </a:p>
+          <a:p>
+            <a:pPr marL="0" indent="0">
+              <a:buNone/>
+            </a:pPr>
+            <a:r>
+              <a:rPr lang="bg-BG" sz="2000" dirty="0"/>
               <a:t>	</a:t>
             </a:r>
             <a:r>
-              <a:rPr lang="en-GB" sz="2200" dirty="0"/>
+              <a:rPr lang="en-GB" sz="2000" dirty="0"/>
               <a:t>return 0;</a:t>
             </a:r>
           </a:p>
@@ -9420,7 +9393,7 @@
               <a:buNone/>
             </a:pPr>
             <a:r>
-              <a:rPr lang="bg-BG" sz="2200" dirty="0"/>
+              <a:rPr lang="bg-BG" sz="2000" dirty="0"/>
               <a:t>}</a:t>
             </a:r>
           </a:p>
@@ -11419,7 +11392,7 @@
           <a:p>
             <a:r>
               <a:rPr lang="bg-BG" dirty="0"/>
-              <a:t>Оператори за поток</a:t>
+              <a:t>Оператори за работа с поток</a:t>
             </a:r>
           </a:p>
         </p:txBody>
@@ -11465,7 +11438,7 @@
             </a:r>
             <a:r>
               <a:rPr lang="bg-BG" dirty="0"/>
-              <a:t>са оператори за поток</a:t>
+              <a:t>са оператори за работа с поток</a:t>
             </a:r>
           </a:p>
           <a:p>
@@ -11627,7 +11600,7 @@
           <a:p>
             <a:r>
               <a:rPr lang="bg-BG" dirty="0"/>
-              <a:t>Оператори за поток</a:t>
+              <a:t>Оператори за работа с поток</a:t>
             </a:r>
           </a:p>
         </p:txBody>
@@ -11655,7 +11628,7 @@
           <a:p>
             <a:r>
               <a:rPr lang="bg-BG" dirty="0"/>
-              <a:t>Както казахме, операторите за поток приемат за аргументи </a:t>
+              <a:t>Както казахме, операторите за работа с поток приемат за аргументи </a:t>
             </a:r>
             <a:r>
               <a:rPr lang="en-GB" dirty="0"/>
@@ -11781,7 +11754,7 @@
           <p:cNvPr id="2" name="Заглавие 1">
             <a:extLst>
               <a:ext uri="{FF2B5EF4-FFF2-40B4-BE49-F238E27FC236}">
-                <a16:creationId xmlns:a16="http://schemas.microsoft.com/office/drawing/2014/main" id="{BCCD6A69-6631-4D1C-A37C-E3DD4BD31D97}"/>
+                <a16:creationId xmlns:a16="http://schemas.microsoft.com/office/drawing/2014/main" id="{54D15FCD-4572-45A4-9127-D54CFB890BA1}"/>
               </a:ext>
             </a:extLst>
           </p:cNvPr>
@@ -11799,7 +11772,7 @@
           <a:p>
             <a:r>
               <a:rPr lang="bg-BG" dirty="0"/>
-              <a:t>Оператори за поток</a:t>
+              <a:t>Пример</a:t>
             </a:r>
           </a:p>
         </p:txBody>
@@ -11809,7 +11782,7 @@
           <p:cNvPr id="3" name="Контейнер за съдържание 2">
             <a:extLst>
               <a:ext uri="{FF2B5EF4-FFF2-40B4-BE49-F238E27FC236}">
-                <a16:creationId xmlns:a16="http://schemas.microsoft.com/office/drawing/2014/main" id="{B97A6D26-D400-4FFE-A951-7E8D1289FAE4}"/>
+                <a16:creationId xmlns:a16="http://schemas.microsoft.com/office/drawing/2014/main" id="{F594825D-33E8-42FA-8A6F-A7C48F0836FE}"/>
               </a:ext>
             </a:extLst>
           </p:cNvPr>
@@ -11820,21 +11793,93 @@
             <p:ph idx="1"/>
           </p:nvPr>
         </p:nvSpPr>
-        <p:spPr/>
-        <p:txBody>
-          <a:bodyPr/>
-          <a:lstStyle/>
-          <a:p>
-            <a:r>
-              <a:rPr lang="bg-BG" dirty="0"/>
-              <a:t>Примери: </a:t>
-            </a:r>
-            <a:endParaRPr lang="en-GB" dirty="0"/>
-          </a:p>
-          <a:p>
-            <a:r>
-              <a:rPr lang="en-GB" dirty="0"/>
-              <a:t>friend </a:t>
+        <p:spPr>
+          <a:xfrm>
+            <a:off x="838199" y="1825625"/>
+            <a:ext cx="10908323" cy="4351338"/>
+          </a:xfrm>
+        </p:spPr>
+        <p:txBody>
+          <a:bodyPr>
+            <a:normAutofit/>
+          </a:bodyPr>
+          <a:lstStyle/>
+          <a:p>
+            <a:pPr marL="0" indent="0">
+              <a:buNone/>
+            </a:pPr>
+            <a:r>
+              <a:rPr lang="en-GB" dirty="0"/>
+              <a:t>class dragon</a:t>
+            </a:r>
+          </a:p>
+          <a:p>
+            <a:pPr marL="0" indent="0">
+              <a:buNone/>
+            </a:pPr>
+            <a:r>
+              <a:rPr lang="bg-BG" dirty="0"/>
+              <a:t>{</a:t>
+            </a:r>
+          </a:p>
+          <a:p>
+            <a:pPr marL="0" indent="0">
+              <a:buNone/>
+            </a:pPr>
+            <a:r>
+              <a:rPr lang="bg-BG" dirty="0"/>
+              <a:t>	</a:t>
+            </a:r>
+            <a:r>
+              <a:rPr lang="en-GB" dirty="0"/>
+              <a:t>bool </a:t>
+            </a:r>
+            <a:r>
+              <a:rPr lang="en-GB" dirty="0" err="1"/>
+              <a:t>isAlive</a:t>
+            </a:r>
+            <a:r>
+              <a:rPr lang="en-GB" dirty="0"/>
+              <a:t>;</a:t>
+            </a:r>
+          </a:p>
+          <a:p>
+            <a:pPr marL="0" indent="0">
+              <a:buNone/>
+            </a:pPr>
+            <a:r>
+              <a:rPr lang="bg-BG" dirty="0"/>
+              <a:t>	</a:t>
+            </a:r>
+            <a:r>
+              <a:rPr lang="en-GB" dirty="0"/>
+              <a:t>int age;</a:t>
+            </a:r>
+          </a:p>
+          <a:p>
+            <a:pPr marL="0" indent="0">
+              <a:buNone/>
+            </a:pPr>
+            <a:r>
+              <a:rPr lang="ru-RU" dirty="0" err="1"/>
+              <a:t>public</a:t>
+            </a:r>
+            <a:r>
+              <a:rPr lang="ru-RU" dirty="0"/>
+              <a:t>:</a:t>
+            </a:r>
+          </a:p>
+          <a:p>
+            <a:pPr marL="0" indent="0">
+              <a:buNone/>
+            </a:pPr>
+            <a:r>
+              <a:rPr lang="bg-BG" dirty="0"/>
+              <a:t>	</a:t>
+            </a:r>
+            <a:r>
+              <a:rPr lang="en-GB" dirty="0"/>
+              <a:t>friend std::</a:t>
             </a:r>
             <a:r>
               <a:rPr lang="en-GB" dirty="0" err="1"/>
@@ -11842,7 +11887,7 @@
             </a:r>
             <a:r>
               <a:rPr lang="en-GB" dirty="0"/>
-              <a:t>&amp; operator&lt;&lt;(</a:t>
+              <a:t>&amp; operator &lt;&lt; (std::</a:t>
             </a:r>
             <a:r>
               <a:rPr lang="en-GB" dirty="0" err="1"/>
@@ -11850,7 +11895,7 @@
             </a:r>
             <a:r>
               <a:rPr lang="en-GB" dirty="0"/>
-              <a:t>&amp; o, Rational </a:t>
+              <a:t>&amp;, </a:t>
             </a:r>
             <a:r>
               <a:rPr lang="en-GB" dirty="0" err="1"/>
@@ -11858,51 +11903,20 @@
             </a:r>
             <a:r>
               <a:rPr lang="en-GB" dirty="0"/>
-              <a:t>&amp; r)</a:t>
-            </a:r>
-            <a:endParaRPr lang="bg-BG" dirty="0"/>
-          </a:p>
-          <a:p>
-            <a:r>
-              <a:rPr lang="en-GB" dirty="0"/>
-              <a:t>{ </a:t>
-            </a:r>
-            <a:endParaRPr lang="bg-BG" dirty="0"/>
-          </a:p>
-          <a:p>
-            <a:r>
-              <a:rPr lang="en-GB" dirty="0"/>
-              <a:t>return o &lt;&lt; </a:t>
-            </a:r>
-            <a:r>
-              <a:rPr lang="en-GB" dirty="0" err="1"/>
-              <a:t>r.numer</a:t>
-            </a:r>
-            <a:r>
-              <a:rPr lang="en-GB" dirty="0"/>
-              <a:t> &lt;&lt; ’/’ &lt;&lt; </a:t>
-            </a:r>
-            <a:r>
-              <a:rPr lang="en-GB" dirty="0" err="1"/>
-              <a:t>r.denom</a:t>
-            </a:r>
-            <a:r>
-              <a:rPr lang="en-GB" dirty="0"/>
-              <a:t> &lt;&lt; </a:t>
-            </a:r>
-            <a:r>
-              <a:rPr lang="en-GB" dirty="0" err="1"/>
-              <a:t>endl</a:t>
-            </a:r>
-            <a:r>
-              <a:rPr lang="en-GB" dirty="0"/>
-              <a:t>; }</a:t>
-            </a:r>
-          </a:p>
-          <a:p>
-            <a:r>
-              <a:rPr lang="en-GB" dirty="0"/>
-              <a:t>friend </a:t>
+              <a:t> dragon&amp;);</a:t>
+            </a:r>
+          </a:p>
+          <a:p>
+            <a:pPr marL="0" indent="0">
+              <a:buNone/>
+            </a:pPr>
+            <a:r>
+              <a:rPr lang="bg-BG" dirty="0"/>
+              <a:t>	</a:t>
+            </a:r>
+            <a:r>
+              <a:rPr lang="en-GB" dirty="0"/>
+              <a:t>friend std::</a:t>
             </a:r>
             <a:r>
               <a:rPr lang="en-GB" dirty="0" err="1"/>
@@ -11910,7 +11924,7 @@
             </a:r>
             <a:r>
               <a:rPr lang="en-GB" dirty="0"/>
-              <a:t>&amp; operator&gt;&gt;(</a:t>
+              <a:t>&amp; operator &gt;&gt; (std::</a:t>
             </a:r>
             <a:r>
               <a:rPr lang="en-GB" dirty="0" err="1"/>
@@ -11918,50 +11932,24 @@
             </a:r>
             <a:r>
               <a:rPr lang="en-GB" dirty="0"/>
-              <a:t>&amp; </a:t>
-            </a:r>
-            <a:r>
-              <a:rPr lang="en-GB" dirty="0" err="1"/>
-              <a:t>i</a:t>
-            </a:r>
-            <a:r>
-              <a:rPr lang="en-GB" dirty="0"/>
-              <a:t>, Rational&amp; r) { char c; return </a:t>
-            </a:r>
-            <a:r>
-              <a:rPr lang="en-GB" dirty="0" err="1"/>
-              <a:t>i</a:t>
-            </a:r>
-            <a:r>
-              <a:rPr lang="en-GB" dirty="0"/>
-              <a:t> &gt;&gt; </a:t>
-            </a:r>
-            <a:r>
-              <a:rPr lang="en-GB" dirty="0" err="1"/>
-              <a:t>r.numer</a:t>
-            </a:r>
-            <a:r>
-              <a:rPr lang="en-GB" dirty="0"/>
-              <a:t> &gt;&gt; c &gt;&gt; </a:t>
-            </a:r>
-            <a:r>
-              <a:rPr lang="en-GB" dirty="0" err="1"/>
-              <a:t>r.denom</a:t>
-            </a:r>
-            <a:r>
-              <a:rPr lang="en-GB" dirty="0"/>
-              <a:t>; }</a:t>
-            </a:r>
-          </a:p>
-          <a:p>
-            <a:endParaRPr lang="bg-BG" dirty="0"/>
+              <a:t>&amp; is, dragon&amp;);</a:t>
+            </a:r>
+          </a:p>
+          <a:p>
+            <a:pPr marL="0" indent="0">
+              <a:buNone/>
+            </a:pPr>
+            <a:r>
+              <a:rPr lang="bg-BG" dirty="0"/>
+              <a:t>};</a:t>
+            </a:r>
           </a:p>
         </p:txBody>
       </p:sp>
     </p:spTree>
     <p:extLst>
       <p:ext uri="{BB962C8B-B14F-4D97-AF65-F5344CB8AC3E}">
-        <p14:creationId xmlns:p14="http://schemas.microsoft.com/office/powerpoint/2010/main" val="1893796063"/>
+        <p14:creationId xmlns:p14="http://schemas.microsoft.com/office/powerpoint/2010/main" val="3682437172"/>
       </p:ext>
     </p:extLst>
   </p:cSld>
@@ -11993,7 +11981,7 @@
           <p:cNvPr id="2" name="Заглавие 1">
             <a:extLst>
               <a:ext uri="{FF2B5EF4-FFF2-40B4-BE49-F238E27FC236}">
-                <a16:creationId xmlns:a16="http://schemas.microsoft.com/office/drawing/2014/main" id="{54D15FCD-4572-45A4-9127-D54CFB890BA1}"/>
+                <a16:creationId xmlns:a16="http://schemas.microsoft.com/office/drawing/2014/main" id="{6E34858E-2624-4837-BEE3-611B8A1A5D5B}"/>
               </a:ext>
             </a:extLst>
           </p:cNvPr>
@@ -12021,7 +12009,7 @@
           <p:cNvPr id="3" name="Контейнер за съдържание 2">
             <a:extLst>
               <a:ext uri="{FF2B5EF4-FFF2-40B4-BE49-F238E27FC236}">
-                <a16:creationId xmlns:a16="http://schemas.microsoft.com/office/drawing/2014/main" id="{F594825D-33E8-42FA-8A6F-A7C48F0836FE}"/>
+                <a16:creationId xmlns:a16="http://schemas.microsoft.com/office/drawing/2014/main" id="{EBCC7359-7091-4E1E-B674-0F160CCCA6E0}"/>
               </a:ext>
             </a:extLst>
           </p:cNvPr>
@@ -12034,13 +12022,13 @@
         </p:nvSpPr>
         <p:spPr>
           <a:xfrm>
-            <a:off x="838199" y="1825625"/>
-            <a:ext cx="10908323" cy="4351338"/>
+            <a:off x="508195" y="1729716"/>
+            <a:ext cx="11175609" cy="5032375"/>
           </a:xfrm>
         </p:spPr>
         <p:txBody>
           <a:bodyPr>
-            <a:normAutofit/>
+            <a:normAutofit fontScale="85000" lnSpcReduction="20000"/>
           </a:bodyPr>
           <a:lstStyle/>
           <a:p>
@@ -12049,76 +12037,7 @@
             </a:pPr>
             <a:r>
               <a:rPr lang="en-GB" dirty="0"/>
-              <a:t>class dragon</a:t>
-            </a:r>
-          </a:p>
-          <a:p>
-            <a:pPr marL="0" indent="0">
-              <a:buNone/>
-            </a:pPr>
-            <a:r>
-              <a:rPr lang="bg-BG" dirty="0"/>
-              <a:t>{</a:t>
-            </a:r>
-          </a:p>
-          <a:p>
-            <a:pPr marL="0" indent="0">
-              <a:buNone/>
-            </a:pPr>
-            <a:r>
-              <a:rPr lang="bg-BG" dirty="0"/>
-              <a:t>	</a:t>
-            </a:r>
-            <a:r>
-              <a:rPr lang="en-GB" dirty="0"/>
-              <a:t>bool </a:t>
-            </a:r>
-            <a:r>
-              <a:rPr lang="en-GB" dirty="0" err="1"/>
-              <a:t>isAlive</a:t>
-            </a:r>
-            <a:r>
-              <a:rPr lang="en-GB" dirty="0"/>
-              <a:t>;</a:t>
-            </a:r>
-          </a:p>
-          <a:p>
-            <a:pPr marL="0" indent="0">
-              <a:buNone/>
-            </a:pPr>
-            <a:r>
-              <a:rPr lang="bg-BG" dirty="0"/>
-              <a:t>	</a:t>
-            </a:r>
-            <a:r>
-              <a:rPr lang="en-GB" dirty="0"/>
-              <a:t>int age;</a:t>
-            </a:r>
-          </a:p>
-          <a:p>
-            <a:pPr marL="0" indent="0">
-              <a:buNone/>
-            </a:pPr>
-            <a:r>
-              <a:rPr lang="ru-RU" dirty="0" err="1"/>
-              <a:t>public</a:t>
-            </a:r>
-            <a:r>
-              <a:rPr lang="ru-RU" dirty="0"/>
-              <a:t>:</a:t>
-            </a:r>
-          </a:p>
-          <a:p>
-            <a:pPr marL="0" indent="0">
-              <a:buNone/>
-            </a:pPr>
-            <a:r>
-              <a:rPr lang="bg-BG" dirty="0"/>
-              <a:t>	</a:t>
-            </a:r>
-            <a:r>
-              <a:rPr lang="en-GB" dirty="0"/>
-              <a:t>friend std::</a:t>
+              <a:t>std::</a:t>
             </a:r>
             <a:r>
               <a:rPr lang="en-GB" dirty="0" err="1"/>
@@ -12126,7 +12045,7 @@
             </a:r>
             <a:r>
               <a:rPr lang="en-GB" dirty="0"/>
-              <a:t>&amp; operator &lt;&lt; (std::</a:t>
+              <a:t> &amp; operator&lt;&lt;(std::</a:t>
             </a:r>
             <a:r>
               <a:rPr lang="en-GB" dirty="0" err="1"/>
@@ -12134,7 +12053,15 @@
             </a:r>
             <a:r>
               <a:rPr lang="en-GB" dirty="0"/>
-              <a:t>&amp;, </a:t>
+              <a:t> &amp; </a:t>
+            </a:r>
+            <a:r>
+              <a:rPr lang="en-GB" dirty="0" err="1"/>
+              <a:t>os</a:t>
+            </a:r>
+            <a:r>
+              <a:rPr lang="en-GB" dirty="0"/>
+              <a:t>, </a:t>
             </a:r>
             <a:r>
               <a:rPr lang="en-GB" dirty="0" err="1"/>
@@ -12142,7 +12069,17 @@
             </a:r>
             <a:r>
               <a:rPr lang="en-GB" dirty="0"/>
-              <a:t> dragon&amp;);</a:t>
+              <a:t> dragon &amp; drake)</a:t>
+            </a:r>
+            <a:endParaRPr lang="bg-BG" dirty="0"/>
+          </a:p>
+          <a:p>
+            <a:pPr marL="0" indent="0">
+              <a:buNone/>
+            </a:pPr>
+            <a:r>
+              <a:rPr lang="bg-BG" dirty="0"/>
+              <a:t>{</a:t>
             </a:r>
           </a:p>
           <a:p>
@@ -12155,32 +12092,203 @@
             </a:r>
             <a:r>
               <a:rPr lang="en-GB" dirty="0"/>
-              <a:t>friend std::</a:t>
+              <a:t>if (</a:t>
             </a:r>
             <a:r>
               <a:rPr lang="en-GB" dirty="0" err="1"/>
-              <a:t>istream</a:t>
-            </a:r>
-            <a:r>
-              <a:rPr lang="en-GB" dirty="0"/>
-              <a:t>&amp; operator &gt;&gt; (std::</a:t>
+              <a:t>drake.isAlive</a:t>
+            </a:r>
+            <a:r>
+              <a:rPr lang="en-GB" dirty="0"/>
+              <a:t>)</a:t>
+            </a:r>
+            <a:endParaRPr lang="bg-BG" dirty="0"/>
+          </a:p>
+          <a:p>
+            <a:pPr marL="0" indent="0">
+              <a:buNone/>
+            </a:pPr>
+            <a:r>
+              <a:rPr lang="bg-BG" dirty="0"/>
+              <a:t>	{</a:t>
+            </a:r>
+          </a:p>
+          <a:p>
+            <a:pPr marL="0" indent="0">
+              <a:buNone/>
+            </a:pPr>
+            <a:r>
+              <a:rPr lang="bg-BG" dirty="0"/>
+              <a:t>	</a:t>
             </a:r>
             <a:r>
               <a:rPr lang="en-GB" dirty="0" err="1"/>
-              <a:t>istream</a:t>
-            </a:r>
-            <a:r>
-              <a:rPr lang="en-GB" dirty="0"/>
-              <a:t>&amp; is, dragon&amp;);</a:t>
-            </a:r>
-          </a:p>
-          <a:p>
-            <a:pPr marL="0" indent="0">
-              <a:buNone/>
-            </a:pPr>
-            <a:r>
-              <a:rPr lang="bg-BG" dirty="0"/>
-              <a:t>};</a:t>
+              <a:t>os</a:t>
+            </a:r>
+            <a:r>
+              <a:rPr lang="en-GB" dirty="0"/>
+              <a:t> &lt;&lt; "The dragon is alive ";</a:t>
+            </a:r>
+          </a:p>
+          <a:p>
+            <a:pPr marL="0" indent="0">
+              <a:buNone/>
+            </a:pPr>
+            <a:r>
+              <a:rPr lang="bg-BG" dirty="0"/>
+              <a:t>	}</a:t>
+            </a:r>
+          </a:p>
+          <a:p>
+            <a:pPr marL="0" indent="0">
+              <a:buNone/>
+            </a:pPr>
+            <a:r>
+              <a:rPr lang="bg-BG" dirty="0"/>
+              <a:t>	</a:t>
+            </a:r>
+            <a:r>
+              <a:rPr lang="en-GB" dirty="0"/>
+              <a:t>else</a:t>
+            </a:r>
+            <a:endParaRPr lang="bg-BG" dirty="0"/>
+          </a:p>
+          <a:p>
+            <a:pPr marL="0" indent="0">
+              <a:buNone/>
+            </a:pPr>
+            <a:r>
+              <a:rPr lang="bg-BG" dirty="0"/>
+              <a:t>	{</a:t>
+            </a:r>
+          </a:p>
+          <a:p>
+            <a:pPr marL="0" indent="0">
+              <a:buNone/>
+            </a:pPr>
+            <a:r>
+              <a:rPr lang="bg-BG" dirty="0"/>
+              <a:t>	</a:t>
+            </a:r>
+            <a:r>
+              <a:rPr lang="en-GB" dirty="0" err="1"/>
+              <a:t>os</a:t>
+            </a:r>
+            <a:r>
+              <a:rPr lang="en-GB" dirty="0"/>
+              <a:t> &lt;&lt; </a:t>
+            </a:r>
+            <a:r>
+              <a:rPr lang="en-GB" dirty="0">
+                <a:solidFill>
+                  <a:schemeClr val="accent2"/>
+                </a:solidFill>
+              </a:rPr>
+              <a:t>"The dragon is a zombie "</a:t>
+            </a:r>
+            <a:r>
+              <a:rPr lang="bg-BG" dirty="0"/>
+              <a:t> </a:t>
+            </a:r>
+            <a:r>
+              <a:rPr lang="en-GB" dirty="0"/>
+              <a:t>;</a:t>
+            </a:r>
+          </a:p>
+          <a:p>
+            <a:pPr marL="0" indent="0">
+              <a:buNone/>
+            </a:pPr>
+            <a:r>
+              <a:rPr lang="bg-BG" dirty="0"/>
+              <a:t>	}</a:t>
+            </a:r>
+          </a:p>
+          <a:p>
+            <a:pPr marL="0" indent="0">
+              <a:buNone/>
+            </a:pPr>
+            <a:r>
+              <a:rPr lang="bg-BG" dirty="0"/>
+              <a:t>	</a:t>
+            </a:r>
+            <a:r>
+              <a:rPr lang="en-GB" dirty="0" err="1"/>
+              <a:t>os</a:t>
+            </a:r>
+            <a:r>
+              <a:rPr lang="en-GB" dirty="0"/>
+              <a:t> &lt;&lt; </a:t>
+            </a:r>
+            <a:r>
+              <a:rPr lang="en-GB" dirty="0">
+                <a:solidFill>
+                  <a:schemeClr val="accent2"/>
+                </a:solidFill>
+              </a:rPr>
+              <a:t>"and is " </a:t>
+            </a:r>
+            <a:r>
+              <a:rPr lang="en-GB" dirty="0"/>
+              <a:t>&lt;&lt; </a:t>
+            </a:r>
+            <a:r>
+              <a:rPr lang="en-GB" dirty="0" err="1"/>
+              <a:t>drake.age</a:t>
+            </a:r>
+            <a:r>
+              <a:rPr lang="en-GB" dirty="0"/>
+              <a:t> &lt;&lt; </a:t>
+            </a:r>
+            <a:r>
+              <a:rPr lang="en-GB" dirty="0">
+                <a:solidFill>
+                  <a:schemeClr val="accent2"/>
+                </a:solidFill>
+              </a:rPr>
+              <a:t>" years old.\n"</a:t>
+            </a:r>
+            <a:r>
+              <a:rPr lang="bg-BG" dirty="0">
+                <a:solidFill>
+                  <a:schemeClr val="accent2"/>
+                </a:solidFill>
+              </a:rPr>
+              <a:t> </a:t>
+            </a:r>
+            <a:r>
+              <a:rPr lang="en-GB" dirty="0"/>
+              <a:t>;</a:t>
+            </a:r>
+          </a:p>
+          <a:p>
+            <a:pPr marL="0" indent="0">
+              <a:buNone/>
+            </a:pPr>
+            <a:r>
+              <a:rPr lang="bg-BG" dirty="0"/>
+              <a:t>	</a:t>
+            </a:r>
+            <a:r>
+              <a:rPr lang="en-GB" dirty="0"/>
+              <a:t>return </a:t>
+            </a:r>
+            <a:r>
+              <a:rPr lang="en-GB" dirty="0" err="1"/>
+              <a:t>os</a:t>
+            </a:r>
+            <a:r>
+              <a:rPr lang="en-GB" dirty="0"/>
+              <a:t>;</a:t>
+            </a:r>
+          </a:p>
+          <a:p>
+            <a:pPr marL="0" indent="0">
+              <a:buNone/>
+            </a:pPr>
+            <a:r>
+              <a:rPr lang="bg-BG" dirty="0"/>
+              <a:t>}</a:t>
             </a:r>
           </a:p>
         </p:txBody>
@@ -12188,7 +12296,7 @@
     </p:spTree>
     <p:extLst>
       <p:ext uri="{BB962C8B-B14F-4D97-AF65-F5344CB8AC3E}">
-        <p14:creationId xmlns:p14="http://schemas.microsoft.com/office/powerpoint/2010/main" val="3682437172"/>
+        <p14:creationId xmlns:p14="http://schemas.microsoft.com/office/powerpoint/2010/main" val="1390725254"/>
       </p:ext>
     </p:extLst>
   </p:cSld>
@@ -12220,7 +12328,7 @@
           <p:cNvPr id="2" name="Заглавие 1">
             <a:extLst>
               <a:ext uri="{FF2B5EF4-FFF2-40B4-BE49-F238E27FC236}">
-                <a16:creationId xmlns:a16="http://schemas.microsoft.com/office/drawing/2014/main" id="{6E34858E-2624-4837-BEE3-611B8A1A5D5B}"/>
+                <a16:creationId xmlns:a16="http://schemas.microsoft.com/office/drawing/2014/main" id="{2C5B44CC-F632-430F-BF6B-DBDF3ECA5C29}"/>
               </a:ext>
             </a:extLst>
           </p:cNvPr>
@@ -12248,7 +12356,7 @@
           <p:cNvPr id="3" name="Контейнер за съдържание 2">
             <a:extLst>
               <a:ext uri="{FF2B5EF4-FFF2-40B4-BE49-F238E27FC236}">
-                <a16:creationId xmlns:a16="http://schemas.microsoft.com/office/drawing/2014/main" id="{EBCC7359-7091-4E1E-B674-0F160CCCA6E0}"/>
+                <a16:creationId xmlns:a16="http://schemas.microsoft.com/office/drawing/2014/main" id="{4FF90482-5C39-427B-A931-26605D76A807}"/>
               </a:ext>
             </a:extLst>
           </p:cNvPr>
@@ -12275,36 +12383,26 @@
             </a:r>
             <a:r>
               <a:rPr lang="en-GB" dirty="0" err="1"/>
-              <a:t>ostream</a:t>
-            </a:r>
-            <a:r>
-              <a:rPr lang="en-GB" dirty="0"/>
-              <a:t> &amp; operator&lt;&lt;(std::</a:t>
+              <a:t>istream</a:t>
+            </a:r>
+            <a:r>
+              <a:rPr lang="en-GB" dirty="0"/>
+              <a:t>&amp; operator &gt;&gt; (std::</a:t>
             </a:r>
             <a:r>
               <a:rPr lang="en-GB" dirty="0" err="1"/>
-              <a:t>ostream</a:t>
-            </a:r>
-            <a:r>
-              <a:rPr lang="en-GB" dirty="0"/>
-              <a:t> &amp; </a:t>
-            </a:r>
-            <a:r>
-              <a:rPr lang="en-GB" dirty="0" err="1"/>
-              <a:t>os</a:t>
-            </a:r>
-            <a:r>
-              <a:rPr lang="en-GB" dirty="0"/>
-              <a:t>, </a:t>
-            </a:r>
-            <a:r>
-              <a:rPr lang="en-GB" dirty="0" err="1"/>
-              <a:t>const</a:t>
-            </a:r>
-            <a:r>
-              <a:rPr lang="en-GB" dirty="0"/>
-              <a:t> dragon &amp; drake)</a:t>
-            </a:r>
+              <a:t>istream</a:t>
+            </a:r>
+            <a:r>
+              <a:rPr lang="en-GB" dirty="0"/>
+              <a:t>&amp; is, dragon&amp; drake)</a:t>
+            </a:r>
+            <a:endParaRPr lang="bg-BG" dirty="0"/>
+          </a:p>
+          <a:p>
+            <a:pPr marL="0" indent="0">
+              <a:buNone/>
+            </a:pPr>
             <a:r>
               <a:rPr lang="bg-BG" dirty="0"/>
               <a:t>{</a:t>
@@ -12320,7 +12418,7 @@
             </a:r>
             <a:r>
               <a:rPr lang="en-GB" dirty="0"/>
-              <a:t>if (</a:t>
+              <a:t>return is &gt;&gt; </a:t>
             </a:r>
             <a:r>
               <a:rPr lang="en-GB" dirty="0" err="1"/>
@@ -12328,125 +12426,7 @@
             </a:r>
             <a:r>
               <a:rPr lang="en-GB" dirty="0"/>
-              <a:t>)</a:t>
-            </a:r>
-            <a:r>
-              <a:rPr lang="bg-BG" dirty="0"/>
-              <a:t>{</a:t>
-            </a:r>
-          </a:p>
-          <a:p>
-            <a:pPr marL="0" indent="0">
-              <a:buNone/>
-            </a:pPr>
-            <a:r>
-              <a:rPr lang="bg-BG" dirty="0"/>
-              <a:t>	</a:t>
-            </a:r>
-            <a:r>
-              <a:rPr lang="en-GB" dirty="0" err="1"/>
-              <a:t>os</a:t>
-            </a:r>
-            <a:r>
-              <a:rPr lang="en-GB" dirty="0"/>
-              <a:t> &lt;&lt; "The dragon is alive ";</a:t>
-            </a:r>
-          </a:p>
-          <a:p>
-            <a:pPr marL="0" indent="0">
-              <a:buNone/>
-            </a:pPr>
-            <a:r>
-              <a:rPr lang="bg-BG" dirty="0"/>
-              <a:t>	}</a:t>
-            </a:r>
-          </a:p>
-          <a:p>
-            <a:pPr marL="0" indent="0">
-              <a:buNone/>
-            </a:pPr>
-            <a:r>
-              <a:rPr lang="bg-BG" dirty="0"/>
-              <a:t>	</a:t>
-            </a:r>
-            <a:r>
-              <a:rPr lang="en-GB" dirty="0"/>
-              <a:t>else</a:t>
-            </a:r>
-            <a:r>
-              <a:rPr lang="bg-BG" dirty="0"/>
-              <a:t>{</a:t>
-            </a:r>
-          </a:p>
-          <a:p>
-            <a:pPr marL="0" indent="0">
-              <a:buNone/>
-            </a:pPr>
-            <a:r>
-              <a:rPr lang="bg-BG" dirty="0"/>
-              <a:t>	</a:t>
-            </a:r>
-            <a:r>
-              <a:rPr lang="en-GB" dirty="0" err="1"/>
-              <a:t>os</a:t>
-            </a:r>
-            <a:r>
-              <a:rPr lang="en-GB" dirty="0"/>
-              <a:t> &lt;&lt; </a:t>
-            </a:r>
-            <a:r>
-              <a:rPr lang="en-GB" dirty="0">
-                <a:solidFill>
-                  <a:schemeClr val="accent2"/>
-                </a:solidFill>
-              </a:rPr>
-              <a:t>"The dragon is a zombie "</a:t>
-            </a:r>
-            <a:r>
-              <a:rPr lang="bg-BG" dirty="0"/>
-              <a:t> </a:t>
-            </a:r>
-            <a:r>
-              <a:rPr lang="en-GB" dirty="0"/>
-              <a:t>;</a:t>
-            </a:r>
-          </a:p>
-          <a:p>
-            <a:pPr marL="0" indent="0">
-              <a:buNone/>
-            </a:pPr>
-            <a:r>
-              <a:rPr lang="bg-BG" dirty="0"/>
-              <a:t>	}</a:t>
-            </a:r>
-          </a:p>
-          <a:p>
-            <a:pPr marL="0" indent="0">
-              <a:buNone/>
-            </a:pPr>
-            <a:r>
-              <a:rPr lang="bg-BG" dirty="0"/>
-              <a:t>	</a:t>
-            </a:r>
-            <a:r>
-              <a:rPr lang="en-GB" dirty="0" err="1"/>
-              <a:t>os</a:t>
-            </a:r>
-            <a:r>
-              <a:rPr lang="en-GB" dirty="0"/>
-              <a:t> &lt;&lt; </a:t>
-            </a:r>
-            <a:r>
-              <a:rPr lang="en-GB" dirty="0">
-                <a:solidFill>
-                  <a:schemeClr val="accent2"/>
-                </a:solidFill>
-              </a:rPr>
-              <a:t>"and is " </a:t>
-            </a:r>
-            <a:r>
-              <a:rPr lang="en-GB" dirty="0"/>
-              <a:t>&lt;&lt; </a:t>
+              <a:t> &gt;&gt; </a:t>
             </a:r>
             <a:r>
               <a:rPr lang="en-GB" dirty="0" err="1"/>
@@ -12454,23 +12434,104 @@
             </a:r>
             <a:r>
               <a:rPr lang="en-GB" dirty="0"/>
+              <a:t>;</a:t>
+            </a:r>
+          </a:p>
+          <a:p>
+            <a:pPr marL="0" indent="0">
+              <a:buNone/>
+            </a:pPr>
+            <a:r>
+              <a:rPr lang="bg-BG" dirty="0"/>
+              <a:t>}</a:t>
+            </a:r>
+          </a:p>
+          <a:p>
+            <a:pPr marL="0" indent="0">
+              <a:buNone/>
+            </a:pPr>
+            <a:r>
+              <a:rPr lang="en-GB" dirty="0"/>
+              <a:t>int main() </a:t>
+            </a:r>
+            <a:r>
+              <a:rPr lang="bg-BG" dirty="0"/>
+              <a:t>{</a:t>
+            </a:r>
+          </a:p>
+          <a:p>
+            <a:pPr marL="0" indent="0">
+              <a:buNone/>
+            </a:pPr>
+            <a:r>
+              <a:rPr lang="bg-BG" dirty="0"/>
+              <a:t>	</a:t>
+            </a:r>
+            <a:r>
+              <a:rPr lang="en-GB" dirty="0"/>
+              <a:t>dragon </a:t>
+            </a:r>
+            <a:r>
+              <a:rPr lang="en-GB" dirty="0" err="1"/>
+              <a:t>Drogon</a:t>
+            </a:r>
+            <a:r>
+              <a:rPr lang="en-GB" dirty="0"/>
+              <a:t>;</a:t>
+            </a:r>
+          </a:p>
+          <a:p>
+            <a:pPr marL="0" indent="0">
+              <a:buNone/>
+            </a:pPr>
+            <a:r>
+              <a:rPr lang="bg-BG" dirty="0"/>
+              <a:t>	</a:t>
+            </a:r>
+            <a:r>
+              <a:rPr lang="en-GB" dirty="0"/>
+              <a:t>std::</a:t>
+            </a:r>
+            <a:r>
+              <a:rPr lang="en-GB" dirty="0" err="1"/>
+              <a:t>cin</a:t>
+            </a:r>
+            <a:r>
+              <a:rPr lang="en-GB" dirty="0"/>
+              <a:t> &gt;&gt; </a:t>
+            </a:r>
+            <a:r>
+              <a:rPr lang="en-GB" dirty="0" err="1"/>
+              <a:t>Drogon</a:t>
+            </a:r>
+            <a:r>
+              <a:rPr lang="en-GB" dirty="0"/>
+              <a:t>;</a:t>
+            </a:r>
+          </a:p>
+          <a:p>
+            <a:pPr marL="0" indent="0">
+              <a:buNone/>
+            </a:pPr>
+            <a:r>
+              <a:rPr lang="bg-BG" dirty="0"/>
+              <a:t>	</a:t>
+            </a:r>
+            <a:r>
+              <a:rPr lang="en-GB" dirty="0"/>
+              <a:t>std::</a:t>
+            </a:r>
+            <a:r>
+              <a:rPr lang="en-GB" dirty="0" err="1"/>
+              <a:t>cout</a:t>
+            </a:r>
+            <a:r>
+              <a:rPr lang="en-GB" dirty="0"/>
               <a:t> &lt;&lt; </a:t>
             </a:r>
             <a:r>
-              <a:rPr lang="en-GB" dirty="0">
-                <a:solidFill>
-                  <a:schemeClr val="accent2"/>
-                </a:solidFill>
-              </a:rPr>
-              <a:t>" years old.\n"</a:t>
-            </a:r>
-            <a:r>
-              <a:rPr lang="bg-BG" dirty="0">
-                <a:solidFill>
-                  <a:schemeClr val="accent2"/>
-                </a:solidFill>
-              </a:rPr>
-              <a:t> </a:t>
+              <a:rPr lang="en-GB" dirty="0" err="1"/>
+              <a:t>Drogon</a:t>
             </a:r>
             <a:r>
               <a:rPr lang="en-GB" dirty="0"/>
@@ -12487,15 +12548,7 @@
             </a:r>
             <a:r>
               <a:rPr lang="en-GB" dirty="0"/>
-              <a:t>return </a:t>
-            </a:r>
-            <a:r>
-              <a:rPr lang="en-GB" dirty="0" err="1"/>
-              <a:t>os</a:t>
-            </a:r>
-            <a:r>
-              <a:rPr lang="en-GB" dirty="0"/>
-              <a:t>;</a:t>
+              <a:t>return 0;</a:t>
             </a:r>
           </a:p>
           <a:p>
@@ -12512,7 +12565,7 @@
     </p:spTree>
     <p:extLst>
       <p:ext uri="{BB962C8B-B14F-4D97-AF65-F5344CB8AC3E}">
-        <p14:creationId xmlns:p14="http://schemas.microsoft.com/office/powerpoint/2010/main" val="1390725254"/>
+        <p14:creationId xmlns:p14="http://schemas.microsoft.com/office/powerpoint/2010/main" val="3720453292"/>
       </p:ext>
     </p:extLst>
   </p:cSld>
@@ -12544,7 +12597,7 @@
           <p:cNvPr id="2" name="Заглавие 1">
             <a:extLst>
               <a:ext uri="{FF2B5EF4-FFF2-40B4-BE49-F238E27FC236}">
-                <a16:creationId xmlns:a16="http://schemas.microsoft.com/office/drawing/2014/main" id="{2C5B44CC-F632-430F-BF6B-DBDF3ECA5C29}"/>
+                <a16:creationId xmlns:a16="http://schemas.microsoft.com/office/drawing/2014/main" id="{43B48E44-CEDB-433D-9F8A-D9EF1DEA1C1E}"/>
               </a:ext>
             </a:extLst>
           </p:cNvPr>
@@ -12560,222 +12613,49 @@
           <a:bodyPr/>
           <a:lstStyle/>
           <a:p>
-            <a:r>
-              <a:rPr lang="bg-BG" dirty="0"/>
-              <a:t>Пример</a:t>
-            </a:r>
-          </a:p>
-        </p:txBody>
-      </p:sp>
-      <p:sp>
-        <p:nvSpPr>
-          <p:cNvPr id="3" name="Контейнер за съдържание 2">
-            <a:extLst>
-              <a:ext uri="{FF2B5EF4-FFF2-40B4-BE49-F238E27FC236}">
-                <a16:creationId xmlns:a16="http://schemas.microsoft.com/office/drawing/2014/main" id="{4FF90482-5C39-427B-A931-26605D76A807}"/>
-              </a:ext>
-            </a:extLst>
-          </p:cNvPr>
-          <p:cNvSpPr>
-            <a:spLocks noGrp="1"/>
-          </p:cNvSpPr>
+            <a:endParaRPr lang="bg-BG"/>
+          </a:p>
+        </p:txBody>
+      </p:sp>
+      <p:pic>
+        <p:nvPicPr>
+          <p:cNvPr id="5" name="Контейнер за съдържание 4">
+            <a:extLst>
+              <a:ext uri="{FF2B5EF4-FFF2-40B4-BE49-F238E27FC236}">
+                <a16:creationId xmlns:a16="http://schemas.microsoft.com/office/drawing/2014/main" id="{C955E4EC-8674-4402-909A-9872DBC18123}"/>
+              </a:ext>
+            </a:extLst>
+          </p:cNvPr>
+          <p:cNvPicPr>
+            <a:picLocks noGrp="1" noChangeAspect="1"/>
+          </p:cNvPicPr>
           <p:nvPr>
             <p:ph idx="1"/>
           </p:nvPr>
-        </p:nvSpPr>
-        <p:spPr/>
-        <p:txBody>
-          <a:bodyPr>
-            <a:normAutofit lnSpcReduction="10000"/>
-          </a:bodyPr>
-          <a:lstStyle/>
-          <a:p>
-            <a:pPr marL="0" indent="0">
-              <a:buNone/>
-            </a:pPr>
-            <a:r>
-              <a:rPr lang="en-GB" dirty="0"/>
-              <a:t>std::</a:t>
-            </a:r>
-            <a:r>
-              <a:rPr lang="en-GB" dirty="0" err="1"/>
-              <a:t>istream</a:t>
-            </a:r>
-            <a:r>
-              <a:rPr lang="en-GB" dirty="0"/>
-              <a:t>&amp; operator &gt;&gt; (std::</a:t>
-            </a:r>
-            <a:r>
-              <a:rPr lang="en-GB" dirty="0" err="1"/>
-              <a:t>istream</a:t>
-            </a:r>
-            <a:r>
-              <a:rPr lang="en-GB" dirty="0"/>
-              <a:t>&amp; is, dragon&amp; drake)</a:t>
-            </a:r>
-            <a:r>
-              <a:rPr lang="bg-BG" dirty="0"/>
-              <a:t>{</a:t>
-            </a:r>
-          </a:p>
-          <a:p>
-            <a:pPr marL="0" indent="0">
-              <a:buNone/>
-            </a:pPr>
-            <a:r>
-              <a:rPr lang="bg-BG" dirty="0"/>
-              <a:t>	</a:t>
-            </a:r>
-            <a:r>
-              <a:rPr lang="en-GB" dirty="0"/>
-              <a:t>return is &gt;&gt; </a:t>
-            </a:r>
-            <a:r>
-              <a:rPr lang="en-GB" dirty="0" err="1"/>
-              <a:t>drake.isAlive</a:t>
-            </a:r>
-            <a:r>
-              <a:rPr lang="en-GB" dirty="0"/>
-              <a:t> &gt;&gt; </a:t>
-            </a:r>
-            <a:r>
-              <a:rPr lang="en-GB" dirty="0" err="1"/>
-              <a:t>drake.age</a:t>
-            </a:r>
-            <a:r>
-              <a:rPr lang="en-GB" dirty="0"/>
-              <a:t>;</a:t>
-            </a:r>
-          </a:p>
-          <a:p>
-            <a:pPr marL="0" indent="0">
-              <a:buNone/>
-            </a:pPr>
-            <a:r>
-              <a:rPr lang="bg-BG" dirty="0"/>
-              <a:t>}</a:t>
-            </a:r>
-          </a:p>
-          <a:p>
-            <a:pPr marL="0" indent="0">
-              <a:buNone/>
-            </a:pPr>
-            <a:r>
-              <a:rPr lang="en-GB" dirty="0"/>
-              <a:t>int main() </a:t>
-            </a:r>
-            <a:r>
-              <a:rPr lang="bg-BG" dirty="0"/>
-              <a:t>{</a:t>
-            </a:r>
-          </a:p>
-          <a:p>
-            <a:pPr marL="0" indent="0">
-              <a:buNone/>
-            </a:pPr>
-            <a:r>
-              <a:rPr lang="bg-BG" dirty="0"/>
-              <a:t>	</a:t>
-            </a:r>
-            <a:r>
-              <a:rPr lang="en-GB" dirty="0"/>
-              <a:t>dragon </a:t>
-            </a:r>
-            <a:r>
-              <a:rPr lang="en-GB" dirty="0" err="1"/>
-              <a:t>Drogon</a:t>
-            </a:r>
-            <a:r>
-              <a:rPr lang="en-GB" dirty="0"/>
-              <a:t>;</a:t>
-            </a:r>
-          </a:p>
-          <a:p>
-            <a:pPr marL="0" indent="0">
-              <a:buNone/>
-            </a:pPr>
-            <a:r>
-              <a:rPr lang="bg-BG" dirty="0"/>
-              <a:t>	</a:t>
-            </a:r>
-            <a:r>
-              <a:rPr lang="en-GB" dirty="0"/>
-              <a:t>std::</a:t>
-            </a:r>
-            <a:r>
-              <a:rPr lang="en-GB" dirty="0" err="1"/>
-              <a:t>cin</a:t>
-            </a:r>
-            <a:r>
-              <a:rPr lang="en-GB" dirty="0"/>
-              <a:t> &gt;&gt; </a:t>
-            </a:r>
-            <a:r>
-              <a:rPr lang="en-GB" dirty="0" err="1"/>
-              <a:t>Drogon</a:t>
-            </a:r>
-            <a:r>
-              <a:rPr lang="en-GB" dirty="0"/>
-              <a:t>;</a:t>
-            </a:r>
-          </a:p>
-          <a:p>
-            <a:pPr marL="0" indent="0">
-              <a:buNone/>
-            </a:pPr>
-            <a:r>
-              <a:rPr lang="bg-BG" dirty="0"/>
-              <a:t>	</a:t>
-            </a:r>
-            <a:r>
-              <a:rPr lang="en-GB" dirty="0"/>
-              <a:t>std::</a:t>
-            </a:r>
-            <a:r>
-              <a:rPr lang="en-GB" dirty="0" err="1"/>
-              <a:t>cout</a:t>
-            </a:r>
-            <a:r>
-              <a:rPr lang="en-GB" dirty="0"/>
-              <a:t> &lt;&lt; </a:t>
-            </a:r>
-            <a:r>
-              <a:rPr lang="en-GB" dirty="0" err="1"/>
-              <a:t>Drogon</a:t>
-            </a:r>
-            <a:r>
-              <a:rPr lang="en-GB" dirty="0"/>
-              <a:t>;</a:t>
-            </a:r>
-          </a:p>
-          <a:p>
-            <a:pPr marL="0" indent="0">
-              <a:buNone/>
-            </a:pPr>
-            <a:r>
-              <a:rPr lang="bg-BG" dirty="0"/>
-              <a:t>	</a:t>
-            </a:r>
-            <a:r>
-              <a:rPr lang="en-GB" dirty="0"/>
-              <a:t>return 0;</a:t>
-            </a:r>
-          </a:p>
-          <a:p>
-            <a:pPr marL="0" indent="0">
-              <a:buNone/>
-            </a:pPr>
-            <a:r>
-              <a:rPr lang="bg-BG" dirty="0"/>
-              <a:t>}</a:t>
-            </a:r>
-          </a:p>
-        </p:txBody>
-      </p:sp>
+        </p:nvPicPr>
+        <p:blipFill>
+          <a:blip r:embed="rId2">
+            <a:extLst>
+              <a:ext uri="{28A0092B-C50C-407E-A947-70E740481C1C}">
+                <a14:useLocalDpi xmlns:a14="http://schemas.microsoft.com/office/drawing/2010/main" val="0"/>
+              </a:ext>
+            </a:extLst>
+          </a:blip>
+          <a:stretch>
+            <a:fillRect/>
+          </a:stretch>
+        </p:blipFill>
+        <p:spPr>
+          <a:xfrm>
+            <a:off x="0" y="-1"/>
+            <a:ext cx="12192000" cy="6854653"/>
+          </a:xfrm>
+        </p:spPr>
+      </p:pic>
     </p:spTree>
     <p:extLst>
       <p:ext uri="{BB962C8B-B14F-4D97-AF65-F5344CB8AC3E}">
-        <p14:creationId xmlns:p14="http://schemas.microsoft.com/office/powerpoint/2010/main" val="3720453292"/>
+        <p14:creationId xmlns:p14="http://schemas.microsoft.com/office/powerpoint/2010/main" val="556926117"/>
       </p:ext>
     </p:extLst>
   </p:cSld>
@@ -12807,7 +12687,7 @@
           <p:cNvPr id="2" name="Заглавие 1">
             <a:extLst>
               <a:ext uri="{FF2B5EF4-FFF2-40B4-BE49-F238E27FC236}">
-                <a16:creationId xmlns:a16="http://schemas.microsoft.com/office/drawing/2014/main" id="{43B48E44-CEDB-433D-9F8A-D9EF1DEA1C1E}"/>
+                <a16:creationId xmlns:a16="http://schemas.microsoft.com/office/drawing/2014/main" id="{BC598FDD-A8F4-4486-9318-319B6BD1B43E}"/>
               </a:ext>
             </a:extLst>
           </p:cNvPr>
@@ -12823,49 +12703,63 @@
           <a:bodyPr/>
           <a:lstStyle/>
           <a:p>
-            <a:endParaRPr lang="bg-BG"/>
-          </a:p>
-        </p:txBody>
-      </p:sp>
-      <p:pic>
-        <p:nvPicPr>
-          <p:cNvPr id="5" name="Контейнер за съдържание 4">
-            <a:extLst>
-              <a:ext uri="{FF2B5EF4-FFF2-40B4-BE49-F238E27FC236}">
-                <a16:creationId xmlns:a16="http://schemas.microsoft.com/office/drawing/2014/main" id="{C955E4EC-8674-4402-909A-9872DBC18123}"/>
-              </a:ext>
-            </a:extLst>
-          </p:cNvPr>
-          <p:cNvPicPr>
-            <a:picLocks noGrp="1" noChangeAspect="1"/>
-          </p:cNvPicPr>
+            <a:r>
+              <a:rPr lang="bg-BG" dirty="0"/>
+              <a:t>Задачи за вас </a:t>
+            </a:r>
+            <a:r>
+              <a:rPr lang="en-GB" dirty="0"/>
+              <a:t>#2</a:t>
+            </a:r>
+            <a:endParaRPr lang="bg-BG" dirty="0"/>
+          </a:p>
+        </p:txBody>
+      </p:sp>
+      <p:sp>
+        <p:nvSpPr>
+          <p:cNvPr id="3" name="Контейнер за съдържание 2">
+            <a:extLst>
+              <a:ext uri="{FF2B5EF4-FFF2-40B4-BE49-F238E27FC236}">
+                <a16:creationId xmlns:a16="http://schemas.microsoft.com/office/drawing/2014/main" id="{29E61B79-17F9-4020-B0F1-1010502EF4BF}"/>
+              </a:ext>
+            </a:extLst>
+          </p:cNvPr>
+          <p:cNvSpPr>
+            <a:spLocks noGrp="1"/>
+          </p:cNvSpPr>
           <p:nvPr>
             <p:ph idx="1"/>
           </p:nvPr>
-        </p:nvPicPr>
-        <p:blipFill>
-          <a:blip r:embed="rId2">
-            <a:extLst>
-              <a:ext uri="{28A0092B-C50C-407E-A947-70E740481C1C}">
-                <a14:useLocalDpi xmlns:a14="http://schemas.microsoft.com/office/drawing/2010/main" val="0"/>
-              </a:ext>
-            </a:extLst>
-          </a:blip>
-          <a:stretch>
-            <a:fillRect/>
-          </a:stretch>
-        </p:blipFill>
-        <p:spPr>
-          <a:xfrm>
-            <a:off x="0" y="-1"/>
-            <a:ext cx="12192000" cy="6854653"/>
-          </a:xfrm>
-        </p:spPr>
-      </p:pic>
+        </p:nvSpPr>
+        <p:spPr/>
+        <p:txBody>
+          <a:bodyPr/>
+          <a:lstStyle/>
+          <a:p>
+            <a:r>
+              <a:rPr lang="bg-BG" dirty="0"/>
+              <a:t>Отидете на </a:t>
+            </a:r>
+            <a:r>
+              <a:rPr lang="en-GB" dirty="0">
+                <a:hlinkClick r:id="rId2"/>
+              </a:rPr>
+              <a:t>www.menti.com</a:t>
+            </a:r>
+            <a:r>
+              <a:rPr lang="en-GB" dirty="0"/>
+              <a:t>	</a:t>
+            </a:r>
+          </a:p>
+          <a:p>
+            <a:endParaRPr lang="bg-BG" dirty="0"/>
+          </a:p>
+        </p:txBody>
+      </p:sp>
     </p:spTree>
     <p:extLst>
       <p:ext uri="{BB962C8B-B14F-4D97-AF65-F5344CB8AC3E}">
-        <p14:creationId xmlns:p14="http://schemas.microsoft.com/office/powerpoint/2010/main" val="556926117"/>
+        <p14:creationId xmlns:p14="http://schemas.microsoft.com/office/powerpoint/2010/main" val="1953843783"/>
       </p:ext>
     </p:extLst>
   </p:cSld>
@@ -12999,7 +12893,7 @@
           <p:cNvPr id="2" name="Заглавие 1">
             <a:extLst>
               <a:ext uri="{FF2B5EF4-FFF2-40B4-BE49-F238E27FC236}">
-                <a16:creationId xmlns:a16="http://schemas.microsoft.com/office/drawing/2014/main" id="{BC598FDD-A8F4-4486-9318-319B6BD1B43E}"/>
+                <a16:creationId xmlns:a16="http://schemas.microsoft.com/office/drawing/2014/main" id="{66FBB799-596E-4EA3-A9C1-DF4BF4983F93}"/>
               </a:ext>
             </a:extLst>
           </p:cNvPr>
@@ -13017,61 +12911,242 @@
           <a:p>
             <a:r>
               <a:rPr lang="bg-BG" dirty="0"/>
-              <a:t>Задачи за вас </a:t>
-            </a:r>
-            <a:r>
-              <a:rPr lang="en-GB" dirty="0"/>
-              <a:t>#2</a:t>
+              <a:t>Задача</a:t>
+            </a:r>
+          </a:p>
+        </p:txBody>
+      </p:sp>
+      <p:sp>
+        <p:nvSpPr>
+          <p:cNvPr id="3" name="Контейнер за съдържание 2">
+            <a:extLst>
+              <a:ext uri="{FF2B5EF4-FFF2-40B4-BE49-F238E27FC236}">
+                <a16:creationId xmlns:a16="http://schemas.microsoft.com/office/drawing/2014/main" id="{A4C5303D-D713-470F-AAD8-E39AB35727B7}"/>
+              </a:ext>
+            </a:extLst>
+          </p:cNvPr>
+          <p:cNvSpPr>
+            <a:spLocks noGrp="1"/>
+          </p:cNvSpPr>
+          <p:nvPr>
+            <p:ph idx="1"/>
+          </p:nvPr>
+        </p:nvSpPr>
+        <p:spPr>
+          <a:xfrm>
+            <a:off x="838199" y="1825625"/>
+            <a:ext cx="10641037" cy="4667250"/>
+          </a:xfrm>
+        </p:spPr>
+        <p:txBody>
+          <a:bodyPr>
+            <a:normAutofit fontScale="70000" lnSpcReduction="20000"/>
+          </a:bodyPr>
+          <a:lstStyle/>
+          <a:p>
+            <a:pPr marL="0" indent="0">
+              <a:buNone/>
+            </a:pPr>
+            <a:r>
+              <a:rPr lang="bg-BG" dirty="0"/>
+              <a:t>Валидно ли е следното?</a:t>
+            </a:r>
+          </a:p>
+          <a:p>
+            <a:pPr marL="0" indent="0">
+              <a:buNone/>
+            </a:pPr>
+            <a:r>
+              <a:rPr lang="en-GB" dirty="0"/>
+              <a:t>class dragon</a:t>
+            </a:r>
+          </a:p>
+          <a:p>
+            <a:pPr marL="0" indent="0">
+              <a:buNone/>
+            </a:pPr>
+            <a:r>
+              <a:rPr lang="bg-BG" dirty="0"/>
+              <a:t>{</a:t>
+            </a:r>
+          </a:p>
+          <a:p>
+            <a:pPr marL="0" indent="0">
+              <a:buNone/>
+            </a:pPr>
+            <a:r>
+              <a:rPr lang="bg-BG" dirty="0"/>
+              <a:t>	</a:t>
+            </a:r>
+            <a:r>
+              <a:rPr lang="en-GB" dirty="0"/>
+              <a:t>bool </a:t>
+            </a:r>
+            <a:r>
+              <a:rPr lang="en-GB" dirty="0" err="1"/>
+              <a:t>isAlive</a:t>
+            </a:r>
+            <a:r>
+              <a:rPr lang="en-GB" dirty="0"/>
+              <a:t>;</a:t>
+            </a:r>
+          </a:p>
+          <a:p>
+            <a:pPr marL="0" indent="0">
+              <a:buNone/>
+            </a:pPr>
+            <a:r>
+              <a:rPr lang="bg-BG" dirty="0"/>
+              <a:t>	</a:t>
+            </a:r>
+            <a:r>
+              <a:rPr lang="en-GB" dirty="0"/>
+              <a:t>int age;</a:t>
             </a:r>
             <a:endParaRPr lang="bg-BG" dirty="0"/>
           </a:p>
-        </p:txBody>
-      </p:sp>
-      <p:sp>
-        <p:nvSpPr>
-          <p:cNvPr id="3" name="Контейнер за съдържание 2">
-            <a:extLst>
-              <a:ext uri="{FF2B5EF4-FFF2-40B4-BE49-F238E27FC236}">
-                <a16:creationId xmlns:a16="http://schemas.microsoft.com/office/drawing/2014/main" id="{29E61B79-17F9-4020-B0F1-1010502EF4BF}"/>
-              </a:ext>
-            </a:extLst>
-          </p:cNvPr>
-          <p:cNvSpPr>
-            <a:spLocks noGrp="1"/>
-          </p:cNvSpPr>
-          <p:nvPr>
-            <p:ph idx="1"/>
-          </p:nvPr>
-        </p:nvSpPr>
-        <p:spPr/>
-        <p:txBody>
-          <a:bodyPr/>
-          <a:lstStyle/>
-          <a:p>
-            <a:r>
-              <a:rPr lang="bg-BG" dirty="0"/>
-              <a:t>Отидете на </a:t>
-            </a:r>
+          <a:p>
+            <a:pPr marL="0" indent="0">
+              <a:buNone/>
+            </a:pPr>
             <a:r>
               <a:rPr lang="en-GB" dirty="0">
-                <a:hlinkClick r:id="rId2"/>
+                <a:solidFill>
+                  <a:srgbClr val="1A6400"/>
+                </a:solidFill>
               </a:rPr>
-              <a:t>www.menti.com</a:t>
-            </a:r>
-            <a:r>
-              <a:rPr lang="en-GB" dirty="0"/>
+              <a:t>//public:</a:t>
+            </a:r>
+          </a:p>
+          <a:p>
+            <a:pPr marL="0" indent="0">
+              <a:buNone/>
+            </a:pPr>
+            <a:r>
+              <a:rPr lang="bg-BG" dirty="0"/>
               <a:t>	</a:t>
             </a:r>
-          </a:p>
-          <a:p>
-            <a:endParaRPr lang="bg-BG" dirty="0"/>
+            <a:r>
+              <a:rPr lang="en-GB" dirty="0"/>
+              <a:t>friend std::</a:t>
+            </a:r>
+            <a:r>
+              <a:rPr lang="en-GB" dirty="0" err="1"/>
+              <a:t>istream</a:t>
+            </a:r>
+            <a:r>
+              <a:rPr lang="en-GB" dirty="0"/>
+              <a:t>&amp; operator &gt;&gt; (std::</a:t>
+            </a:r>
+            <a:r>
+              <a:rPr lang="en-GB" dirty="0" err="1"/>
+              <a:t>istream</a:t>
+            </a:r>
+            <a:r>
+              <a:rPr lang="en-GB" dirty="0"/>
+              <a:t>&amp; is, dragon&amp;);</a:t>
+            </a:r>
+          </a:p>
+          <a:p>
+            <a:pPr marL="0" indent="0">
+              <a:buNone/>
+            </a:pPr>
+            <a:r>
+              <a:rPr lang="bg-BG" dirty="0"/>
+              <a:t>};</a:t>
+            </a:r>
+          </a:p>
+          <a:p>
+            <a:pPr marL="0" indent="0">
+              <a:buNone/>
+            </a:pPr>
+            <a:r>
+              <a:rPr lang="en-GB" dirty="0"/>
+              <a:t>std::</a:t>
+            </a:r>
+            <a:r>
+              <a:rPr lang="en-GB" dirty="0" err="1"/>
+              <a:t>istream</a:t>
+            </a:r>
+            <a:r>
+              <a:rPr lang="en-GB" dirty="0"/>
+              <a:t>&amp; operator &gt;&gt; (std::</a:t>
+            </a:r>
+            <a:r>
+              <a:rPr lang="en-GB" dirty="0" err="1"/>
+              <a:t>istream</a:t>
+            </a:r>
+            <a:r>
+              <a:rPr lang="en-GB" dirty="0"/>
+              <a:t>&amp; is, dragon&amp; drake)</a:t>
+            </a:r>
+          </a:p>
+          <a:p>
+            <a:pPr marL="0" indent="0">
+              <a:buNone/>
+            </a:pPr>
+            <a:r>
+              <a:rPr lang="bg-BG" dirty="0"/>
+              <a:t>{</a:t>
+            </a:r>
+          </a:p>
+          <a:p>
+            <a:pPr marL="0" indent="0">
+              <a:buNone/>
+            </a:pPr>
+            <a:r>
+              <a:rPr lang="bg-BG" dirty="0"/>
+              <a:t>	</a:t>
+            </a:r>
+            <a:r>
+              <a:rPr lang="en-GB" dirty="0"/>
+              <a:t>return is &gt;&gt; </a:t>
+            </a:r>
+            <a:r>
+              <a:rPr lang="en-GB" dirty="0" err="1"/>
+              <a:t>drake.isAlive</a:t>
+            </a:r>
+            <a:r>
+              <a:rPr lang="en-GB" dirty="0"/>
+              <a:t> &gt;&gt; </a:t>
+            </a:r>
+            <a:r>
+              <a:rPr lang="en-GB" dirty="0" err="1"/>
+              <a:t>drake.age</a:t>
+            </a:r>
+            <a:r>
+              <a:rPr lang="en-GB" dirty="0"/>
+              <a:t>;</a:t>
+            </a:r>
+          </a:p>
+          <a:p>
+            <a:pPr marL="0" indent="0">
+              <a:buNone/>
+            </a:pPr>
+            <a:r>
+              <a:rPr lang="bg-BG" dirty="0"/>
+              <a:t>}</a:t>
+            </a:r>
+          </a:p>
+          <a:p>
+            <a:pPr marL="0" indent="0">
+              <a:buNone/>
+            </a:pPr>
+            <a:r>
+              <a:rPr lang="bg-BG" dirty="0">
+                <a:solidFill>
+                  <a:srgbClr val="FF33CC"/>
+                </a:solidFill>
+              </a:rPr>
+              <a:t>Отговор: Да</a:t>
+            </a:r>
           </a:p>
         </p:txBody>
       </p:sp>
     </p:spTree>
     <p:extLst>
       <p:ext uri="{BB962C8B-B14F-4D97-AF65-F5344CB8AC3E}">
-        <p14:creationId xmlns:p14="http://schemas.microsoft.com/office/powerpoint/2010/main" val="1953843783"/>
+        <p14:creationId xmlns:p14="http://schemas.microsoft.com/office/powerpoint/2010/main" val="2657685139"/>
       </p:ext>
     </p:extLst>
   </p:cSld>
@@ -13159,8 +13234,37 @@
             </a:pPr>
             <a:r>
               <a:rPr lang="bg-BG" dirty="0"/>
-              <a:t>Валидно ли е следното?</a:t>
-            </a:r>
+              <a:t>Какво ще стане ако извикаме </a:t>
+            </a:r>
+            <a:r>
+              <a:rPr lang="en-GB" dirty="0"/>
+              <a:t>std::</a:t>
+            </a:r>
+            <a:r>
+              <a:rPr lang="en-GB" dirty="0" err="1"/>
+              <a:t>cin</a:t>
+            </a:r>
+            <a:r>
+              <a:rPr lang="en-GB" dirty="0"/>
+              <a:t>&gt;&gt; </a:t>
+            </a:r>
+            <a:r>
+              <a:rPr lang="bg-BG" dirty="0"/>
+              <a:t>за </a:t>
+            </a:r>
+            <a:r>
+              <a:rPr lang="en-GB" dirty="0"/>
+              <a:t>dragon </a:t>
+            </a:r>
+            <a:r>
+              <a:rPr lang="bg-BG" dirty="0"/>
+              <a:t>в </a:t>
+            </a:r>
+            <a:r>
+              <a:rPr lang="en-GB" dirty="0"/>
+              <a:t>main() ?</a:t>
+            </a:r>
+            <a:endParaRPr lang="bg-BG" dirty="0"/>
           </a:p>
           <a:p>
             <a:pPr marL="0" indent="0">
@@ -13348,7 +13452,23 @@
                   <a:srgbClr val="FF33CC"/>
                 </a:solidFill>
               </a:rPr>
-              <a:t>Отговор: Да</a:t>
+              <a:t>Отговор: Ще работи както и преди. Не е необходимо да се знае публично кои са </a:t>
+            </a:r>
+            <a:r>
+              <a:rPr lang="en-GB" dirty="0">
+                <a:solidFill>
+                  <a:srgbClr val="FF33CC"/>
+                </a:solidFill>
+              </a:rPr>
+              <a:t>friend </a:t>
+            </a:r>
+            <a:r>
+              <a:rPr lang="bg-BG" dirty="0">
+                <a:solidFill>
+                  <a:srgbClr val="FF33CC"/>
+                </a:solidFill>
+              </a:rPr>
+              <a:t>функциите на класа, за да може те да използват данните му</a:t>
             </a:r>
           </a:p>
         </p:txBody>
@@ -13356,7 +13476,7 @@
     </p:spTree>
     <p:extLst>
       <p:ext uri="{BB962C8B-B14F-4D97-AF65-F5344CB8AC3E}">
-        <p14:creationId xmlns:p14="http://schemas.microsoft.com/office/powerpoint/2010/main" val="2657685139"/>
+        <p14:creationId xmlns:p14="http://schemas.microsoft.com/office/powerpoint/2010/main" val="627822751"/>
       </p:ext>
     </p:extLst>
   </p:cSld>
@@ -13388,7 +13508,7 @@
           <p:cNvPr id="2" name="Заглавие 1">
             <a:extLst>
               <a:ext uri="{FF2B5EF4-FFF2-40B4-BE49-F238E27FC236}">
-                <a16:creationId xmlns:a16="http://schemas.microsoft.com/office/drawing/2014/main" id="{66FBB799-596E-4EA3-A9C1-DF4BF4983F93}"/>
+                <a16:creationId xmlns:a16="http://schemas.microsoft.com/office/drawing/2014/main" id="{4CD367D4-DED7-4BFF-BFD7-8DDAD57673D2}"/>
               </a:ext>
             </a:extLst>
           </p:cNvPr>
@@ -13404,289 +13524,49 @@
           <a:bodyPr/>
           <a:lstStyle/>
           <a:p>
-            <a:r>
-              <a:rPr lang="bg-BG" dirty="0"/>
-              <a:t>Задача</a:t>
-            </a:r>
-          </a:p>
-        </p:txBody>
-      </p:sp>
-      <p:sp>
-        <p:nvSpPr>
-          <p:cNvPr id="3" name="Контейнер за съдържание 2">
-            <a:extLst>
-              <a:ext uri="{FF2B5EF4-FFF2-40B4-BE49-F238E27FC236}">
-                <a16:creationId xmlns:a16="http://schemas.microsoft.com/office/drawing/2014/main" id="{A4C5303D-D713-470F-AAD8-E39AB35727B7}"/>
-              </a:ext>
-            </a:extLst>
-          </p:cNvPr>
-          <p:cNvSpPr>
-            <a:spLocks noGrp="1"/>
-          </p:cNvSpPr>
+            <a:endParaRPr lang="bg-BG"/>
+          </a:p>
+        </p:txBody>
+      </p:sp>
+      <p:pic>
+        <p:nvPicPr>
+          <p:cNvPr id="5" name="Контейнер за съдържание 4">
+            <a:extLst>
+              <a:ext uri="{FF2B5EF4-FFF2-40B4-BE49-F238E27FC236}">
+                <a16:creationId xmlns:a16="http://schemas.microsoft.com/office/drawing/2014/main" id="{2992BFA5-08E7-4EA3-B960-DD508F345A9A}"/>
+              </a:ext>
+            </a:extLst>
+          </p:cNvPr>
+          <p:cNvPicPr>
+            <a:picLocks noGrp="1" noChangeAspect="1"/>
+          </p:cNvPicPr>
           <p:nvPr>
             <p:ph idx="1"/>
           </p:nvPr>
-        </p:nvSpPr>
+        </p:nvPicPr>
+        <p:blipFill>
+          <a:blip r:embed="rId2">
+            <a:extLst>
+              <a:ext uri="{28A0092B-C50C-407E-A947-70E740481C1C}">
+                <a14:useLocalDpi xmlns:a14="http://schemas.microsoft.com/office/drawing/2010/main" val="0"/>
+              </a:ext>
+            </a:extLst>
+          </a:blip>
+          <a:stretch>
+            <a:fillRect/>
+          </a:stretch>
+        </p:blipFill>
         <p:spPr>
           <a:xfrm>
-            <a:off x="838199" y="1825625"/>
-            <a:ext cx="10641037" cy="4667250"/>
+            <a:off x="0" y="-1"/>
+            <a:ext cx="12192000" cy="6854653"/>
           </a:xfrm>
         </p:spPr>
-        <p:txBody>
-          <a:bodyPr>
-            <a:normAutofit fontScale="70000" lnSpcReduction="20000"/>
-          </a:bodyPr>
-          <a:lstStyle/>
-          <a:p>
-            <a:pPr marL="0" indent="0">
-              <a:buNone/>
-            </a:pPr>
-            <a:r>
-              <a:rPr lang="bg-BG" dirty="0"/>
-              <a:t>Какво ще стане ако извикаме </a:t>
-            </a:r>
-            <a:r>
-              <a:rPr lang="en-GB" dirty="0"/>
-              <a:t>std::</a:t>
-            </a:r>
-            <a:r>
-              <a:rPr lang="en-GB" dirty="0" err="1"/>
-              <a:t>cin</a:t>
-            </a:r>
-            <a:r>
-              <a:rPr lang="en-GB" dirty="0"/>
-              <a:t>&gt;&gt; </a:t>
-            </a:r>
-            <a:r>
-              <a:rPr lang="bg-BG" dirty="0"/>
-              <a:t>за </a:t>
-            </a:r>
-            <a:r>
-              <a:rPr lang="en-GB" dirty="0"/>
-              <a:t>dragon </a:t>
-            </a:r>
-            <a:r>
-              <a:rPr lang="bg-BG" dirty="0"/>
-              <a:t>в </a:t>
-            </a:r>
-            <a:r>
-              <a:rPr lang="en-GB" dirty="0"/>
-              <a:t>main() ?</a:t>
-            </a:r>
-            <a:endParaRPr lang="bg-BG" dirty="0"/>
-          </a:p>
-          <a:p>
-            <a:pPr marL="0" indent="0">
-              <a:buNone/>
-            </a:pPr>
-            <a:r>
-              <a:rPr lang="en-GB" dirty="0"/>
-              <a:t>class dragon</a:t>
-            </a:r>
-          </a:p>
-          <a:p>
-            <a:pPr marL="0" indent="0">
-              <a:buNone/>
-            </a:pPr>
-            <a:r>
-              <a:rPr lang="bg-BG" dirty="0"/>
-              <a:t>{</a:t>
-            </a:r>
-          </a:p>
-          <a:p>
-            <a:pPr marL="0" indent="0">
-              <a:buNone/>
-            </a:pPr>
-            <a:r>
-              <a:rPr lang="bg-BG" dirty="0"/>
-              <a:t>	</a:t>
-            </a:r>
-            <a:r>
-              <a:rPr lang="en-GB" dirty="0"/>
-              <a:t>bool </a:t>
-            </a:r>
-            <a:r>
-              <a:rPr lang="en-GB" dirty="0" err="1"/>
-              <a:t>isAlive</a:t>
-            </a:r>
-            <a:r>
-              <a:rPr lang="en-GB" dirty="0"/>
-              <a:t>;</a:t>
-            </a:r>
-          </a:p>
-          <a:p>
-            <a:pPr marL="0" indent="0">
-              <a:buNone/>
-            </a:pPr>
-            <a:r>
-              <a:rPr lang="bg-BG" dirty="0"/>
-              <a:t>	</a:t>
-            </a:r>
-            <a:r>
-              <a:rPr lang="en-GB" dirty="0"/>
-              <a:t>int age;</a:t>
-            </a:r>
-            <a:endParaRPr lang="bg-BG" dirty="0"/>
-          </a:p>
-          <a:p>
-            <a:pPr marL="0" indent="0">
-              <a:buNone/>
-            </a:pPr>
-            <a:r>
-              <a:rPr lang="en-GB" dirty="0">
-                <a:solidFill>
-                  <a:srgbClr val="1A6400"/>
-                </a:solidFill>
-              </a:rPr>
-              <a:t>//public:</a:t>
-            </a:r>
-          </a:p>
-          <a:p>
-            <a:pPr marL="0" indent="0">
-              <a:buNone/>
-            </a:pPr>
-            <a:r>
-              <a:rPr lang="bg-BG" dirty="0"/>
-              <a:t>	</a:t>
-            </a:r>
-            <a:r>
-              <a:rPr lang="en-GB" dirty="0"/>
-              <a:t>friend std::</a:t>
-            </a:r>
-            <a:r>
-              <a:rPr lang="en-GB" dirty="0" err="1"/>
-              <a:t>istream</a:t>
-            </a:r>
-            <a:r>
-              <a:rPr lang="en-GB" dirty="0"/>
-              <a:t>&amp; operator &gt;&gt; (std::</a:t>
-            </a:r>
-            <a:r>
-              <a:rPr lang="en-GB" dirty="0" err="1"/>
-              <a:t>istream</a:t>
-            </a:r>
-            <a:r>
-              <a:rPr lang="en-GB" dirty="0"/>
-              <a:t>&amp; is, dragon&amp;);</a:t>
-            </a:r>
-          </a:p>
-          <a:p>
-            <a:pPr marL="0" indent="0">
-              <a:buNone/>
-            </a:pPr>
-            <a:r>
-              <a:rPr lang="bg-BG" dirty="0"/>
-              <a:t>};</a:t>
-            </a:r>
-          </a:p>
-          <a:p>
-            <a:pPr marL="0" indent="0">
-              <a:buNone/>
-            </a:pPr>
-            <a:r>
-              <a:rPr lang="en-GB" dirty="0"/>
-              <a:t>std::</a:t>
-            </a:r>
-            <a:r>
-              <a:rPr lang="en-GB" dirty="0" err="1"/>
-              <a:t>istream</a:t>
-            </a:r>
-            <a:r>
-              <a:rPr lang="en-GB" dirty="0"/>
-              <a:t>&amp; operator &gt;&gt; (std::</a:t>
-            </a:r>
-            <a:r>
-              <a:rPr lang="en-GB" dirty="0" err="1"/>
-              <a:t>istream</a:t>
-            </a:r>
-            <a:r>
-              <a:rPr lang="en-GB" dirty="0"/>
-              <a:t>&amp; is, dragon&amp; drake)</a:t>
-            </a:r>
-          </a:p>
-          <a:p>
-            <a:pPr marL="0" indent="0">
-              <a:buNone/>
-            </a:pPr>
-            <a:r>
-              <a:rPr lang="bg-BG" dirty="0"/>
-              <a:t>{</a:t>
-            </a:r>
-          </a:p>
-          <a:p>
-            <a:pPr marL="0" indent="0">
-              <a:buNone/>
-            </a:pPr>
-            <a:r>
-              <a:rPr lang="bg-BG" dirty="0"/>
-              <a:t>	</a:t>
-            </a:r>
-            <a:r>
-              <a:rPr lang="en-GB" dirty="0"/>
-              <a:t>return is &gt;&gt; </a:t>
-            </a:r>
-            <a:r>
-              <a:rPr lang="en-GB" dirty="0" err="1"/>
-              <a:t>drake.isAlive</a:t>
-            </a:r>
-            <a:r>
-              <a:rPr lang="en-GB" dirty="0"/>
-              <a:t> &gt;&gt; </a:t>
-            </a:r>
-            <a:r>
-              <a:rPr lang="en-GB" dirty="0" err="1"/>
-              <a:t>drake.age</a:t>
-            </a:r>
-            <a:r>
-              <a:rPr lang="en-GB" dirty="0"/>
-              <a:t>;</a:t>
-            </a:r>
-          </a:p>
-          <a:p>
-            <a:pPr marL="0" indent="0">
-              <a:buNone/>
-            </a:pPr>
-            <a:r>
-              <a:rPr lang="bg-BG" dirty="0"/>
-              <a:t>}</a:t>
-            </a:r>
-          </a:p>
-          <a:p>
-            <a:pPr marL="0" indent="0">
-              <a:buNone/>
-            </a:pPr>
-            <a:r>
-              <a:rPr lang="bg-BG" dirty="0">
-                <a:solidFill>
-                  <a:srgbClr val="FF33CC"/>
-                </a:solidFill>
-              </a:rPr>
-              <a:t>Отговор: Ще работи както и преди. Не е необходимо да се знае публично кои са </a:t>
-            </a:r>
-            <a:r>
-              <a:rPr lang="en-GB" dirty="0">
-                <a:solidFill>
-                  <a:srgbClr val="FF33CC"/>
-                </a:solidFill>
-              </a:rPr>
-              <a:t>friend </a:t>
-            </a:r>
-            <a:r>
-              <a:rPr lang="bg-BG" dirty="0">
-                <a:solidFill>
-                  <a:srgbClr val="FF33CC"/>
-                </a:solidFill>
-              </a:rPr>
-              <a:t>функциите на класа, за да може те да използват данните му</a:t>
-            </a:r>
-          </a:p>
-        </p:txBody>
-      </p:sp>
+      </p:pic>
     </p:spTree>
     <p:extLst>
       <p:ext uri="{BB962C8B-B14F-4D97-AF65-F5344CB8AC3E}">
-        <p14:creationId xmlns:p14="http://schemas.microsoft.com/office/powerpoint/2010/main" val="627822751"/>
+        <p14:creationId xmlns:p14="http://schemas.microsoft.com/office/powerpoint/2010/main" val="3513269473"/>
       </p:ext>
     </p:extLst>
   </p:cSld>
@@ -13718,7 +13598,7 @@
           <p:cNvPr id="2" name="Заглавие 1">
             <a:extLst>
               <a:ext uri="{FF2B5EF4-FFF2-40B4-BE49-F238E27FC236}">
-                <a16:creationId xmlns:a16="http://schemas.microsoft.com/office/drawing/2014/main" id="{4CD367D4-DED7-4BFF-BFD7-8DDAD57673D2}"/>
+                <a16:creationId xmlns:a16="http://schemas.microsoft.com/office/drawing/2014/main" id="{66FBB799-596E-4EA3-A9C1-DF4BF4983F93}"/>
               </a:ext>
             </a:extLst>
           </p:cNvPr>
@@ -13734,49 +13614,257 @@
           <a:bodyPr/>
           <a:lstStyle/>
           <a:p>
-            <a:endParaRPr lang="bg-BG"/>
-          </a:p>
-        </p:txBody>
-      </p:sp>
-      <p:pic>
-        <p:nvPicPr>
-          <p:cNvPr id="5" name="Контейнер за съдържание 4">
-            <a:extLst>
-              <a:ext uri="{FF2B5EF4-FFF2-40B4-BE49-F238E27FC236}">
-                <a16:creationId xmlns:a16="http://schemas.microsoft.com/office/drawing/2014/main" id="{2992BFA5-08E7-4EA3-B960-DD508F345A9A}"/>
-              </a:ext>
-            </a:extLst>
-          </p:cNvPr>
-          <p:cNvPicPr>
-            <a:picLocks noGrp="1" noChangeAspect="1"/>
-          </p:cNvPicPr>
+            <a:r>
+              <a:rPr lang="bg-BG" dirty="0"/>
+              <a:t>Задача</a:t>
+            </a:r>
+          </a:p>
+        </p:txBody>
+      </p:sp>
+      <p:sp>
+        <p:nvSpPr>
+          <p:cNvPr id="3" name="Контейнер за съдържание 2">
+            <a:extLst>
+              <a:ext uri="{FF2B5EF4-FFF2-40B4-BE49-F238E27FC236}">
+                <a16:creationId xmlns:a16="http://schemas.microsoft.com/office/drawing/2014/main" id="{A4C5303D-D713-470F-AAD8-E39AB35727B7}"/>
+              </a:ext>
+            </a:extLst>
+          </p:cNvPr>
+          <p:cNvSpPr>
+            <a:spLocks noGrp="1"/>
+          </p:cNvSpPr>
           <p:nvPr>
             <p:ph idx="1"/>
           </p:nvPr>
-        </p:nvPicPr>
-        <p:blipFill>
-          <a:blip r:embed="rId2">
-            <a:extLst>
-              <a:ext uri="{28A0092B-C50C-407E-A947-70E740481C1C}">
-                <a14:useLocalDpi xmlns:a14="http://schemas.microsoft.com/office/drawing/2010/main" val="0"/>
-              </a:ext>
-            </a:extLst>
-          </a:blip>
-          <a:stretch>
-            <a:fillRect/>
-          </a:stretch>
-        </p:blipFill>
-        <p:spPr>
-          <a:xfrm>
-            <a:off x="0" y="-1"/>
-            <a:ext cx="12192000" cy="6854653"/>
-          </a:xfrm>
-        </p:spPr>
-      </p:pic>
+        </p:nvSpPr>
+        <p:spPr/>
+        <p:txBody>
+          <a:bodyPr>
+            <a:normAutofit fontScale="77500" lnSpcReduction="20000"/>
+          </a:bodyPr>
+          <a:lstStyle/>
+          <a:p>
+            <a:pPr marL="0" indent="0">
+              <a:buNone/>
+            </a:pPr>
+            <a:r>
+              <a:rPr lang="bg-BG" dirty="0"/>
+              <a:t>Валидно ли е следното?</a:t>
+            </a:r>
+          </a:p>
+          <a:p>
+            <a:pPr marL="0" indent="0">
+              <a:buNone/>
+            </a:pPr>
+            <a:r>
+              <a:rPr lang="en-GB" dirty="0"/>
+              <a:t>class dragon</a:t>
+            </a:r>
+          </a:p>
+          <a:p>
+            <a:pPr marL="0" indent="0">
+              <a:buNone/>
+            </a:pPr>
+            <a:r>
+              <a:rPr lang="bg-BG" dirty="0"/>
+              <a:t>{</a:t>
+            </a:r>
+          </a:p>
+          <a:p>
+            <a:pPr marL="0" indent="0">
+              <a:buNone/>
+            </a:pPr>
+            <a:r>
+              <a:rPr lang="bg-BG" dirty="0"/>
+              <a:t>	</a:t>
+            </a:r>
+            <a:r>
+              <a:rPr lang="en-GB" dirty="0"/>
+              <a:t>bool </a:t>
+            </a:r>
+            <a:r>
+              <a:rPr lang="en-GB" dirty="0" err="1"/>
+              <a:t>isAlive</a:t>
+            </a:r>
+            <a:r>
+              <a:rPr lang="en-GB" dirty="0"/>
+              <a:t>;</a:t>
+            </a:r>
+          </a:p>
+          <a:p>
+            <a:pPr marL="0" indent="0">
+              <a:buNone/>
+            </a:pPr>
+            <a:r>
+              <a:rPr lang="bg-BG" dirty="0"/>
+              <a:t>	</a:t>
+            </a:r>
+            <a:r>
+              <a:rPr lang="en-GB" dirty="0"/>
+              <a:t>int age;</a:t>
+            </a:r>
+          </a:p>
+          <a:p>
+            <a:pPr marL="0" indent="0">
+              <a:buNone/>
+            </a:pPr>
+            <a:r>
+              <a:rPr lang="bg-BG" dirty="0"/>
+              <a:t>	</a:t>
+            </a:r>
+            <a:r>
+              <a:rPr lang="en-GB" dirty="0"/>
+              <a:t>friend std::</a:t>
+            </a:r>
+            <a:r>
+              <a:rPr lang="en-GB" dirty="0" err="1"/>
+              <a:t>istream</a:t>
+            </a:r>
+            <a:r>
+              <a:rPr lang="en-GB" dirty="0"/>
+              <a:t>&amp; operator &gt;&gt; (std::</a:t>
+            </a:r>
+            <a:r>
+              <a:rPr lang="en-GB" dirty="0" err="1"/>
+              <a:t>istream</a:t>
+            </a:r>
+            <a:r>
+              <a:rPr lang="en-GB" dirty="0"/>
+              <a:t>&amp; is, </a:t>
+            </a:r>
+            <a:r>
+              <a:rPr lang="en-GB" dirty="0" err="1"/>
+              <a:t>const</a:t>
+            </a:r>
+            <a:r>
+              <a:rPr lang="en-GB" dirty="0"/>
+              <a:t> dragon&amp;);</a:t>
+            </a:r>
+          </a:p>
+          <a:p>
+            <a:pPr marL="0" indent="0">
+              <a:buNone/>
+            </a:pPr>
+            <a:r>
+              <a:rPr lang="bg-BG" dirty="0"/>
+              <a:t>};</a:t>
+            </a:r>
+          </a:p>
+          <a:p>
+            <a:pPr marL="0" indent="0">
+              <a:buNone/>
+            </a:pPr>
+            <a:r>
+              <a:rPr lang="en-GB" dirty="0"/>
+              <a:t>std::</a:t>
+            </a:r>
+            <a:r>
+              <a:rPr lang="en-GB" dirty="0" err="1"/>
+              <a:t>istream</a:t>
+            </a:r>
+            <a:r>
+              <a:rPr lang="en-GB" dirty="0"/>
+              <a:t>&amp; operator &gt;&gt; (std::</a:t>
+            </a:r>
+            <a:r>
+              <a:rPr lang="en-GB" dirty="0" err="1"/>
+              <a:t>istream</a:t>
+            </a:r>
+            <a:r>
+              <a:rPr lang="en-GB" dirty="0"/>
+              <a:t>&amp; is, </a:t>
+            </a:r>
+            <a:r>
+              <a:rPr lang="en-GB" dirty="0" err="1"/>
+              <a:t>const</a:t>
+            </a:r>
+            <a:r>
+              <a:rPr lang="en-GB" dirty="0"/>
+              <a:t> dragon&amp; drake)</a:t>
+            </a:r>
+          </a:p>
+          <a:p>
+            <a:pPr marL="0" indent="0">
+              <a:buNone/>
+            </a:pPr>
+            <a:r>
+              <a:rPr lang="bg-BG" dirty="0"/>
+              <a:t>{</a:t>
+            </a:r>
+          </a:p>
+          <a:p>
+            <a:pPr marL="0" indent="0">
+              <a:buNone/>
+            </a:pPr>
+            <a:r>
+              <a:rPr lang="bg-BG" dirty="0"/>
+              <a:t>	</a:t>
+            </a:r>
+            <a:r>
+              <a:rPr lang="en-GB" dirty="0"/>
+              <a:t>return is &gt;&gt; </a:t>
+            </a:r>
+            <a:r>
+              <a:rPr lang="en-GB" dirty="0" err="1"/>
+              <a:t>drake.isAlive</a:t>
+            </a:r>
+            <a:r>
+              <a:rPr lang="en-GB" dirty="0"/>
+              <a:t> &gt;&gt; </a:t>
+            </a:r>
+            <a:r>
+              <a:rPr lang="en-GB" dirty="0" err="1"/>
+              <a:t>drake.age</a:t>
+            </a:r>
+            <a:r>
+              <a:rPr lang="en-GB" dirty="0"/>
+              <a:t>;</a:t>
+            </a:r>
+          </a:p>
+          <a:p>
+            <a:pPr marL="0" indent="0">
+              <a:buNone/>
+            </a:pPr>
+            <a:r>
+              <a:rPr lang="bg-BG" dirty="0"/>
+              <a:t>}</a:t>
+            </a:r>
+          </a:p>
+          <a:p>
+            <a:pPr marL="0" indent="0">
+              <a:buNone/>
+            </a:pPr>
+            <a:r>
+              <a:rPr lang="bg-BG" dirty="0">
+                <a:solidFill>
+                  <a:srgbClr val="FF33CC"/>
+                </a:solidFill>
+              </a:rPr>
+              <a:t>Отговор: Не, защото ако </a:t>
+            </a:r>
+            <a:r>
+              <a:rPr lang="en-GB" dirty="0">
+                <a:solidFill>
+                  <a:srgbClr val="FF33CC"/>
+                </a:solidFill>
+              </a:rPr>
+              <a:t>drake </a:t>
+            </a:r>
+            <a:r>
+              <a:rPr lang="bg-BG" dirty="0">
+                <a:solidFill>
+                  <a:srgbClr val="FF33CC"/>
+                </a:solidFill>
+              </a:rPr>
+              <a:t>е константа, то не можем да го променяме</a:t>
+            </a:r>
+          </a:p>
+        </p:txBody>
+      </p:sp>
     </p:spTree>
     <p:extLst>
       <p:ext uri="{BB962C8B-B14F-4D97-AF65-F5344CB8AC3E}">
-        <p14:creationId xmlns:p14="http://schemas.microsoft.com/office/powerpoint/2010/main" val="3513269473"/>
+        <p14:creationId xmlns:p14="http://schemas.microsoft.com/office/powerpoint/2010/main" val="2043809755"/>
       </p:ext>
     </p:extLst>
   </p:cSld>
@@ -13808,7 +13896,7 @@
           <p:cNvPr id="2" name="Заглавие 1">
             <a:extLst>
               <a:ext uri="{FF2B5EF4-FFF2-40B4-BE49-F238E27FC236}">
-                <a16:creationId xmlns:a16="http://schemas.microsoft.com/office/drawing/2014/main" id="{66FBB799-596E-4EA3-A9C1-DF4BF4983F93}"/>
+                <a16:creationId xmlns:a16="http://schemas.microsoft.com/office/drawing/2014/main" id="{706A300F-384E-4F14-93BD-4AA406182DBD}"/>
               </a:ext>
             </a:extLst>
           </p:cNvPr>
@@ -13826,7 +13914,7 @@
           <a:p>
             <a:r>
               <a:rPr lang="bg-BG" dirty="0"/>
-              <a:t>Задача</a:t>
+              <a:t>Относно предефинираните оператори</a:t>
             </a:r>
           </a:p>
         </p:txBody>
@@ -13836,7 +13924,7 @@
           <p:cNvPr id="3" name="Контейнер за съдържание 2">
             <a:extLst>
               <a:ext uri="{FF2B5EF4-FFF2-40B4-BE49-F238E27FC236}">
-                <a16:creationId xmlns:a16="http://schemas.microsoft.com/office/drawing/2014/main" id="{A4C5303D-D713-470F-AAD8-E39AB35727B7}"/>
+                <a16:creationId xmlns:a16="http://schemas.microsoft.com/office/drawing/2014/main" id="{1DDF8F59-4D82-4CE1-BC70-EE6E06E289AA}"/>
               </a:ext>
             </a:extLst>
           </p:cNvPr>
@@ -13849,224 +13937,58 @@
         </p:nvSpPr>
         <p:spPr/>
         <p:txBody>
-          <a:bodyPr>
-            <a:normAutofit fontScale="77500" lnSpcReduction="20000"/>
-          </a:bodyPr>
-          <a:lstStyle/>
-          <a:p>
-            <a:pPr marL="0" indent="0">
-              <a:buNone/>
-            </a:pPr>
-            <a:r>
-              <a:rPr lang="bg-BG" dirty="0"/>
-              <a:t>Валидно ли е следното?</a:t>
-            </a:r>
-          </a:p>
-          <a:p>
-            <a:pPr marL="0" indent="0">
-              <a:buNone/>
-            </a:pPr>
-            <a:r>
-              <a:rPr lang="en-GB" dirty="0"/>
-              <a:t>class dragon</a:t>
-            </a:r>
-          </a:p>
-          <a:p>
-            <a:pPr marL="0" indent="0">
-              <a:buNone/>
-            </a:pPr>
-            <a:r>
-              <a:rPr lang="bg-BG" dirty="0"/>
-              <a:t>{</a:t>
-            </a:r>
-          </a:p>
-          <a:p>
-            <a:pPr marL="0" indent="0">
-              <a:buNone/>
-            </a:pPr>
-            <a:r>
-              <a:rPr lang="bg-BG" dirty="0"/>
-              <a:t>	</a:t>
-            </a:r>
-            <a:r>
-              <a:rPr lang="en-GB" dirty="0"/>
-              <a:t>bool </a:t>
-            </a:r>
-            <a:r>
-              <a:rPr lang="en-GB" dirty="0" err="1"/>
-              <a:t>isAlive</a:t>
-            </a:r>
-            <a:r>
-              <a:rPr lang="en-GB" dirty="0"/>
-              <a:t>;</a:t>
-            </a:r>
-          </a:p>
-          <a:p>
-            <a:pPr marL="0" indent="0">
-              <a:buNone/>
-            </a:pPr>
-            <a:r>
-              <a:rPr lang="bg-BG" dirty="0"/>
-              <a:t>	</a:t>
-            </a:r>
-            <a:r>
-              <a:rPr lang="en-GB" dirty="0"/>
-              <a:t>int age;</a:t>
-            </a:r>
-          </a:p>
-          <a:p>
-            <a:pPr marL="0" indent="0">
-              <a:buNone/>
-            </a:pPr>
-            <a:r>
-              <a:rPr lang="bg-BG" dirty="0"/>
-              <a:t>	</a:t>
-            </a:r>
-            <a:r>
-              <a:rPr lang="en-GB" dirty="0"/>
-              <a:t>friend std::</a:t>
-            </a:r>
-            <a:r>
-              <a:rPr lang="en-GB" dirty="0" err="1"/>
-              <a:t>istream</a:t>
-            </a:r>
-            <a:r>
-              <a:rPr lang="en-GB" dirty="0"/>
-              <a:t>&amp; operator &gt;&gt; (std::</a:t>
-            </a:r>
-            <a:r>
-              <a:rPr lang="en-GB" dirty="0" err="1"/>
-              <a:t>istream</a:t>
-            </a:r>
-            <a:r>
-              <a:rPr lang="en-GB" dirty="0"/>
-              <a:t>&amp; is, </a:t>
-            </a:r>
-            <a:r>
-              <a:rPr lang="en-GB" dirty="0" err="1"/>
-              <a:t>const</a:t>
-            </a:r>
-            <a:r>
-              <a:rPr lang="en-GB" dirty="0"/>
-              <a:t> dragon&amp;);</a:t>
-            </a:r>
-          </a:p>
-          <a:p>
-            <a:pPr marL="0" indent="0">
-              <a:buNone/>
-            </a:pPr>
-            <a:r>
-              <a:rPr lang="bg-BG" dirty="0"/>
-              <a:t>};</a:t>
-            </a:r>
-          </a:p>
-          <a:p>
-            <a:pPr marL="0" indent="0">
-              <a:buNone/>
-            </a:pPr>
-            <a:r>
-              <a:rPr lang="en-GB" dirty="0"/>
-              <a:t>std::</a:t>
-            </a:r>
-            <a:r>
-              <a:rPr lang="en-GB" dirty="0" err="1"/>
-              <a:t>istream</a:t>
-            </a:r>
-            <a:r>
-              <a:rPr lang="en-GB" dirty="0"/>
-              <a:t>&amp; operator &gt;&gt; (std::</a:t>
-            </a:r>
-            <a:r>
-              <a:rPr lang="en-GB" dirty="0" err="1"/>
-              <a:t>istream</a:t>
-            </a:r>
-            <a:r>
-              <a:rPr lang="en-GB" dirty="0"/>
-              <a:t>&amp; is, </a:t>
-            </a:r>
-            <a:r>
-              <a:rPr lang="en-GB" dirty="0" err="1"/>
-              <a:t>const</a:t>
-            </a:r>
-            <a:r>
-              <a:rPr lang="en-GB" dirty="0"/>
-              <a:t> dragon&amp; drake)</a:t>
-            </a:r>
-          </a:p>
-          <a:p>
-            <a:pPr marL="0" indent="0">
-              <a:buNone/>
-            </a:pPr>
-            <a:r>
-              <a:rPr lang="bg-BG" dirty="0"/>
-              <a:t>{</a:t>
-            </a:r>
-          </a:p>
-          <a:p>
-            <a:pPr marL="0" indent="0">
-              <a:buNone/>
-            </a:pPr>
-            <a:r>
-              <a:rPr lang="bg-BG" dirty="0"/>
-              <a:t>	</a:t>
-            </a:r>
-            <a:r>
-              <a:rPr lang="en-GB" dirty="0"/>
-              <a:t>return is &gt;&gt; </a:t>
-            </a:r>
-            <a:r>
-              <a:rPr lang="en-GB" dirty="0" err="1"/>
-              <a:t>drake.isAlive</a:t>
-            </a:r>
-            <a:r>
-              <a:rPr lang="en-GB" dirty="0"/>
-              <a:t> &gt;&gt; </a:t>
-            </a:r>
-            <a:r>
-              <a:rPr lang="en-GB" dirty="0" err="1"/>
-              <a:t>drake.age</a:t>
-            </a:r>
-            <a:r>
-              <a:rPr lang="en-GB" dirty="0"/>
-              <a:t>;</a:t>
-            </a:r>
-          </a:p>
-          <a:p>
-            <a:pPr marL="0" indent="0">
-              <a:buNone/>
-            </a:pPr>
-            <a:r>
-              <a:rPr lang="bg-BG" dirty="0"/>
-              <a:t>}</a:t>
-            </a:r>
-          </a:p>
-          <a:p>
-            <a:pPr marL="0" indent="0">
-              <a:buNone/>
-            </a:pPr>
+          <a:bodyPr/>
+          <a:lstStyle/>
+          <a:p>
+            <a:r>
+              <a:rPr lang="bg-BG" dirty="0"/>
+              <a:t>Предефинираните оператори са като обикновени функции, но извикването им е по-бавно, понеже се налага разпознаване на оператора</a:t>
+            </a:r>
+          </a:p>
+          <a:p>
+            <a:endParaRPr lang="bg-BG" dirty="0"/>
+          </a:p>
+          <a:p>
+            <a:r>
+              <a:rPr lang="bg-BG" dirty="0"/>
+              <a:t>Не го правете за забавление, а само в случаите, когато наистина се налага ( когато се разбира смисъла на интуитивно ниво )</a:t>
+            </a:r>
+          </a:p>
+          <a:p>
+            <a:endParaRPr lang="bg-BG" dirty="0"/>
+          </a:p>
+          <a:p>
+            <a:r>
+              <a:rPr lang="en-GB" dirty="0">
+                <a:solidFill>
+                  <a:srgbClr val="FF0000"/>
+                </a:solidFill>
+              </a:rPr>
+              <a:t>(!human[4]() )^</a:t>
+            </a:r>
             <a:r>
               <a:rPr lang="bg-BG" dirty="0">
                 <a:solidFill>
-                  <a:srgbClr val="FF33CC"/>
+                  <a:srgbClr val="FF0000"/>
                 </a:solidFill>
               </a:rPr>
-              <a:t>Отговор: Не, защото ако </a:t>
+              <a:t> в този случай операторите не ни дават</a:t>
             </a:r>
             <a:r>
               <a:rPr lang="en-GB" dirty="0">
                 <a:solidFill>
-                  <a:srgbClr val="FF33CC"/>
+                  <a:srgbClr val="FF0000"/>
                 </a:solidFill>
               </a:rPr>
-              <a:t>drake </a:t>
+              <a:t> </a:t>
             </a:r>
             <a:r>
               <a:rPr lang="bg-BG" dirty="0">
                 <a:solidFill>
-                  <a:srgbClr val="FF33CC"/>
+                  <a:srgbClr val="FF0000"/>
                 </a:solidFill>
               </a:rPr>
-              <a:t>е константа, то не можем да го променяме</a:t>
+              <a:t>никаква информация за кода на интуитивно ниво!</a:t>
             </a:r>
           </a:p>
         </p:txBody>
@@ -14074,7 +13996,7 @@
     </p:spTree>
     <p:extLst>
       <p:ext uri="{BB962C8B-B14F-4D97-AF65-F5344CB8AC3E}">
-        <p14:creationId xmlns:p14="http://schemas.microsoft.com/office/powerpoint/2010/main" val="2043809755"/>
+        <p14:creationId xmlns:p14="http://schemas.microsoft.com/office/powerpoint/2010/main" val="3750403502"/>
       </p:ext>
     </p:extLst>
   </p:cSld>
@@ -14106,7 +14028,7 @@
           <p:cNvPr id="2" name="Заглавие 1">
             <a:extLst>
               <a:ext uri="{FF2B5EF4-FFF2-40B4-BE49-F238E27FC236}">
-                <a16:creationId xmlns:a16="http://schemas.microsoft.com/office/drawing/2014/main" id="{706A300F-384E-4F14-93BD-4AA406182DBD}"/>
+                <a16:creationId xmlns:a16="http://schemas.microsoft.com/office/drawing/2014/main" id="{98582087-64B2-46C4-B08A-DFE9FACCF73B}"/>
               </a:ext>
             </a:extLst>
           </p:cNvPr>
@@ -14124,7 +14046,7 @@
           <a:p>
             <a:r>
               <a:rPr lang="bg-BG" dirty="0"/>
-              <a:t>Относно предефинираните оператори</a:t>
+              <a:t>Почивка 15 минути</a:t>
             </a:r>
           </a:p>
         </p:txBody>
@@ -14134,7 +14056,7 @@
           <p:cNvPr id="3" name="Контейнер за съдържание 2">
             <a:extLst>
               <a:ext uri="{FF2B5EF4-FFF2-40B4-BE49-F238E27FC236}">
-                <a16:creationId xmlns:a16="http://schemas.microsoft.com/office/drawing/2014/main" id="{1DDF8F59-4D82-4CE1-BC70-EE6E06E289AA}"/>
+                <a16:creationId xmlns:a16="http://schemas.microsoft.com/office/drawing/2014/main" id="{A86BBA45-97D1-4E67-840D-37A0858E43AD}"/>
               </a:ext>
             </a:extLst>
           </p:cNvPr>
@@ -14151,62 +14073,34 @@
           <a:lstStyle/>
           <a:p>
             <a:r>
-              <a:rPr lang="bg-BG" dirty="0"/>
-              <a:t>Предефинираните оператори са като обикновени функции, но извикването им е по-бавно, понеже се налага разпознаване на оператора</a:t>
-            </a:r>
-          </a:p>
-          <a:p>
-            <a:endParaRPr lang="bg-BG" dirty="0"/>
-          </a:p>
-          <a:p>
-            <a:r>
-              <a:rPr lang="bg-BG" dirty="0"/>
-              <a:t>Не го правете за забавление, а само в случаите, когато наистина се налага ( когато се разбира смисъла на интуитивно ниво )</a:t>
-            </a:r>
-          </a:p>
-          <a:p>
-            <a:endParaRPr lang="bg-BG" dirty="0"/>
-          </a:p>
-          <a:p>
-            <a:r>
-              <a:rPr lang="en-GB" dirty="0">
+              <a:rPr lang="bg-BG" dirty="0">
                 <a:solidFill>
-                  <a:srgbClr val="FF0000"/>
+                  <a:srgbClr val="FF33CC"/>
                 </a:solidFill>
               </a:rPr>
-              <a:t>(!human[4]() )^</a:t>
+              <a:t>Трудните ООП концепции тепърва предстоят </a:t>
             </a:r>
             <a:r>
               <a:rPr lang="bg-BG" dirty="0">
                 <a:solidFill>
-                  <a:srgbClr val="FF0000"/>
+                  <a:srgbClr val="FF33CC"/>
                 </a:solidFill>
+                <a:sym typeface="Wingdings" panose="05000000000000000000" pitchFamily="2" charset="2"/>
               </a:rPr>
-              <a:t> в този случай операторите не ни дават</a:t>
-            </a:r>
-            <a:r>
-              <a:rPr lang="en-GB" dirty="0">
-                <a:solidFill>
-                  <a:srgbClr val="FF0000"/>
-                </a:solidFill>
-              </a:rPr>
-              <a:t> </a:t>
-            </a:r>
-            <a:r>
-              <a:rPr lang="bg-BG" dirty="0">
-                <a:solidFill>
-                  <a:srgbClr val="FF0000"/>
-                </a:solidFill>
-              </a:rPr>
-              <a:t>никаква информация за кода на интуитивно ниво!</a:t>
-            </a:r>
+              <a:t></a:t>
+            </a:r>
+            <a:endParaRPr lang="bg-BG" dirty="0">
+              <a:solidFill>
+                <a:srgbClr val="FF33CC"/>
+              </a:solidFill>
+            </a:endParaRPr>
           </a:p>
         </p:txBody>
       </p:sp>
     </p:spTree>
     <p:extLst>
       <p:ext uri="{BB962C8B-B14F-4D97-AF65-F5344CB8AC3E}">
-        <p14:creationId xmlns:p14="http://schemas.microsoft.com/office/powerpoint/2010/main" val="3750403502"/>
+        <p14:creationId xmlns:p14="http://schemas.microsoft.com/office/powerpoint/2010/main" val="3301068275"/>
       </p:ext>
     </p:extLst>
   </p:cSld>
@@ -14238,7 +14132,7 @@
           <p:cNvPr id="2" name="Заглавие 1">
             <a:extLst>
               <a:ext uri="{FF2B5EF4-FFF2-40B4-BE49-F238E27FC236}">
-                <a16:creationId xmlns:a16="http://schemas.microsoft.com/office/drawing/2014/main" id="{98582087-64B2-46C4-B08A-DFE9FACCF73B}"/>
+                <a16:creationId xmlns:a16="http://schemas.microsoft.com/office/drawing/2014/main" id="{B87D8C10-40C8-4755-BD86-A8D07D17831B}"/>
               </a:ext>
             </a:extLst>
           </p:cNvPr>
@@ -14256,8 +14150,13 @@
           <a:p>
             <a:r>
               <a:rPr lang="bg-BG" dirty="0"/>
-              <a:t>Почивка 15 минути</a:t>
-            </a:r>
+              <a:t>Собствен </a:t>
+            </a:r>
+            <a:r>
+              <a:rPr lang="en-GB" dirty="0" err="1"/>
+              <a:t>cout</a:t>
+            </a:r>
+            <a:endParaRPr lang="bg-BG" dirty="0"/>
           </a:p>
         </p:txBody>
       </p:sp>
@@ -14266,7 +14165,7 @@
           <p:cNvPr id="3" name="Контейнер за съдържание 2">
             <a:extLst>
               <a:ext uri="{FF2B5EF4-FFF2-40B4-BE49-F238E27FC236}">
-                <a16:creationId xmlns:a16="http://schemas.microsoft.com/office/drawing/2014/main" id="{A86BBA45-97D1-4E67-840D-37A0858E43AD}"/>
+                <a16:creationId xmlns:a16="http://schemas.microsoft.com/office/drawing/2014/main" id="{0654349B-3CF5-4E8B-96A4-98F3CE63DA85}"/>
               </a:ext>
             </a:extLst>
           </p:cNvPr>
@@ -14283,34 +14182,115 @@
           <a:lstStyle/>
           <a:p>
             <a:r>
-              <a:rPr lang="bg-BG" dirty="0">
-                <a:solidFill>
-                  <a:srgbClr val="FF33CC"/>
-                </a:solidFill>
-              </a:rPr>
-              <a:t>Трудните ООП концепции тепърва предстоят </a:t>
-            </a:r>
-            <a:r>
-              <a:rPr lang="bg-BG" dirty="0">
-                <a:solidFill>
-                  <a:srgbClr val="FF33CC"/>
-                </a:solidFill>
-                <a:sym typeface="Wingdings" panose="05000000000000000000" pitchFamily="2" charset="2"/>
-              </a:rPr>
-              <a:t></a:t>
-            </a:r>
-            <a:endParaRPr lang="bg-BG" dirty="0">
-              <a:solidFill>
-                <a:srgbClr val="FF33CC"/>
-              </a:solidFill>
-            </a:endParaRPr>
+              <a:rPr lang="bg-BG" dirty="0"/>
+              <a:t>Искам функция, която приема два символа и ги принтира на конзолата, но ме мързи да използва </a:t>
+            </a:r>
+            <a:r>
+              <a:rPr lang="en-GB" dirty="0"/>
+              <a:t>std::</a:t>
+            </a:r>
+            <a:r>
+              <a:rPr lang="en-GB" dirty="0" err="1"/>
+              <a:t>cout</a:t>
+            </a:r>
+            <a:r>
+              <a:rPr lang="en-GB" dirty="0"/>
+              <a:t> </a:t>
+            </a:r>
+            <a:r>
+              <a:rPr lang="bg-BG" dirty="0"/>
+              <a:t>всеки път</a:t>
+            </a:r>
+            <a:endParaRPr lang="en-GB" dirty="0"/>
+          </a:p>
+          <a:p>
+            <a:endParaRPr lang="en-GB" dirty="0"/>
+          </a:p>
+          <a:p>
+            <a:r>
+              <a:rPr lang="bg-BG" dirty="0"/>
+              <a:t>Решение:</a:t>
+            </a:r>
+          </a:p>
+          <a:p>
+            <a:pPr marL="0" indent="0">
+              <a:buNone/>
+            </a:pPr>
+            <a:r>
+              <a:rPr lang="en-GB" dirty="0"/>
+              <a:t>void</a:t>
+            </a:r>
+            <a:r>
+              <a:rPr lang="bg-BG" dirty="0"/>
+              <a:t> </a:t>
+            </a:r>
+            <a:r>
+              <a:rPr lang="en-GB" dirty="0"/>
+              <a:t>Print ( </a:t>
+            </a:r>
+            <a:r>
+              <a:rPr lang="en-GB" dirty="0" err="1"/>
+              <a:t>const</a:t>
+            </a:r>
+            <a:r>
+              <a:rPr lang="en-GB" dirty="0"/>
+              <a:t> char a, </a:t>
+            </a:r>
+            <a:r>
+              <a:rPr lang="en-GB" dirty="0" err="1"/>
+              <a:t>const</a:t>
+            </a:r>
+            <a:r>
+              <a:rPr lang="en-GB" dirty="0"/>
+              <a:t> char b)</a:t>
+            </a:r>
+          </a:p>
+          <a:p>
+            <a:pPr marL="0" indent="0">
+              <a:buNone/>
+            </a:pPr>
+            <a:r>
+              <a:rPr lang="en-GB" dirty="0"/>
+              <a:t>{</a:t>
+            </a:r>
+          </a:p>
+          <a:p>
+            <a:pPr marL="0" indent="0">
+              <a:buNone/>
+            </a:pPr>
+            <a:r>
+              <a:rPr lang="bg-BG" dirty="0"/>
+              <a:t>	</a:t>
+            </a:r>
+            <a:r>
+              <a:rPr lang="en-GB" dirty="0"/>
+              <a:t>std::</a:t>
+            </a:r>
+            <a:r>
+              <a:rPr lang="en-GB" dirty="0" err="1"/>
+              <a:t>cout</a:t>
+            </a:r>
+            <a:r>
+              <a:rPr lang="en-GB" dirty="0"/>
+              <a:t>&lt;&lt;a&lt;&lt; ‘ ‘ &lt;&lt; b;</a:t>
+            </a:r>
+          </a:p>
+          <a:p>
+            <a:pPr marL="0" indent="0">
+              <a:buNone/>
+            </a:pPr>
+            <a:r>
+              <a:rPr lang="en-GB" dirty="0"/>
+              <a:t>}</a:t>
+            </a:r>
+            <a:endParaRPr lang="bg-BG" dirty="0"/>
           </a:p>
         </p:txBody>
       </p:sp>
     </p:spTree>
     <p:extLst>
       <p:ext uri="{BB962C8B-B14F-4D97-AF65-F5344CB8AC3E}">
-        <p14:creationId xmlns:p14="http://schemas.microsoft.com/office/powerpoint/2010/main" val="3301068275"/>
+        <p14:creationId xmlns:p14="http://schemas.microsoft.com/office/powerpoint/2010/main" val="1290672141"/>
       </p:ext>
     </p:extLst>
   </p:cSld>
@@ -14393,15 +14373,7 @@
           <a:p>
             <a:r>
               <a:rPr lang="bg-BG" dirty="0"/>
-              <a:t>Искам функция, която приема два символа и ги принтира на конзолата, но ме мързи да използва </a:t>
-            </a:r>
-            <a:r>
-              <a:rPr lang="en-GB" dirty="0"/>
-              <a:t>std::</a:t>
-            </a:r>
-            <a:r>
-              <a:rPr lang="en-GB" dirty="0" err="1"/>
-              <a:t>cout</a:t>
+              <a:t>Искам</a:t>
             </a:r>
             <a:r>
               <a:rPr lang="en-GB" dirty="0"/>
@@ -14409,12 +14381,16 @@
             </a:r>
             <a:r>
               <a:rPr lang="bg-BG" dirty="0"/>
-              <a:t>всеки път</a:t>
-            </a:r>
-            <a:endParaRPr lang="en-GB" dirty="0"/>
-          </a:p>
-          <a:p>
-            <a:endParaRPr lang="en-GB" dirty="0"/>
+              <a:t>и такава функция, която приема две цели </a:t>
+            </a:r>
+            <a:r>
+              <a:rPr lang="bg-BG" dirty="0" err="1"/>
+              <a:t>числ</a:t>
+            </a:r>
+            <a:r>
+              <a:rPr lang="en-GB" dirty="0"/>
+              <a:t>a</a:t>
+            </a:r>
           </a:p>
           <a:p>
             <a:r>
@@ -14444,7 +14420,7 @@
             </a:r>
             <a:r>
               <a:rPr lang="en-GB" dirty="0"/>
-              <a:t> char a, </a:t>
+              <a:t> int a, </a:t>
             </a:r>
             <a:r>
               <a:rPr lang="en-GB" dirty="0" err="1"/>
@@ -14452,7 +14428,7 @@
             </a:r>
             <a:r>
               <a:rPr lang="en-GB" dirty="0"/>
-              <a:t> char b)</a:t>
+              <a:t> int b)</a:t>
             </a:r>
           </a:p>
           <a:p>
@@ -14500,7 +14476,7 @@
     </p:spTree>
     <p:extLst>
       <p:ext uri="{BB962C8B-B14F-4D97-AF65-F5344CB8AC3E}">
-        <p14:creationId xmlns:p14="http://schemas.microsoft.com/office/powerpoint/2010/main" val="1290672141"/>
+        <p14:creationId xmlns:p14="http://schemas.microsoft.com/office/powerpoint/2010/main" val="941388243"/>
       </p:ext>
     </p:extLst>
   </p:cSld>
@@ -14591,7 +14567,7 @@
             </a:r>
             <a:r>
               <a:rPr lang="bg-BG" dirty="0"/>
-              <a:t>и такава функция, която приема две цели </a:t>
+              <a:t>и такава функция, която приема две реални </a:t>
             </a:r>
             <a:r>
               <a:rPr lang="bg-BG" dirty="0" err="1"/>
@@ -14630,7 +14606,7 @@
             </a:r>
             <a:r>
               <a:rPr lang="en-GB" dirty="0"/>
-              <a:t> int a, </a:t>
+              <a:t> double a, </a:t>
             </a:r>
             <a:r>
               <a:rPr lang="en-GB" dirty="0" err="1"/>
@@ -14638,7 +14614,7 @@
             </a:r>
             <a:r>
               <a:rPr lang="en-GB" dirty="0"/>
-              <a:t> int b)</a:t>
+              <a:t> double b)</a:t>
             </a:r>
           </a:p>
           <a:p>
@@ -14686,7 +14662,7 @@
     </p:spTree>
     <p:extLst>
       <p:ext uri="{BB962C8B-B14F-4D97-AF65-F5344CB8AC3E}">
-        <p14:creationId xmlns:p14="http://schemas.microsoft.com/office/powerpoint/2010/main" val="941388243"/>
+        <p14:creationId xmlns:p14="http://schemas.microsoft.com/office/powerpoint/2010/main" val="597065898"/>
       </p:ext>
     </p:extLst>
   </p:cSld>
@@ -14777,16 +14753,17 @@
             </a:r>
             <a:r>
               <a:rPr lang="bg-BG" dirty="0"/>
-              <a:t>и такава функция, която приема две реални </a:t>
-            </a:r>
-            <a:r>
-              <a:rPr lang="bg-BG" dirty="0" err="1"/>
-              <a:t>числ</a:t>
-            </a:r>
-            <a:r>
-              <a:rPr lang="en-GB" dirty="0"/>
-              <a:t>a</a:t>
-            </a:r>
+              <a:t>и такава функция, която приема реално число</a:t>
+            </a:r>
+            <a:r>
+              <a:rPr lang="en-GB" dirty="0"/>
+              <a:t> </a:t>
+            </a:r>
+            <a:r>
+              <a:rPr lang="bg-BG" dirty="0"/>
+              <a:t>и символ</a:t>
+            </a:r>
+            <a:endParaRPr lang="en-GB" dirty="0"/>
           </a:p>
           <a:p>
             <a:r>
@@ -14816,7 +14793,7 @@
             </a:r>
             <a:r>
               <a:rPr lang="en-GB" dirty="0"/>
-              <a:t> double a, </a:t>
+              <a:t> char a, </a:t>
             </a:r>
             <a:r>
               <a:rPr lang="en-GB" dirty="0" err="1"/>
@@ -14872,7 +14849,7 @@
     </p:spTree>
     <p:extLst>
       <p:ext uri="{BB962C8B-B14F-4D97-AF65-F5344CB8AC3E}">
-        <p14:creationId xmlns:p14="http://schemas.microsoft.com/office/powerpoint/2010/main" val="597065898"/>
+        <p14:creationId xmlns:p14="http://schemas.microsoft.com/office/powerpoint/2010/main" val="4100893586"/>
       </p:ext>
     </p:extLst>
   </p:cSld>
@@ -15134,15 +15111,7 @@
             </a:r>
             <a:r>
               <a:rPr lang="bg-BG" dirty="0"/>
-              <a:t>и такава функция, която приема реално число</a:t>
-            </a:r>
-            <a:r>
-              <a:rPr lang="en-GB" dirty="0"/>
-              <a:t> </a:t>
-            </a:r>
-            <a:r>
-              <a:rPr lang="bg-BG" dirty="0"/>
-              <a:t>и символ</a:t>
+              <a:t>и такава функция, която приема символ и реално число</a:t>
             </a:r>
             <a:endParaRPr lang="en-GB" dirty="0"/>
           </a:p>
@@ -15174,7 +15143,7 @@
             </a:r>
             <a:r>
               <a:rPr lang="en-GB" dirty="0"/>
-              <a:t> char a, </a:t>
+              <a:t> double a, </a:t>
             </a:r>
             <a:r>
               <a:rPr lang="en-GB" dirty="0" err="1"/>
@@ -15182,7 +15151,7 @@
             </a:r>
             <a:r>
               <a:rPr lang="en-GB" dirty="0"/>
-              <a:t> double b)</a:t>
+              <a:t> char b)</a:t>
             </a:r>
           </a:p>
           <a:p>
@@ -15230,7 +15199,7 @@
     </p:spTree>
     <p:extLst>
       <p:ext uri="{BB962C8B-B14F-4D97-AF65-F5344CB8AC3E}">
-        <p14:creationId xmlns:p14="http://schemas.microsoft.com/office/powerpoint/2010/main" val="4100893586"/>
+        <p14:creationId xmlns:p14="http://schemas.microsoft.com/office/powerpoint/2010/main" val="698112313"/>
       </p:ext>
     </p:extLst>
   </p:cSld>
@@ -15313,94 +15282,11 @@
           <a:p>
             <a:r>
               <a:rPr lang="bg-BG" dirty="0"/>
-              <a:t>Искам</a:t>
+              <a:t>Това може да продължи до края на света, или дори повече</a:t>
             </a:r>
             <a:r>
               <a:rPr lang="en-GB" dirty="0"/>
               <a:t> </a:t>
-            </a:r>
-            <a:r>
-              <a:rPr lang="bg-BG" dirty="0"/>
-              <a:t>и такава функция, която приема символ и реално число</a:t>
-            </a:r>
-            <a:endParaRPr lang="en-GB" dirty="0"/>
-          </a:p>
-          <a:p>
-            <a:r>
-              <a:rPr lang="bg-BG" dirty="0"/>
-              <a:t>Решение:</a:t>
-            </a:r>
-          </a:p>
-          <a:p>
-            <a:pPr marL="0" indent="0">
-              <a:buNone/>
-            </a:pPr>
-            <a:r>
-              <a:rPr lang="en-GB" dirty="0"/>
-              <a:t>void</a:t>
-            </a:r>
-            <a:r>
-              <a:rPr lang="bg-BG" dirty="0"/>
-              <a:t> </a:t>
-            </a:r>
-            <a:r>
-              <a:rPr lang="en-GB" dirty="0"/>
-              <a:t>Print ( </a:t>
-            </a:r>
-            <a:r>
-              <a:rPr lang="en-GB" dirty="0" err="1"/>
-              <a:t>const</a:t>
-            </a:r>
-            <a:r>
-              <a:rPr lang="en-GB" dirty="0"/>
-              <a:t> double a, </a:t>
-            </a:r>
-            <a:r>
-              <a:rPr lang="en-GB" dirty="0" err="1"/>
-              <a:t>const</a:t>
-            </a:r>
-            <a:r>
-              <a:rPr lang="en-GB" dirty="0"/>
-              <a:t> char b)</a:t>
-            </a:r>
-          </a:p>
-          <a:p>
-            <a:pPr marL="0" indent="0">
-              <a:buNone/>
-            </a:pPr>
-            <a:r>
-              <a:rPr lang="en-GB" dirty="0"/>
-              <a:t>{</a:t>
-            </a:r>
-          </a:p>
-          <a:p>
-            <a:pPr marL="0" indent="0">
-              <a:buNone/>
-            </a:pPr>
-            <a:r>
-              <a:rPr lang="bg-BG" dirty="0"/>
-              <a:t>	</a:t>
-            </a:r>
-            <a:r>
-              <a:rPr lang="en-GB" dirty="0"/>
-              <a:t>std::</a:t>
-            </a:r>
-            <a:r>
-              <a:rPr lang="en-GB" dirty="0" err="1"/>
-              <a:t>cout</a:t>
-            </a:r>
-            <a:r>
-              <a:rPr lang="en-GB" dirty="0"/>
-              <a:t>&lt;&lt;a&lt;&lt; ‘ ‘ &lt;&lt; b;</a:t>
-            </a:r>
-          </a:p>
-          <a:p>
-            <a:pPr marL="0" indent="0">
-              <a:buNone/>
-            </a:pPr>
-            <a:r>
-              <a:rPr lang="en-GB" dirty="0"/>
-              <a:t>}</a:t>
             </a:r>
             <a:endParaRPr lang="bg-BG" dirty="0"/>
           </a:p>
@@ -15409,7 +15295,7 @@
     </p:spTree>
     <p:extLst>
       <p:ext uri="{BB962C8B-B14F-4D97-AF65-F5344CB8AC3E}">
-        <p14:creationId xmlns:p14="http://schemas.microsoft.com/office/powerpoint/2010/main" val="698112313"/>
+        <p14:creationId xmlns:p14="http://schemas.microsoft.com/office/powerpoint/2010/main" val="2687700091"/>
       </p:ext>
     </p:extLst>
   </p:cSld>
@@ -15441,7 +15327,7 @@
           <p:cNvPr id="2" name="Заглавие 1">
             <a:extLst>
               <a:ext uri="{FF2B5EF4-FFF2-40B4-BE49-F238E27FC236}">
-                <a16:creationId xmlns:a16="http://schemas.microsoft.com/office/drawing/2014/main" id="{B87D8C10-40C8-4755-BD86-A8D07D17831B}"/>
+                <a16:creationId xmlns:a16="http://schemas.microsoft.com/office/drawing/2014/main" id="{97C5AE59-F65D-4A63-B11D-14567C9050D3}"/>
               </a:ext>
             </a:extLst>
           </p:cNvPr>
@@ -15459,53 +15345,76 @@
           <a:p>
             <a:r>
               <a:rPr lang="bg-BG" dirty="0"/>
-              <a:t>Собствен </a:t>
-            </a:r>
-            <a:r>
-              <a:rPr lang="en-GB" dirty="0" err="1"/>
-              <a:t>cout</a:t>
-            </a:r>
+              <a:t>Шаблони</a:t>
+            </a:r>
+          </a:p>
+        </p:txBody>
+      </p:sp>
+      <p:sp>
+        <p:nvSpPr>
+          <p:cNvPr id="3" name="Контейнер за съдържание 2">
+            <a:extLst>
+              <a:ext uri="{FF2B5EF4-FFF2-40B4-BE49-F238E27FC236}">
+                <a16:creationId xmlns:a16="http://schemas.microsoft.com/office/drawing/2014/main" id="{66308CA2-7144-4AAF-BE75-5A07B9539A93}"/>
+              </a:ext>
+            </a:extLst>
+          </p:cNvPr>
+          <p:cNvSpPr>
+            <a:spLocks noGrp="1"/>
+          </p:cNvSpPr>
+          <p:nvPr>
+            <p:ph idx="1"/>
+          </p:nvPr>
+        </p:nvSpPr>
+        <p:spPr/>
+        <p:txBody>
+          <a:bodyPr>
+            <a:normAutofit lnSpcReduction="10000"/>
+          </a:bodyPr>
+          <a:lstStyle/>
+          <a:p>
+            <a:r>
+              <a:rPr lang="bg-BG" dirty="0"/>
+              <a:t>Както видяхме, задачата беше проста - да създадем функция, която приема два аргумента и ги принтира на екрана</a:t>
+            </a:r>
+          </a:p>
+          <a:p>
             <a:endParaRPr lang="bg-BG" dirty="0"/>
           </a:p>
-        </p:txBody>
-      </p:sp>
-      <p:sp>
-        <p:nvSpPr>
-          <p:cNvPr id="3" name="Контейнер за съдържание 2">
-            <a:extLst>
-              <a:ext uri="{FF2B5EF4-FFF2-40B4-BE49-F238E27FC236}">
-                <a16:creationId xmlns:a16="http://schemas.microsoft.com/office/drawing/2014/main" id="{0654349B-3CF5-4E8B-96A4-98F3CE63DA85}"/>
-              </a:ext>
-            </a:extLst>
-          </p:cNvPr>
-          <p:cNvSpPr>
-            <a:spLocks noGrp="1"/>
-          </p:cNvSpPr>
-          <p:nvPr>
-            <p:ph idx="1"/>
-          </p:nvPr>
-        </p:nvSpPr>
-        <p:spPr/>
-        <p:txBody>
-          <a:bodyPr/>
-          <a:lstStyle/>
-          <a:p>
-            <a:r>
-              <a:rPr lang="bg-BG" dirty="0"/>
-              <a:t>Това може да продължи до края на света, или дори повече</a:t>
-            </a:r>
-            <a:r>
-              <a:rPr lang="en-GB" dirty="0"/>
-              <a:t> </a:t>
-            </a:r>
+          <a:p>
+            <a:r>
+              <a:rPr lang="bg-BG" dirty="0"/>
+              <a:t>Решението обаче не беше толкова тривиално и трябваше да създадем много функции по този шаблон</a:t>
+            </a:r>
+          </a:p>
+          <a:p>
             <a:endParaRPr lang="bg-BG" dirty="0"/>
+          </a:p>
+          <a:p>
+            <a:r>
+              <a:rPr lang="bg-BG" dirty="0"/>
+              <a:t>Още по-голям проблем е какво ще правим, ако решим да ги разделяме не с интервал, а с </a:t>
+            </a:r>
+            <a:r>
+              <a:rPr lang="en-GB" dirty="0"/>
+              <a:t>‘:’</a:t>
+            </a:r>
+          </a:p>
+          <a:p>
+            <a:endParaRPr lang="en-GB" dirty="0"/>
+          </a:p>
+          <a:p>
+            <a:r>
+              <a:rPr lang="bg-BG" dirty="0"/>
+              <a:t>Пренаписване на всяка по отделно в 21ви век???</a:t>
+            </a:r>
           </a:p>
         </p:txBody>
       </p:sp>
     </p:spTree>
     <p:extLst>
       <p:ext uri="{BB962C8B-B14F-4D97-AF65-F5344CB8AC3E}">
-        <p14:creationId xmlns:p14="http://schemas.microsoft.com/office/powerpoint/2010/main" val="2687700091"/>
+        <p14:creationId xmlns:p14="http://schemas.microsoft.com/office/powerpoint/2010/main" val="1701722517"/>
       </p:ext>
     </p:extLst>
   </p:cSld>
@@ -15537,7 +15446,7 @@
           <p:cNvPr id="2" name="Заглавие 1">
             <a:extLst>
               <a:ext uri="{FF2B5EF4-FFF2-40B4-BE49-F238E27FC236}">
-                <a16:creationId xmlns:a16="http://schemas.microsoft.com/office/drawing/2014/main" id="{97C5AE59-F65D-4A63-B11D-14567C9050D3}"/>
+                <a16:creationId xmlns:a16="http://schemas.microsoft.com/office/drawing/2014/main" id="{38007009-2B74-49F6-A4B6-2C7E30779C63}"/>
               </a:ext>
             </a:extLst>
           </p:cNvPr>
@@ -15565,7 +15474,7 @@
           <p:cNvPr id="3" name="Контейнер за съдържание 2">
             <a:extLst>
               <a:ext uri="{FF2B5EF4-FFF2-40B4-BE49-F238E27FC236}">
-                <a16:creationId xmlns:a16="http://schemas.microsoft.com/office/drawing/2014/main" id="{66308CA2-7144-4AAF-BE75-5A07B9539A93}"/>
+                <a16:creationId xmlns:a16="http://schemas.microsoft.com/office/drawing/2014/main" id="{1D8A098A-CB1C-47A8-B77F-81E3CBAAE230}"/>
               </a:ext>
             </a:extLst>
           </p:cNvPr>
@@ -15578,14 +15487,12 @@
         </p:nvSpPr>
         <p:spPr/>
         <p:txBody>
-          <a:bodyPr>
-            <a:normAutofit lnSpcReduction="10000"/>
-          </a:bodyPr>
-          <a:lstStyle/>
-          <a:p>
-            <a:r>
-              <a:rPr lang="bg-BG" dirty="0"/>
-              <a:t>Както видяхме, задачата беше проста - да създадем функция, която приема два аргумента и ги принтира на екрана</a:t>
+          <a:bodyPr/>
+          <a:lstStyle/>
+          <a:p>
+            <a:r>
+              <a:rPr lang="bg-BG" dirty="0"/>
+              <a:t>Както вече сте се досетили, С++ разполага с инструмент точно за такива ситуации</a:t>
             </a:r>
           </a:p>
           <a:p>
@@ -15594,7 +15501,15 @@
           <a:p>
             <a:r>
               <a:rPr lang="bg-BG" dirty="0"/>
-              <a:t>Решението обаче не беше толкова тривиално и трябваше да създадем много функции по този шаблон</a:t>
+              <a:t>Нарича се шаблони (</a:t>
+            </a:r>
+            <a:r>
+              <a:rPr lang="en-GB" dirty="0"/>
+              <a:t>templates) </a:t>
+            </a:r>
+            <a:r>
+              <a:rPr lang="bg-BG" dirty="0"/>
+              <a:t>и работи точно така както ние работихме до преди малко, с малки изключения</a:t>
             </a:r>
           </a:p>
           <a:p>
@@ -15603,20 +15518,7 @@
           <a:p>
             <a:r>
               <a:rPr lang="bg-BG" dirty="0"/>
-              <a:t>Още по-голям проблем е какво ще правим, ако решим да ги разделяме не с интервал, а с </a:t>
-            </a:r>
-            <a:r>
-              <a:rPr lang="en-GB" dirty="0"/>
-              <a:t>‘:’</a:t>
-            </a:r>
-          </a:p>
-          <a:p>
-            <a:endParaRPr lang="en-GB" dirty="0"/>
-          </a:p>
-          <a:p>
-            <a:r>
-              <a:rPr lang="bg-BG" dirty="0"/>
-              <a:t>Пренаписване на всяка по отделно в 21ви век???</a:t>
+              <a:t>Реално ние създаваме някакъв шаблон и всеки път, когато той се извика, той създава съответната функция (края на програмата, без да променя кода)</a:t>
             </a:r>
           </a:p>
         </p:txBody>
@@ -15624,7 +15526,7 @@
     </p:spTree>
     <p:extLst>
       <p:ext uri="{BB962C8B-B14F-4D97-AF65-F5344CB8AC3E}">
-        <p14:creationId xmlns:p14="http://schemas.microsoft.com/office/powerpoint/2010/main" val="1701722517"/>
+        <p14:creationId xmlns:p14="http://schemas.microsoft.com/office/powerpoint/2010/main" val="394570314"/>
       </p:ext>
     </p:extLst>
   </p:cSld>
@@ -15656,7 +15558,7 @@
           <p:cNvPr id="2" name="Заглавие 1">
             <a:extLst>
               <a:ext uri="{FF2B5EF4-FFF2-40B4-BE49-F238E27FC236}">
-                <a16:creationId xmlns:a16="http://schemas.microsoft.com/office/drawing/2014/main" id="{38007009-2B74-49F6-A4B6-2C7E30779C63}"/>
+                <a16:creationId xmlns:a16="http://schemas.microsoft.com/office/drawing/2014/main" id="{F2708D69-155C-4918-9045-3831B428B068}"/>
               </a:ext>
             </a:extLst>
           </p:cNvPr>
@@ -15684,7 +15586,7 @@
           <p:cNvPr id="3" name="Контейнер за съдържание 2">
             <a:extLst>
               <a:ext uri="{FF2B5EF4-FFF2-40B4-BE49-F238E27FC236}">
-                <a16:creationId xmlns:a16="http://schemas.microsoft.com/office/drawing/2014/main" id="{1D8A098A-CB1C-47A8-B77F-81E3CBAAE230}"/>
+                <a16:creationId xmlns:a16="http://schemas.microsoft.com/office/drawing/2014/main" id="{1BA99AEF-0968-4557-8823-90BD16466C84}"/>
               </a:ext>
             </a:extLst>
           </p:cNvPr>
@@ -15697,12 +15599,14 @@
         </p:nvSpPr>
         <p:spPr/>
         <p:txBody>
-          <a:bodyPr/>
-          <a:lstStyle/>
-          <a:p>
-            <a:r>
-              <a:rPr lang="bg-BG" dirty="0"/>
-              <a:t>Както вече сте се досетили, С++ разполага с инструмент точно за такива ситуации</a:t>
+          <a:bodyPr>
+            <a:normAutofit lnSpcReduction="10000"/>
+          </a:bodyPr>
+          <a:lstStyle/>
+          <a:p>
+            <a:r>
+              <a:rPr lang="bg-BG" dirty="0"/>
+              <a:t>Шаблоните не се компилират</a:t>
             </a:r>
           </a:p>
           <a:p>
@@ -15711,15 +15615,7 @@
           <a:p>
             <a:r>
               <a:rPr lang="bg-BG" dirty="0"/>
-              <a:t>Нарича се шаблони (</a:t>
-            </a:r>
-            <a:r>
-              <a:rPr lang="en-GB" dirty="0"/>
-              <a:t>templates) </a:t>
-            </a:r>
-            <a:r>
-              <a:rPr lang="bg-BG" dirty="0"/>
-              <a:t>и работи точно така както ние работихме до преди малко, с малки изключения</a:t>
+              <a:t>При извикване на функция, компилаторът търси нейната декларация</a:t>
             </a:r>
           </a:p>
           <a:p>
@@ -15728,7 +15624,16 @@
           <a:p>
             <a:r>
               <a:rPr lang="bg-BG" dirty="0"/>
-              <a:t>Реално ние създаваме някакъв шаблон и всеки път, когато той се извика, той създава съответната функция (края на програмата, без да променя кода)</a:t>
+              <a:t>Ако не я намери, проверява дали има шаблон, който може да е генерира</a:t>
+            </a:r>
+          </a:p>
+          <a:p>
+            <a:endParaRPr lang="bg-BG" dirty="0"/>
+          </a:p>
+          <a:p>
+            <a:r>
+              <a:rPr lang="bg-BG" dirty="0"/>
+              <a:t>Ако намери такъв, то тогава компилира само въпросната версия на шаблона</a:t>
             </a:r>
           </a:p>
         </p:txBody>
@@ -15736,7 +15641,7 @@
     </p:spTree>
     <p:extLst>
       <p:ext uri="{BB962C8B-B14F-4D97-AF65-F5344CB8AC3E}">
-        <p14:creationId xmlns:p14="http://schemas.microsoft.com/office/powerpoint/2010/main" val="394570314"/>
+        <p14:creationId xmlns:p14="http://schemas.microsoft.com/office/powerpoint/2010/main" val="246270183"/>
       </p:ext>
     </p:extLst>
   </p:cSld>
@@ -15768,7 +15673,7 @@
           <p:cNvPr id="2" name="Заглавие 1">
             <a:extLst>
               <a:ext uri="{FF2B5EF4-FFF2-40B4-BE49-F238E27FC236}">
-                <a16:creationId xmlns:a16="http://schemas.microsoft.com/office/drawing/2014/main" id="{F2708D69-155C-4918-9045-3831B428B068}"/>
+                <a16:creationId xmlns:a16="http://schemas.microsoft.com/office/drawing/2014/main" id="{3BE699F2-C534-4D27-9414-B3199DF6D827}"/>
               </a:ext>
             </a:extLst>
           </p:cNvPr>
@@ -15796,7 +15701,7 @@
           <p:cNvPr id="3" name="Контейнер за съдържание 2">
             <a:extLst>
               <a:ext uri="{FF2B5EF4-FFF2-40B4-BE49-F238E27FC236}">
-                <a16:creationId xmlns:a16="http://schemas.microsoft.com/office/drawing/2014/main" id="{1BA99AEF-0968-4557-8823-90BD16466C84}"/>
+                <a16:creationId xmlns:a16="http://schemas.microsoft.com/office/drawing/2014/main" id="{5DA8A2E8-B210-408E-9D31-E7EAEF597F31}"/>
               </a:ext>
             </a:extLst>
           </p:cNvPr>
@@ -15809,14 +15714,12 @@
         </p:nvSpPr>
         <p:spPr/>
         <p:txBody>
-          <a:bodyPr>
-            <a:normAutofit lnSpcReduction="10000"/>
-          </a:bodyPr>
-          <a:lstStyle/>
-          <a:p>
-            <a:r>
-              <a:rPr lang="bg-BG" dirty="0"/>
-              <a:t>Шаблоните не се компилират</a:t>
+          <a:bodyPr/>
+          <a:lstStyle/>
+          <a:p>
+            <a:r>
+              <a:rPr lang="bg-BG" dirty="0"/>
+              <a:t>Много начинаещи програмисти пренебрегват липсата на компилация и смело си пишат шаблона</a:t>
             </a:r>
           </a:p>
           <a:p>
@@ -15825,7 +15728,7 @@
           <a:p>
             <a:r>
               <a:rPr lang="bg-BG" dirty="0"/>
-              <a:t>При извикване на функция, компилаторът търси нейната декларация</a:t>
+              <a:t>Обикновено, когато решат да го тестват, получават множество съобщения за грешки от нищото</a:t>
             </a:r>
           </a:p>
           <a:p>
@@ -15833,17 +15736,20 @@
           </a:p>
           <a:p>
             <a:r>
-              <a:rPr lang="bg-BG" dirty="0"/>
-              <a:t>Ако не я намери, проверява дали има шаблон, който може да е генерира</a:t>
-            </a:r>
-          </a:p>
-          <a:p>
-            <a:endParaRPr lang="bg-BG" dirty="0"/>
-          </a:p>
-          <a:p>
-            <a:r>
-              <a:rPr lang="bg-BG" dirty="0"/>
-              <a:t>Ако намери такъв, то тогава компилира само въпросната версия на шаблона</a:t>
+              <a:rPr lang="en-GB" dirty="0"/>
+              <a:t>Visual Studio </a:t>
+            </a:r>
+            <a:r>
+              <a:rPr lang="bg-BG" dirty="0"/>
+              <a:t>вече притежава </a:t>
+            </a:r>
+            <a:r>
+              <a:rPr lang="en-GB" dirty="0"/>
+              <a:t>feature, </a:t>
+            </a:r>
+            <a:r>
+              <a:rPr lang="bg-BG" dirty="0"/>
+              <a:t>който позволява да се реши този проблем </a:t>
             </a:r>
           </a:p>
         </p:txBody>
@@ -15851,7 +15757,7 @@
     </p:spTree>
     <p:extLst>
       <p:ext uri="{BB962C8B-B14F-4D97-AF65-F5344CB8AC3E}">
-        <p14:creationId xmlns:p14="http://schemas.microsoft.com/office/powerpoint/2010/main" val="246270183"/>
+        <p14:creationId xmlns:p14="http://schemas.microsoft.com/office/powerpoint/2010/main" val="1789102043"/>
       </p:ext>
     </p:extLst>
   </p:cSld>
@@ -15883,7 +15789,7 @@
           <p:cNvPr id="2" name="Заглавие 1">
             <a:extLst>
               <a:ext uri="{FF2B5EF4-FFF2-40B4-BE49-F238E27FC236}">
-                <a16:creationId xmlns:a16="http://schemas.microsoft.com/office/drawing/2014/main" id="{3BE699F2-C534-4D27-9414-B3199DF6D827}"/>
+                <a16:creationId xmlns:a16="http://schemas.microsoft.com/office/drawing/2014/main" id="{316CDE0A-F272-44E1-9DA0-7A46BC35505A}"/>
               </a:ext>
             </a:extLst>
           </p:cNvPr>
@@ -15911,7 +15817,7 @@
           <p:cNvPr id="3" name="Контейнер за съдържание 2">
             <a:extLst>
               <a:ext uri="{FF2B5EF4-FFF2-40B4-BE49-F238E27FC236}">
-                <a16:creationId xmlns:a16="http://schemas.microsoft.com/office/drawing/2014/main" id="{5DA8A2E8-B210-408E-9D31-E7EAEF597F31}"/>
+                <a16:creationId xmlns:a16="http://schemas.microsoft.com/office/drawing/2014/main" id="{39CE8F53-2C77-4D5C-867F-7AB7B1EA3147}"/>
               </a:ext>
             </a:extLst>
           </p:cNvPr>
@@ -15929,45 +15835,82 @@
           <a:p>
             <a:r>
               <a:rPr lang="bg-BG" dirty="0"/>
-              <a:t>Много начинаещи програмисти пренебрегват липсата на компилация и смело си пишат шаблона</a:t>
-            </a:r>
-          </a:p>
-          <a:p>
+              <a:t>Синтаксис:</a:t>
+            </a:r>
+          </a:p>
+          <a:p>
+            <a:pPr marL="0" indent="0">
+              <a:buNone/>
+            </a:pPr>
+            <a:r>
+              <a:rPr lang="en-GB" dirty="0"/>
+              <a:t>template &lt;class </a:t>
+            </a:r>
+            <a:r>
+              <a:rPr lang="en-GB" i="1" dirty="0">
+                <a:solidFill>
+                  <a:srgbClr val="0070C0"/>
+                </a:solidFill>
+              </a:rPr>
+              <a:t>name1</a:t>
+            </a:r>
+            <a:r>
+              <a:rPr lang="en-GB" i="1" dirty="0"/>
+              <a:t> </a:t>
+            </a:r>
+            <a:r>
+              <a:rPr lang="en-GB" i="1" dirty="0">
+                <a:solidFill>
+                  <a:srgbClr val="0070C0"/>
+                </a:solidFill>
+              </a:rPr>
+              <a:t>[, name2…] </a:t>
+            </a:r>
+            <a:r>
+              <a:rPr lang="en-GB" dirty="0"/>
+              <a:t>&gt;</a:t>
+            </a:r>
+          </a:p>
+          <a:p>
+            <a:pPr marL="0" indent="0">
+              <a:buNone/>
+            </a:pPr>
+            <a:r>
+              <a:rPr lang="en-GB" dirty="0"/>
+              <a:t>…….</a:t>
+            </a:r>
+          </a:p>
+          <a:p>
+            <a:pPr marL="0" indent="0">
+              <a:buNone/>
+            </a:pPr>
+            <a:endParaRPr lang="en-GB" dirty="0"/>
+          </a:p>
+          <a:p>
+            <a:r>
+              <a:rPr lang="bg-BG" dirty="0"/>
+              <a:t>Често за </a:t>
+            </a:r>
+            <a:r>
+              <a:rPr lang="en-GB" dirty="0"/>
+              <a:t>name </a:t>
+            </a:r>
+            <a:r>
+              <a:rPr lang="bg-BG" dirty="0"/>
+              <a:t>се използва буквата </a:t>
+            </a:r>
+            <a:r>
+              <a:rPr lang="en-GB" dirty="0"/>
+              <a:t>T</a:t>
+            </a:r>
             <a:endParaRPr lang="bg-BG" dirty="0"/>
-          </a:p>
-          <a:p>
-            <a:r>
-              <a:rPr lang="bg-BG" dirty="0"/>
-              <a:t>Обикновено, когато решат да го тестват, получават множество съобщения за грешки от нищото</a:t>
-            </a:r>
-          </a:p>
-          <a:p>
-            <a:endParaRPr lang="bg-BG" dirty="0"/>
-          </a:p>
-          <a:p>
-            <a:r>
-              <a:rPr lang="en-GB" dirty="0"/>
-              <a:t>Visual Studio </a:t>
-            </a:r>
-            <a:r>
-              <a:rPr lang="bg-BG" dirty="0"/>
-              <a:t>вече притежава </a:t>
-            </a:r>
-            <a:r>
-              <a:rPr lang="en-GB" dirty="0"/>
-              <a:t>feature, </a:t>
-            </a:r>
-            <a:r>
-              <a:rPr lang="bg-BG" dirty="0"/>
-              <a:t>който позволява да се реши този проблем </a:t>
-            </a:r>
           </a:p>
         </p:txBody>
       </p:sp>
     </p:spTree>
     <p:extLst>
       <p:ext uri="{BB962C8B-B14F-4D97-AF65-F5344CB8AC3E}">
-        <p14:creationId xmlns:p14="http://schemas.microsoft.com/office/powerpoint/2010/main" val="1789102043"/>
+        <p14:creationId xmlns:p14="http://schemas.microsoft.com/office/powerpoint/2010/main" val="3029320267"/>
       </p:ext>
     </p:extLst>
   </p:cSld>
@@ -15999,7 +15942,7 @@
           <p:cNvPr id="2" name="Заглавие 1">
             <a:extLst>
               <a:ext uri="{FF2B5EF4-FFF2-40B4-BE49-F238E27FC236}">
-                <a16:creationId xmlns:a16="http://schemas.microsoft.com/office/drawing/2014/main" id="{316CDE0A-F272-44E1-9DA0-7A46BC35505A}"/>
+                <a16:creationId xmlns:a16="http://schemas.microsoft.com/office/drawing/2014/main" id="{ED684105-FAA9-491B-B091-397D2E875FF3}"/>
               </a:ext>
             </a:extLst>
           </p:cNvPr>
@@ -16017,7 +15960,7 @@
           <a:p>
             <a:r>
               <a:rPr lang="bg-BG" dirty="0"/>
-              <a:t>Шаблони</a:t>
+              <a:t>Пример</a:t>
             </a:r>
           </a:p>
         </p:txBody>
@@ -16027,7 +15970,7 @@
           <p:cNvPr id="3" name="Контейнер за съдържание 2">
             <a:extLst>
               <a:ext uri="{FF2B5EF4-FFF2-40B4-BE49-F238E27FC236}">
-                <a16:creationId xmlns:a16="http://schemas.microsoft.com/office/drawing/2014/main" id="{39CE8F53-2C77-4D5C-867F-7AB7B1EA3147}"/>
+                <a16:creationId xmlns:a16="http://schemas.microsoft.com/office/drawing/2014/main" id="{BB9A4715-E3F9-4795-BCFB-A15BD2134B51}"/>
               </a:ext>
             </a:extLst>
           </p:cNvPr>
@@ -16038,89 +15981,172 @@
             <p:ph idx="1"/>
           </p:nvPr>
         </p:nvSpPr>
-        <p:spPr/>
-        <p:txBody>
-          <a:bodyPr/>
-          <a:lstStyle/>
-          <a:p>
-            <a:r>
-              <a:rPr lang="bg-BG" dirty="0"/>
-              <a:t>Синтаксис:</a:t>
-            </a:r>
-          </a:p>
-          <a:p>
-            <a:pPr marL="0" indent="0">
-              <a:buNone/>
-            </a:pPr>
-            <a:r>
-              <a:rPr lang="en-GB" dirty="0"/>
-              <a:t>template &lt;class </a:t>
-            </a:r>
-            <a:r>
-              <a:rPr lang="en-GB" i="1" dirty="0">
-                <a:solidFill>
-                  <a:srgbClr val="0070C0"/>
-                </a:solidFill>
-              </a:rPr>
-              <a:t>name1</a:t>
-            </a:r>
-            <a:r>
-              <a:rPr lang="en-GB" i="1" dirty="0"/>
-              <a:t> </a:t>
-            </a:r>
-            <a:r>
-              <a:rPr lang="en-GB" i="1" dirty="0">
-                <a:solidFill>
-                  <a:srgbClr val="0070C0"/>
-                </a:solidFill>
-              </a:rPr>
-              <a:t>[, name2…] </a:t>
-            </a:r>
-            <a:r>
-              <a:rPr lang="en-GB" dirty="0"/>
-              <a:t>&gt;</a:t>
-            </a:r>
-          </a:p>
-          <a:p>
-            <a:pPr marL="0" indent="0">
-              <a:buNone/>
-            </a:pPr>
-            <a:r>
-              <a:rPr lang="en-GB" dirty="0"/>
-              <a:t>…….</a:t>
-            </a:r>
-          </a:p>
-          <a:p>
-            <a:pPr marL="0" indent="0">
-              <a:buNone/>
-            </a:pPr>
-            <a:endParaRPr lang="en-GB" dirty="0"/>
-          </a:p>
-          <a:p>
-            <a:r>
-              <a:rPr lang="bg-BG" dirty="0"/>
-              <a:t>Често за </a:t>
-            </a:r>
-            <a:r>
-              <a:rPr lang="en-GB" dirty="0"/>
-              <a:t>name </a:t>
-            </a:r>
-            <a:r>
-              <a:rPr lang="bg-BG" dirty="0"/>
-              <a:t>се използва буквата </a:t>
-            </a:r>
-            <a:r>
-              <a:rPr lang="en-GB" dirty="0"/>
-              <a:t>T</a:t>
-            </a:r>
-            <a:endParaRPr lang="bg-BG" dirty="0"/>
+        <p:spPr>
+          <a:xfrm>
+            <a:off x="478303" y="1505243"/>
+            <a:ext cx="11380762" cy="5205046"/>
+          </a:xfrm>
+        </p:spPr>
+        <p:txBody>
+          <a:bodyPr>
+            <a:normAutofit fontScale="92500" lnSpcReduction="10000"/>
+          </a:bodyPr>
+          <a:lstStyle/>
+          <a:p>
+            <a:pPr marL="0" indent="0">
+              <a:buNone/>
+            </a:pPr>
+            <a:r>
+              <a:rPr lang="en-GB" sz="2400" dirty="0"/>
+              <a:t>template &lt;class T&gt;</a:t>
+            </a:r>
+          </a:p>
+          <a:p>
+            <a:pPr marL="0" indent="0">
+              <a:buNone/>
+            </a:pPr>
+            <a:r>
+              <a:rPr lang="fr-FR" sz="2400" dirty="0"/>
+              <a:t>void Print(const T a, const int b)</a:t>
+            </a:r>
+          </a:p>
+          <a:p>
+            <a:pPr marL="0" indent="0">
+              <a:buNone/>
+            </a:pPr>
+            <a:r>
+              <a:rPr lang="bg-BG" sz="2400" dirty="0"/>
+              <a:t>{</a:t>
+            </a:r>
+          </a:p>
+          <a:p>
+            <a:pPr marL="0" indent="0">
+              <a:buNone/>
+            </a:pPr>
+            <a:r>
+              <a:rPr lang="bg-BG" sz="2400" dirty="0"/>
+              <a:t>	</a:t>
+            </a:r>
+            <a:r>
+              <a:rPr lang="en-GB" sz="2400" dirty="0"/>
+              <a:t>std::</a:t>
+            </a:r>
+            <a:r>
+              <a:rPr lang="en-GB" sz="2400" dirty="0" err="1"/>
+              <a:t>cout</a:t>
+            </a:r>
+            <a:r>
+              <a:rPr lang="en-GB" sz="2400" dirty="0"/>
+              <a:t> &lt;&lt; a &lt;&lt; ' ' &lt;&lt; b &lt;&lt; '\n';</a:t>
+            </a:r>
+          </a:p>
+          <a:p>
+            <a:pPr marL="0" indent="0">
+              <a:buNone/>
+            </a:pPr>
+            <a:r>
+              <a:rPr lang="bg-BG" sz="2400" dirty="0"/>
+              <a:t>}</a:t>
+            </a:r>
+          </a:p>
+          <a:p>
+            <a:pPr marL="0" indent="0">
+              <a:buNone/>
+            </a:pPr>
+            <a:r>
+              <a:rPr lang="en-GB" sz="2400" dirty="0"/>
+              <a:t>int main()</a:t>
+            </a:r>
+          </a:p>
+          <a:p>
+            <a:pPr marL="0" indent="0">
+              <a:buNone/>
+            </a:pPr>
+            <a:r>
+              <a:rPr lang="bg-BG" sz="2400" dirty="0"/>
+              <a:t>{</a:t>
+            </a:r>
+          </a:p>
+          <a:p>
+            <a:pPr marL="0" indent="0">
+              <a:buNone/>
+            </a:pPr>
+            <a:r>
+              <a:rPr lang="bg-BG" sz="2400" dirty="0"/>
+              <a:t>	</a:t>
+            </a:r>
+            <a:r>
+              <a:rPr lang="en-GB" sz="2400" dirty="0"/>
+              <a:t>Print(4, 5);</a:t>
+            </a:r>
+          </a:p>
+          <a:p>
+            <a:pPr marL="0" indent="0">
+              <a:buNone/>
+            </a:pPr>
+            <a:r>
+              <a:rPr lang="bg-BG" sz="2400" dirty="0"/>
+              <a:t>	</a:t>
+            </a:r>
+            <a:r>
+              <a:rPr lang="en-GB" sz="2400" dirty="0"/>
+              <a:t>Print('b', 6);</a:t>
+            </a:r>
+          </a:p>
+          <a:p>
+            <a:pPr marL="0" indent="0">
+              <a:buNone/>
+            </a:pPr>
+            <a:r>
+              <a:rPr lang="bg-BG" sz="2400" dirty="0"/>
+              <a:t>	</a:t>
+            </a:r>
+            <a:r>
+              <a:rPr lang="en-GB" sz="2400" dirty="0"/>
+              <a:t>Print(false, 1);</a:t>
+            </a:r>
+          </a:p>
+          <a:p>
+            <a:pPr marL="0" indent="0">
+              <a:buNone/>
+            </a:pPr>
+            <a:r>
+              <a:rPr lang="bg-BG" sz="2400" dirty="0"/>
+              <a:t>	</a:t>
+            </a:r>
+            <a:r>
+              <a:rPr lang="en-GB" sz="2400" dirty="0"/>
+              <a:t>Print("so cool", 9);</a:t>
+            </a:r>
+          </a:p>
+          <a:p>
+            <a:pPr marL="0" indent="0">
+              <a:buNone/>
+            </a:pPr>
+            <a:r>
+              <a:rPr lang="bg-BG" sz="2400" dirty="0"/>
+              <a:t>	</a:t>
+            </a:r>
+            <a:r>
+              <a:rPr lang="en-GB" sz="2400" dirty="0"/>
+              <a:t>return 0;</a:t>
+            </a:r>
+          </a:p>
+          <a:p>
+            <a:pPr marL="0" indent="0">
+              <a:buNone/>
+            </a:pPr>
+            <a:r>
+              <a:rPr lang="bg-BG" sz="2400" dirty="0"/>
+              <a:t>}</a:t>
+            </a:r>
           </a:p>
         </p:txBody>
       </p:sp>
     </p:spTree>
     <p:extLst>
       <p:ext uri="{BB962C8B-B14F-4D97-AF65-F5344CB8AC3E}">
-        <p14:creationId xmlns:p14="http://schemas.microsoft.com/office/powerpoint/2010/main" val="3029320267"/>
+        <p14:creationId xmlns:p14="http://schemas.microsoft.com/office/powerpoint/2010/main" val="894585970"/>
       </p:ext>
     </p:extLst>
   </p:cSld>
@@ -16152,7 +16178,7 @@
           <p:cNvPr id="2" name="Заглавие 1">
             <a:extLst>
               <a:ext uri="{FF2B5EF4-FFF2-40B4-BE49-F238E27FC236}">
-                <a16:creationId xmlns:a16="http://schemas.microsoft.com/office/drawing/2014/main" id="{ED684105-FAA9-491B-B091-397D2E875FF3}"/>
+                <a16:creationId xmlns:a16="http://schemas.microsoft.com/office/drawing/2014/main" id="{A843EFAE-E3F8-446D-B97C-D5CBC5DE6ED4}"/>
               </a:ext>
             </a:extLst>
           </p:cNvPr>
@@ -16168,195 +16194,49 @@
           <a:bodyPr/>
           <a:lstStyle/>
           <a:p>
-            <a:r>
-              <a:rPr lang="bg-BG" dirty="0"/>
-              <a:t>Пример</a:t>
-            </a:r>
-          </a:p>
-        </p:txBody>
-      </p:sp>
-      <p:sp>
-        <p:nvSpPr>
-          <p:cNvPr id="3" name="Контейнер за съдържание 2">
-            <a:extLst>
-              <a:ext uri="{FF2B5EF4-FFF2-40B4-BE49-F238E27FC236}">
-                <a16:creationId xmlns:a16="http://schemas.microsoft.com/office/drawing/2014/main" id="{BB9A4715-E3F9-4795-BCFB-A15BD2134B51}"/>
-              </a:ext>
-            </a:extLst>
-          </p:cNvPr>
-          <p:cNvSpPr>
-            <a:spLocks noGrp="1"/>
-          </p:cNvSpPr>
+            <a:endParaRPr lang="bg-BG"/>
+          </a:p>
+        </p:txBody>
+      </p:sp>
+      <p:pic>
+        <p:nvPicPr>
+          <p:cNvPr id="5" name="Контейнер за съдържание 4">
+            <a:extLst>
+              <a:ext uri="{FF2B5EF4-FFF2-40B4-BE49-F238E27FC236}">
+                <a16:creationId xmlns:a16="http://schemas.microsoft.com/office/drawing/2014/main" id="{EB129C4B-6F73-4ED8-B5B5-B4D1FC70749C}"/>
+              </a:ext>
+            </a:extLst>
+          </p:cNvPr>
+          <p:cNvPicPr>
+            <a:picLocks noGrp="1" noChangeAspect="1"/>
+          </p:cNvPicPr>
           <p:nvPr>
             <p:ph idx="1"/>
           </p:nvPr>
-        </p:nvSpPr>
+        </p:nvPicPr>
+        <p:blipFill>
+          <a:blip r:embed="rId2">
+            <a:extLst>
+              <a:ext uri="{28A0092B-C50C-407E-A947-70E740481C1C}">
+                <a14:useLocalDpi xmlns:a14="http://schemas.microsoft.com/office/drawing/2010/main" val="0"/>
+              </a:ext>
+            </a:extLst>
+          </a:blip>
+          <a:stretch>
+            <a:fillRect/>
+          </a:stretch>
+        </p:blipFill>
         <p:spPr>
           <a:xfrm>
-            <a:off x="838199" y="1825625"/>
-            <a:ext cx="11020865" cy="4884664"/>
+            <a:off x="0" y="-1"/>
+            <a:ext cx="12192000" cy="6854653"/>
           </a:xfrm>
         </p:spPr>
-        <p:txBody>
-          <a:bodyPr>
-            <a:normAutofit fontScale="77500" lnSpcReduction="20000"/>
-          </a:bodyPr>
-          <a:lstStyle/>
-          <a:p>
-            <a:pPr marL="0" indent="0">
-              <a:buNone/>
-            </a:pPr>
-            <a:r>
-              <a:rPr lang="en-GB" dirty="0"/>
-              <a:t>template &lt;class T&gt;</a:t>
-            </a:r>
-          </a:p>
-          <a:p>
-            <a:pPr marL="0" indent="0">
-              <a:buNone/>
-            </a:pPr>
-            <a:r>
-              <a:rPr lang="fr-FR" dirty="0"/>
-              <a:t>void Print(const T a, const int b)</a:t>
-            </a:r>
-          </a:p>
-          <a:p>
-            <a:pPr marL="0" indent="0">
-              <a:buNone/>
-            </a:pPr>
-            <a:r>
-              <a:rPr lang="bg-BG" dirty="0"/>
-              <a:t>{</a:t>
-            </a:r>
-          </a:p>
-          <a:p>
-            <a:pPr marL="0" indent="0">
-              <a:buNone/>
-            </a:pPr>
-            <a:r>
-              <a:rPr lang="bg-BG" dirty="0"/>
-              <a:t>	</a:t>
-            </a:r>
-            <a:r>
-              <a:rPr lang="en-GB" dirty="0"/>
-              <a:t>std::</a:t>
-            </a:r>
-            <a:r>
-              <a:rPr lang="en-GB" dirty="0" err="1"/>
-              <a:t>cout</a:t>
-            </a:r>
-            <a:r>
-              <a:rPr lang="en-GB" dirty="0"/>
-              <a:t> &lt;&lt; a &lt;&lt; ' ' &lt;&lt; b &lt;&lt; '\n';</a:t>
-            </a:r>
-          </a:p>
-          <a:p>
-            <a:pPr marL="0" indent="0">
-              <a:buNone/>
-            </a:pPr>
-            <a:r>
-              <a:rPr lang="bg-BG" dirty="0"/>
-              <a:t>}</a:t>
-            </a:r>
-          </a:p>
-          <a:p>
-            <a:pPr marL="0" indent="0">
-              <a:buNone/>
-            </a:pPr>
-            <a:r>
-              <a:rPr lang="en-GB" dirty="0"/>
-              <a:t>int main()</a:t>
-            </a:r>
-          </a:p>
-          <a:p>
-            <a:pPr marL="0" indent="0">
-              <a:buNone/>
-            </a:pPr>
-            <a:r>
-              <a:rPr lang="bg-BG" dirty="0"/>
-              <a:t>{</a:t>
-            </a:r>
-          </a:p>
-          <a:p>
-            <a:pPr marL="0" indent="0">
-              <a:buNone/>
-            </a:pPr>
-            <a:r>
-              <a:rPr lang="bg-BG" dirty="0"/>
-              <a:t>	</a:t>
-            </a:r>
-            <a:r>
-              <a:rPr lang="en-GB" dirty="0"/>
-              <a:t>Print(4, 5);</a:t>
-            </a:r>
-          </a:p>
-          <a:p>
-            <a:pPr marL="0" indent="0">
-              <a:buNone/>
-            </a:pPr>
-            <a:r>
-              <a:rPr lang="bg-BG" dirty="0"/>
-              <a:t>	</a:t>
-            </a:r>
-            <a:r>
-              <a:rPr lang="en-GB" dirty="0"/>
-              <a:t>Print('b', 6);</a:t>
-            </a:r>
-          </a:p>
-          <a:p>
-            <a:pPr marL="0" indent="0">
-              <a:buNone/>
-            </a:pPr>
-            <a:r>
-              <a:rPr lang="bg-BG" dirty="0"/>
-              <a:t>	</a:t>
-            </a:r>
-            <a:r>
-              <a:rPr lang="en-GB" dirty="0"/>
-              <a:t>Print(false, 1);</a:t>
-            </a:r>
-          </a:p>
-          <a:p>
-            <a:pPr marL="0" indent="0">
-              <a:buNone/>
-            </a:pPr>
-            <a:r>
-              <a:rPr lang="bg-BG" dirty="0"/>
-              <a:t>	</a:t>
-            </a:r>
-            <a:r>
-              <a:rPr lang="en-GB" dirty="0"/>
-              <a:t>Print("so cool", 9);</a:t>
-            </a:r>
-          </a:p>
-          <a:p>
-            <a:pPr marL="0" indent="0">
-              <a:buNone/>
-            </a:pPr>
-            <a:r>
-              <a:rPr lang="bg-BG" dirty="0"/>
-              <a:t>	</a:t>
-            </a:r>
-            <a:r>
-              <a:rPr lang="en-GB" dirty="0"/>
-              <a:t>return 0;</a:t>
-            </a:r>
-          </a:p>
-          <a:p>
-            <a:pPr marL="0" indent="0">
-              <a:buNone/>
-            </a:pPr>
-            <a:r>
-              <a:rPr lang="bg-BG" dirty="0"/>
-              <a:t>}</a:t>
-            </a:r>
-          </a:p>
-        </p:txBody>
-      </p:sp>
+      </p:pic>
     </p:spTree>
     <p:extLst>
       <p:ext uri="{BB962C8B-B14F-4D97-AF65-F5344CB8AC3E}">
-        <p14:creationId xmlns:p14="http://schemas.microsoft.com/office/powerpoint/2010/main" val="894585970"/>
+        <p14:creationId xmlns:p14="http://schemas.microsoft.com/office/powerpoint/2010/main" val="1202714402"/>
       </p:ext>
     </p:extLst>
   </p:cSld>
@@ -16388,7 +16268,7 @@
           <p:cNvPr id="2" name="Заглавие 1">
             <a:extLst>
               <a:ext uri="{FF2B5EF4-FFF2-40B4-BE49-F238E27FC236}">
-                <a16:creationId xmlns:a16="http://schemas.microsoft.com/office/drawing/2014/main" id="{A843EFAE-E3F8-446D-B97C-D5CBC5DE6ED4}"/>
+                <a16:creationId xmlns:a16="http://schemas.microsoft.com/office/drawing/2014/main" id="{0E5161F9-31F6-45CB-AAF7-A3745FB1B0E9}"/>
               </a:ext>
             </a:extLst>
           </p:cNvPr>
@@ -16404,49 +16284,92 @@
           <a:bodyPr/>
           <a:lstStyle/>
           <a:p>
-            <a:endParaRPr lang="bg-BG"/>
-          </a:p>
-        </p:txBody>
-      </p:sp>
-      <p:pic>
-        <p:nvPicPr>
-          <p:cNvPr id="5" name="Контейнер за съдържание 4">
-            <a:extLst>
-              <a:ext uri="{FF2B5EF4-FFF2-40B4-BE49-F238E27FC236}">
-                <a16:creationId xmlns:a16="http://schemas.microsoft.com/office/drawing/2014/main" id="{EB129C4B-6F73-4ED8-B5B5-B4D1FC70749C}"/>
-              </a:ext>
-            </a:extLst>
-          </p:cNvPr>
-          <p:cNvPicPr>
-            <a:picLocks noGrp="1" noChangeAspect="1"/>
-          </p:cNvPicPr>
+            <a:r>
+              <a:rPr lang="bg-BG" dirty="0"/>
+              <a:t>Шаблони</a:t>
+            </a:r>
+          </a:p>
+        </p:txBody>
+      </p:sp>
+      <p:sp>
+        <p:nvSpPr>
+          <p:cNvPr id="3" name="Контейнер за съдържание 2">
+            <a:extLst>
+              <a:ext uri="{FF2B5EF4-FFF2-40B4-BE49-F238E27FC236}">
+                <a16:creationId xmlns:a16="http://schemas.microsoft.com/office/drawing/2014/main" id="{C4809AF9-6640-47A7-9C04-1F42CE45743D}"/>
+              </a:ext>
+            </a:extLst>
+          </p:cNvPr>
+          <p:cNvSpPr>
+            <a:spLocks noGrp="1"/>
+          </p:cNvSpPr>
           <p:nvPr>
             <p:ph idx="1"/>
           </p:nvPr>
-        </p:nvPicPr>
-        <p:blipFill>
-          <a:blip r:embed="rId2">
-            <a:extLst>
-              <a:ext uri="{28A0092B-C50C-407E-A947-70E740481C1C}">
-                <a14:useLocalDpi xmlns:a14="http://schemas.microsoft.com/office/drawing/2010/main" val="0"/>
-              </a:ext>
-            </a:extLst>
-          </a:blip>
-          <a:stretch>
-            <a:fillRect/>
-          </a:stretch>
-        </p:blipFill>
-        <p:spPr>
-          <a:xfrm>
-            <a:off x="0" y="-1"/>
-            <a:ext cx="12192000" cy="6854653"/>
-          </a:xfrm>
-        </p:spPr>
-      </p:pic>
+        </p:nvSpPr>
+        <p:spPr/>
+        <p:txBody>
+          <a:bodyPr/>
+          <a:lstStyle/>
+          <a:p>
+            <a:r>
+              <a:rPr lang="bg-BG" dirty="0"/>
+              <a:t>Както споменах, наскоро </a:t>
+            </a:r>
+            <a:r>
+              <a:rPr lang="en-GB" dirty="0"/>
+              <a:t>Visual </a:t>
+            </a:r>
+            <a:r>
+              <a:rPr lang="en-GB" dirty="0" err="1"/>
+              <a:t>Stidio</a:t>
+            </a:r>
+            <a:r>
+              <a:rPr lang="en-GB" dirty="0"/>
+              <a:t> </a:t>
+            </a:r>
+            <a:r>
+              <a:rPr lang="bg-BG" dirty="0"/>
+              <a:t>добави нов </a:t>
+            </a:r>
+            <a:r>
+              <a:rPr lang="en-GB" dirty="0"/>
+              <a:t>feature, </a:t>
+            </a:r>
+            <a:r>
+              <a:rPr lang="bg-BG" dirty="0"/>
+              <a:t>спомагащ много при писането на шаблони</a:t>
+            </a:r>
+          </a:p>
+          <a:p>
+            <a:endParaRPr lang="bg-BG" dirty="0"/>
+          </a:p>
+          <a:p>
+            <a:r>
+              <a:rPr lang="bg-BG" dirty="0"/>
+              <a:t>Той позволява да се тества кода с параметър по наш избор и може значително да улесни работата на много хора</a:t>
+            </a:r>
+          </a:p>
+          <a:p>
+            <a:endParaRPr lang="bg-BG" dirty="0"/>
+          </a:p>
+          <a:p>
+            <a:r>
+              <a:rPr lang="bg-BG" dirty="0"/>
+              <a:t>Ако го нямате, вземете последната версия на </a:t>
+            </a:r>
+            <a:r>
+              <a:rPr lang="en-GB" dirty="0"/>
+              <a:t>Visual Studio</a:t>
+            </a:r>
+            <a:endParaRPr lang="bg-BG" dirty="0"/>
+          </a:p>
+        </p:txBody>
+      </p:sp>
     </p:spTree>
     <p:extLst>
       <p:ext uri="{BB962C8B-B14F-4D97-AF65-F5344CB8AC3E}">
-        <p14:creationId xmlns:p14="http://schemas.microsoft.com/office/powerpoint/2010/main" val="1202714402"/>
+        <p14:creationId xmlns:p14="http://schemas.microsoft.com/office/powerpoint/2010/main" val="109580855"/>
       </p:ext>
     </p:extLst>
   </p:cSld>
@@ -16660,123 +16583,6 @@
           <p:cNvPr id="2" name="Заглавие 1">
             <a:extLst>
               <a:ext uri="{FF2B5EF4-FFF2-40B4-BE49-F238E27FC236}">
-                <a16:creationId xmlns:a16="http://schemas.microsoft.com/office/drawing/2014/main" id="{0E5161F9-31F6-45CB-AAF7-A3745FB1B0E9}"/>
-              </a:ext>
-            </a:extLst>
-          </p:cNvPr>
-          <p:cNvSpPr>
-            <a:spLocks noGrp="1"/>
-          </p:cNvSpPr>
-          <p:nvPr>
-            <p:ph type="title"/>
-          </p:nvPr>
-        </p:nvSpPr>
-        <p:spPr/>
-        <p:txBody>
-          <a:bodyPr/>
-          <a:lstStyle/>
-          <a:p>
-            <a:r>
-              <a:rPr lang="bg-BG" dirty="0"/>
-              <a:t>Шаблони</a:t>
-            </a:r>
-          </a:p>
-        </p:txBody>
-      </p:sp>
-      <p:sp>
-        <p:nvSpPr>
-          <p:cNvPr id="3" name="Контейнер за съдържание 2">
-            <a:extLst>
-              <a:ext uri="{FF2B5EF4-FFF2-40B4-BE49-F238E27FC236}">
-                <a16:creationId xmlns:a16="http://schemas.microsoft.com/office/drawing/2014/main" id="{C4809AF9-6640-47A7-9C04-1F42CE45743D}"/>
-              </a:ext>
-            </a:extLst>
-          </p:cNvPr>
-          <p:cNvSpPr>
-            <a:spLocks noGrp="1"/>
-          </p:cNvSpPr>
-          <p:nvPr>
-            <p:ph idx="1"/>
-          </p:nvPr>
-        </p:nvSpPr>
-        <p:spPr/>
-        <p:txBody>
-          <a:bodyPr/>
-          <a:lstStyle/>
-          <a:p>
-            <a:r>
-              <a:rPr lang="bg-BG" dirty="0"/>
-              <a:t>Както споменах, наскоро С++ добави нов </a:t>
-            </a:r>
-            <a:r>
-              <a:rPr lang="en-GB" dirty="0"/>
-              <a:t>feature, </a:t>
-            </a:r>
-            <a:r>
-              <a:rPr lang="bg-BG" dirty="0"/>
-              <a:t>спомагащ много при писането на шаблони</a:t>
-            </a:r>
-          </a:p>
-          <a:p>
-            <a:endParaRPr lang="bg-BG" dirty="0"/>
-          </a:p>
-          <a:p>
-            <a:r>
-              <a:rPr lang="bg-BG" dirty="0"/>
-              <a:t>Той позволява да се тества кода с параметър по наш избор и може значително да улесни работата на много хора</a:t>
-            </a:r>
-          </a:p>
-          <a:p>
-            <a:endParaRPr lang="bg-BG" dirty="0"/>
-          </a:p>
-          <a:p>
-            <a:r>
-              <a:rPr lang="bg-BG" dirty="0"/>
-              <a:t>Ако го нямате, вземете последната версия на </a:t>
-            </a:r>
-            <a:r>
-              <a:rPr lang="en-GB" dirty="0"/>
-              <a:t>visual studio</a:t>
-            </a:r>
-            <a:endParaRPr lang="bg-BG" dirty="0"/>
-          </a:p>
-        </p:txBody>
-      </p:sp>
-    </p:spTree>
-    <p:extLst>
-      <p:ext uri="{BB962C8B-B14F-4D97-AF65-F5344CB8AC3E}">
-        <p14:creationId xmlns:p14="http://schemas.microsoft.com/office/powerpoint/2010/main" val="109580855"/>
-      </p:ext>
-    </p:extLst>
-  </p:cSld>
-  <p:clrMapOvr>
-    <a:masterClrMapping/>
-  </p:clrMapOvr>
-</p:sld>
-</file>
-
-<file path=ppt/slides/slide71.xml><?xml version="1.0" encoding="utf-8"?>
-<p:sld xmlns:a="http://schemas.openxmlformats.org/drawingml/2006/main" xmlns:r="http://schemas.openxmlformats.org/officeDocument/2006/relationships" xmlns:p="http://schemas.openxmlformats.org/presentationml/2006/main">
-  <p:cSld>
-    <p:spTree>
-      <p:nvGrpSpPr>
-        <p:cNvPr id="1" name=""/>
-        <p:cNvGrpSpPr/>
-        <p:nvPr/>
-      </p:nvGrpSpPr>
-      <p:grpSpPr>
-        <a:xfrm>
-          <a:off x="0" y="0"/>
-          <a:ext cx="0" cy="0"/>
-          <a:chOff x="0" y="0"/>
-          <a:chExt cx="0" cy="0"/>
-        </a:xfrm>
-      </p:grpSpPr>
-      <p:sp>
-        <p:nvSpPr>
-          <p:cNvPr id="2" name="Заглавие 1">
-            <a:extLst>
-              <a:ext uri="{FF2B5EF4-FFF2-40B4-BE49-F238E27FC236}">
                 <a16:creationId xmlns:a16="http://schemas.microsoft.com/office/drawing/2014/main" id="{B332ABC9-CC53-40BB-B8B4-FB8F830F3ACC}"/>
               </a:ext>
             </a:extLst>
@@ -16855,7 +16661,7 @@
 </p:sld>
 </file>
 
-<file path=ppt/slides/slide72.xml><?xml version="1.0" encoding="utf-8"?>
+<file path=ppt/slides/slide71.xml><?xml version="1.0" encoding="utf-8"?>
 <p:sld xmlns:a="http://schemas.openxmlformats.org/drawingml/2006/main" xmlns:r="http://schemas.openxmlformats.org/officeDocument/2006/relationships" xmlns:p="http://schemas.openxmlformats.org/presentationml/2006/main">
   <p:cSld>
     <p:spTree>
@@ -16971,6 +16777,96 @@
 </p:sld>
 </file>
 
+<file path=ppt/slides/slide72.xml><?xml version="1.0" encoding="utf-8"?>
+<p:sld xmlns:a="http://schemas.openxmlformats.org/drawingml/2006/main" xmlns:r="http://schemas.openxmlformats.org/officeDocument/2006/relationships" xmlns:p="http://schemas.openxmlformats.org/presentationml/2006/main">
+  <p:cSld>
+    <p:spTree>
+      <p:nvGrpSpPr>
+        <p:cNvPr id="1" name=""/>
+        <p:cNvGrpSpPr/>
+        <p:nvPr/>
+      </p:nvGrpSpPr>
+      <p:grpSpPr>
+        <a:xfrm>
+          <a:off x="0" y="0"/>
+          <a:ext cx="0" cy="0"/>
+          <a:chOff x="0" y="0"/>
+          <a:chExt cx="0" cy="0"/>
+        </a:xfrm>
+      </p:grpSpPr>
+      <p:sp>
+        <p:nvSpPr>
+          <p:cNvPr id="2" name="Заглавие 1">
+            <a:extLst>
+              <a:ext uri="{FF2B5EF4-FFF2-40B4-BE49-F238E27FC236}">
+                <a16:creationId xmlns:a16="http://schemas.microsoft.com/office/drawing/2014/main" id="{28879AF4-91B9-49AB-A224-63F8BC809B05}"/>
+              </a:ext>
+            </a:extLst>
+          </p:cNvPr>
+          <p:cNvSpPr>
+            <a:spLocks noGrp="1"/>
+          </p:cNvSpPr>
+          <p:nvPr>
+            <p:ph type="title"/>
+          </p:nvPr>
+        </p:nvSpPr>
+        <p:spPr/>
+        <p:txBody>
+          <a:bodyPr/>
+          <a:lstStyle/>
+          <a:p>
+            <a:endParaRPr lang="bg-BG"/>
+          </a:p>
+        </p:txBody>
+      </p:sp>
+      <p:pic>
+        <p:nvPicPr>
+          <p:cNvPr id="5" name="Контейнер за съдържание 4">
+            <a:extLst>
+              <a:ext uri="{FF2B5EF4-FFF2-40B4-BE49-F238E27FC236}">
+                <a16:creationId xmlns:a16="http://schemas.microsoft.com/office/drawing/2014/main" id="{EC791601-41E9-4D6C-8961-79A027292588}"/>
+              </a:ext>
+            </a:extLst>
+          </p:cNvPr>
+          <p:cNvPicPr>
+            <a:picLocks noGrp="1" noChangeAspect="1"/>
+          </p:cNvPicPr>
+          <p:nvPr>
+            <p:ph idx="1"/>
+          </p:nvPr>
+        </p:nvPicPr>
+        <p:blipFill>
+          <a:blip r:embed="rId2">
+            <a:extLst>
+              <a:ext uri="{28A0092B-C50C-407E-A947-70E740481C1C}">
+                <a14:useLocalDpi xmlns:a14="http://schemas.microsoft.com/office/drawing/2010/main" val="0"/>
+              </a:ext>
+            </a:extLst>
+          </a:blip>
+          <a:stretch>
+            <a:fillRect/>
+          </a:stretch>
+        </p:blipFill>
+        <p:spPr>
+          <a:xfrm>
+            <a:off x="0" y="-1"/>
+            <a:ext cx="12192000" cy="6854653"/>
+          </a:xfrm>
+        </p:spPr>
+      </p:pic>
+    </p:spTree>
+    <p:extLst>
+      <p:ext uri="{BB962C8B-B14F-4D97-AF65-F5344CB8AC3E}">
+        <p14:creationId xmlns:p14="http://schemas.microsoft.com/office/powerpoint/2010/main" val="1875781255"/>
+      </p:ext>
+    </p:extLst>
+  </p:cSld>
+  <p:clrMapOvr>
+    <a:masterClrMapping/>
+  </p:clrMapOvr>
+</p:sld>
+</file>
+
 <file path=ppt/slides/slide73.xml><?xml version="1.0" encoding="utf-8"?>
 <p:sld xmlns:a="http://schemas.openxmlformats.org/drawingml/2006/main" xmlns:r="http://schemas.openxmlformats.org/officeDocument/2006/relationships" xmlns:p="http://schemas.openxmlformats.org/presentationml/2006/main">
   <p:cSld>
@@ -16993,7 +16889,7 @@
           <p:cNvPr id="2" name="Заглавие 1">
             <a:extLst>
               <a:ext uri="{FF2B5EF4-FFF2-40B4-BE49-F238E27FC236}">
-                <a16:creationId xmlns:a16="http://schemas.microsoft.com/office/drawing/2014/main" id="{28879AF4-91B9-49AB-A224-63F8BC809B05}"/>
+                <a16:creationId xmlns:a16="http://schemas.microsoft.com/office/drawing/2014/main" id="{8DB8B8F7-B267-45EC-9CB1-8FF9B655D0CC}"/>
               </a:ext>
             </a:extLst>
           </p:cNvPr>
@@ -17018,7 +16914,7 @@
           <p:cNvPr id="5" name="Контейнер за съдържание 4">
             <a:extLst>
               <a:ext uri="{FF2B5EF4-FFF2-40B4-BE49-F238E27FC236}">
-                <a16:creationId xmlns:a16="http://schemas.microsoft.com/office/drawing/2014/main" id="{EC791601-41E9-4D6C-8961-79A027292588}"/>
+                <a16:creationId xmlns:a16="http://schemas.microsoft.com/office/drawing/2014/main" id="{3C74F40C-C3FF-4B6D-BE8C-2AD0F8DC5CD6}"/>
               </a:ext>
             </a:extLst>
           </p:cNvPr>
@@ -17043,15 +16939,15 @@
         </p:blipFill>
         <p:spPr>
           <a:xfrm>
-            <a:off x="0" y="-1"/>
-            <a:ext cx="12192000" cy="6854653"/>
+            <a:off x="-112296" y="0"/>
+            <a:ext cx="12304295" cy="6854653"/>
           </a:xfrm>
         </p:spPr>
       </p:pic>
     </p:spTree>
     <p:extLst>
       <p:ext uri="{BB962C8B-B14F-4D97-AF65-F5344CB8AC3E}">
-        <p14:creationId xmlns:p14="http://schemas.microsoft.com/office/powerpoint/2010/main" val="1875781255"/>
+        <p14:creationId xmlns:p14="http://schemas.microsoft.com/office/powerpoint/2010/main" val="4231416832"/>
       </p:ext>
     </p:extLst>
   </p:cSld>
@@ -17083,7 +16979,7 @@
           <p:cNvPr id="2" name="Заглавие 1">
             <a:extLst>
               <a:ext uri="{FF2B5EF4-FFF2-40B4-BE49-F238E27FC236}">
-                <a16:creationId xmlns:a16="http://schemas.microsoft.com/office/drawing/2014/main" id="{8DB8B8F7-B267-45EC-9CB1-8FF9B655D0CC}"/>
+                <a16:creationId xmlns:a16="http://schemas.microsoft.com/office/drawing/2014/main" id="{D572E791-5570-4AE1-90FC-C1FC928E1B83}"/>
               </a:ext>
             </a:extLst>
           </p:cNvPr>
@@ -17108,7 +17004,7 @@
           <p:cNvPr id="5" name="Контейнер за съдържание 4">
             <a:extLst>
               <a:ext uri="{FF2B5EF4-FFF2-40B4-BE49-F238E27FC236}">
-                <a16:creationId xmlns:a16="http://schemas.microsoft.com/office/drawing/2014/main" id="{3C74F40C-C3FF-4B6D-BE8C-2AD0F8DC5CD6}"/>
+                <a16:creationId xmlns:a16="http://schemas.microsoft.com/office/drawing/2014/main" id="{F36DBD83-A4CA-40E9-8862-2E373788BFFE}"/>
               </a:ext>
             </a:extLst>
           </p:cNvPr>
@@ -17133,15 +17029,15 @@
         </p:blipFill>
         <p:spPr>
           <a:xfrm>
-            <a:off x="-112296" y="0"/>
-            <a:ext cx="12304295" cy="6854653"/>
+            <a:off x="0" y="-1"/>
+            <a:ext cx="12192000" cy="6854653"/>
           </a:xfrm>
         </p:spPr>
       </p:pic>
     </p:spTree>
     <p:extLst>
       <p:ext uri="{BB962C8B-B14F-4D97-AF65-F5344CB8AC3E}">
-        <p14:creationId xmlns:p14="http://schemas.microsoft.com/office/powerpoint/2010/main" val="4231416832"/>
+        <p14:creationId xmlns:p14="http://schemas.microsoft.com/office/powerpoint/2010/main" val="3338371043"/>
       </p:ext>
     </p:extLst>
   </p:cSld>
@@ -17173,7 +17069,7 @@
           <p:cNvPr id="2" name="Заглавие 1">
             <a:extLst>
               <a:ext uri="{FF2B5EF4-FFF2-40B4-BE49-F238E27FC236}">
-                <a16:creationId xmlns:a16="http://schemas.microsoft.com/office/drawing/2014/main" id="{D572E791-5570-4AE1-90FC-C1FC928E1B83}"/>
+                <a16:creationId xmlns:a16="http://schemas.microsoft.com/office/drawing/2014/main" id="{24206EC2-4A82-4202-8ADF-8152DCDCC9DB}"/>
               </a:ext>
             </a:extLst>
           </p:cNvPr>
@@ -17189,49 +17085,139 @@
           <a:bodyPr/>
           <a:lstStyle/>
           <a:p>
-            <a:endParaRPr lang="bg-BG"/>
-          </a:p>
-        </p:txBody>
-      </p:sp>
-      <p:pic>
-        <p:nvPicPr>
-          <p:cNvPr id="5" name="Контейнер за съдържание 4">
-            <a:extLst>
-              <a:ext uri="{FF2B5EF4-FFF2-40B4-BE49-F238E27FC236}">
-                <a16:creationId xmlns:a16="http://schemas.microsoft.com/office/drawing/2014/main" id="{F36DBD83-A4CA-40E9-8862-2E373788BFFE}"/>
-              </a:ext>
-            </a:extLst>
-          </p:cNvPr>
-          <p:cNvPicPr>
-            <a:picLocks noGrp="1" noChangeAspect="1"/>
-          </p:cNvPicPr>
+            <a:r>
+              <a:rPr lang="bg-BG" dirty="0"/>
+              <a:t>Обратно към задачата</a:t>
+            </a:r>
+          </a:p>
+        </p:txBody>
+      </p:sp>
+      <p:sp>
+        <p:nvSpPr>
+          <p:cNvPr id="3" name="Контейнер за съдържание 2">
+            <a:extLst>
+              <a:ext uri="{FF2B5EF4-FFF2-40B4-BE49-F238E27FC236}">
+                <a16:creationId xmlns:a16="http://schemas.microsoft.com/office/drawing/2014/main" id="{9EF5D99F-3241-4DF1-8DED-BF1BDD218537}"/>
+              </a:ext>
+            </a:extLst>
+          </p:cNvPr>
+          <p:cNvSpPr>
+            <a:spLocks noGrp="1"/>
+          </p:cNvSpPr>
           <p:nvPr>
             <p:ph idx="1"/>
           </p:nvPr>
-        </p:nvPicPr>
-        <p:blipFill>
-          <a:blip r:embed="rId2">
-            <a:extLst>
-              <a:ext uri="{28A0092B-C50C-407E-A947-70E740481C1C}">
-                <a14:useLocalDpi xmlns:a14="http://schemas.microsoft.com/office/drawing/2010/main" val="0"/>
-              </a:ext>
-            </a:extLst>
-          </a:blip>
-          <a:stretch>
-            <a:fillRect/>
-          </a:stretch>
-        </p:blipFill>
-        <p:spPr>
-          <a:xfrm>
-            <a:off x="0" y="-1"/>
-            <a:ext cx="12192000" cy="6854653"/>
-          </a:xfrm>
-        </p:spPr>
-      </p:pic>
+        </p:nvSpPr>
+        <p:spPr/>
+        <p:txBody>
+          <a:bodyPr>
+            <a:normAutofit fontScale="92500" lnSpcReduction="20000"/>
+          </a:bodyPr>
+          <a:lstStyle/>
+          <a:p>
+            <a:r>
+              <a:rPr lang="bg-BG" dirty="0"/>
+              <a:t>Дотук видяхме как се работи, когато единият параметър е променлив, а в задачата и двата трябваше да са</a:t>
+            </a:r>
+          </a:p>
+          <a:p>
+            <a:endParaRPr lang="bg-BG" dirty="0"/>
+          </a:p>
+          <a:p>
+            <a:r>
+              <a:rPr lang="bg-BG" dirty="0"/>
+              <a:t>Решението е също толкова просто, колкото и с един променлив параметър</a:t>
+            </a:r>
+          </a:p>
+          <a:p>
+            <a:endParaRPr lang="en-GB" dirty="0"/>
+          </a:p>
+          <a:p>
+            <a:pPr marL="0" indent="0">
+              <a:buNone/>
+            </a:pPr>
+            <a:r>
+              <a:rPr lang="en-GB" dirty="0"/>
+              <a:t>template &lt;class T, class J&gt;</a:t>
+            </a:r>
+          </a:p>
+          <a:p>
+            <a:pPr marL="0" indent="0">
+              <a:buNone/>
+            </a:pPr>
+            <a:r>
+              <a:rPr lang="fr-FR" dirty="0"/>
+              <a:t>void Print(const T a, const J b)</a:t>
+            </a:r>
+          </a:p>
+          <a:p>
+            <a:pPr marL="0" indent="0">
+              <a:buNone/>
+            </a:pPr>
+            <a:r>
+              <a:rPr lang="bg-BG" dirty="0"/>
+              <a:t>{</a:t>
+            </a:r>
+          </a:p>
+          <a:p>
+            <a:pPr marL="0" indent="0">
+              <a:buNone/>
+            </a:pPr>
+            <a:r>
+              <a:rPr lang="en-GB" dirty="0"/>
+              <a:t>	std::</a:t>
+            </a:r>
+            <a:r>
+              <a:rPr lang="en-GB" dirty="0" err="1"/>
+              <a:t>cout</a:t>
+            </a:r>
+            <a:r>
+              <a:rPr lang="en-GB" dirty="0"/>
+              <a:t> &lt;&lt; a &lt;&lt; </a:t>
+            </a:r>
+            <a:r>
+              <a:rPr lang="en-GB" dirty="0">
+                <a:solidFill>
+                  <a:schemeClr val="accent2"/>
+                </a:solidFill>
+              </a:rPr>
+              <a:t>' '</a:t>
+            </a:r>
+            <a:r>
+              <a:rPr lang="en-GB" dirty="0"/>
+              <a:t> &lt;&lt; b &lt;&lt; </a:t>
+            </a:r>
+            <a:r>
+              <a:rPr lang="en-GB" dirty="0">
+                <a:solidFill>
+                  <a:schemeClr val="accent2"/>
+                </a:solidFill>
+              </a:rPr>
+              <a:t>'\n'</a:t>
+            </a:r>
+            <a:r>
+              <a:rPr lang="en-GB" dirty="0"/>
+              <a:t>;</a:t>
+            </a:r>
+          </a:p>
+          <a:p>
+            <a:pPr marL="0" indent="0">
+              <a:buNone/>
+            </a:pPr>
+            <a:r>
+              <a:rPr lang="bg-BG" dirty="0"/>
+              <a:t>}</a:t>
+            </a:r>
+          </a:p>
+          <a:p>
+            <a:endParaRPr lang="bg-BG" dirty="0"/>
+          </a:p>
+        </p:txBody>
+      </p:sp>
     </p:spTree>
     <p:extLst>
       <p:ext uri="{BB962C8B-B14F-4D97-AF65-F5344CB8AC3E}">
-        <p14:creationId xmlns:p14="http://schemas.microsoft.com/office/powerpoint/2010/main" val="3338371043"/>
+        <p14:creationId xmlns:p14="http://schemas.microsoft.com/office/powerpoint/2010/main" val="4269755231"/>
       </p:ext>
     </p:extLst>
   </p:cSld>
@@ -17263,7 +17249,7 @@
           <p:cNvPr id="2" name="Заглавие 1">
             <a:extLst>
               <a:ext uri="{FF2B5EF4-FFF2-40B4-BE49-F238E27FC236}">
-                <a16:creationId xmlns:a16="http://schemas.microsoft.com/office/drawing/2014/main" id="{24206EC2-4A82-4202-8ADF-8152DCDCC9DB}"/>
+                <a16:creationId xmlns:a16="http://schemas.microsoft.com/office/drawing/2014/main" id="{588EF039-16A5-4882-B8D5-9B17F241133E}"/>
               </a:ext>
             </a:extLst>
           </p:cNvPr>
@@ -17291,7 +17277,7 @@
           <p:cNvPr id="3" name="Контейнер за съдържание 2">
             <a:extLst>
               <a:ext uri="{FF2B5EF4-FFF2-40B4-BE49-F238E27FC236}">
-                <a16:creationId xmlns:a16="http://schemas.microsoft.com/office/drawing/2014/main" id="{9EF5D99F-3241-4DF1-8DED-BF1BDD218537}"/>
+                <a16:creationId xmlns:a16="http://schemas.microsoft.com/office/drawing/2014/main" id="{B72C51CE-B4E9-4D6D-891B-DBF26137FBEB}"/>
               </a:ext>
             </a:extLst>
           </p:cNvPr>
@@ -17305,27 +17291,9 @@
         <p:spPr/>
         <p:txBody>
           <a:bodyPr>
-            <a:normAutofit fontScale="92500" lnSpcReduction="20000"/>
+            <a:normAutofit fontScale="85000" lnSpcReduction="20000"/>
           </a:bodyPr>
           <a:lstStyle/>
-          <a:p>
-            <a:r>
-              <a:rPr lang="bg-BG" dirty="0"/>
-              <a:t>Дотук видяхме как се работи, когато единият параметър е променлив, а в задачата и двата трябваше да са</a:t>
-            </a:r>
-          </a:p>
-          <a:p>
-            <a:endParaRPr lang="bg-BG" dirty="0"/>
-          </a:p>
-          <a:p>
-            <a:r>
-              <a:rPr lang="bg-BG" dirty="0"/>
-              <a:t>Решението е също толкова просто, колкото и с един променлив параметър</a:t>
-            </a:r>
-          </a:p>
-          <a:p>
-            <a:endParaRPr lang="en-GB" dirty="0"/>
-          </a:p>
           <a:p>
             <a:pPr marL="0" indent="0">
               <a:buNone/>
@@ -17343,11 +17311,6 @@
               <a:rPr lang="fr-FR" dirty="0"/>
               <a:t>void Print(const T a, const J b)</a:t>
             </a:r>
-          </a:p>
-          <a:p>
-            <a:pPr marL="0" indent="0">
-              <a:buNone/>
-            </a:pPr>
             <a:r>
               <a:rPr lang="bg-BG" dirty="0"/>
               <a:t>{</a:t>
@@ -17404,14 +17367,126 @@
             </a:r>
           </a:p>
           <a:p>
-            <a:endParaRPr lang="bg-BG" dirty="0"/>
+            <a:pPr marL="0" indent="0">
+              <a:buNone/>
+            </a:pPr>
+            <a:r>
+              <a:rPr lang="en-GB" dirty="0"/>
+              <a:t>int main()</a:t>
+            </a:r>
+            <a:r>
+              <a:rPr lang="bg-BG" dirty="0"/>
+              <a:t>{</a:t>
+            </a:r>
+          </a:p>
+          <a:p>
+            <a:pPr marL="0" indent="0">
+              <a:buNone/>
+            </a:pPr>
+            <a:r>
+              <a:rPr lang="en-GB" dirty="0"/>
+              <a:t>	Print(4, </a:t>
+            </a:r>
+            <a:r>
+              <a:rPr lang="en-GB" dirty="0">
+                <a:solidFill>
+                  <a:schemeClr val="accent2"/>
+                </a:solidFill>
+              </a:rPr>
+              <a:t>‘*’</a:t>
+            </a:r>
+            <a:r>
+              <a:rPr lang="en-GB" dirty="0"/>
+              <a:t> );</a:t>
+            </a:r>
+          </a:p>
+          <a:p>
+            <a:pPr marL="0" indent="0">
+              <a:buNone/>
+            </a:pPr>
+            <a:r>
+              <a:rPr lang="en-GB" dirty="0"/>
+              <a:t>	Print( </a:t>
+            </a:r>
+            <a:r>
+              <a:rPr lang="en-GB" dirty="0">
+                <a:solidFill>
+                  <a:schemeClr val="accent2"/>
+                </a:solidFill>
+              </a:rPr>
+              <a:t>‘b’</a:t>
+            </a:r>
+            <a:r>
+              <a:rPr lang="en-GB" dirty="0"/>
+              <a:t> , 6 );</a:t>
+            </a:r>
+          </a:p>
+          <a:p>
+            <a:pPr marL="0" indent="0">
+              <a:buNone/>
+            </a:pPr>
+            <a:r>
+              <a:rPr lang="en-GB" dirty="0"/>
+              <a:t>	Print(false, 22.0/7 );</a:t>
+            </a:r>
+          </a:p>
+          <a:p>
+            <a:pPr marL="0" indent="0">
+              <a:buNone/>
+            </a:pPr>
+            <a:r>
+              <a:rPr lang="en-GB" dirty="0"/>
+              <a:t>	Print( </a:t>
+            </a:r>
+            <a:r>
+              <a:rPr lang="en-GB" dirty="0">
+                <a:solidFill>
+                  <a:schemeClr val="accent2"/>
+                </a:solidFill>
+              </a:rPr>
+              <a:t>"so cool“ </a:t>
+            </a:r>
+            <a:r>
+              <a:rPr lang="en-GB" dirty="0"/>
+              <a:t>, </a:t>
+            </a:r>
+            <a:r>
+              <a:rPr lang="en-GB" dirty="0">
+                <a:solidFill>
+                  <a:schemeClr val="accent2"/>
+                </a:solidFill>
+              </a:rPr>
+              <a:t>", are you impressed?“ </a:t>
+            </a:r>
+            <a:r>
+              <a:rPr lang="en-GB" dirty="0"/>
+              <a:t>);</a:t>
+            </a:r>
+          </a:p>
+          <a:p>
+            <a:pPr marL="0" indent="0">
+              <a:buNone/>
+            </a:pPr>
+            <a:r>
+              <a:rPr lang="en-GB" dirty="0"/>
+              <a:t>	return 0;</a:t>
+            </a:r>
+          </a:p>
+          <a:p>
+            <a:pPr marL="0" indent="0">
+              <a:buNone/>
+            </a:pPr>
+            <a:r>
+              <a:rPr lang="bg-BG" dirty="0"/>
+              <a:t>}</a:t>
+            </a:r>
           </a:p>
         </p:txBody>
       </p:sp>
     </p:spTree>
     <p:extLst>
       <p:ext uri="{BB962C8B-B14F-4D97-AF65-F5344CB8AC3E}">
-        <p14:creationId xmlns:p14="http://schemas.microsoft.com/office/powerpoint/2010/main" val="4269755231"/>
+        <p14:creationId xmlns:p14="http://schemas.microsoft.com/office/powerpoint/2010/main" val="2463762160"/>
       </p:ext>
     </p:extLst>
   </p:cSld>
@@ -17443,7 +17518,7 @@
           <p:cNvPr id="2" name="Заглавие 1">
             <a:extLst>
               <a:ext uri="{FF2B5EF4-FFF2-40B4-BE49-F238E27FC236}">
-                <a16:creationId xmlns:a16="http://schemas.microsoft.com/office/drawing/2014/main" id="{588EF039-16A5-4882-B8D5-9B17F241133E}"/>
+                <a16:creationId xmlns:a16="http://schemas.microsoft.com/office/drawing/2014/main" id="{1418ED3E-7B4A-4CFC-A837-3CFB639C14CB}"/>
               </a:ext>
             </a:extLst>
           </p:cNvPr>
@@ -17459,228 +17534,49 @@
           <a:bodyPr/>
           <a:lstStyle/>
           <a:p>
-            <a:r>
-              <a:rPr lang="bg-BG" dirty="0"/>
-              <a:t>Обратно към задачата</a:t>
-            </a:r>
-          </a:p>
-        </p:txBody>
-      </p:sp>
-      <p:sp>
-        <p:nvSpPr>
-          <p:cNvPr id="3" name="Контейнер за съдържание 2">
-            <a:extLst>
-              <a:ext uri="{FF2B5EF4-FFF2-40B4-BE49-F238E27FC236}">
-                <a16:creationId xmlns:a16="http://schemas.microsoft.com/office/drawing/2014/main" id="{B72C51CE-B4E9-4D6D-891B-DBF26137FBEB}"/>
-              </a:ext>
-            </a:extLst>
-          </p:cNvPr>
-          <p:cNvSpPr>
-            <a:spLocks noGrp="1"/>
-          </p:cNvSpPr>
+            <a:endParaRPr lang="bg-BG"/>
+          </a:p>
+        </p:txBody>
+      </p:sp>
+      <p:pic>
+        <p:nvPicPr>
+          <p:cNvPr id="9" name="Контейнер за съдържание 8">
+            <a:extLst>
+              <a:ext uri="{FF2B5EF4-FFF2-40B4-BE49-F238E27FC236}">
+                <a16:creationId xmlns:a16="http://schemas.microsoft.com/office/drawing/2014/main" id="{8C15A201-C59A-486A-8BD3-FC1F491B8378}"/>
+              </a:ext>
+            </a:extLst>
+          </p:cNvPr>
+          <p:cNvPicPr>
+            <a:picLocks noGrp="1" noChangeAspect="1"/>
+          </p:cNvPicPr>
           <p:nvPr>
             <p:ph idx="1"/>
           </p:nvPr>
-        </p:nvSpPr>
-        <p:spPr/>
-        <p:txBody>
-          <a:bodyPr>
-            <a:normAutofit fontScale="85000" lnSpcReduction="20000"/>
-          </a:bodyPr>
-          <a:lstStyle/>
-          <a:p>
-            <a:pPr marL="0" indent="0">
-              <a:buNone/>
-            </a:pPr>
-            <a:r>
-              <a:rPr lang="en-GB" dirty="0"/>
-              <a:t>template &lt;class T, class J&gt;</a:t>
-            </a:r>
-          </a:p>
-          <a:p>
-            <a:pPr marL="0" indent="0">
-              <a:buNone/>
-            </a:pPr>
-            <a:r>
-              <a:rPr lang="fr-FR" dirty="0"/>
-              <a:t>void Print(const T a, const J b)</a:t>
-            </a:r>
-            <a:r>
-              <a:rPr lang="bg-BG" dirty="0"/>
-              <a:t>{</a:t>
-            </a:r>
-          </a:p>
-          <a:p>
-            <a:pPr marL="0" indent="0">
-              <a:buNone/>
-            </a:pPr>
-            <a:r>
-              <a:rPr lang="en-GB" dirty="0"/>
-              <a:t>	std::</a:t>
-            </a:r>
-            <a:r>
-              <a:rPr lang="en-GB" dirty="0" err="1"/>
-              <a:t>cout</a:t>
-            </a:r>
-            <a:r>
-              <a:rPr lang="en-GB" dirty="0"/>
-              <a:t> &lt;&lt; a &lt;&lt; </a:t>
-            </a:r>
-            <a:r>
-              <a:rPr lang="en-GB" dirty="0">
-                <a:solidFill>
-                  <a:schemeClr val="accent2"/>
-                </a:solidFill>
-              </a:rPr>
-              <a:t>' '</a:t>
-            </a:r>
-            <a:r>
-              <a:rPr lang="en-GB" dirty="0"/>
-              <a:t> &lt;&lt; b &lt;&lt; </a:t>
-            </a:r>
-            <a:r>
-              <a:rPr lang="en-GB" dirty="0">
-                <a:solidFill>
-                  <a:schemeClr val="accent2"/>
-                </a:solidFill>
-              </a:rPr>
-              <a:t>'\n'</a:t>
-            </a:r>
-            <a:r>
-              <a:rPr lang="en-GB" dirty="0"/>
-              <a:t>;</a:t>
-            </a:r>
-          </a:p>
-          <a:p>
-            <a:pPr marL="0" indent="0">
-              <a:buNone/>
-            </a:pPr>
-            <a:r>
-              <a:rPr lang="bg-BG" dirty="0"/>
-              <a:t>}</a:t>
-            </a:r>
-          </a:p>
-          <a:p>
-            <a:pPr marL="0" indent="0">
-              <a:buNone/>
-            </a:pPr>
-            <a:r>
-              <a:rPr lang="en-GB" dirty="0"/>
-              <a:t>int main()</a:t>
-            </a:r>
-            <a:r>
-              <a:rPr lang="bg-BG" dirty="0"/>
-              <a:t>{</a:t>
-            </a:r>
-          </a:p>
-          <a:p>
-            <a:pPr marL="0" indent="0">
-              <a:buNone/>
-            </a:pPr>
-            <a:r>
-              <a:rPr lang="en-GB" dirty="0"/>
-              <a:t>	Print(4, </a:t>
-            </a:r>
-            <a:r>
-              <a:rPr lang="en-GB" dirty="0">
-                <a:solidFill>
-                  <a:schemeClr val="accent2"/>
-                </a:solidFill>
-              </a:rPr>
-              <a:t>‘*’</a:t>
-            </a:r>
-            <a:r>
-              <a:rPr lang="en-GB" dirty="0"/>
-              <a:t> );</a:t>
-            </a:r>
-          </a:p>
-          <a:p>
-            <a:pPr marL="0" indent="0">
-              <a:buNone/>
-            </a:pPr>
-            <a:r>
-              <a:rPr lang="en-GB" dirty="0"/>
-              <a:t>	Print( </a:t>
-            </a:r>
-            <a:r>
-              <a:rPr lang="en-GB" dirty="0">
-                <a:solidFill>
-                  <a:schemeClr val="accent2"/>
-                </a:solidFill>
-              </a:rPr>
-              <a:t>‘b’</a:t>
-            </a:r>
-            <a:r>
-              <a:rPr lang="en-GB" dirty="0"/>
-              <a:t> , 6 );</a:t>
-            </a:r>
-          </a:p>
-          <a:p>
-            <a:pPr marL="0" indent="0">
-              <a:buNone/>
-            </a:pPr>
-            <a:r>
-              <a:rPr lang="en-GB" dirty="0"/>
-              <a:t>	Print(false, 22.0/7 );</a:t>
-            </a:r>
-          </a:p>
-          <a:p>
-            <a:pPr marL="0" indent="0">
-              <a:buNone/>
-            </a:pPr>
-            <a:r>
-              <a:rPr lang="en-GB" dirty="0"/>
-              <a:t>	Print( </a:t>
-            </a:r>
-            <a:r>
-              <a:rPr lang="en-GB" dirty="0">
-                <a:solidFill>
-                  <a:schemeClr val="accent2"/>
-                </a:solidFill>
-              </a:rPr>
-              <a:t>"so cool“ </a:t>
-            </a:r>
-            <a:r>
-              <a:rPr lang="en-GB" dirty="0"/>
-              <a:t>, </a:t>
-            </a:r>
-            <a:r>
-              <a:rPr lang="en-GB" dirty="0">
-                <a:solidFill>
-                  <a:schemeClr val="accent2"/>
-                </a:solidFill>
-              </a:rPr>
-              <a:t>", are you impressed?“ </a:t>
-            </a:r>
-            <a:r>
-              <a:rPr lang="en-GB" dirty="0"/>
-              <a:t>);</a:t>
-            </a:r>
-          </a:p>
-          <a:p>
-            <a:pPr marL="0" indent="0">
-              <a:buNone/>
-            </a:pPr>
-            <a:r>
-              <a:rPr lang="en-GB" dirty="0"/>
-              <a:t>	return 0;</a:t>
-            </a:r>
-          </a:p>
-          <a:p>
-            <a:pPr marL="0" indent="0">
-              <a:buNone/>
-            </a:pPr>
-            <a:r>
-              <a:rPr lang="bg-BG" dirty="0"/>
-              <a:t>}</a:t>
-            </a:r>
-          </a:p>
-        </p:txBody>
-      </p:sp>
+        </p:nvPicPr>
+        <p:blipFill>
+          <a:blip r:embed="rId2">
+            <a:extLst>
+              <a:ext uri="{28A0092B-C50C-407E-A947-70E740481C1C}">
+                <a14:useLocalDpi xmlns:a14="http://schemas.microsoft.com/office/drawing/2010/main" val="0"/>
+              </a:ext>
+            </a:extLst>
+          </a:blip>
+          <a:stretch>
+            <a:fillRect/>
+          </a:stretch>
+        </p:blipFill>
+        <p:spPr>
+          <a:xfrm>
+            <a:off x="0" y="-1"/>
+            <a:ext cx="12192000" cy="6854653"/>
+          </a:xfrm>
+        </p:spPr>
+      </p:pic>
     </p:spTree>
     <p:extLst>
       <p:ext uri="{BB962C8B-B14F-4D97-AF65-F5344CB8AC3E}">
-        <p14:creationId xmlns:p14="http://schemas.microsoft.com/office/powerpoint/2010/main" val="2463762160"/>
+        <p14:creationId xmlns:p14="http://schemas.microsoft.com/office/powerpoint/2010/main" val="3759549769"/>
       </p:ext>
     </p:extLst>
   </p:cSld>
@@ -17712,7 +17608,7 @@
           <p:cNvPr id="2" name="Заглавие 1">
             <a:extLst>
               <a:ext uri="{FF2B5EF4-FFF2-40B4-BE49-F238E27FC236}">
-                <a16:creationId xmlns:a16="http://schemas.microsoft.com/office/drawing/2014/main" id="{1418ED3E-7B4A-4CFC-A837-3CFB639C14CB}"/>
+                <a16:creationId xmlns:a16="http://schemas.microsoft.com/office/drawing/2014/main" id="{D82EFE72-C8EF-436D-B76F-6F15715FFB2E}"/>
               </a:ext>
             </a:extLst>
           </p:cNvPr>
@@ -17728,49 +17624,63 @@
           <a:bodyPr/>
           <a:lstStyle/>
           <a:p>
-            <a:endParaRPr lang="bg-BG"/>
-          </a:p>
-        </p:txBody>
-      </p:sp>
-      <p:pic>
-        <p:nvPicPr>
-          <p:cNvPr id="9" name="Контейнер за съдържание 8">
-            <a:extLst>
-              <a:ext uri="{FF2B5EF4-FFF2-40B4-BE49-F238E27FC236}">
-                <a16:creationId xmlns:a16="http://schemas.microsoft.com/office/drawing/2014/main" id="{8C15A201-C59A-486A-8BD3-FC1F491B8378}"/>
-              </a:ext>
-            </a:extLst>
-          </p:cNvPr>
-          <p:cNvPicPr>
-            <a:picLocks noGrp="1" noChangeAspect="1"/>
-          </p:cNvPicPr>
+            <a:r>
+              <a:rPr lang="bg-BG" dirty="0"/>
+              <a:t>Контрол над шаблоните</a:t>
+            </a:r>
+          </a:p>
+        </p:txBody>
+      </p:sp>
+      <p:sp>
+        <p:nvSpPr>
+          <p:cNvPr id="3" name="Контейнер за съдържание 2">
+            <a:extLst>
+              <a:ext uri="{FF2B5EF4-FFF2-40B4-BE49-F238E27FC236}">
+                <a16:creationId xmlns:a16="http://schemas.microsoft.com/office/drawing/2014/main" id="{6349323C-BD7D-4100-990B-FBA7D02846D5}"/>
+              </a:ext>
+            </a:extLst>
+          </p:cNvPr>
+          <p:cNvSpPr>
+            <a:spLocks noGrp="1"/>
+          </p:cNvSpPr>
           <p:nvPr>
             <p:ph idx="1"/>
           </p:nvPr>
-        </p:nvPicPr>
-        <p:blipFill>
-          <a:blip r:embed="rId2">
-            <a:extLst>
-              <a:ext uri="{28A0092B-C50C-407E-A947-70E740481C1C}">
-                <a14:useLocalDpi xmlns:a14="http://schemas.microsoft.com/office/drawing/2010/main" val="0"/>
-              </a:ext>
-            </a:extLst>
-          </a:blip>
-          <a:stretch>
-            <a:fillRect/>
-          </a:stretch>
-        </p:blipFill>
-        <p:spPr>
-          <a:xfrm>
-            <a:off x="0" y="-1"/>
-            <a:ext cx="12192000" cy="6854653"/>
-          </a:xfrm>
-        </p:spPr>
-      </p:pic>
+        </p:nvSpPr>
+        <p:spPr/>
+        <p:txBody>
+          <a:bodyPr/>
+          <a:lstStyle/>
+          <a:p>
+            <a:r>
+              <a:rPr lang="bg-BG" dirty="0"/>
+              <a:t>Дотук оставихме компилатора да се занимава с шаблоните и той да определя типа на данните, които му подаваме</a:t>
+            </a:r>
+          </a:p>
+          <a:p>
+            <a:endParaRPr lang="bg-BG" dirty="0"/>
+          </a:p>
+          <a:p>
+            <a:r>
+              <a:rPr lang="bg-BG" dirty="0"/>
+              <a:t>Ако се върнем на предния пример ще видим, че 22/7 бива конвертирано до числото пи</a:t>
+            </a:r>
+          </a:p>
+          <a:p>
+            <a:endParaRPr lang="bg-BG" dirty="0"/>
+          </a:p>
+          <a:p>
+            <a:r>
+              <a:rPr lang="bg-BG" dirty="0"/>
+              <a:t>Ами ако искаме да работим само с цели числа?</a:t>
+            </a:r>
+          </a:p>
+        </p:txBody>
+      </p:sp>
     </p:spTree>
     <p:extLst>
       <p:ext uri="{BB962C8B-B14F-4D97-AF65-F5344CB8AC3E}">
-        <p14:creationId xmlns:p14="http://schemas.microsoft.com/office/powerpoint/2010/main" val="3759549769"/>
+        <p14:creationId xmlns:p14="http://schemas.microsoft.com/office/powerpoint/2010/main" val="128293477"/>
       </p:ext>
     </p:extLst>
   </p:cSld>
@@ -17802,7 +17712,7 @@
           <p:cNvPr id="2" name="Заглавие 1">
             <a:extLst>
               <a:ext uri="{FF2B5EF4-FFF2-40B4-BE49-F238E27FC236}">
-                <a16:creationId xmlns:a16="http://schemas.microsoft.com/office/drawing/2014/main" id="{D82EFE72-C8EF-436D-B76F-6F15715FFB2E}"/>
+                <a16:creationId xmlns:a16="http://schemas.microsoft.com/office/drawing/2014/main" id="{697AFFD2-6695-4DE3-A244-9689370D442C}"/>
               </a:ext>
             </a:extLst>
           </p:cNvPr>
@@ -17830,7 +17740,7 @@
           <p:cNvPr id="3" name="Контейнер за съдържание 2">
             <a:extLst>
               <a:ext uri="{FF2B5EF4-FFF2-40B4-BE49-F238E27FC236}">
-                <a16:creationId xmlns:a16="http://schemas.microsoft.com/office/drawing/2014/main" id="{6349323C-BD7D-4100-990B-FBA7D02846D5}"/>
+                <a16:creationId xmlns:a16="http://schemas.microsoft.com/office/drawing/2014/main" id="{14F774FA-90CC-4AFD-8276-26B3FA2D309F}"/>
               </a:ext>
             </a:extLst>
           </p:cNvPr>
@@ -17848,7 +17758,7 @@
           <a:p>
             <a:r>
               <a:rPr lang="bg-BG" dirty="0"/>
-              <a:t>Дотук оставихме компилатора да се занимава с шаблоните и той да определя типа на данните, които му подаваме</a:t>
+              <a:t>С++ позволява да се уточни коя точни версия на даден шаблон да бъде извикана</a:t>
             </a:r>
           </a:p>
           <a:p>
@@ -17857,24 +17767,47 @@
           <a:p>
             <a:r>
               <a:rPr lang="bg-BG" dirty="0"/>
-              <a:t>Ако се върнем на предния пример ще видим, че 22/7 бива конвертирано до числото пи</a:t>
-            </a:r>
-          </a:p>
-          <a:p>
+              <a:t>Това става като след името с оператор &lt; &gt; уточним какви типове да се използват</a:t>
+            </a:r>
+            <a:endParaRPr lang="en-GB" dirty="0"/>
+          </a:p>
+          <a:p>
+            <a:endParaRPr lang="en-GB" dirty="0"/>
+          </a:p>
+          <a:p>
+            <a:pPr marL="0" indent="0">
+              <a:buNone/>
+            </a:pPr>
+            <a:r>
+              <a:rPr lang="en-GB" dirty="0"/>
+              <a:t>Print&lt;bool, int&gt;(false, 22.0/7);</a:t>
+            </a:r>
+          </a:p>
+          <a:p>
+            <a:pPr marL="0" indent="0">
+              <a:buNone/>
+            </a:pPr>
+            <a:r>
+              <a:rPr lang="bg-BG" dirty="0"/>
+              <a:t> </a:t>
+            </a:r>
+            <a:r>
+              <a:rPr lang="fr-FR" dirty="0"/>
+              <a:t>Print&lt;int, char&gt;('b', 66);</a:t>
+            </a:r>
+          </a:p>
+          <a:p>
+            <a:pPr marL="0" indent="0">
+              <a:buNone/>
+            </a:pPr>
             <a:endParaRPr lang="bg-BG" dirty="0"/>
-          </a:p>
-          <a:p>
-            <a:r>
-              <a:rPr lang="bg-BG" dirty="0"/>
-              <a:t>Ами ако искаме да работим само с цели числа?</a:t>
-            </a:r>
           </a:p>
         </p:txBody>
       </p:sp>
     </p:spTree>
     <p:extLst>
       <p:ext uri="{BB962C8B-B14F-4D97-AF65-F5344CB8AC3E}">
-        <p14:creationId xmlns:p14="http://schemas.microsoft.com/office/powerpoint/2010/main" val="128293477"/>
+        <p14:creationId xmlns:p14="http://schemas.microsoft.com/office/powerpoint/2010/main" val="2875143744"/>
       </p:ext>
     </p:extLst>
   </p:cSld>
@@ -18063,7 +17996,7 @@
           <p:cNvPr id="2" name="Заглавие 1">
             <a:extLst>
               <a:ext uri="{FF2B5EF4-FFF2-40B4-BE49-F238E27FC236}">
-                <a16:creationId xmlns:a16="http://schemas.microsoft.com/office/drawing/2014/main" id="{697AFFD2-6695-4DE3-A244-9689370D442C}"/>
+                <a16:creationId xmlns:a16="http://schemas.microsoft.com/office/drawing/2014/main" id="{8A042F2A-1A8F-4530-9B36-53357EE688A8}"/>
               </a:ext>
             </a:extLst>
           </p:cNvPr>
@@ -18079,86 +18012,49 @@
           <a:bodyPr/>
           <a:lstStyle/>
           <a:p>
-            <a:r>
-              <a:rPr lang="bg-BG" dirty="0"/>
-              <a:t>Контрол над шаблоните</a:t>
-            </a:r>
-          </a:p>
-        </p:txBody>
-      </p:sp>
-      <p:sp>
-        <p:nvSpPr>
-          <p:cNvPr id="3" name="Контейнер за съдържание 2">
-            <a:extLst>
-              <a:ext uri="{FF2B5EF4-FFF2-40B4-BE49-F238E27FC236}">
-                <a16:creationId xmlns:a16="http://schemas.microsoft.com/office/drawing/2014/main" id="{14F774FA-90CC-4AFD-8276-26B3FA2D309F}"/>
-              </a:ext>
-            </a:extLst>
-          </p:cNvPr>
-          <p:cNvSpPr>
-            <a:spLocks noGrp="1"/>
-          </p:cNvSpPr>
+            <a:endParaRPr lang="bg-BG"/>
+          </a:p>
+        </p:txBody>
+      </p:sp>
+      <p:pic>
+        <p:nvPicPr>
+          <p:cNvPr id="5" name="Контейнер за съдържание 4">
+            <a:extLst>
+              <a:ext uri="{FF2B5EF4-FFF2-40B4-BE49-F238E27FC236}">
+                <a16:creationId xmlns:a16="http://schemas.microsoft.com/office/drawing/2014/main" id="{9255C617-8E7A-4191-9E24-5D8819CB0B41}"/>
+              </a:ext>
+            </a:extLst>
+          </p:cNvPr>
+          <p:cNvPicPr>
+            <a:picLocks noGrp="1" noChangeAspect="1"/>
+          </p:cNvPicPr>
           <p:nvPr>
             <p:ph idx="1"/>
           </p:nvPr>
-        </p:nvSpPr>
-        <p:spPr/>
-        <p:txBody>
-          <a:bodyPr/>
-          <a:lstStyle/>
-          <a:p>
-            <a:r>
-              <a:rPr lang="bg-BG" dirty="0"/>
-              <a:t>С++ позволява да се уточни коя точни версия на даден шаблон да бъде извикана</a:t>
-            </a:r>
-          </a:p>
-          <a:p>
-            <a:endParaRPr lang="bg-BG" dirty="0"/>
-          </a:p>
-          <a:p>
-            <a:r>
-              <a:rPr lang="bg-BG" dirty="0"/>
-              <a:t>Това става като след името с оператор &lt; &gt; уточним какви типове да се използват</a:t>
-            </a:r>
-            <a:endParaRPr lang="en-GB" dirty="0"/>
-          </a:p>
-          <a:p>
-            <a:endParaRPr lang="en-GB" dirty="0"/>
-          </a:p>
-          <a:p>
-            <a:pPr marL="0" indent="0">
-              <a:buNone/>
-            </a:pPr>
-            <a:r>
-              <a:rPr lang="en-GB" dirty="0"/>
-              <a:t>Print&lt;bool, int&gt;(false, 22.0/7);</a:t>
-            </a:r>
-          </a:p>
-          <a:p>
-            <a:pPr marL="0" indent="0">
-              <a:buNone/>
-            </a:pPr>
-            <a:r>
-              <a:rPr lang="bg-BG" dirty="0"/>
-              <a:t> </a:t>
-            </a:r>
-            <a:r>
-              <a:rPr lang="fr-FR" dirty="0"/>
-              <a:t>Print&lt;int, char&gt;('b', 66);</a:t>
-            </a:r>
-          </a:p>
-          <a:p>
-            <a:pPr marL="0" indent="0">
-              <a:buNone/>
-            </a:pPr>
-            <a:endParaRPr lang="bg-BG" dirty="0"/>
-          </a:p>
-        </p:txBody>
-      </p:sp>
+        </p:nvPicPr>
+        <p:blipFill>
+          <a:blip r:embed="rId2">
+            <a:extLst>
+              <a:ext uri="{28A0092B-C50C-407E-A947-70E740481C1C}">
+                <a14:useLocalDpi xmlns:a14="http://schemas.microsoft.com/office/drawing/2010/main" val="0"/>
+              </a:ext>
+            </a:extLst>
+          </a:blip>
+          <a:stretch>
+            <a:fillRect/>
+          </a:stretch>
+        </p:blipFill>
+        <p:spPr>
+          <a:xfrm>
+            <a:off x="0" y="-1"/>
+            <a:ext cx="12192000" cy="6854653"/>
+          </a:xfrm>
+        </p:spPr>
+      </p:pic>
     </p:spTree>
     <p:extLst>
       <p:ext uri="{BB962C8B-B14F-4D97-AF65-F5344CB8AC3E}">
-        <p14:creationId xmlns:p14="http://schemas.microsoft.com/office/powerpoint/2010/main" val="2875143744"/>
+        <p14:creationId xmlns:p14="http://schemas.microsoft.com/office/powerpoint/2010/main" val="2718398531"/>
       </p:ext>
     </p:extLst>
   </p:cSld>
@@ -18190,7 +18086,7 @@
           <p:cNvPr id="2" name="Заглавие 1">
             <a:extLst>
               <a:ext uri="{FF2B5EF4-FFF2-40B4-BE49-F238E27FC236}">
-                <a16:creationId xmlns:a16="http://schemas.microsoft.com/office/drawing/2014/main" id="{8A042F2A-1A8F-4530-9B36-53357EE688A8}"/>
+                <a16:creationId xmlns:a16="http://schemas.microsoft.com/office/drawing/2014/main" id="{74A5FC7D-0701-4AFE-9138-1BB2F01B2245}"/>
               </a:ext>
             </a:extLst>
           </p:cNvPr>
@@ -18206,49 +18102,71 @@
           <a:bodyPr/>
           <a:lstStyle/>
           <a:p>
-            <a:endParaRPr lang="bg-BG"/>
-          </a:p>
-        </p:txBody>
-      </p:sp>
-      <p:pic>
-        <p:nvPicPr>
-          <p:cNvPr id="5" name="Контейнер за съдържание 4">
-            <a:extLst>
-              <a:ext uri="{FF2B5EF4-FFF2-40B4-BE49-F238E27FC236}">
-                <a16:creationId xmlns:a16="http://schemas.microsoft.com/office/drawing/2014/main" id="{9255C617-8E7A-4191-9E24-5D8819CB0B41}"/>
-              </a:ext>
-            </a:extLst>
-          </p:cNvPr>
-          <p:cNvPicPr>
-            <a:picLocks noGrp="1" noChangeAspect="1"/>
-          </p:cNvPicPr>
+            <a:r>
+              <a:rPr lang="bg-BG" dirty="0"/>
+              <a:t>Вградени функции</a:t>
+            </a:r>
+          </a:p>
+        </p:txBody>
+      </p:sp>
+      <p:sp>
+        <p:nvSpPr>
+          <p:cNvPr id="3" name="Контейнер за съдържание 2">
+            <a:extLst>
+              <a:ext uri="{FF2B5EF4-FFF2-40B4-BE49-F238E27FC236}">
+                <a16:creationId xmlns:a16="http://schemas.microsoft.com/office/drawing/2014/main" id="{1D4E7289-F05E-442C-BA94-3EBFDDD600FF}"/>
+              </a:ext>
+            </a:extLst>
+          </p:cNvPr>
+          <p:cNvSpPr>
+            <a:spLocks noGrp="1"/>
+          </p:cNvSpPr>
           <p:nvPr>
             <p:ph idx="1"/>
           </p:nvPr>
-        </p:nvPicPr>
-        <p:blipFill>
-          <a:blip r:embed="rId2">
-            <a:extLst>
-              <a:ext uri="{28A0092B-C50C-407E-A947-70E740481C1C}">
-                <a14:useLocalDpi xmlns:a14="http://schemas.microsoft.com/office/drawing/2010/main" val="0"/>
-              </a:ext>
-            </a:extLst>
-          </a:blip>
-          <a:stretch>
-            <a:fillRect/>
-          </a:stretch>
-        </p:blipFill>
-        <p:spPr>
-          <a:xfrm>
-            <a:off x="0" y="-1"/>
-            <a:ext cx="12192000" cy="6854653"/>
-          </a:xfrm>
-        </p:spPr>
-      </p:pic>
+        </p:nvSpPr>
+        <p:spPr/>
+        <p:txBody>
+          <a:bodyPr/>
+          <a:lstStyle/>
+          <a:p>
+            <a:r>
+              <a:rPr lang="bg-BG" dirty="0"/>
+              <a:t>Поради известни причини е прието шаблонните функции да се обособяват като </a:t>
+            </a:r>
+            <a:r>
+              <a:rPr lang="en-GB" dirty="0"/>
+              <a:t>inline</a:t>
+            </a:r>
+          </a:p>
+          <a:p>
+            <a:endParaRPr lang="en-GB" dirty="0"/>
+          </a:p>
+          <a:p>
+            <a:r>
+              <a:rPr lang="en-GB" dirty="0"/>
+              <a:t>inline </a:t>
+            </a:r>
+            <a:r>
+              <a:rPr lang="bg-BG" dirty="0"/>
+              <a:t>е само препоръка към компилатора, но е по-добре от нищо</a:t>
+            </a:r>
+          </a:p>
+          <a:p>
+            <a:endParaRPr lang="bg-BG" dirty="0"/>
+          </a:p>
+          <a:p>
+            <a:r>
+              <a:rPr lang="bg-BG" dirty="0"/>
+              <a:t>За любознателните има линк в края на презентацията</a:t>
+            </a:r>
+          </a:p>
+        </p:txBody>
+      </p:sp>
     </p:spTree>
     <p:extLst>
       <p:ext uri="{BB962C8B-B14F-4D97-AF65-F5344CB8AC3E}">
-        <p14:creationId xmlns:p14="http://schemas.microsoft.com/office/powerpoint/2010/main" val="2718398531"/>
+        <p14:creationId xmlns:p14="http://schemas.microsoft.com/office/powerpoint/2010/main" val="3432183963"/>
       </p:ext>
     </p:extLst>
   </p:cSld>
@@ -18280,7 +18198,7 @@
           <p:cNvPr id="2" name="Заглавие 1">
             <a:extLst>
               <a:ext uri="{FF2B5EF4-FFF2-40B4-BE49-F238E27FC236}">
-                <a16:creationId xmlns:a16="http://schemas.microsoft.com/office/drawing/2014/main" id="{74A5FC7D-0701-4AFE-9138-1BB2F01B2245}"/>
+                <a16:creationId xmlns:a16="http://schemas.microsoft.com/office/drawing/2014/main" id="{EFC7392D-3B08-40F0-880A-467222A1B7FC}"/>
               </a:ext>
             </a:extLst>
           </p:cNvPr>
@@ -18298,7 +18216,7 @@
           <a:p>
             <a:r>
               <a:rPr lang="bg-BG" dirty="0"/>
-              <a:t>Вградени функции</a:t>
+              <a:t>Стек</a:t>
             </a:r>
           </a:p>
         </p:txBody>
@@ -18308,7 +18226,7 @@
           <p:cNvPr id="3" name="Контейнер за съдържание 2">
             <a:extLst>
               <a:ext uri="{FF2B5EF4-FFF2-40B4-BE49-F238E27FC236}">
-                <a16:creationId xmlns:a16="http://schemas.microsoft.com/office/drawing/2014/main" id="{1D4E7289-F05E-442C-BA94-3EBFDDD600FF}"/>
+                <a16:creationId xmlns:a16="http://schemas.microsoft.com/office/drawing/2014/main" id="{24EBF460-B4C6-462E-9473-DDEDEFCD9E25}"/>
               </a:ext>
             </a:extLst>
           </p:cNvPr>
@@ -18321,46 +18239,134 @@
         </p:nvSpPr>
         <p:spPr/>
         <p:txBody>
-          <a:bodyPr/>
-          <a:lstStyle/>
-          <a:p>
-            <a:r>
-              <a:rPr lang="bg-BG" dirty="0"/>
-              <a:t>Поради известни причини е прието шаблонните функции да се обособяват като </a:t>
-            </a:r>
-            <a:r>
-              <a:rPr lang="en-GB" dirty="0"/>
-              <a:t>inline</a:t>
-            </a:r>
-          </a:p>
-          <a:p>
-            <a:endParaRPr lang="en-GB" dirty="0"/>
-          </a:p>
-          <a:p>
-            <a:r>
-              <a:rPr lang="en-GB" dirty="0"/>
-              <a:t>inline </a:t>
-            </a:r>
-            <a:r>
-              <a:rPr lang="bg-BG" dirty="0"/>
-              <a:t>е само препоръка към компилатора, но е по-добре от нищо</a:t>
-            </a:r>
-          </a:p>
-          <a:p>
+          <a:bodyPr>
+            <a:normAutofit fontScale="92500" lnSpcReduction="10000"/>
+          </a:bodyPr>
+          <a:lstStyle/>
+          <a:p>
+            <a:r>
+              <a:rPr lang="bg-BG" dirty="0"/>
+              <a:t>Чували ли сте за стек </a:t>
+            </a:r>
+            <a:r>
+              <a:rPr lang="en-GB" dirty="0">
+                <a:sym typeface="Wingdings" panose="05000000000000000000" pitchFamily="2" charset="2"/>
+              </a:rPr>
+              <a:t></a:t>
+            </a:r>
+            <a:endParaRPr lang="bg-BG" dirty="0">
+              <a:sym typeface="Wingdings" panose="05000000000000000000" pitchFamily="2" charset="2"/>
+            </a:endParaRPr>
+          </a:p>
+          <a:p>
+            <a:pPr marL="457200" lvl="1" indent="0">
+              <a:buNone/>
+            </a:pPr>
+            <a:r>
+              <a:rPr lang="bg-BG" dirty="0">
+                <a:sym typeface="Wingdings" panose="05000000000000000000" pitchFamily="2" charset="2"/>
+              </a:rPr>
+              <a:t>(знам, че сте го имали за домашно)</a:t>
+            </a:r>
+          </a:p>
+          <a:p>
+            <a:pPr marL="457200" lvl="1" indent="0">
+              <a:buNone/>
+            </a:pPr>
+            <a:endParaRPr lang="bg-BG" dirty="0">
+              <a:sym typeface="Wingdings" panose="05000000000000000000" pitchFamily="2" charset="2"/>
+            </a:endParaRPr>
+          </a:p>
+          <a:p>
+            <a:r>
+              <a:rPr lang="bg-BG" dirty="0">
+                <a:sym typeface="Wingdings" panose="05000000000000000000" pitchFamily="2" charset="2"/>
+              </a:rPr>
+              <a:t>Дефиницията ви сигурно е била</a:t>
+            </a:r>
+            <a:r>
+              <a:rPr lang="en-GB" dirty="0">
+                <a:sym typeface="Wingdings" panose="05000000000000000000" pitchFamily="2" charset="2"/>
+              </a:rPr>
+              <a:t> </a:t>
+            </a:r>
+            <a:r>
+              <a:rPr lang="bg-BG" dirty="0">
+                <a:sym typeface="Wingdings" panose="05000000000000000000" pitchFamily="2" charset="2"/>
+              </a:rPr>
+              <a:t>нещо от сорта:</a:t>
+            </a:r>
+          </a:p>
+          <a:p>
+            <a:pPr marL="0" indent="0">
+              <a:buNone/>
+            </a:pPr>
+            <a:endParaRPr lang="bg-BG" dirty="0">
+              <a:sym typeface="Wingdings" panose="05000000000000000000" pitchFamily="2" charset="2"/>
+            </a:endParaRPr>
+          </a:p>
+          <a:p>
+            <a:pPr marL="0" indent="0">
+              <a:buNone/>
+            </a:pPr>
+            <a:r>
+              <a:rPr lang="en-GB" dirty="0">
+                <a:sym typeface="Wingdings" panose="05000000000000000000" pitchFamily="2" charset="2"/>
+              </a:rPr>
+              <a:t>class Stack</a:t>
+            </a:r>
+          </a:p>
+          <a:p>
+            <a:pPr marL="0" indent="0">
+              <a:buNone/>
+            </a:pPr>
+            <a:r>
+              <a:rPr lang="en-GB" dirty="0">
+                <a:sym typeface="Wingdings" panose="05000000000000000000" pitchFamily="2" charset="2"/>
+              </a:rPr>
+              <a:t>{</a:t>
+            </a:r>
+          </a:p>
+          <a:p>
+            <a:pPr marL="0" indent="0">
+              <a:buNone/>
+            </a:pPr>
+            <a:r>
+              <a:rPr lang="en-GB" dirty="0">
+                <a:sym typeface="Wingdings" panose="05000000000000000000" pitchFamily="2" charset="2"/>
+              </a:rPr>
+              <a:t>	unsigned size;</a:t>
+            </a:r>
+          </a:p>
+          <a:p>
+            <a:pPr marL="0" indent="0">
+              <a:buNone/>
+            </a:pPr>
+            <a:r>
+              <a:rPr lang="en-GB" dirty="0">
+                <a:sym typeface="Wingdings" panose="05000000000000000000" pitchFamily="2" charset="2"/>
+              </a:rPr>
+              <a:t>	int * data;</a:t>
+            </a:r>
+          </a:p>
+          <a:p>
+            <a:pPr marL="0" indent="0">
+              <a:buNone/>
+            </a:pPr>
+            <a:r>
+              <a:rPr lang="en-GB" dirty="0">
+                <a:sym typeface="Wingdings" panose="05000000000000000000" pitchFamily="2" charset="2"/>
+              </a:rPr>
+              <a:t>}</a:t>
+            </a:r>
             <a:endParaRPr lang="bg-BG" dirty="0"/>
-          </a:p>
-          <a:p>
-            <a:r>
-              <a:rPr lang="bg-BG" dirty="0"/>
-              <a:t>За любознателните има линк в края на презентацията</a:t>
-            </a:r>
           </a:p>
         </p:txBody>
       </p:sp>
     </p:spTree>
     <p:extLst>
       <p:ext uri="{BB962C8B-B14F-4D97-AF65-F5344CB8AC3E}">
-        <p14:creationId xmlns:p14="http://schemas.microsoft.com/office/powerpoint/2010/main" val="3432183963"/>
+        <p14:creationId xmlns:p14="http://schemas.microsoft.com/office/powerpoint/2010/main" val="482199951"/>
       </p:ext>
     </p:extLst>
   </p:cSld>
@@ -18392,7 +18398,7 @@
           <p:cNvPr id="2" name="Заглавие 1">
             <a:extLst>
               <a:ext uri="{FF2B5EF4-FFF2-40B4-BE49-F238E27FC236}">
-                <a16:creationId xmlns:a16="http://schemas.microsoft.com/office/drawing/2014/main" id="{EFC7392D-3B08-40F0-880A-467222A1B7FC}"/>
+                <a16:creationId xmlns:a16="http://schemas.microsoft.com/office/drawing/2014/main" id="{124092FF-FAA7-4374-9595-B74802207FD4}"/>
               </a:ext>
             </a:extLst>
           </p:cNvPr>
@@ -18420,7 +18426,7 @@
           <p:cNvPr id="3" name="Контейнер за съдържание 2">
             <a:extLst>
               <a:ext uri="{FF2B5EF4-FFF2-40B4-BE49-F238E27FC236}">
-                <a16:creationId xmlns:a16="http://schemas.microsoft.com/office/drawing/2014/main" id="{24EBF460-B4C6-462E-9473-DDEDEFCD9E25}"/>
+                <a16:creationId xmlns:a16="http://schemas.microsoft.com/office/drawing/2014/main" id="{1B0445DE-863E-4702-A941-EC0F2C49B97E}"/>
               </a:ext>
             </a:extLst>
           </p:cNvPr>
@@ -18433,134 +18439,46 @@
         </p:nvSpPr>
         <p:spPr/>
         <p:txBody>
-          <a:bodyPr>
-            <a:normAutofit fontScale="92500" lnSpcReduction="10000"/>
-          </a:bodyPr>
-          <a:lstStyle/>
-          <a:p>
-            <a:r>
-              <a:rPr lang="bg-BG" dirty="0"/>
-              <a:t>Чували ли сте за стек </a:t>
-            </a:r>
-            <a:r>
-              <a:rPr lang="en-GB" dirty="0">
-                <a:sym typeface="Wingdings" panose="05000000000000000000" pitchFamily="2" charset="2"/>
-              </a:rPr>
-              <a:t></a:t>
-            </a:r>
-            <a:endParaRPr lang="bg-BG" dirty="0">
-              <a:sym typeface="Wingdings" panose="05000000000000000000" pitchFamily="2" charset="2"/>
-            </a:endParaRPr>
-          </a:p>
-          <a:p>
-            <a:pPr marL="457200" lvl="1" indent="0">
-              <a:buNone/>
-            </a:pPr>
-            <a:r>
-              <a:rPr lang="bg-BG" dirty="0">
-                <a:sym typeface="Wingdings" panose="05000000000000000000" pitchFamily="2" charset="2"/>
-              </a:rPr>
-              <a:t>(знам, че сте го имали за домашно)</a:t>
-            </a:r>
-          </a:p>
-          <a:p>
-            <a:pPr marL="457200" lvl="1" indent="0">
-              <a:buNone/>
-            </a:pPr>
-            <a:endParaRPr lang="bg-BG" dirty="0">
-              <a:sym typeface="Wingdings" panose="05000000000000000000" pitchFamily="2" charset="2"/>
-            </a:endParaRPr>
-          </a:p>
-          <a:p>
-            <a:r>
-              <a:rPr lang="bg-BG" dirty="0">
-                <a:sym typeface="Wingdings" panose="05000000000000000000" pitchFamily="2" charset="2"/>
-              </a:rPr>
-              <a:t>Дефиницията ви сигурно е била</a:t>
-            </a:r>
-            <a:r>
-              <a:rPr lang="en-GB" dirty="0">
-                <a:sym typeface="Wingdings" panose="05000000000000000000" pitchFamily="2" charset="2"/>
-              </a:rPr>
-              <a:t> </a:t>
-            </a:r>
-            <a:r>
-              <a:rPr lang="bg-BG" dirty="0">
-                <a:sym typeface="Wingdings" panose="05000000000000000000" pitchFamily="2" charset="2"/>
-              </a:rPr>
-              <a:t>нещо от сорта:</a:t>
-            </a:r>
-          </a:p>
-          <a:p>
-            <a:pPr marL="0" indent="0">
-              <a:buNone/>
-            </a:pPr>
-            <a:endParaRPr lang="bg-BG" dirty="0">
-              <a:sym typeface="Wingdings" panose="05000000000000000000" pitchFamily="2" charset="2"/>
-            </a:endParaRPr>
-          </a:p>
-          <a:p>
-            <a:pPr marL="0" indent="0">
-              <a:buNone/>
-            </a:pPr>
-            <a:r>
-              <a:rPr lang="en-GB" dirty="0">
-                <a:sym typeface="Wingdings" panose="05000000000000000000" pitchFamily="2" charset="2"/>
-              </a:rPr>
-              <a:t>class Stack</a:t>
-            </a:r>
-          </a:p>
-          <a:p>
-            <a:pPr marL="0" indent="0">
-              <a:buNone/>
-            </a:pPr>
-            <a:r>
-              <a:rPr lang="en-GB" dirty="0">
-                <a:sym typeface="Wingdings" panose="05000000000000000000" pitchFamily="2" charset="2"/>
-              </a:rPr>
-              <a:t>{</a:t>
-            </a:r>
-          </a:p>
-          <a:p>
-            <a:pPr marL="0" indent="0">
-              <a:buNone/>
-            </a:pPr>
-            <a:r>
-              <a:rPr lang="en-GB" dirty="0">
-                <a:sym typeface="Wingdings" panose="05000000000000000000" pitchFamily="2" charset="2"/>
-              </a:rPr>
-              <a:t>	unsigned size;</a:t>
-            </a:r>
-          </a:p>
-          <a:p>
-            <a:pPr marL="0" indent="0">
-              <a:buNone/>
-            </a:pPr>
-            <a:r>
-              <a:rPr lang="en-GB" dirty="0">
-                <a:sym typeface="Wingdings" panose="05000000000000000000" pitchFamily="2" charset="2"/>
-              </a:rPr>
-              <a:t>	int * data;</a:t>
-            </a:r>
-          </a:p>
-          <a:p>
-            <a:pPr marL="0" indent="0">
-              <a:buNone/>
-            </a:pPr>
-            <a:r>
-              <a:rPr lang="en-GB" dirty="0">
-                <a:sym typeface="Wingdings" panose="05000000000000000000" pitchFamily="2" charset="2"/>
-              </a:rPr>
-              <a:t>}</a:t>
-            </a:r>
+          <a:bodyPr/>
+          <a:lstStyle/>
+          <a:p>
+            <a:r>
+              <a:rPr lang="bg-BG" dirty="0"/>
+              <a:t>Аналогично като предишната задача, може да ни се наложи да използваме стек за различни типове данни</a:t>
+            </a:r>
+          </a:p>
+          <a:p>
             <a:endParaRPr lang="bg-BG" dirty="0"/>
+          </a:p>
+          <a:p>
+            <a:r>
+              <a:rPr lang="bg-BG" dirty="0"/>
+              <a:t>Решението на този проблем е шаблон на целия клас стек</a:t>
+            </a:r>
+          </a:p>
+          <a:p>
+            <a:endParaRPr lang="bg-BG" dirty="0"/>
+          </a:p>
+          <a:p>
+            <a:r>
+              <a:rPr lang="bg-BG" dirty="0"/>
+              <a:t>Ако сте използвали </a:t>
+            </a:r>
+            <a:r>
+              <a:rPr lang="en-GB" dirty="0"/>
+              <a:t>STL, </a:t>
+            </a:r>
+            <a:r>
+              <a:rPr lang="bg-BG" dirty="0"/>
+              <a:t>то знаете, че стекът наистина е шаблонен </a:t>
+            </a:r>
           </a:p>
         </p:txBody>
       </p:sp>
     </p:spTree>
     <p:extLst>
       <p:ext uri="{BB962C8B-B14F-4D97-AF65-F5344CB8AC3E}">
-        <p14:creationId xmlns:p14="http://schemas.microsoft.com/office/powerpoint/2010/main" val="482199951"/>
+        <p14:creationId xmlns:p14="http://schemas.microsoft.com/office/powerpoint/2010/main" val="2074602446"/>
       </p:ext>
     </p:extLst>
   </p:cSld>
@@ -18592,7 +18510,7 @@
           <p:cNvPr id="2" name="Заглавие 1">
             <a:extLst>
               <a:ext uri="{FF2B5EF4-FFF2-40B4-BE49-F238E27FC236}">
-                <a16:creationId xmlns:a16="http://schemas.microsoft.com/office/drawing/2014/main" id="{124092FF-FAA7-4374-9595-B74802207FD4}"/>
+                <a16:creationId xmlns:a16="http://schemas.microsoft.com/office/drawing/2014/main" id="{E1E66C3B-65DC-42F4-A22E-EA7A3B7FCBCB}"/>
               </a:ext>
             </a:extLst>
           </p:cNvPr>
@@ -18610,7 +18528,7 @@
           <a:p>
             <a:r>
               <a:rPr lang="bg-BG" dirty="0"/>
-              <a:t>Стек</a:t>
+              <a:t>Шаблонен клас</a:t>
             </a:r>
           </a:p>
         </p:txBody>
@@ -18620,7 +18538,7 @@
           <p:cNvPr id="3" name="Контейнер за съдържание 2">
             <a:extLst>
               <a:ext uri="{FF2B5EF4-FFF2-40B4-BE49-F238E27FC236}">
-                <a16:creationId xmlns:a16="http://schemas.microsoft.com/office/drawing/2014/main" id="{1B0445DE-863E-4702-A941-EC0F2C49B97E}"/>
+                <a16:creationId xmlns:a16="http://schemas.microsoft.com/office/drawing/2014/main" id="{FF84D10A-BE4B-45BE-AB8F-92B0BE012BDE}"/>
               </a:ext>
             </a:extLst>
           </p:cNvPr>
@@ -18638,7 +18556,7 @@
           <a:p>
             <a:r>
               <a:rPr lang="bg-BG" dirty="0"/>
-              <a:t>Аналогично като предишната задача, може да ни се наложи да използваме стек за различни типове данни</a:t>
+              <a:t>Идеята е същата като досега</a:t>
             </a:r>
           </a:p>
           <a:p>
@@ -18647,7 +18565,7 @@
           <a:p>
             <a:r>
               <a:rPr lang="bg-BG" dirty="0"/>
-              <a:t>Решението на този проблем е шаблон на целия клас стек</a:t>
+              <a:t>Имплементацията също</a:t>
             </a:r>
           </a:p>
           <a:p>
@@ -18656,23 +18574,27 @@
           <a:p>
             <a:r>
               <a:rPr lang="bg-BG" dirty="0"/>
-              <a:t>Ако сте използвали </a:t>
-            </a:r>
-            <a:r>
-              <a:rPr lang="en-GB" dirty="0"/>
-              <a:t>STL, </a:t>
-            </a:r>
-            <a:r>
-              <a:rPr lang="bg-BG" dirty="0"/>
-              <a:t>то знаете, че стекът наистина е шаблонен </a:t>
-            </a:r>
+              <a:t>Единствената разлика е, че компилаторът трябва да знае как да интерпретира въпросния обект</a:t>
+            </a:r>
+          </a:p>
+          <a:p>
+            <a:endParaRPr lang="bg-BG" dirty="0"/>
+          </a:p>
+          <a:p>
+            <a:r>
+              <a:rPr lang="bg-BG" dirty="0"/>
+              <a:t>Затова трябва изрично да се определи какъв ще е типът на класа</a:t>
+            </a:r>
+          </a:p>
+          <a:p>
+            <a:endParaRPr lang="bg-BG" dirty="0"/>
           </a:p>
         </p:txBody>
       </p:sp>
     </p:spTree>
     <p:extLst>
       <p:ext uri="{BB962C8B-B14F-4D97-AF65-F5344CB8AC3E}">
-        <p14:creationId xmlns:p14="http://schemas.microsoft.com/office/powerpoint/2010/main" val="2074602446"/>
+        <p14:creationId xmlns:p14="http://schemas.microsoft.com/office/powerpoint/2010/main" val="2084229306"/>
       </p:ext>
     </p:extLst>
   </p:cSld>
@@ -18704,7 +18626,7 @@
           <p:cNvPr id="2" name="Заглавие 1">
             <a:extLst>
               <a:ext uri="{FF2B5EF4-FFF2-40B4-BE49-F238E27FC236}">
-                <a16:creationId xmlns:a16="http://schemas.microsoft.com/office/drawing/2014/main" id="{E1E66C3B-65DC-42F4-A22E-EA7A3B7FCBCB}"/>
+                <a16:creationId xmlns:a16="http://schemas.microsoft.com/office/drawing/2014/main" id="{D17AD01C-31D2-46BA-A308-806B4C5DF78B}"/>
               </a:ext>
             </a:extLst>
           </p:cNvPr>
@@ -18720,75 +18642,49 @@
           <a:bodyPr/>
           <a:lstStyle/>
           <a:p>
-            <a:r>
-              <a:rPr lang="bg-BG" dirty="0"/>
-              <a:t>Шаблонен клас</a:t>
-            </a:r>
-          </a:p>
-        </p:txBody>
-      </p:sp>
-      <p:sp>
-        <p:nvSpPr>
-          <p:cNvPr id="3" name="Контейнер за съдържание 2">
-            <a:extLst>
-              <a:ext uri="{FF2B5EF4-FFF2-40B4-BE49-F238E27FC236}">
-                <a16:creationId xmlns:a16="http://schemas.microsoft.com/office/drawing/2014/main" id="{FF84D10A-BE4B-45BE-AB8F-92B0BE012BDE}"/>
-              </a:ext>
-            </a:extLst>
-          </p:cNvPr>
-          <p:cNvSpPr>
-            <a:spLocks noGrp="1"/>
-          </p:cNvSpPr>
+            <a:endParaRPr lang="bg-BG"/>
+          </a:p>
+        </p:txBody>
+      </p:sp>
+      <p:pic>
+        <p:nvPicPr>
+          <p:cNvPr id="5" name="Контейнер за съдържание 4">
+            <a:extLst>
+              <a:ext uri="{FF2B5EF4-FFF2-40B4-BE49-F238E27FC236}">
+                <a16:creationId xmlns:a16="http://schemas.microsoft.com/office/drawing/2014/main" id="{53497E8A-8B60-4E8D-8971-77BE31A3E44F}"/>
+              </a:ext>
+            </a:extLst>
+          </p:cNvPr>
+          <p:cNvPicPr>
+            <a:picLocks noGrp="1" noChangeAspect="1"/>
+          </p:cNvPicPr>
           <p:nvPr>
             <p:ph idx="1"/>
           </p:nvPr>
-        </p:nvSpPr>
-        <p:spPr/>
-        <p:txBody>
-          <a:bodyPr/>
-          <a:lstStyle/>
-          <a:p>
-            <a:r>
-              <a:rPr lang="bg-BG" dirty="0"/>
-              <a:t>Идеята е същата като досега</a:t>
-            </a:r>
-          </a:p>
-          <a:p>
-            <a:endParaRPr lang="bg-BG" dirty="0"/>
-          </a:p>
-          <a:p>
-            <a:r>
-              <a:rPr lang="bg-BG" dirty="0"/>
-              <a:t>Имплементацията също</a:t>
-            </a:r>
-          </a:p>
-          <a:p>
-            <a:endParaRPr lang="bg-BG" dirty="0"/>
-          </a:p>
-          <a:p>
-            <a:r>
-              <a:rPr lang="bg-BG" dirty="0"/>
-              <a:t>Единствената разлика е, че компилаторът трябва да знае как да интерпретира въпросния обект</a:t>
-            </a:r>
-          </a:p>
-          <a:p>
-            <a:endParaRPr lang="bg-BG" dirty="0"/>
-          </a:p>
-          <a:p>
-            <a:r>
-              <a:rPr lang="bg-BG" dirty="0"/>
-              <a:t>Затова трябва изрично да се определи какъв ще е типът на класа</a:t>
-            </a:r>
-          </a:p>
-          <a:p>
-            <a:endParaRPr lang="bg-BG" dirty="0"/>
-          </a:p>
-        </p:txBody>
-      </p:sp>
+        </p:nvPicPr>
+        <p:blipFill>
+          <a:blip r:embed="rId2">
+            <a:extLst>
+              <a:ext uri="{28A0092B-C50C-407E-A947-70E740481C1C}">
+                <a14:useLocalDpi xmlns:a14="http://schemas.microsoft.com/office/drawing/2010/main" val="0"/>
+              </a:ext>
+            </a:extLst>
+          </a:blip>
+          <a:stretch>
+            <a:fillRect/>
+          </a:stretch>
+        </p:blipFill>
+        <p:spPr>
+          <a:xfrm>
+            <a:off x="0" y="-1"/>
+            <a:ext cx="12192000" cy="6854653"/>
+          </a:xfrm>
+        </p:spPr>
+      </p:pic>
     </p:spTree>
     <p:extLst>
       <p:ext uri="{BB962C8B-B14F-4D97-AF65-F5344CB8AC3E}">
-        <p14:creationId xmlns:p14="http://schemas.microsoft.com/office/powerpoint/2010/main" val="2084229306"/>
+        <p14:creationId xmlns:p14="http://schemas.microsoft.com/office/powerpoint/2010/main" val="3002894593"/>
       </p:ext>
     </p:extLst>
   </p:cSld>
@@ -18820,7 +18716,7 @@
           <p:cNvPr id="2" name="Заглавие 1">
             <a:extLst>
               <a:ext uri="{FF2B5EF4-FFF2-40B4-BE49-F238E27FC236}">
-                <a16:creationId xmlns:a16="http://schemas.microsoft.com/office/drawing/2014/main" id="{D17AD01C-31D2-46BA-A308-806B4C5DF78B}"/>
+                <a16:creationId xmlns:a16="http://schemas.microsoft.com/office/drawing/2014/main" id="{6B62993D-642F-4B53-9C1C-A0D27581F273}"/>
               </a:ext>
             </a:extLst>
           </p:cNvPr>
@@ -18845,7 +18741,7 @@
           <p:cNvPr id="5" name="Контейнер за съдържание 4">
             <a:extLst>
               <a:ext uri="{FF2B5EF4-FFF2-40B4-BE49-F238E27FC236}">
-                <a16:creationId xmlns:a16="http://schemas.microsoft.com/office/drawing/2014/main" id="{53497E8A-8B60-4E8D-8971-77BE31A3E44F}"/>
+                <a16:creationId xmlns:a16="http://schemas.microsoft.com/office/drawing/2014/main" id="{F2450DBC-5E2F-4743-9338-7953723C457D}"/>
               </a:ext>
             </a:extLst>
           </p:cNvPr>
@@ -18878,7 +18774,7 @@
     </p:spTree>
     <p:extLst>
       <p:ext uri="{BB962C8B-B14F-4D97-AF65-F5344CB8AC3E}">
-        <p14:creationId xmlns:p14="http://schemas.microsoft.com/office/powerpoint/2010/main" val="3002894593"/>
+        <p14:creationId xmlns:p14="http://schemas.microsoft.com/office/powerpoint/2010/main" val="2485220439"/>
       </p:ext>
     </p:extLst>
   </p:cSld>
@@ -18910,7 +18806,7 @@
           <p:cNvPr id="2" name="Заглавие 1">
             <a:extLst>
               <a:ext uri="{FF2B5EF4-FFF2-40B4-BE49-F238E27FC236}">
-                <a16:creationId xmlns:a16="http://schemas.microsoft.com/office/drawing/2014/main" id="{6B62993D-642F-4B53-9C1C-A0D27581F273}"/>
+                <a16:creationId xmlns:a16="http://schemas.microsoft.com/office/drawing/2014/main" id="{1ED70108-5B5C-4355-A819-15C6BF3EE28C}"/>
               </a:ext>
             </a:extLst>
           </p:cNvPr>
@@ -18926,49 +18822,68 @@
           <a:bodyPr/>
           <a:lstStyle/>
           <a:p>
-            <a:endParaRPr lang="bg-BG"/>
-          </a:p>
-        </p:txBody>
-      </p:sp>
-      <p:pic>
-        <p:nvPicPr>
-          <p:cNvPr id="5" name="Контейнер за съдържание 4">
-            <a:extLst>
-              <a:ext uri="{FF2B5EF4-FFF2-40B4-BE49-F238E27FC236}">
-                <a16:creationId xmlns:a16="http://schemas.microsoft.com/office/drawing/2014/main" id="{F2450DBC-5E2F-4743-9338-7953723C457D}"/>
-              </a:ext>
-            </a:extLst>
-          </p:cNvPr>
-          <p:cNvPicPr>
-            <a:picLocks noGrp="1" noChangeAspect="1"/>
-          </p:cNvPicPr>
+            <a:r>
+              <a:rPr lang="bg-BG" dirty="0"/>
+              <a:t>Шаблонен клас</a:t>
+            </a:r>
+          </a:p>
+        </p:txBody>
+      </p:sp>
+      <p:sp>
+        <p:nvSpPr>
+          <p:cNvPr id="3" name="Контейнер за съдържание 2">
+            <a:extLst>
+              <a:ext uri="{FF2B5EF4-FFF2-40B4-BE49-F238E27FC236}">
+                <a16:creationId xmlns:a16="http://schemas.microsoft.com/office/drawing/2014/main" id="{36796F55-D13A-4BA5-8742-258CBDAE81FA}"/>
+              </a:ext>
+            </a:extLst>
+          </p:cNvPr>
+          <p:cNvSpPr>
+            <a:spLocks noGrp="1"/>
+          </p:cNvSpPr>
           <p:nvPr>
             <p:ph idx="1"/>
           </p:nvPr>
-        </p:nvPicPr>
-        <p:blipFill>
-          <a:blip r:embed="rId2">
-            <a:extLst>
-              <a:ext uri="{28A0092B-C50C-407E-A947-70E740481C1C}">
-                <a14:useLocalDpi xmlns:a14="http://schemas.microsoft.com/office/drawing/2010/main" val="0"/>
-              </a:ext>
-            </a:extLst>
-          </a:blip>
-          <a:stretch>
-            <a:fillRect/>
-          </a:stretch>
-        </p:blipFill>
-        <p:spPr>
-          <a:xfrm>
-            <a:off x="0" y="-1"/>
-            <a:ext cx="12192000" cy="6854653"/>
-          </a:xfrm>
-        </p:spPr>
-      </p:pic>
+        </p:nvSpPr>
+        <p:spPr/>
+        <p:txBody>
+          <a:bodyPr/>
+          <a:lstStyle/>
+          <a:p>
+            <a:r>
+              <a:rPr lang="bg-BG" dirty="0"/>
+              <a:t>Също така, ако някъде ще използваме въпросния шаблонен клас като тип, то винаги трябва да уточняваме коя негова версия ще използваме</a:t>
+            </a:r>
+          </a:p>
+          <a:p>
+            <a:endParaRPr lang="bg-BG" dirty="0"/>
+          </a:p>
+          <a:p>
+            <a:r>
+              <a:rPr lang="bg-BG" dirty="0"/>
+              <a:t>Например, ако искаме функция, която приема стек и намира най-големия му елемент, то не можем просто да напишем </a:t>
+            </a:r>
+            <a:endParaRPr lang="en-GB" dirty="0"/>
+          </a:p>
+          <a:p>
+            <a:endParaRPr lang="en-GB" dirty="0"/>
+          </a:p>
+          <a:p>
+            <a:pPr marL="0" indent="0">
+              <a:buNone/>
+            </a:pPr>
+            <a:r>
+              <a:rPr lang="en-GB" dirty="0"/>
+              <a:t>void foo (Stack);</a:t>
+            </a:r>
+            <a:endParaRPr lang="bg-BG" dirty="0"/>
+          </a:p>
+        </p:txBody>
+      </p:sp>
     </p:spTree>
     <p:extLst>
       <p:ext uri="{BB962C8B-B14F-4D97-AF65-F5344CB8AC3E}">
-        <p14:creationId xmlns:p14="http://schemas.microsoft.com/office/powerpoint/2010/main" val="2485220439"/>
+        <p14:creationId xmlns:p14="http://schemas.microsoft.com/office/powerpoint/2010/main" val="3131047335"/>
       </p:ext>
     </p:extLst>
   </p:cSld>
@@ -19000,7 +18915,7 @@
           <p:cNvPr id="2" name="Заглавие 1">
             <a:extLst>
               <a:ext uri="{FF2B5EF4-FFF2-40B4-BE49-F238E27FC236}">
-                <a16:creationId xmlns:a16="http://schemas.microsoft.com/office/drawing/2014/main" id="{1ED70108-5B5C-4355-A819-15C6BF3EE28C}"/>
+                <a16:creationId xmlns:a16="http://schemas.microsoft.com/office/drawing/2014/main" id="{2007C578-5370-461A-812B-6EDC5A815918}"/>
               </a:ext>
             </a:extLst>
           </p:cNvPr>
@@ -19016,68 +18931,49 @@
           <a:bodyPr/>
           <a:lstStyle/>
           <a:p>
-            <a:r>
-              <a:rPr lang="bg-BG" dirty="0"/>
-              <a:t>Шаблонен клас</a:t>
-            </a:r>
-          </a:p>
-        </p:txBody>
-      </p:sp>
-      <p:sp>
-        <p:nvSpPr>
-          <p:cNvPr id="3" name="Контейнер за съдържание 2">
-            <a:extLst>
-              <a:ext uri="{FF2B5EF4-FFF2-40B4-BE49-F238E27FC236}">
-                <a16:creationId xmlns:a16="http://schemas.microsoft.com/office/drawing/2014/main" id="{36796F55-D13A-4BA5-8742-258CBDAE81FA}"/>
-              </a:ext>
-            </a:extLst>
-          </p:cNvPr>
-          <p:cNvSpPr>
-            <a:spLocks noGrp="1"/>
-          </p:cNvSpPr>
+            <a:endParaRPr lang="bg-BG"/>
+          </a:p>
+        </p:txBody>
+      </p:sp>
+      <p:pic>
+        <p:nvPicPr>
+          <p:cNvPr id="9" name="Контейнер за съдържание 8">
+            <a:extLst>
+              <a:ext uri="{FF2B5EF4-FFF2-40B4-BE49-F238E27FC236}">
+                <a16:creationId xmlns:a16="http://schemas.microsoft.com/office/drawing/2014/main" id="{74C4B84E-593E-42AE-B4BB-4DBFEAE5BE85}"/>
+              </a:ext>
+            </a:extLst>
+          </p:cNvPr>
+          <p:cNvPicPr>
+            <a:picLocks noGrp="1" noChangeAspect="1"/>
+          </p:cNvPicPr>
           <p:nvPr>
             <p:ph idx="1"/>
           </p:nvPr>
-        </p:nvSpPr>
-        <p:spPr/>
-        <p:txBody>
-          <a:bodyPr/>
-          <a:lstStyle/>
-          <a:p>
-            <a:r>
-              <a:rPr lang="bg-BG" dirty="0"/>
-              <a:t>Също така, ако някъде ще използваме въпросния шаблонен клас като тип, то винаги трябва да уточняваме коя негова версия ще използваме</a:t>
-            </a:r>
-          </a:p>
-          <a:p>
-            <a:endParaRPr lang="bg-BG" dirty="0"/>
-          </a:p>
-          <a:p>
-            <a:r>
-              <a:rPr lang="bg-BG" dirty="0"/>
-              <a:t>Например, ако искаме функция, която приема стек и намира най-големия му елемент, то не можем просто да напишем </a:t>
-            </a:r>
-            <a:endParaRPr lang="en-GB" dirty="0"/>
-          </a:p>
-          <a:p>
-            <a:endParaRPr lang="en-GB" dirty="0"/>
-          </a:p>
-          <a:p>
-            <a:pPr marL="0" indent="0">
-              <a:buNone/>
-            </a:pPr>
-            <a:r>
-              <a:rPr lang="en-GB" dirty="0"/>
-              <a:t>void foo (Stack);</a:t>
-            </a:r>
-            <a:endParaRPr lang="bg-BG" dirty="0"/>
-          </a:p>
-        </p:txBody>
-      </p:sp>
+        </p:nvPicPr>
+        <p:blipFill>
+          <a:blip r:embed="rId2">
+            <a:extLst>
+              <a:ext uri="{28A0092B-C50C-407E-A947-70E740481C1C}">
+                <a14:useLocalDpi xmlns:a14="http://schemas.microsoft.com/office/drawing/2010/main" val="0"/>
+              </a:ext>
+            </a:extLst>
+          </a:blip>
+          <a:stretch>
+            <a:fillRect/>
+          </a:stretch>
+        </p:blipFill>
+        <p:spPr>
+          <a:xfrm>
+            <a:off x="0" y="-1"/>
+            <a:ext cx="12192000" cy="6854653"/>
+          </a:xfrm>
+        </p:spPr>
+      </p:pic>
     </p:spTree>
     <p:extLst>
       <p:ext uri="{BB962C8B-B14F-4D97-AF65-F5344CB8AC3E}">
-        <p14:creationId xmlns:p14="http://schemas.microsoft.com/office/powerpoint/2010/main" val="3131047335"/>
+        <p14:creationId xmlns:p14="http://schemas.microsoft.com/office/powerpoint/2010/main" val="468074392"/>
       </p:ext>
     </p:extLst>
   </p:cSld>
@@ -19109,7 +19005,7 @@
           <p:cNvPr id="2" name="Заглавие 1">
             <a:extLst>
               <a:ext uri="{FF2B5EF4-FFF2-40B4-BE49-F238E27FC236}">
-                <a16:creationId xmlns:a16="http://schemas.microsoft.com/office/drawing/2014/main" id="{2007C578-5370-461A-812B-6EDC5A815918}"/>
+                <a16:creationId xmlns:a16="http://schemas.microsoft.com/office/drawing/2014/main" id="{96CE1A72-8348-418A-818F-5EB110B3359D}"/>
               </a:ext>
             </a:extLst>
           </p:cNvPr>
@@ -19125,49 +19021,57 @@
           <a:bodyPr/>
           <a:lstStyle/>
           <a:p>
-            <a:endParaRPr lang="bg-BG"/>
-          </a:p>
-        </p:txBody>
-      </p:sp>
-      <p:pic>
-        <p:nvPicPr>
-          <p:cNvPr id="9" name="Контейнер за съдържание 8">
-            <a:extLst>
-              <a:ext uri="{FF2B5EF4-FFF2-40B4-BE49-F238E27FC236}">
-                <a16:creationId xmlns:a16="http://schemas.microsoft.com/office/drawing/2014/main" id="{74C4B84E-593E-42AE-B4BB-4DBFEAE5BE85}"/>
-              </a:ext>
-            </a:extLst>
-          </p:cNvPr>
-          <p:cNvPicPr>
-            <a:picLocks noGrp="1" noChangeAspect="1"/>
-          </p:cNvPicPr>
+            <a:r>
+              <a:rPr lang="bg-BG" dirty="0"/>
+              <a:t>Решение</a:t>
+            </a:r>
+          </a:p>
+        </p:txBody>
+      </p:sp>
+      <p:sp>
+        <p:nvSpPr>
+          <p:cNvPr id="3" name="Контейнер за съдържание 2">
+            <a:extLst>
+              <a:ext uri="{FF2B5EF4-FFF2-40B4-BE49-F238E27FC236}">
+                <a16:creationId xmlns:a16="http://schemas.microsoft.com/office/drawing/2014/main" id="{F7F8253C-F5E8-434D-94C5-E4F2B9D6F1BC}"/>
+              </a:ext>
+            </a:extLst>
+          </p:cNvPr>
+          <p:cNvSpPr>
+            <a:spLocks noGrp="1"/>
+          </p:cNvSpPr>
           <p:nvPr>
             <p:ph idx="1"/>
           </p:nvPr>
-        </p:nvPicPr>
-        <p:blipFill>
-          <a:blip r:embed="rId2">
-            <a:extLst>
-              <a:ext uri="{28A0092B-C50C-407E-A947-70E740481C1C}">
-                <a14:useLocalDpi xmlns:a14="http://schemas.microsoft.com/office/drawing/2010/main" val="0"/>
-              </a:ext>
-            </a:extLst>
-          </a:blip>
-          <a:stretch>
-            <a:fillRect/>
-          </a:stretch>
-        </p:blipFill>
-        <p:spPr>
-          <a:xfrm>
-            <a:off x="0" y="-1"/>
-            <a:ext cx="12192000" cy="6854653"/>
-          </a:xfrm>
-        </p:spPr>
-      </p:pic>
+        </p:nvSpPr>
+        <p:spPr/>
+        <p:txBody>
+          <a:bodyPr/>
+          <a:lstStyle/>
+          <a:p>
+            <a:r>
+              <a:rPr lang="bg-BG" dirty="0"/>
+              <a:t>Трябва изрично да кажем какъв тип стек ще подадем</a:t>
+            </a:r>
+          </a:p>
+          <a:p>
+            <a:endParaRPr lang="bg-BG" dirty="0"/>
+          </a:p>
+          <a:p>
+            <a:r>
+              <a:rPr lang="bg-BG" dirty="0"/>
+              <a:t>Можем да напишем такова за всеки тип данни, който познаваме</a:t>
+            </a:r>
+          </a:p>
+          <a:p>
+            <a:endParaRPr lang="bg-BG" dirty="0"/>
+          </a:p>
+        </p:txBody>
+      </p:sp>
     </p:spTree>
     <p:extLst>
       <p:ext uri="{BB962C8B-B14F-4D97-AF65-F5344CB8AC3E}">
-        <p14:creationId xmlns:p14="http://schemas.microsoft.com/office/powerpoint/2010/main" val="468074392"/>
+        <p14:creationId xmlns:p14="http://schemas.microsoft.com/office/powerpoint/2010/main" val="3088745887"/>
       </p:ext>
     </p:extLst>
   </p:cSld>
@@ -19326,7 +19230,7 @@
           <p:cNvPr id="2" name="Заглавие 1">
             <a:extLst>
               <a:ext uri="{FF2B5EF4-FFF2-40B4-BE49-F238E27FC236}">
-                <a16:creationId xmlns:a16="http://schemas.microsoft.com/office/drawing/2014/main" id="{96CE1A72-8348-418A-818F-5EB110B3359D}"/>
+                <a16:creationId xmlns:a16="http://schemas.microsoft.com/office/drawing/2014/main" id="{1A5ED044-870D-42B0-902D-C917EE4967BF}"/>
               </a:ext>
             </a:extLst>
           </p:cNvPr>
@@ -19342,57 +19246,49 @@
           <a:bodyPr/>
           <a:lstStyle/>
           <a:p>
-            <a:r>
-              <a:rPr lang="bg-BG" dirty="0"/>
-              <a:t>Решение</a:t>
-            </a:r>
-          </a:p>
-        </p:txBody>
-      </p:sp>
-      <p:sp>
-        <p:nvSpPr>
-          <p:cNvPr id="3" name="Контейнер за съдържание 2">
-            <a:extLst>
-              <a:ext uri="{FF2B5EF4-FFF2-40B4-BE49-F238E27FC236}">
-                <a16:creationId xmlns:a16="http://schemas.microsoft.com/office/drawing/2014/main" id="{F7F8253C-F5E8-434D-94C5-E4F2B9D6F1BC}"/>
-              </a:ext>
-            </a:extLst>
-          </p:cNvPr>
-          <p:cNvSpPr>
-            <a:spLocks noGrp="1"/>
-          </p:cNvSpPr>
+            <a:endParaRPr lang="bg-BG"/>
+          </a:p>
+        </p:txBody>
+      </p:sp>
+      <p:pic>
+        <p:nvPicPr>
+          <p:cNvPr id="5" name="Контейнер за съдържание 4">
+            <a:extLst>
+              <a:ext uri="{FF2B5EF4-FFF2-40B4-BE49-F238E27FC236}">
+                <a16:creationId xmlns:a16="http://schemas.microsoft.com/office/drawing/2014/main" id="{6FA36EE0-AC7B-47EC-B0CE-E6CA92BAE6D2}"/>
+              </a:ext>
+            </a:extLst>
+          </p:cNvPr>
+          <p:cNvPicPr>
+            <a:picLocks noGrp="1" noChangeAspect="1"/>
+          </p:cNvPicPr>
           <p:nvPr>
             <p:ph idx="1"/>
           </p:nvPr>
-        </p:nvSpPr>
-        <p:spPr/>
-        <p:txBody>
-          <a:bodyPr/>
-          <a:lstStyle/>
-          <a:p>
-            <a:r>
-              <a:rPr lang="bg-BG" dirty="0"/>
-              <a:t>Трябва изрично да кажем какъв тип стек ще подадем</a:t>
-            </a:r>
-          </a:p>
-          <a:p>
-            <a:endParaRPr lang="bg-BG" dirty="0"/>
-          </a:p>
-          <a:p>
-            <a:r>
-              <a:rPr lang="bg-BG" dirty="0"/>
-              <a:t>Можем да напишем такова за всеки тип данни, който познаваме</a:t>
-            </a:r>
-          </a:p>
-          <a:p>
-            <a:endParaRPr lang="bg-BG" dirty="0"/>
-          </a:p>
-        </p:txBody>
-      </p:sp>
+        </p:nvPicPr>
+        <p:blipFill>
+          <a:blip r:embed="rId2">
+            <a:extLst>
+              <a:ext uri="{28A0092B-C50C-407E-A947-70E740481C1C}">
+                <a14:useLocalDpi xmlns:a14="http://schemas.microsoft.com/office/drawing/2010/main" val="0"/>
+              </a:ext>
+            </a:extLst>
+          </a:blip>
+          <a:stretch>
+            <a:fillRect/>
+          </a:stretch>
+        </p:blipFill>
+        <p:spPr>
+          <a:xfrm>
+            <a:off x="0" y="-1"/>
+            <a:ext cx="12192000" cy="6854653"/>
+          </a:xfrm>
+        </p:spPr>
+      </p:pic>
     </p:spTree>
     <p:extLst>
       <p:ext uri="{BB962C8B-B14F-4D97-AF65-F5344CB8AC3E}">
-        <p14:creationId xmlns:p14="http://schemas.microsoft.com/office/powerpoint/2010/main" val="3088745887"/>
+        <p14:creationId xmlns:p14="http://schemas.microsoft.com/office/powerpoint/2010/main" val="3867721280"/>
       </p:ext>
     </p:extLst>
   </p:cSld>
@@ -19424,7 +19320,7 @@
           <p:cNvPr id="2" name="Заглавие 1">
             <a:extLst>
               <a:ext uri="{FF2B5EF4-FFF2-40B4-BE49-F238E27FC236}">
-                <a16:creationId xmlns:a16="http://schemas.microsoft.com/office/drawing/2014/main" id="{1A5ED044-870D-42B0-902D-C917EE4967BF}"/>
+                <a16:creationId xmlns:a16="http://schemas.microsoft.com/office/drawing/2014/main" id="{96CE1A72-8348-418A-818F-5EB110B3359D}"/>
               </a:ext>
             </a:extLst>
           </p:cNvPr>
@@ -19440,49 +19336,66 @@
           <a:bodyPr/>
           <a:lstStyle/>
           <a:p>
-            <a:endParaRPr lang="bg-BG"/>
-          </a:p>
-        </p:txBody>
-      </p:sp>
-      <p:pic>
-        <p:nvPicPr>
-          <p:cNvPr id="5" name="Контейнер за съдържание 4">
-            <a:extLst>
-              <a:ext uri="{FF2B5EF4-FFF2-40B4-BE49-F238E27FC236}">
-                <a16:creationId xmlns:a16="http://schemas.microsoft.com/office/drawing/2014/main" id="{6FA36EE0-AC7B-47EC-B0CE-E6CA92BAE6D2}"/>
-              </a:ext>
-            </a:extLst>
-          </p:cNvPr>
-          <p:cNvPicPr>
-            <a:picLocks noGrp="1" noChangeAspect="1"/>
-          </p:cNvPicPr>
+            <a:r>
+              <a:rPr lang="bg-BG" dirty="0"/>
+              <a:t>Решение</a:t>
+            </a:r>
+          </a:p>
+        </p:txBody>
+      </p:sp>
+      <p:sp>
+        <p:nvSpPr>
+          <p:cNvPr id="3" name="Контейнер за съдържание 2">
+            <a:extLst>
+              <a:ext uri="{FF2B5EF4-FFF2-40B4-BE49-F238E27FC236}">
+                <a16:creationId xmlns:a16="http://schemas.microsoft.com/office/drawing/2014/main" id="{F7F8253C-F5E8-434D-94C5-E4F2B9D6F1BC}"/>
+              </a:ext>
+            </a:extLst>
+          </p:cNvPr>
+          <p:cNvSpPr>
+            <a:spLocks noGrp="1"/>
+          </p:cNvSpPr>
           <p:nvPr>
             <p:ph idx="1"/>
           </p:nvPr>
-        </p:nvPicPr>
-        <p:blipFill>
-          <a:blip r:embed="rId2">
-            <a:extLst>
-              <a:ext uri="{28A0092B-C50C-407E-A947-70E740481C1C}">
-                <a14:useLocalDpi xmlns:a14="http://schemas.microsoft.com/office/drawing/2010/main" val="0"/>
-              </a:ext>
-            </a:extLst>
-          </a:blip>
-          <a:stretch>
-            <a:fillRect/>
-          </a:stretch>
-        </p:blipFill>
-        <p:spPr>
-          <a:xfrm>
-            <a:off x="0" y="-1"/>
-            <a:ext cx="12192000" cy="6854653"/>
-          </a:xfrm>
-        </p:spPr>
-      </p:pic>
+        </p:nvSpPr>
+        <p:spPr/>
+        <p:txBody>
+          <a:bodyPr/>
+          <a:lstStyle/>
+          <a:p>
+            <a:r>
+              <a:rPr lang="bg-BG" dirty="0"/>
+              <a:t>Трябва изрично да кажем какъв тип стек ще подадем</a:t>
+            </a:r>
+          </a:p>
+          <a:p>
+            <a:endParaRPr lang="bg-BG" dirty="0"/>
+          </a:p>
+          <a:p>
+            <a:r>
+              <a:rPr lang="bg-BG" dirty="0"/>
+              <a:t>Можем да напишем такова за всеки тип данни, които познаваме</a:t>
+            </a:r>
+          </a:p>
+          <a:p>
+            <a:endParaRPr lang="bg-BG" dirty="0"/>
+          </a:p>
+          <a:p>
+            <a:r>
+              <a:rPr lang="bg-BG" dirty="0"/>
+              <a:t>Можем да използваме шаблон</a:t>
+            </a:r>
+          </a:p>
+          <a:p>
+            <a:endParaRPr lang="bg-BG" dirty="0"/>
+          </a:p>
+        </p:txBody>
+      </p:sp>
     </p:spTree>
     <p:extLst>
       <p:ext uri="{BB962C8B-B14F-4D97-AF65-F5344CB8AC3E}">
-        <p14:creationId xmlns:p14="http://schemas.microsoft.com/office/powerpoint/2010/main" val="3867721280"/>
+        <p14:creationId xmlns:p14="http://schemas.microsoft.com/office/powerpoint/2010/main" val="3818434769"/>
       </p:ext>
     </p:extLst>
   </p:cSld>
@@ -19514,7 +19427,7 @@
           <p:cNvPr id="2" name="Заглавие 1">
             <a:extLst>
               <a:ext uri="{FF2B5EF4-FFF2-40B4-BE49-F238E27FC236}">
-                <a16:creationId xmlns:a16="http://schemas.microsoft.com/office/drawing/2014/main" id="{96CE1A72-8348-418A-818F-5EB110B3359D}"/>
+                <a16:creationId xmlns:a16="http://schemas.microsoft.com/office/drawing/2014/main" id="{AADF16BE-AA2A-4522-80A6-CE00F3B33A51}"/>
               </a:ext>
             </a:extLst>
           </p:cNvPr>
@@ -19530,66 +19443,49 @@
           <a:bodyPr/>
           <a:lstStyle/>
           <a:p>
-            <a:r>
-              <a:rPr lang="bg-BG" dirty="0"/>
-              <a:t>Решение</a:t>
-            </a:r>
-          </a:p>
-        </p:txBody>
-      </p:sp>
-      <p:sp>
-        <p:nvSpPr>
-          <p:cNvPr id="3" name="Контейнер за съдържание 2">
-            <a:extLst>
-              <a:ext uri="{FF2B5EF4-FFF2-40B4-BE49-F238E27FC236}">
-                <a16:creationId xmlns:a16="http://schemas.microsoft.com/office/drawing/2014/main" id="{F7F8253C-F5E8-434D-94C5-E4F2B9D6F1BC}"/>
-              </a:ext>
-            </a:extLst>
-          </p:cNvPr>
-          <p:cNvSpPr>
-            <a:spLocks noGrp="1"/>
-          </p:cNvSpPr>
+            <a:endParaRPr lang="bg-BG"/>
+          </a:p>
+        </p:txBody>
+      </p:sp>
+      <p:pic>
+        <p:nvPicPr>
+          <p:cNvPr id="5" name="Контейнер за съдържание 4">
+            <a:extLst>
+              <a:ext uri="{FF2B5EF4-FFF2-40B4-BE49-F238E27FC236}">
+                <a16:creationId xmlns:a16="http://schemas.microsoft.com/office/drawing/2014/main" id="{C757EB88-ED2D-40B0-9C22-4F46DE0A97F9}"/>
+              </a:ext>
+            </a:extLst>
+          </p:cNvPr>
+          <p:cNvPicPr>
+            <a:picLocks noGrp="1" noChangeAspect="1"/>
+          </p:cNvPicPr>
           <p:nvPr>
             <p:ph idx="1"/>
           </p:nvPr>
-        </p:nvSpPr>
-        <p:spPr/>
-        <p:txBody>
-          <a:bodyPr/>
-          <a:lstStyle/>
-          <a:p>
-            <a:r>
-              <a:rPr lang="bg-BG" dirty="0"/>
-              <a:t>Трябва изрично да кажем какъв тип стек ще подадем</a:t>
-            </a:r>
-          </a:p>
-          <a:p>
-            <a:endParaRPr lang="bg-BG" dirty="0"/>
-          </a:p>
-          <a:p>
-            <a:r>
-              <a:rPr lang="bg-BG" dirty="0"/>
-              <a:t>Можем да напишем такова за всеки тип данни, които познаваме</a:t>
-            </a:r>
-          </a:p>
-          <a:p>
-            <a:endParaRPr lang="bg-BG" dirty="0"/>
-          </a:p>
-          <a:p>
-            <a:r>
-              <a:rPr lang="bg-BG" dirty="0"/>
-              <a:t>Можем да използваме шаблон</a:t>
-            </a:r>
-          </a:p>
-          <a:p>
-            <a:endParaRPr lang="bg-BG" dirty="0"/>
-          </a:p>
-        </p:txBody>
-      </p:sp>
+        </p:nvPicPr>
+        <p:blipFill>
+          <a:blip r:embed="rId2">
+            <a:extLst>
+              <a:ext uri="{28A0092B-C50C-407E-A947-70E740481C1C}">
+                <a14:useLocalDpi xmlns:a14="http://schemas.microsoft.com/office/drawing/2010/main" val="0"/>
+              </a:ext>
+            </a:extLst>
+          </a:blip>
+          <a:stretch>
+            <a:fillRect/>
+          </a:stretch>
+        </p:blipFill>
+        <p:spPr>
+          <a:xfrm>
+            <a:off x="0" y="-1"/>
+            <a:ext cx="12192000" cy="6854653"/>
+          </a:xfrm>
+        </p:spPr>
+      </p:pic>
     </p:spTree>
     <p:extLst>
       <p:ext uri="{BB962C8B-B14F-4D97-AF65-F5344CB8AC3E}">
-        <p14:creationId xmlns:p14="http://schemas.microsoft.com/office/powerpoint/2010/main" val="3818434769"/>
+        <p14:creationId xmlns:p14="http://schemas.microsoft.com/office/powerpoint/2010/main" val="713886022"/>
       </p:ext>
     </p:extLst>
   </p:cSld>
@@ -19621,7 +19517,7 @@
           <p:cNvPr id="2" name="Заглавие 1">
             <a:extLst>
               <a:ext uri="{FF2B5EF4-FFF2-40B4-BE49-F238E27FC236}">
-                <a16:creationId xmlns:a16="http://schemas.microsoft.com/office/drawing/2014/main" id="{AADF16BE-AA2A-4522-80A6-CE00F3B33A51}"/>
+                <a16:creationId xmlns:a16="http://schemas.microsoft.com/office/drawing/2014/main" id="{A77FAD4F-EF06-436E-87F1-1A7BF1F686DC}"/>
               </a:ext>
             </a:extLst>
           </p:cNvPr>
@@ -19637,49 +19533,96 @@
           <a:bodyPr/>
           <a:lstStyle/>
           <a:p>
-            <a:endParaRPr lang="bg-BG"/>
-          </a:p>
-        </p:txBody>
-      </p:sp>
-      <p:pic>
-        <p:nvPicPr>
-          <p:cNvPr id="5" name="Контейнер за съдържание 4">
-            <a:extLst>
-              <a:ext uri="{FF2B5EF4-FFF2-40B4-BE49-F238E27FC236}">
-                <a16:creationId xmlns:a16="http://schemas.microsoft.com/office/drawing/2014/main" id="{C757EB88-ED2D-40B0-9C22-4F46DE0A97F9}"/>
-              </a:ext>
-            </a:extLst>
-          </p:cNvPr>
-          <p:cNvPicPr>
-            <a:picLocks noGrp="1" noChangeAspect="1"/>
-          </p:cNvPicPr>
+            <a:r>
+              <a:rPr lang="bg-BG" dirty="0"/>
+              <a:t>Шаблонен клас</a:t>
+            </a:r>
+          </a:p>
+        </p:txBody>
+      </p:sp>
+      <p:sp>
+        <p:nvSpPr>
+          <p:cNvPr id="3" name="Контейнер за съдържание 2">
+            <a:extLst>
+              <a:ext uri="{FF2B5EF4-FFF2-40B4-BE49-F238E27FC236}">
+                <a16:creationId xmlns:a16="http://schemas.microsoft.com/office/drawing/2014/main" id="{915AB0D9-DF0B-482B-858D-5A808E9796DC}"/>
+              </a:ext>
+            </a:extLst>
+          </p:cNvPr>
+          <p:cNvSpPr>
+            <a:spLocks noGrp="1"/>
+          </p:cNvSpPr>
           <p:nvPr>
             <p:ph idx="1"/>
           </p:nvPr>
-        </p:nvPicPr>
-        <p:blipFill>
-          <a:blip r:embed="rId2">
-            <a:extLst>
-              <a:ext uri="{28A0092B-C50C-407E-A947-70E740481C1C}">
-                <a14:useLocalDpi xmlns:a14="http://schemas.microsoft.com/office/drawing/2010/main" val="0"/>
-              </a:ext>
-            </a:extLst>
-          </a:blip>
-          <a:stretch>
-            <a:fillRect/>
-          </a:stretch>
-        </p:blipFill>
-        <p:spPr>
-          <a:xfrm>
-            <a:off x="0" y="-1"/>
-            <a:ext cx="12192000" cy="6854653"/>
-          </a:xfrm>
-        </p:spPr>
-      </p:pic>
+        </p:nvSpPr>
+        <p:spPr/>
+        <p:txBody>
+          <a:bodyPr/>
+          <a:lstStyle/>
+          <a:p>
+            <a:r>
+              <a:rPr lang="bg-BG" dirty="0"/>
+              <a:t>Шаблонният клас не е толкова глупав, затова може да се досети ако типът не е уточнен в дефиницията му, че става дума за същия тип като неговия</a:t>
+            </a:r>
+          </a:p>
+          <a:p>
+            <a:endParaRPr lang="bg-BG" dirty="0"/>
+          </a:p>
+          <a:p>
+            <a:r>
+              <a:rPr lang="bg-BG" dirty="0"/>
+              <a:t>Така оператор = на снимката е автоматично сведен до това, до което най-вероятно имаме предвид </a:t>
+            </a:r>
+          </a:p>
+          <a:p>
+            <a:endParaRPr lang="bg-BG" dirty="0"/>
+          </a:p>
+          <a:p>
+            <a:r>
+              <a:rPr lang="bg-BG" dirty="0">
+                <a:solidFill>
+                  <a:schemeClr val="accent2"/>
+                </a:solidFill>
+              </a:rPr>
+              <a:t>Забележка, използвам вградената опция на </a:t>
+            </a:r>
+            <a:r>
+              <a:rPr lang="en-GB" dirty="0">
+                <a:solidFill>
+                  <a:schemeClr val="accent2"/>
+                </a:solidFill>
+              </a:rPr>
+              <a:t>VS </a:t>
+            </a:r>
+            <a:r>
+              <a:rPr lang="bg-BG" dirty="0">
+                <a:solidFill>
+                  <a:schemeClr val="accent2"/>
+                </a:solidFill>
+              </a:rPr>
+              <a:t>с аргумент </a:t>
+            </a:r>
+            <a:r>
+              <a:rPr lang="en-GB" dirty="0">
+                <a:solidFill>
+                  <a:schemeClr val="accent2"/>
+                </a:solidFill>
+              </a:rPr>
+              <a:t>int</a:t>
+            </a:r>
+            <a:endParaRPr lang="bg-BG" dirty="0">
+              <a:solidFill>
+                <a:schemeClr val="accent2"/>
+              </a:solidFill>
+            </a:endParaRPr>
+          </a:p>
+        </p:txBody>
+      </p:sp>
     </p:spTree>
     <p:extLst>
       <p:ext uri="{BB962C8B-B14F-4D97-AF65-F5344CB8AC3E}">
-        <p14:creationId xmlns:p14="http://schemas.microsoft.com/office/powerpoint/2010/main" val="713886022"/>
+        <p14:creationId xmlns:p14="http://schemas.microsoft.com/office/powerpoint/2010/main" val="2423091635"/>
       </p:ext>
     </p:extLst>
   </p:cSld>
@@ -19711,7 +19654,7 @@
           <p:cNvPr id="2" name="Заглавие 1">
             <a:extLst>
               <a:ext uri="{FF2B5EF4-FFF2-40B4-BE49-F238E27FC236}">
-                <a16:creationId xmlns:a16="http://schemas.microsoft.com/office/drawing/2014/main" id="{A77FAD4F-EF06-436E-87F1-1A7BF1F686DC}"/>
+                <a16:creationId xmlns:a16="http://schemas.microsoft.com/office/drawing/2014/main" id="{4D4DC736-726A-4286-9121-B4B040762E84}"/>
               </a:ext>
             </a:extLst>
           </p:cNvPr>
@@ -19727,96 +19670,49 @@
           <a:bodyPr/>
           <a:lstStyle/>
           <a:p>
-            <a:r>
-              <a:rPr lang="bg-BG" dirty="0"/>
-              <a:t>Шаблонен клас</a:t>
-            </a:r>
-          </a:p>
-        </p:txBody>
-      </p:sp>
-      <p:sp>
-        <p:nvSpPr>
-          <p:cNvPr id="3" name="Контейнер за съдържание 2">
-            <a:extLst>
-              <a:ext uri="{FF2B5EF4-FFF2-40B4-BE49-F238E27FC236}">
-                <a16:creationId xmlns:a16="http://schemas.microsoft.com/office/drawing/2014/main" id="{915AB0D9-DF0B-482B-858D-5A808E9796DC}"/>
-              </a:ext>
-            </a:extLst>
-          </p:cNvPr>
-          <p:cNvSpPr>
-            <a:spLocks noGrp="1"/>
-          </p:cNvSpPr>
+            <a:endParaRPr lang="bg-BG"/>
+          </a:p>
+        </p:txBody>
+      </p:sp>
+      <p:pic>
+        <p:nvPicPr>
+          <p:cNvPr id="5" name="Контейнер за съдържание 4">
+            <a:extLst>
+              <a:ext uri="{FF2B5EF4-FFF2-40B4-BE49-F238E27FC236}">
+                <a16:creationId xmlns:a16="http://schemas.microsoft.com/office/drawing/2014/main" id="{37C11A2B-D575-480E-BC71-C1BA1C03DE03}"/>
+              </a:ext>
+            </a:extLst>
+          </p:cNvPr>
+          <p:cNvPicPr>
+            <a:picLocks noGrp="1" noChangeAspect="1"/>
+          </p:cNvPicPr>
           <p:nvPr>
             <p:ph idx="1"/>
           </p:nvPr>
-        </p:nvSpPr>
-        <p:spPr/>
-        <p:txBody>
-          <a:bodyPr/>
-          <a:lstStyle/>
-          <a:p>
-            <a:r>
-              <a:rPr lang="bg-BG" dirty="0"/>
-              <a:t>Шаблонният клас не е толкова глупав, затова може да се досети ако типът не е уточнен в дефиницията му, че става дума за същия тип като неговия</a:t>
-            </a:r>
-          </a:p>
-          <a:p>
-            <a:endParaRPr lang="bg-BG" dirty="0"/>
-          </a:p>
-          <a:p>
-            <a:r>
-              <a:rPr lang="bg-BG" dirty="0"/>
-              <a:t>Така оператор = на снимката е автоматично сведен до това, до което най-вероятно имаме предвид </a:t>
-            </a:r>
-          </a:p>
-          <a:p>
-            <a:endParaRPr lang="bg-BG" dirty="0"/>
-          </a:p>
-          <a:p>
-            <a:r>
-              <a:rPr lang="bg-BG" dirty="0">
-                <a:solidFill>
-                  <a:schemeClr val="accent2"/>
-                </a:solidFill>
-              </a:rPr>
-              <a:t>Забележка, използвам вградената опция на </a:t>
-            </a:r>
-            <a:r>
-              <a:rPr lang="en-GB" dirty="0">
-                <a:solidFill>
-                  <a:schemeClr val="accent2"/>
-                </a:solidFill>
-              </a:rPr>
-              <a:t>VS </a:t>
-            </a:r>
-            <a:r>
-              <a:rPr lang="bg-BG" dirty="0">
-                <a:solidFill>
-                  <a:schemeClr val="accent2"/>
-                </a:solidFill>
-              </a:rPr>
-              <a:t>с аргумент </a:t>
-            </a:r>
-            <a:r>
-              <a:rPr lang="en-GB" dirty="0">
-                <a:solidFill>
-                  <a:schemeClr val="accent2"/>
-                </a:solidFill>
-              </a:rPr>
-              <a:t>int</a:t>
-            </a:r>
-            <a:endParaRPr lang="bg-BG" dirty="0">
-              <a:solidFill>
-                <a:schemeClr val="accent2"/>
-              </a:solidFill>
-            </a:endParaRPr>
-          </a:p>
-        </p:txBody>
-      </p:sp>
+        </p:nvPicPr>
+        <p:blipFill>
+          <a:blip r:embed="rId2">
+            <a:extLst>
+              <a:ext uri="{28A0092B-C50C-407E-A947-70E740481C1C}">
+                <a14:useLocalDpi xmlns:a14="http://schemas.microsoft.com/office/drawing/2010/main" val="0"/>
+              </a:ext>
+            </a:extLst>
+          </a:blip>
+          <a:stretch>
+            <a:fillRect/>
+          </a:stretch>
+        </p:blipFill>
+        <p:spPr>
+          <a:xfrm>
+            <a:off x="0" y="-1"/>
+            <a:ext cx="12192000" cy="6854653"/>
+          </a:xfrm>
+        </p:spPr>
+      </p:pic>
     </p:spTree>
     <p:extLst>
       <p:ext uri="{BB962C8B-B14F-4D97-AF65-F5344CB8AC3E}">
-        <p14:creationId xmlns:p14="http://schemas.microsoft.com/office/powerpoint/2010/main" val="2423091635"/>
+        <p14:creationId xmlns:p14="http://schemas.microsoft.com/office/powerpoint/2010/main" val="298128189"/>
       </p:ext>
     </p:extLst>
   </p:cSld>
@@ -19848,7 +19744,7 @@
           <p:cNvPr id="2" name="Заглавие 1">
             <a:extLst>
               <a:ext uri="{FF2B5EF4-FFF2-40B4-BE49-F238E27FC236}">
-                <a16:creationId xmlns:a16="http://schemas.microsoft.com/office/drawing/2014/main" id="{4D4DC736-726A-4286-9121-B4B040762E84}"/>
+                <a16:creationId xmlns:a16="http://schemas.microsoft.com/office/drawing/2014/main" id="{E1D519EB-FA42-4064-96CC-7C24EA7E0DEA}"/>
               </a:ext>
             </a:extLst>
           </p:cNvPr>
@@ -19864,49 +19760,64 @@
           <a:bodyPr/>
           <a:lstStyle/>
           <a:p>
-            <a:endParaRPr lang="bg-BG"/>
-          </a:p>
-        </p:txBody>
-      </p:sp>
-      <p:pic>
-        <p:nvPicPr>
-          <p:cNvPr id="5" name="Контейнер за съдържание 4">
-            <a:extLst>
-              <a:ext uri="{FF2B5EF4-FFF2-40B4-BE49-F238E27FC236}">
-                <a16:creationId xmlns:a16="http://schemas.microsoft.com/office/drawing/2014/main" id="{37C11A2B-D575-480E-BC71-C1BA1C03DE03}"/>
-              </a:ext>
-            </a:extLst>
-          </p:cNvPr>
-          <p:cNvPicPr>
-            <a:picLocks noGrp="1" noChangeAspect="1"/>
-          </p:cNvPicPr>
+            <a:r>
+              <a:rPr lang="bg-BG" dirty="0"/>
+              <a:t>Шаблонен клас</a:t>
+            </a:r>
+          </a:p>
+        </p:txBody>
+      </p:sp>
+      <p:sp>
+        <p:nvSpPr>
+          <p:cNvPr id="3" name="Контейнер за съдържание 2">
+            <a:extLst>
+              <a:ext uri="{FF2B5EF4-FFF2-40B4-BE49-F238E27FC236}">
+                <a16:creationId xmlns:a16="http://schemas.microsoft.com/office/drawing/2014/main" id="{81B510DE-D869-4A41-9B83-38FCB9EB2781}"/>
+              </a:ext>
+            </a:extLst>
+          </p:cNvPr>
+          <p:cNvSpPr>
+            <a:spLocks noGrp="1"/>
+          </p:cNvSpPr>
           <p:nvPr>
             <p:ph idx="1"/>
           </p:nvPr>
-        </p:nvPicPr>
-        <p:blipFill>
-          <a:blip r:embed="rId2">
-            <a:extLst>
-              <a:ext uri="{28A0092B-C50C-407E-A947-70E740481C1C}">
-                <a14:useLocalDpi xmlns:a14="http://schemas.microsoft.com/office/drawing/2010/main" val="0"/>
-              </a:ext>
-            </a:extLst>
-          </a:blip>
-          <a:stretch>
-            <a:fillRect/>
-          </a:stretch>
-        </p:blipFill>
-        <p:spPr>
-          <a:xfrm>
-            <a:off x="0" y="-1"/>
-            <a:ext cx="12192000" cy="6854653"/>
-          </a:xfrm>
-        </p:spPr>
-      </p:pic>
+        </p:nvSpPr>
+        <p:spPr/>
+        <p:txBody>
+          <a:bodyPr/>
+          <a:lstStyle/>
+          <a:p>
+            <a:r>
+              <a:rPr lang="bg-BG" dirty="0"/>
+              <a:t>Това, че езикът ни го позволява е чудесно и може да ни спести грешки при писане на код</a:t>
+            </a:r>
+          </a:p>
+          <a:p>
+            <a:endParaRPr lang="bg-BG" dirty="0"/>
+          </a:p>
+          <a:p>
+            <a:r>
+              <a:rPr lang="bg-BG" dirty="0"/>
+              <a:t>За някои хора обаче, това е по-трудно четим код, затова е препоръчително да се уточнява, че става дума за </a:t>
+            </a:r>
+            <a:r>
+              <a:rPr lang="en-GB" dirty="0"/>
+              <a:t>Stack&lt;T&gt;</a:t>
+            </a:r>
+          </a:p>
+          <a:p>
+            <a:endParaRPr lang="en-GB" dirty="0"/>
+          </a:p>
+          <a:p>
+            <a:endParaRPr lang="bg-BG" dirty="0"/>
+          </a:p>
+        </p:txBody>
+      </p:sp>
     </p:spTree>
     <p:extLst>
       <p:ext uri="{BB962C8B-B14F-4D97-AF65-F5344CB8AC3E}">
-        <p14:creationId xmlns:p14="http://schemas.microsoft.com/office/powerpoint/2010/main" val="298128189"/>
+        <p14:creationId xmlns:p14="http://schemas.microsoft.com/office/powerpoint/2010/main" val="1133978186"/>
       </p:ext>
     </p:extLst>
   </p:cSld>
@@ -19938,7 +19849,7 @@
           <p:cNvPr id="2" name="Заглавие 1">
             <a:extLst>
               <a:ext uri="{FF2B5EF4-FFF2-40B4-BE49-F238E27FC236}">
-                <a16:creationId xmlns:a16="http://schemas.microsoft.com/office/drawing/2014/main" id="{E1D519EB-FA42-4064-96CC-7C24EA7E0DEA}"/>
+                <a16:creationId xmlns:a16="http://schemas.microsoft.com/office/drawing/2014/main" id="{79AD57D1-ED47-4002-B7ED-D349C4C66759}"/>
               </a:ext>
             </a:extLst>
           </p:cNvPr>
@@ -19954,64 +19865,49 @@
           <a:bodyPr/>
           <a:lstStyle/>
           <a:p>
-            <a:r>
-              <a:rPr lang="bg-BG" dirty="0"/>
-              <a:t>Шаблонен клас</a:t>
-            </a:r>
-          </a:p>
-        </p:txBody>
-      </p:sp>
-      <p:sp>
-        <p:nvSpPr>
-          <p:cNvPr id="3" name="Контейнер за съдържание 2">
-            <a:extLst>
-              <a:ext uri="{FF2B5EF4-FFF2-40B4-BE49-F238E27FC236}">
-                <a16:creationId xmlns:a16="http://schemas.microsoft.com/office/drawing/2014/main" id="{81B510DE-D869-4A41-9B83-38FCB9EB2781}"/>
-              </a:ext>
-            </a:extLst>
-          </p:cNvPr>
-          <p:cNvSpPr>
-            <a:spLocks noGrp="1"/>
-          </p:cNvSpPr>
+            <a:endParaRPr lang="bg-BG"/>
+          </a:p>
+        </p:txBody>
+      </p:sp>
+      <p:pic>
+        <p:nvPicPr>
+          <p:cNvPr id="5" name="Контейнер за съдържание 4">
+            <a:extLst>
+              <a:ext uri="{FF2B5EF4-FFF2-40B4-BE49-F238E27FC236}">
+                <a16:creationId xmlns:a16="http://schemas.microsoft.com/office/drawing/2014/main" id="{C9B141B2-0A63-4D37-A3DF-7E3E08B423F7}"/>
+              </a:ext>
+            </a:extLst>
+          </p:cNvPr>
+          <p:cNvPicPr>
+            <a:picLocks noGrp="1" noChangeAspect="1"/>
+          </p:cNvPicPr>
           <p:nvPr>
             <p:ph idx="1"/>
           </p:nvPr>
-        </p:nvSpPr>
-        <p:spPr/>
-        <p:txBody>
-          <a:bodyPr/>
-          <a:lstStyle/>
-          <a:p>
-            <a:r>
-              <a:rPr lang="bg-BG" dirty="0"/>
-              <a:t>Това, че езикът ни го позволява е чудесно и може да ни спести грешки при писане на код</a:t>
-            </a:r>
-          </a:p>
-          <a:p>
-            <a:endParaRPr lang="bg-BG" dirty="0"/>
-          </a:p>
-          <a:p>
-            <a:r>
-              <a:rPr lang="bg-BG" dirty="0"/>
-              <a:t>За някои хора обаче, това е по-трудно четим код, затова е препоръчително да се уточнява, че става дума за </a:t>
-            </a:r>
-            <a:r>
-              <a:rPr lang="en-GB" dirty="0"/>
-              <a:t>Stack&lt;T&gt;</a:t>
-            </a:r>
-          </a:p>
-          <a:p>
-            <a:endParaRPr lang="en-GB" dirty="0"/>
-          </a:p>
-          <a:p>
-            <a:endParaRPr lang="bg-BG" dirty="0"/>
-          </a:p>
-        </p:txBody>
-      </p:sp>
+        </p:nvPicPr>
+        <p:blipFill>
+          <a:blip r:embed="rId2">
+            <a:extLst>
+              <a:ext uri="{28A0092B-C50C-407E-A947-70E740481C1C}">
+                <a14:useLocalDpi xmlns:a14="http://schemas.microsoft.com/office/drawing/2010/main" val="0"/>
+              </a:ext>
+            </a:extLst>
+          </a:blip>
+          <a:stretch>
+            <a:fillRect/>
+          </a:stretch>
+        </p:blipFill>
+        <p:spPr>
+          <a:xfrm>
+            <a:off x="0" y="14067"/>
+            <a:ext cx="12192000" cy="6854653"/>
+          </a:xfrm>
+        </p:spPr>
+      </p:pic>
     </p:spTree>
     <p:extLst>
       <p:ext uri="{BB962C8B-B14F-4D97-AF65-F5344CB8AC3E}">
-        <p14:creationId xmlns:p14="http://schemas.microsoft.com/office/powerpoint/2010/main" val="1133978186"/>
+        <p14:creationId xmlns:p14="http://schemas.microsoft.com/office/powerpoint/2010/main" val="536167642"/>
       </p:ext>
     </p:extLst>
   </p:cSld>
@@ -20043,96 +19939,6 @@
           <p:cNvPr id="2" name="Заглавие 1">
             <a:extLst>
               <a:ext uri="{FF2B5EF4-FFF2-40B4-BE49-F238E27FC236}">
-                <a16:creationId xmlns:a16="http://schemas.microsoft.com/office/drawing/2014/main" id="{79AD57D1-ED47-4002-B7ED-D349C4C66759}"/>
-              </a:ext>
-            </a:extLst>
-          </p:cNvPr>
-          <p:cNvSpPr>
-            <a:spLocks noGrp="1"/>
-          </p:cNvSpPr>
-          <p:nvPr>
-            <p:ph type="title"/>
-          </p:nvPr>
-        </p:nvSpPr>
-        <p:spPr/>
-        <p:txBody>
-          <a:bodyPr/>
-          <a:lstStyle/>
-          <a:p>
-            <a:endParaRPr lang="bg-BG"/>
-          </a:p>
-        </p:txBody>
-      </p:sp>
-      <p:pic>
-        <p:nvPicPr>
-          <p:cNvPr id="5" name="Контейнер за съдържание 4">
-            <a:extLst>
-              <a:ext uri="{FF2B5EF4-FFF2-40B4-BE49-F238E27FC236}">
-                <a16:creationId xmlns:a16="http://schemas.microsoft.com/office/drawing/2014/main" id="{C9B141B2-0A63-4D37-A3DF-7E3E08B423F7}"/>
-              </a:ext>
-            </a:extLst>
-          </p:cNvPr>
-          <p:cNvPicPr>
-            <a:picLocks noGrp="1" noChangeAspect="1"/>
-          </p:cNvPicPr>
-          <p:nvPr>
-            <p:ph idx="1"/>
-          </p:nvPr>
-        </p:nvPicPr>
-        <p:blipFill>
-          <a:blip r:embed="rId2">
-            <a:extLst>
-              <a:ext uri="{28A0092B-C50C-407E-A947-70E740481C1C}">
-                <a14:useLocalDpi xmlns:a14="http://schemas.microsoft.com/office/drawing/2010/main" val="0"/>
-              </a:ext>
-            </a:extLst>
-          </a:blip>
-          <a:stretch>
-            <a:fillRect/>
-          </a:stretch>
-        </p:blipFill>
-        <p:spPr>
-          <a:xfrm>
-            <a:off x="0" y="14067"/>
-            <a:ext cx="12192000" cy="6854653"/>
-          </a:xfrm>
-        </p:spPr>
-      </p:pic>
-    </p:spTree>
-    <p:extLst>
-      <p:ext uri="{BB962C8B-B14F-4D97-AF65-F5344CB8AC3E}">
-        <p14:creationId xmlns:p14="http://schemas.microsoft.com/office/powerpoint/2010/main" val="536167642"/>
-      </p:ext>
-    </p:extLst>
-  </p:cSld>
-  <p:clrMapOvr>
-    <a:masterClrMapping/>
-  </p:clrMapOvr>
-</p:sld>
-</file>
-
-<file path=ppt/slides/slide98.xml><?xml version="1.0" encoding="utf-8"?>
-<p:sld xmlns:a="http://schemas.openxmlformats.org/drawingml/2006/main" xmlns:r="http://schemas.openxmlformats.org/officeDocument/2006/relationships" xmlns:p="http://schemas.openxmlformats.org/presentationml/2006/main">
-  <p:cSld>
-    <p:spTree>
-      <p:nvGrpSpPr>
-        <p:cNvPr id="1" name=""/>
-        <p:cNvGrpSpPr/>
-        <p:nvPr/>
-      </p:nvGrpSpPr>
-      <p:grpSpPr>
-        <a:xfrm>
-          <a:off x="0" y="0"/>
-          <a:ext cx="0" cy="0"/>
-          <a:chOff x="0" y="0"/>
-          <a:chExt cx="0" cy="0"/>
-        </a:xfrm>
-      </p:grpSpPr>
-      <p:sp>
-        <p:nvSpPr>
-          <p:cNvPr id="2" name="Заглавие 1">
-            <a:extLst>
-              <a:ext uri="{FF2B5EF4-FFF2-40B4-BE49-F238E27FC236}">
                 <a16:creationId xmlns:a16="http://schemas.microsoft.com/office/drawing/2014/main" id="{263AEED1-1260-4262-A702-76808CED06B0}"/>
               </a:ext>
             </a:extLst>
@@ -20241,7 +20047,7 @@
 </p:sld>
 </file>
 
-<file path=ppt/slides/slide99.xml><?xml version="1.0" encoding="utf-8"?>
+<file path=ppt/slides/slide98.xml><?xml version="1.0" encoding="utf-8"?>
 <p:sld xmlns:a="http://schemas.openxmlformats.org/drawingml/2006/main" xmlns:r="http://schemas.openxmlformats.org/officeDocument/2006/relationships" xmlns:p="http://schemas.openxmlformats.org/presentationml/2006/main">
   <p:cSld>
     <p:spTree>
@@ -20399,6 +20205,96 @@
     <p:extLst>
       <p:ext uri="{BB962C8B-B14F-4D97-AF65-F5344CB8AC3E}">
         <p14:creationId xmlns:p14="http://schemas.microsoft.com/office/powerpoint/2010/main" val="1171215104"/>
+      </p:ext>
+    </p:extLst>
+  </p:cSld>
+  <p:clrMapOvr>
+    <a:masterClrMapping/>
+  </p:clrMapOvr>
+</p:sld>
+</file>
+
+<file path=ppt/slides/slide99.xml><?xml version="1.0" encoding="utf-8"?>
+<p:sld xmlns:a="http://schemas.openxmlformats.org/drawingml/2006/main" xmlns:r="http://schemas.openxmlformats.org/officeDocument/2006/relationships" xmlns:p="http://schemas.openxmlformats.org/presentationml/2006/main">
+  <p:cSld>
+    <p:spTree>
+      <p:nvGrpSpPr>
+        <p:cNvPr id="1" name=""/>
+        <p:cNvGrpSpPr/>
+        <p:nvPr/>
+      </p:nvGrpSpPr>
+      <p:grpSpPr>
+        <a:xfrm>
+          <a:off x="0" y="0"/>
+          <a:ext cx="0" cy="0"/>
+          <a:chOff x="0" y="0"/>
+          <a:chExt cx="0" cy="0"/>
+        </a:xfrm>
+      </p:grpSpPr>
+      <p:sp>
+        <p:nvSpPr>
+          <p:cNvPr id="2" name="Заглавие 1">
+            <a:extLst>
+              <a:ext uri="{FF2B5EF4-FFF2-40B4-BE49-F238E27FC236}">
+                <a16:creationId xmlns:a16="http://schemas.microsoft.com/office/drawing/2014/main" id="{98CB4BDA-C23B-4474-9EC2-6FC37C8121F7}"/>
+              </a:ext>
+            </a:extLst>
+          </p:cNvPr>
+          <p:cNvSpPr>
+            <a:spLocks noGrp="1"/>
+          </p:cNvSpPr>
+          <p:nvPr>
+            <p:ph type="title"/>
+          </p:nvPr>
+        </p:nvSpPr>
+        <p:spPr/>
+        <p:txBody>
+          <a:bodyPr/>
+          <a:lstStyle/>
+          <a:p>
+            <a:endParaRPr lang="bg-BG"/>
+          </a:p>
+        </p:txBody>
+      </p:sp>
+      <p:pic>
+        <p:nvPicPr>
+          <p:cNvPr id="5" name="Контейнер за съдържание 4">
+            <a:extLst>
+              <a:ext uri="{FF2B5EF4-FFF2-40B4-BE49-F238E27FC236}">
+                <a16:creationId xmlns:a16="http://schemas.microsoft.com/office/drawing/2014/main" id="{3A57D8B7-B16A-40E3-BC31-0AD5D39272DD}"/>
+              </a:ext>
+            </a:extLst>
+          </p:cNvPr>
+          <p:cNvPicPr>
+            <a:picLocks noGrp="1" noChangeAspect="1"/>
+          </p:cNvPicPr>
+          <p:nvPr>
+            <p:ph idx="1"/>
+          </p:nvPr>
+        </p:nvPicPr>
+        <p:blipFill>
+          <a:blip r:embed="rId2">
+            <a:extLst>
+              <a:ext uri="{28A0092B-C50C-407E-A947-70E740481C1C}">
+                <a14:useLocalDpi xmlns:a14="http://schemas.microsoft.com/office/drawing/2010/main" val="0"/>
+              </a:ext>
+            </a:extLst>
+          </a:blip>
+          <a:stretch>
+            <a:fillRect/>
+          </a:stretch>
+        </p:blipFill>
+        <p:spPr>
+          <a:xfrm>
+            <a:off x="0" y="-1"/>
+            <a:ext cx="12192000" cy="6854653"/>
+          </a:xfrm>
+        </p:spPr>
+      </p:pic>
+    </p:spTree>
+    <p:extLst>
+      <p:ext uri="{BB962C8B-B14F-4D97-AF65-F5344CB8AC3E}">
+        <p14:creationId xmlns:p14="http://schemas.microsoft.com/office/powerpoint/2010/main" val="4139807250"/>
       </p:ext>
     </p:extLst>
   </p:cSld>
